--- a/SecondYearModule 02-Day 04/JIO_BUSINESS_PLAN.pptx
+++ b/SecondYearModule 02-Day 04/JIO_BUSINESS_PLAN.pptx
@@ -5,10 +5,10 @@
     <p:sldMasterId id="2147483648" r:id="rId1"/>
   </p:sldMasterIdLst>
   <p:notesMasterIdLst>
-    <p:notesMasterId r:id="rId31"/>
+    <p:notesMasterId r:id="rId32"/>
   </p:notesMasterIdLst>
   <p:handoutMasterIdLst>
-    <p:handoutMasterId r:id="rId32"/>
+    <p:handoutMasterId r:id="rId33"/>
   </p:handoutMasterIdLst>
   <p:sldIdLst>
     <p:sldId id="256" r:id="rId2"/>
@@ -34,27 +34,28 @@
     <p:sldId id="314" r:id="rId22"/>
     <p:sldId id="304" r:id="rId23"/>
     <p:sldId id="285" r:id="rId24"/>
-    <p:sldId id="286" r:id="rId25"/>
-    <p:sldId id="316" r:id="rId26"/>
-    <p:sldId id="311" r:id="rId27"/>
-    <p:sldId id="315" r:id="rId28"/>
-    <p:sldId id="308" r:id="rId29"/>
-    <p:sldId id="277" r:id="rId30"/>
+    <p:sldId id="334" r:id="rId25"/>
+    <p:sldId id="286" r:id="rId26"/>
+    <p:sldId id="316" r:id="rId27"/>
+    <p:sldId id="311" r:id="rId28"/>
+    <p:sldId id="315" r:id="rId29"/>
+    <p:sldId id="308" r:id="rId30"/>
+    <p:sldId id="277" r:id="rId31"/>
   </p:sldIdLst>
   <p:sldSz cx="12192000" cy="6858000"/>
   <p:notesSz cx="6858000" cy="9144000"/>
   <p:embeddedFontLst>
     <p:embeddedFont>
       <p:font typeface="Calibri" panose="020F0502020204030204" pitchFamily="34" charset="0"/>
-      <p:regular r:id="rId33"/>
-      <p:bold r:id="rId34"/>
-      <p:italic r:id="rId35"/>
-      <p:boldItalic r:id="rId36"/>
+      <p:regular r:id="rId34"/>
+      <p:bold r:id="rId35"/>
+      <p:italic r:id="rId36"/>
+      <p:boldItalic r:id="rId37"/>
     </p:embeddedFont>
     <p:embeddedFont>
       <p:font typeface="Roboto Slab" panose="020B0604020202020204" charset="0"/>
-      <p:regular r:id="rId37"/>
-      <p:bold r:id="rId38"/>
+      <p:regular r:id="rId38"/>
+      <p:bold r:id="rId39"/>
     </p:embeddedFont>
   </p:embeddedFontLst>
   <p:defaultTextStyle>
@@ -13450,7 +13451,7 @@
           <a:p>
             <a:fld id="{AB5A0919-861D-4B8C-BB1B-92D7E99C3265}" type="datetimeFigureOut">
               <a:rPr lang="en-IN" smtClean="0"/>
-              <a:t>15-09-2022</a:t>
+              <a:t>23-09-2022</a:t>
             </a:fld>
             <a:endParaRPr lang="en-IN"/>
           </a:p>
@@ -13628,7 +13629,7 @@
           <a:p>
             <a:fld id="{48A04D3E-AB25-4865-88B1-E5CEDFA4F726}" type="datetimeFigureOut">
               <a:rPr lang="en-IN" smtClean="0"/>
-              <a:t>15-09-2022</a:t>
+              <a:t>23-09-2022</a:t>
             </a:fld>
             <a:endParaRPr lang="en-IN"/>
           </a:p>
@@ -15651,7 +15652,7 @@
                 </a:solidFill>
               </a:rPr>
               <a:pPr/>
-              <a:t>28</a:t>
+              <a:t>29</a:t>
             </a:fld>
             <a:endParaRPr lang="en-IN">
               <a:solidFill>
@@ -27393,6 +27394,1010 @@
 <file path=ppt/slides/slide24.xml><?xml version="1.0" encoding="utf-8"?>
 <p:sld xmlns:a="http://schemas.openxmlformats.org/drawingml/2006/main" xmlns:r="http://schemas.openxmlformats.org/officeDocument/2006/relationships" xmlns:p="http://schemas.openxmlformats.org/presentationml/2006/main">
   <p:cSld>
+    <p:bg>
+      <p:bgPr>
+        <a:pattFill prst="dkUpDiag">
+          <a:fgClr>
+            <a:schemeClr val="accent1"/>
+          </a:fgClr>
+          <a:bgClr>
+            <a:schemeClr val="bg1"/>
+          </a:bgClr>
+        </a:pattFill>
+        <a:effectLst/>
+      </p:bgPr>
+    </p:bg>
+    <p:spTree>
+      <p:nvGrpSpPr>
+        <p:cNvPr id="1" name=""/>
+        <p:cNvGrpSpPr/>
+        <p:nvPr/>
+      </p:nvGrpSpPr>
+      <p:grpSpPr>
+        <a:xfrm>
+          <a:off x="0" y="0"/>
+          <a:ext cx="0" cy="0"/>
+          <a:chOff x="0" y="0"/>
+          <a:chExt cx="0" cy="0"/>
+        </a:xfrm>
+      </p:grpSpPr>
+      <p:sp>
+        <p:nvSpPr>
+          <p:cNvPr id="2" name="Title 1"/>
+          <p:cNvSpPr>
+            <a:spLocks noGrp="1"/>
+          </p:cNvSpPr>
+          <p:nvPr>
+            <p:ph type="title"/>
+          </p:nvPr>
+        </p:nvSpPr>
+        <p:spPr/>
+        <p:style>
+          <a:lnRef idx="1">
+            <a:schemeClr val="accent3"/>
+          </a:lnRef>
+          <a:fillRef idx="2">
+            <a:schemeClr val="accent3"/>
+          </a:fillRef>
+          <a:effectRef idx="1">
+            <a:schemeClr val="accent3"/>
+          </a:effectRef>
+          <a:fontRef idx="minor">
+            <a:schemeClr val="dk1"/>
+          </a:fontRef>
+        </p:style>
+        <p:txBody>
+          <a:bodyPr>
+            <a:normAutofit fontScale="90000"/>
+          </a:bodyPr>
+          <a:lstStyle/>
+          <a:p>
+            <a:pPr algn="l"/>
+            <a:r>
+              <a:rPr lang="en-US" dirty="0"/>
+              <a:t>Competition Advantage of Jio Telecom:</a:t>
+            </a:r>
+          </a:p>
+        </p:txBody>
+      </p:sp>
+      <p:grpSp>
+        <p:nvGrpSpPr>
+          <p:cNvPr id="7" name="Group 6">
+            <a:extLst>
+              <a:ext uri="{FF2B5EF4-FFF2-40B4-BE49-F238E27FC236}">
+                <a16:creationId xmlns:a16="http://schemas.microsoft.com/office/drawing/2014/main" id="{DDD754A9-8E46-40F7-9B14-9E0851C2872D}"/>
+              </a:ext>
+            </a:extLst>
+          </p:cNvPr>
+          <p:cNvGrpSpPr/>
+          <p:nvPr/>
+        </p:nvGrpSpPr>
+        <p:grpSpPr>
+          <a:xfrm>
+            <a:off x="614855" y="1450428"/>
+            <a:ext cx="10231821" cy="5170992"/>
+            <a:chOff x="3111223" y="1202945"/>
+            <a:chExt cx="4883081" cy="5418475"/>
+          </a:xfrm>
+          <a:solidFill>
+            <a:schemeClr val="accent2"/>
+          </a:solidFill>
+        </p:grpSpPr>
+        <p:sp>
+          <p:nvSpPr>
+            <p:cNvPr id="8" name="Freeform: Shape 7">
+              <a:extLst>
+                <a:ext uri="{FF2B5EF4-FFF2-40B4-BE49-F238E27FC236}">
+                  <a16:creationId xmlns:a16="http://schemas.microsoft.com/office/drawing/2014/main" id="{CF5B09E6-166A-4451-8147-CBE160DB1895}"/>
+                </a:ext>
+              </a:extLst>
+            </p:cNvPr>
+            <p:cNvSpPr/>
+            <p:nvPr/>
+          </p:nvSpPr>
+          <p:spPr>
+            <a:xfrm>
+              <a:off x="5306759" y="1202945"/>
+              <a:ext cx="2055737" cy="2008628"/>
+            </a:xfrm>
+            <a:custGeom>
+              <a:avLst/>
+              <a:gdLst>
+                <a:gd name="connsiteX0" fmla="*/ 0 w 2008628"/>
+                <a:gd name="connsiteY0" fmla="*/ 873753 h 1747506"/>
+                <a:gd name="connsiteX1" fmla="*/ 436877 w 2008628"/>
+                <a:gd name="connsiteY1" fmla="*/ 0 h 1747506"/>
+                <a:gd name="connsiteX2" fmla="*/ 1571752 w 2008628"/>
+                <a:gd name="connsiteY2" fmla="*/ 0 h 1747506"/>
+                <a:gd name="connsiteX3" fmla="*/ 2008628 w 2008628"/>
+                <a:gd name="connsiteY3" fmla="*/ 873753 h 1747506"/>
+                <a:gd name="connsiteX4" fmla="*/ 1571752 w 2008628"/>
+                <a:gd name="connsiteY4" fmla="*/ 1747506 h 1747506"/>
+                <a:gd name="connsiteX5" fmla="*/ 436877 w 2008628"/>
+                <a:gd name="connsiteY5" fmla="*/ 1747506 h 1747506"/>
+                <a:gd name="connsiteX6" fmla="*/ 0 w 2008628"/>
+                <a:gd name="connsiteY6" fmla="*/ 873753 h 1747506"/>
+              </a:gdLst>
+              <a:ahLst/>
+              <a:cxnLst>
+                <a:cxn ang="0">
+                  <a:pos x="connsiteX0" y="connsiteY0"/>
+                </a:cxn>
+                <a:cxn ang="0">
+                  <a:pos x="connsiteX1" y="connsiteY1"/>
+                </a:cxn>
+                <a:cxn ang="0">
+                  <a:pos x="connsiteX2" y="connsiteY2"/>
+                </a:cxn>
+                <a:cxn ang="0">
+                  <a:pos x="connsiteX3" y="connsiteY3"/>
+                </a:cxn>
+                <a:cxn ang="0">
+                  <a:pos x="connsiteX4" y="connsiteY4"/>
+                </a:cxn>
+                <a:cxn ang="0">
+                  <a:pos x="connsiteX5" y="connsiteY5"/>
+                </a:cxn>
+                <a:cxn ang="0">
+                  <a:pos x="connsiteX6" y="connsiteY6"/>
+                </a:cxn>
+              </a:cxnLst>
+              <a:rect l="l" t="t" r="r" b="b"/>
+              <a:pathLst>
+                <a:path w="2008628" h="1747506">
+                  <a:moveTo>
+                    <a:pt x="1004314" y="0"/>
+                  </a:moveTo>
+                  <a:lnTo>
+                    <a:pt x="2008627" y="380083"/>
+                  </a:lnTo>
+                  <a:lnTo>
+                    <a:pt x="2008627" y="1367424"/>
+                  </a:lnTo>
+                  <a:lnTo>
+                    <a:pt x="1004314" y="1747506"/>
+                  </a:lnTo>
+                  <a:lnTo>
+                    <a:pt x="1" y="1367424"/>
+                  </a:lnTo>
+                  <a:lnTo>
+                    <a:pt x="1" y="380083"/>
+                  </a:lnTo>
+                  <a:lnTo>
+                    <a:pt x="1004314" y="0"/>
+                  </a:lnTo>
+                  <a:close/>
+                </a:path>
+              </a:pathLst>
+            </a:custGeom>
+            <a:grpFill/>
+          </p:spPr>
+          <p:style>
+            <a:lnRef idx="2">
+              <a:schemeClr val="lt1">
+                <a:hueOff val="0"/>
+                <a:satOff val="0"/>
+                <a:lumOff val="0"/>
+                <a:alphaOff val="0"/>
+              </a:schemeClr>
+            </a:lnRef>
+            <a:fillRef idx="1">
+              <a:schemeClr val="accent1">
+                <a:hueOff val="0"/>
+                <a:satOff val="0"/>
+                <a:lumOff val="0"/>
+                <a:alphaOff val="0"/>
+              </a:schemeClr>
+            </a:fillRef>
+            <a:effectRef idx="0">
+              <a:schemeClr val="accent1">
+                <a:hueOff val="0"/>
+                <a:satOff val="0"/>
+                <a:lumOff val="0"/>
+                <a:alphaOff val="0"/>
+              </a:schemeClr>
+            </a:effectRef>
+            <a:fontRef idx="minor">
+              <a:schemeClr val="lt1"/>
+            </a:fontRef>
+          </p:style>
+          <p:txBody>
+            <a:bodyPr spcFirstLastPara="0" vert="horz" wrap="square" lIns="321850" tIns="362541" rIns="321850" bIns="362541" numCol="1" spcCol="1270" anchor="ctr" anchorCtr="0">
+              <a:noAutofit/>
+            </a:bodyPr>
+            <a:lstStyle/>
+            <a:p>
+              <a:pPr marL="0" lvl="0" indent="0" algn="ctr" defTabSz="577850">
+                <a:lnSpc>
+                  <a:spcPct val="90000"/>
+                </a:lnSpc>
+                <a:spcBef>
+                  <a:spcPct val="0"/>
+                </a:spcBef>
+                <a:spcAft>
+                  <a:spcPct val="35000"/>
+                </a:spcAft>
+                <a:buNone/>
+              </a:pPr>
+              <a:r>
+                <a:rPr lang="en-US" kern="1200" dirty="0">
+                  <a:highlight>
+                    <a:srgbClr val="000000"/>
+                  </a:highlight>
+                </a:rPr>
+                <a:t>Huge Market Opportunity</a:t>
+              </a:r>
+            </a:p>
+          </p:txBody>
+        </p:sp>
+        <p:sp>
+          <p:nvSpPr>
+            <p:cNvPr id="10" name="Freeform: Shape 9">
+              <a:extLst>
+                <a:ext uri="{FF2B5EF4-FFF2-40B4-BE49-F238E27FC236}">
+                  <a16:creationId xmlns:a16="http://schemas.microsoft.com/office/drawing/2014/main" id="{766851FC-7BF8-4F7A-90F2-80486003898B}"/>
+                </a:ext>
+              </a:extLst>
+            </p:cNvPr>
+            <p:cNvSpPr/>
+            <p:nvPr/>
+          </p:nvSpPr>
+          <p:spPr>
+            <a:xfrm>
+              <a:off x="3419453" y="1202945"/>
+              <a:ext cx="1747506" cy="2008628"/>
+            </a:xfrm>
+            <a:custGeom>
+              <a:avLst/>
+              <a:gdLst>
+                <a:gd name="connsiteX0" fmla="*/ 0 w 2008628"/>
+                <a:gd name="connsiteY0" fmla="*/ 873753 h 1747506"/>
+                <a:gd name="connsiteX1" fmla="*/ 436877 w 2008628"/>
+                <a:gd name="connsiteY1" fmla="*/ 0 h 1747506"/>
+                <a:gd name="connsiteX2" fmla="*/ 1571752 w 2008628"/>
+                <a:gd name="connsiteY2" fmla="*/ 0 h 1747506"/>
+                <a:gd name="connsiteX3" fmla="*/ 2008628 w 2008628"/>
+                <a:gd name="connsiteY3" fmla="*/ 873753 h 1747506"/>
+                <a:gd name="connsiteX4" fmla="*/ 1571752 w 2008628"/>
+                <a:gd name="connsiteY4" fmla="*/ 1747506 h 1747506"/>
+                <a:gd name="connsiteX5" fmla="*/ 436877 w 2008628"/>
+                <a:gd name="connsiteY5" fmla="*/ 1747506 h 1747506"/>
+                <a:gd name="connsiteX6" fmla="*/ 0 w 2008628"/>
+                <a:gd name="connsiteY6" fmla="*/ 873753 h 1747506"/>
+              </a:gdLst>
+              <a:ahLst/>
+              <a:cxnLst>
+                <a:cxn ang="0">
+                  <a:pos x="connsiteX0" y="connsiteY0"/>
+                </a:cxn>
+                <a:cxn ang="0">
+                  <a:pos x="connsiteX1" y="connsiteY1"/>
+                </a:cxn>
+                <a:cxn ang="0">
+                  <a:pos x="connsiteX2" y="connsiteY2"/>
+                </a:cxn>
+                <a:cxn ang="0">
+                  <a:pos x="connsiteX3" y="connsiteY3"/>
+                </a:cxn>
+                <a:cxn ang="0">
+                  <a:pos x="connsiteX4" y="connsiteY4"/>
+                </a:cxn>
+                <a:cxn ang="0">
+                  <a:pos x="connsiteX5" y="connsiteY5"/>
+                </a:cxn>
+                <a:cxn ang="0">
+                  <a:pos x="connsiteX6" y="connsiteY6"/>
+                </a:cxn>
+              </a:cxnLst>
+              <a:rect l="l" t="t" r="r" b="b"/>
+              <a:pathLst>
+                <a:path w="2008628" h="1747506">
+                  <a:moveTo>
+                    <a:pt x="1004314" y="0"/>
+                  </a:moveTo>
+                  <a:lnTo>
+                    <a:pt x="2008627" y="380083"/>
+                  </a:lnTo>
+                  <a:lnTo>
+                    <a:pt x="2008627" y="1367424"/>
+                  </a:lnTo>
+                  <a:lnTo>
+                    <a:pt x="1004314" y="1747506"/>
+                  </a:lnTo>
+                  <a:lnTo>
+                    <a:pt x="1" y="1367424"/>
+                  </a:lnTo>
+                  <a:lnTo>
+                    <a:pt x="1" y="380083"/>
+                  </a:lnTo>
+                  <a:lnTo>
+                    <a:pt x="1004314" y="0"/>
+                  </a:lnTo>
+                  <a:close/>
+                </a:path>
+              </a:pathLst>
+            </a:custGeom>
+            <a:grpFill/>
+          </p:spPr>
+          <p:style>
+            <a:lnRef idx="2">
+              <a:schemeClr val="lt1">
+                <a:hueOff val="0"/>
+                <a:satOff val="0"/>
+                <a:lumOff val="0"/>
+                <a:alphaOff val="0"/>
+              </a:schemeClr>
+            </a:lnRef>
+            <a:fillRef idx="1">
+              <a:schemeClr val="accent1">
+                <a:hueOff val="0"/>
+                <a:satOff val="0"/>
+                <a:lumOff val="0"/>
+                <a:alphaOff val="0"/>
+              </a:schemeClr>
+            </a:fillRef>
+            <a:effectRef idx="0">
+              <a:schemeClr val="accent1">
+                <a:hueOff val="0"/>
+                <a:satOff val="0"/>
+                <a:lumOff val="0"/>
+                <a:alphaOff val="0"/>
+              </a:schemeClr>
+            </a:effectRef>
+            <a:fontRef idx="minor">
+              <a:schemeClr val="lt1"/>
+            </a:fontRef>
+          </p:style>
+          <p:txBody>
+            <a:bodyPr spcFirstLastPara="0" vert="horz" wrap="square" lIns="272320" tIns="313011" rIns="272320" bIns="313011" numCol="1" spcCol="1270" anchor="ctr" anchorCtr="0">
+              <a:noAutofit/>
+            </a:bodyPr>
+            <a:lstStyle/>
+            <a:p>
+              <a:pPr marL="0" lvl="0" indent="0" algn="ctr" defTabSz="711200">
+                <a:lnSpc>
+                  <a:spcPct val="90000"/>
+                </a:lnSpc>
+                <a:spcBef>
+                  <a:spcPct val="0"/>
+                </a:spcBef>
+                <a:spcAft>
+                  <a:spcPct val="35000"/>
+                </a:spcAft>
+                <a:buNone/>
+              </a:pPr>
+              <a:r>
+                <a:rPr lang="en-US" sz="1600" kern="1200" dirty="0">
+                  <a:highlight>
+                    <a:srgbClr val="000000"/>
+                  </a:highlight>
+                </a:rPr>
+                <a:t>Competition </a:t>
+              </a:r>
+              <a:r>
+                <a:rPr lang="en-US" kern="1200" dirty="0">
+                  <a:highlight>
+                    <a:srgbClr val="000000"/>
+                  </a:highlight>
+                </a:rPr>
+                <a:t>Advantage</a:t>
+              </a:r>
+              <a:r>
+                <a:rPr lang="en-US" sz="1600" kern="1200" dirty="0">
+                  <a:highlight>
+                    <a:srgbClr val="000000"/>
+                  </a:highlight>
+                </a:rPr>
+                <a:t> JIO</a:t>
+              </a:r>
+            </a:p>
+          </p:txBody>
+        </p:sp>
+        <p:sp>
+          <p:nvSpPr>
+            <p:cNvPr id="11" name="Freeform: Shape 10">
+              <a:extLst>
+                <a:ext uri="{FF2B5EF4-FFF2-40B4-BE49-F238E27FC236}">
+                  <a16:creationId xmlns:a16="http://schemas.microsoft.com/office/drawing/2014/main" id="{9D083DBF-90B1-4BB3-954E-21A36CE8C66D}"/>
+                </a:ext>
+              </a:extLst>
+            </p:cNvPr>
+            <p:cNvSpPr/>
+            <p:nvPr/>
+          </p:nvSpPr>
+          <p:spPr>
+            <a:xfrm>
+              <a:off x="3937680" y="2907869"/>
+              <a:ext cx="2169317" cy="2008628"/>
+            </a:xfrm>
+            <a:custGeom>
+              <a:avLst/>
+              <a:gdLst>
+                <a:gd name="connsiteX0" fmla="*/ 0 w 2008628"/>
+                <a:gd name="connsiteY0" fmla="*/ 873753 h 1747506"/>
+                <a:gd name="connsiteX1" fmla="*/ 436877 w 2008628"/>
+                <a:gd name="connsiteY1" fmla="*/ 0 h 1747506"/>
+                <a:gd name="connsiteX2" fmla="*/ 1571752 w 2008628"/>
+                <a:gd name="connsiteY2" fmla="*/ 0 h 1747506"/>
+                <a:gd name="connsiteX3" fmla="*/ 2008628 w 2008628"/>
+                <a:gd name="connsiteY3" fmla="*/ 873753 h 1747506"/>
+                <a:gd name="connsiteX4" fmla="*/ 1571752 w 2008628"/>
+                <a:gd name="connsiteY4" fmla="*/ 1747506 h 1747506"/>
+                <a:gd name="connsiteX5" fmla="*/ 436877 w 2008628"/>
+                <a:gd name="connsiteY5" fmla="*/ 1747506 h 1747506"/>
+                <a:gd name="connsiteX6" fmla="*/ 0 w 2008628"/>
+                <a:gd name="connsiteY6" fmla="*/ 873753 h 1747506"/>
+              </a:gdLst>
+              <a:ahLst/>
+              <a:cxnLst>
+                <a:cxn ang="0">
+                  <a:pos x="connsiteX0" y="connsiteY0"/>
+                </a:cxn>
+                <a:cxn ang="0">
+                  <a:pos x="connsiteX1" y="connsiteY1"/>
+                </a:cxn>
+                <a:cxn ang="0">
+                  <a:pos x="connsiteX2" y="connsiteY2"/>
+                </a:cxn>
+                <a:cxn ang="0">
+                  <a:pos x="connsiteX3" y="connsiteY3"/>
+                </a:cxn>
+                <a:cxn ang="0">
+                  <a:pos x="connsiteX4" y="connsiteY4"/>
+                </a:cxn>
+                <a:cxn ang="0">
+                  <a:pos x="connsiteX5" y="connsiteY5"/>
+                </a:cxn>
+                <a:cxn ang="0">
+                  <a:pos x="connsiteX6" y="connsiteY6"/>
+                </a:cxn>
+              </a:cxnLst>
+              <a:rect l="l" t="t" r="r" b="b"/>
+              <a:pathLst>
+                <a:path w="2008628" h="1747506">
+                  <a:moveTo>
+                    <a:pt x="1004314" y="0"/>
+                  </a:moveTo>
+                  <a:lnTo>
+                    <a:pt x="2008627" y="380083"/>
+                  </a:lnTo>
+                  <a:lnTo>
+                    <a:pt x="2008627" y="1367424"/>
+                  </a:lnTo>
+                  <a:lnTo>
+                    <a:pt x="1004314" y="1747506"/>
+                  </a:lnTo>
+                  <a:lnTo>
+                    <a:pt x="1" y="1367424"/>
+                  </a:lnTo>
+                  <a:lnTo>
+                    <a:pt x="1" y="380083"/>
+                  </a:lnTo>
+                  <a:lnTo>
+                    <a:pt x="1004314" y="0"/>
+                  </a:lnTo>
+                  <a:close/>
+                </a:path>
+              </a:pathLst>
+            </a:custGeom>
+            <a:grpFill/>
+          </p:spPr>
+          <p:style>
+            <a:lnRef idx="2">
+              <a:schemeClr val="lt1">
+                <a:hueOff val="0"/>
+                <a:satOff val="0"/>
+                <a:lumOff val="0"/>
+                <a:alphaOff val="0"/>
+              </a:schemeClr>
+            </a:lnRef>
+            <a:fillRef idx="1">
+              <a:schemeClr val="accent1">
+                <a:hueOff val="0"/>
+                <a:satOff val="0"/>
+                <a:lumOff val="0"/>
+                <a:alphaOff val="0"/>
+              </a:schemeClr>
+            </a:fillRef>
+            <a:effectRef idx="0">
+              <a:schemeClr val="accent1">
+                <a:hueOff val="0"/>
+                <a:satOff val="0"/>
+                <a:lumOff val="0"/>
+                <a:alphaOff val="0"/>
+              </a:schemeClr>
+            </a:effectRef>
+            <a:fontRef idx="minor">
+              <a:schemeClr val="lt1"/>
+            </a:fontRef>
+          </p:style>
+          <p:txBody>
+            <a:bodyPr spcFirstLastPara="0" vert="horz" wrap="square" lIns="321850" tIns="362541" rIns="321850" bIns="362541" numCol="1" spcCol="1270" anchor="ctr" anchorCtr="0">
+              <a:noAutofit/>
+            </a:bodyPr>
+            <a:lstStyle/>
+            <a:p>
+              <a:pPr marL="0" lvl="0" indent="0" algn="ctr" defTabSz="577850">
+                <a:lnSpc>
+                  <a:spcPct val="90000"/>
+                </a:lnSpc>
+                <a:spcBef>
+                  <a:spcPct val="0"/>
+                </a:spcBef>
+                <a:spcAft>
+                  <a:spcPct val="35000"/>
+                </a:spcAft>
+                <a:buNone/>
+              </a:pPr>
+              <a:r>
+                <a:rPr lang="en-US" kern="1200" dirty="0">
+                  <a:highlight>
+                    <a:srgbClr val="000000"/>
+                  </a:highlight>
+                </a:rPr>
+                <a:t>Inspiring and Experienced Management Team</a:t>
+              </a:r>
+            </a:p>
+          </p:txBody>
+        </p:sp>
+        <p:sp>
+          <p:nvSpPr>
+            <p:cNvPr id="13" name="Freeform: Shape 12">
+              <a:extLst>
+                <a:ext uri="{FF2B5EF4-FFF2-40B4-BE49-F238E27FC236}">
+                  <a16:creationId xmlns:a16="http://schemas.microsoft.com/office/drawing/2014/main" id="{DE11B9DC-1F05-41CA-A5EE-297FE71B1BC2}"/>
+                </a:ext>
+              </a:extLst>
+            </p:cNvPr>
+            <p:cNvSpPr/>
+            <p:nvPr/>
+          </p:nvSpPr>
+          <p:spPr>
+            <a:xfrm>
+              <a:off x="6246798" y="2907869"/>
+              <a:ext cx="1747506" cy="2008628"/>
+            </a:xfrm>
+            <a:custGeom>
+              <a:avLst/>
+              <a:gdLst>
+                <a:gd name="connsiteX0" fmla="*/ 0 w 2008628"/>
+                <a:gd name="connsiteY0" fmla="*/ 873753 h 1747506"/>
+                <a:gd name="connsiteX1" fmla="*/ 436877 w 2008628"/>
+                <a:gd name="connsiteY1" fmla="*/ 0 h 1747506"/>
+                <a:gd name="connsiteX2" fmla="*/ 1571752 w 2008628"/>
+                <a:gd name="connsiteY2" fmla="*/ 0 h 1747506"/>
+                <a:gd name="connsiteX3" fmla="*/ 2008628 w 2008628"/>
+                <a:gd name="connsiteY3" fmla="*/ 873753 h 1747506"/>
+                <a:gd name="connsiteX4" fmla="*/ 1571752 w 2008628"/>
+                <a:gd name="connsiteY4" fmla="*/ 1747506 h 1747506"/>
+                <a:gd name="connsiteX5" fmla="*/ 436877 w 2008628"/>
+                <a:gd name="connsiteY5" fmla="*/ 1747506 h 1747506"/>
+                <a:gd name="connsiteX6" fmla="*/ 0 w 2008628"/>
+                <a:gd name="connsiteY6" fmla="*/ 873753 h 1747506"/>
+              </a:gdLst>
+              <a:ahLst/>
+              <a:cxnLst>
+                <a:cxn ang="0">
+                  <a:pos x="connsiteX0" y="connsiteY0"/>
+                </a:cxn>
+                <a:cxn ang="0">
+                  <a:pos x="connsiteX1" y="connsiteY1"/>
+                </a:cxn>
+                <a:cxn ang="0">
+                  <a:pos x="connsiteX2" y="connsiteY2"/>
+                </a:cxn>
+                <a:cxn ang="0">
+                  <a:pos x="connsiteX3" y="connsiteY3"/>
+                </a:cxn>
+                <a:cxn ang="0">
+                  <a:pos x="connsiteX4" y="connsiteY4"/>
+                </a:cxn>
+                <a:cxn ang="0">
+                  <a:pos x="connsiteX5" y="connsiteY5"/>
+                </a:cxn>
+                <a:cxn ang="0">
+                  <a:pos x="connsiteX6" y="connsiteY6"/>
+                </a:cxn>
+              </a:cxnLst>
+              <a:rect l="l" t="t" r="r" b="b"/>
+              <a:pathLst>
+                <a:path w="2008628" h="1747506">
+                  <a:moveTo>
+                    <a:pt x="1004314" y="0"/>
+                  </a:moveTo>
+                  <a:lnTo>
+                    <a:pt x="2008627" y="380083"/>
+                  </a:lnTo>
+                  <a:lnTo>
+                    <a:pt x="2008627" y="1367424"/>
+                  </a:lnTo>
+                  <a:lnTo>
+                    <a:pt x="1004314" y="1747506"/>
+                  </a:lnTo>
+                  <a:lnTo>
+                    <a:pt x="1" y="1367424"/>
+                  </a:lnTo>
+                  <a:lnTo>
+                    <a:pt x="1" y="380083"/>
+                  </a:lnTo>
+                  <a:lnTo>
+                    <a:pt x="1004314" y="0"/>
+                  </a:lnTo>
+                  <a:close/>
+                </a:path>
+              </a:pathLst>
+            </a:custGeom>
+            <a:grpFill/>
+          </p:spPr>
+          <p:style>
+            <a:lnRef idx="2">
+              <a:schemeClr val="lt1">
+                <a:hueOff val="0"/>
+                <a:satOff val="0"/>
+                <a:lumOff val="0"/>
+                <a:alphaOff val="0"/>
+              </a:schemeClr>
+            </a:lnRef>
+            <a:fillRef idx="1">
+              <a:schemeClr val="accent1">
+                <a:hueOff val="0"/>
+                <a:satOff val="0"/>
+                <a:lumOff val="0"/>
+                <a:alphaOff val="0"/>
+              </a:schemeClr>
+            </a:fillRef>
+            <a:effectRef idx="0">
+              <a:schemeClr val="accent1">
+                <a:hueOff val="0"/>
+                <a:satOff val="0"/>
+                <a:lumOff val="0"/>
+                <a:alphaOff val="0"/>
+              </a:schemeClr>
+            </a:effectRef>
+            <a:fontRef idx="minor">
+              <a:schemeClr val="lt1"/>
+            </a:fontRef>
+          </p:style>
+          <p:txBody>
+            <a:bodyPr spcFirstLastPara="0" vert="horz" wrap="square" lIns="272320" tIns="313011" rIns="272320" bIns="313011" numCol="1" spcCol="1270" anchor="ctr" anchorCtr="0">
+              <a:noAutofit/>
+            </a:bodyPr>
+            <a:lstStyle/>
+            <a:p>
+              <a:pPr marL="0" lvl="0" indent="0" algn="ctr" defTabSz="800100">
+                <a:lnSpc>
+                  <a:spcPct val="90000"/>
+                </a:lnSpc>
+                <a:spcBef>
+                  <a:spcPct val="0"/>
+                </a:spcBef>
+                <a:spcAft>
+                  <a:spcPct val="35000"/>
+                </a:spcAft>
+                <a:buNone/>
+              </a:pPr>
+              <a:r>
+                <a:rPr lang="en-US" sz="1800" kern="1200" dirty="0">
+                  <a:highlight>
+                    <a:srgbClr val="000000"/>
+                  </a:highlight>
+                </a:rPr>
+                <a:t>Defensible Business and Strong Execution Strategy</a:t>
+              </a:r>
+            </a:p>
+          </p:txBody>
+        </p:sp>
+        <p:sp>
+          <p:nvSpPr>
+            <p:cNvPr id="14" name="Freeform: Shape 13">
+              <a:extLst>
+                <a:ext uri="{FF2B5EF4-FFF2-40B4-BE49-F238E27FC236}">
+                  <a16:creationId xmlns:a16="http://schemas.microsoft.com/office/drawing/2014/main" id="{80CE997E-2340-459C-A432-915560F6B65C}"/>
+                </a:ext>
+              </a:extLst>
+            </p:cNvPr>
+            <p:cNvSpPr/>
+            <p:nvPr/>
+          </p:nvSpPr>
+          <p:spPr>
+            <a:xfrm>
+              <a:off x="5306760" y="4612792"/>
+              <a:ext cx="2055736" cy="2008628"/>
+            </a:xfrm>
+            <a:custGeom>
+              <a:avLst/>
+              <a:gdLst>
+                <a:gd name="connsiteX0" fmla="*/ 0 w 2008628"/>
+                <a:gd name="connsiteY0" fmla="*/ 873753 h 1747506"/>
+                <a:gd name="connsiteX1" fmla="*/ 436877 w 2008628"/>
+                <a:gd name="connsiteY1" fmla="*/ 0 h 1747506"/>
+                <a:gd name="connsiteX2" fmla="*/ 1571752 w 2008628"/>
+                <a:gd name="connsiteY2" fmla="*/ 0 h 1747506"/>
+                <a:gd name="connsiteX3" fmla="*/ 2008628 w 2008628"/>
+                <a:gd name="connsiteY3" fmla="*/ 873753 h 1747506"/>
+                <a:gd name="connsiteX4" fmla="*/ 1571752 w 2008628"/>
+                <a:gd name="connsiteY4" fmla="*/ 1747506 h 1747506"/>
+                <a:gd name="connsiteX5" fmla="*/ 436877 w 2008628"/>
+                <a:gd name="connsiteY5" fmla="*/ 1747506 h 1747506"/>
+                <a:gd name="connsiteX6" fmla="*/ 0 w 2008628"/>
+                <a:gd name="connsiteY6" fmla="*/ 873753 h 1747506"/>
+              </a:gdLst>
+              <a:ahLst/>
+              <a:cxnLst>
+                <a:cxn ang="0">
+                  <a:pos x="connsiteX0" y="connsiteY0"/>
+                </a:cxn>
+                <a:cxn ang="0">
+                  <a:pos x="connsiteX1" y="connsiteY1"/>
+                </a:cxn>
+                <a:cxn ang="0">
+                  <a:pos x="connsiteX2" y="connsiteY2"/>
+                </a:cxn>
+                <a:cxn ang="0">
+                  <a:pos x="connsiteX3" y="connsiteY3"/>
+                </a:cxn>
+                <a:cxn ang="0">
+                  <a:pos x="connsiteX4" y="connsiteY4"/>
+                </a:cxn>
+                <a:cxn ang="0">
+                  <a:pos x="connsiteX5" y="connsiteY5"/>
+                </a:cxn>
+                <a:cxn ang="0">
+                  <a:pos x="connsiteX6" y="connsiteY6"/>
+                </a:cxn>
+              </a:cxnLst>
+              <a:rect l="l" t="t" r="r" b="b"/>
+              <a:pathLst>
+                <a:path w="2008628" h="1747506">
+                  <a:moveTo>
+                    <a:pt x="1004314" y="0"/>
+                  </a:moveTo>
+                  <a:lnTo>
+                    <a:pt x="2008627" y="380083"/>
+                  </a:lnTo>
+                  <a:lnTo>
+                    <a:pt x="2008627" y="1367424"/>
+                  </a:lnTo>
+                  <a:lnTo>
+                    <a:pt x="1004314" y="1747506"/>
+                  </a:lnTo>
+                  <a:lnTo>
+                    <a:pt x="1" y="1367424"/>
+                  </a:lnTo>
+                  <a:lnTo>
+                    <a:pt x="1" y="380083"/>
+                  </a:lnTo>
+                  <a:lnTo>
+                    <a:pt x="1004314" y="0"/>
+                  </a:lnTo>
+                  <a:close/>
+                </a:path>
+              </a:pathLst>
+            </a:custGeom>
+            <a:grpFill/>
+          </p:spPr>
+          <p:style>
+            <a:lnRef idx="2">
+              <a:schemeClr val="lt1">
+                <a:hueOff val="0"/>
+                <a:satOff val="0"/>
+                <a:lumOff val="0"/>
+                <a:alphaOff val="0"/>
+              </a:schemeClr>
+            </a:lnRef>
+            <a:fillRef idx="1">
+              <a:schemeClr val="accent1">
+                <a:hueOff val="0"/>
+                <a:satOff val="0"/>
+                <a:lumOff val="0"/>
+                <a:alphaOff val="0"/>
+              </a:schemeClr>
+            </a:fillRef>
+            <a:effectRef idx="0">
+              <a:schemeClr val="accent1">
+                <a:hueOff val="0"/>
+                <a:satOff val="0"/>
+                <a:lumOff val="0"/>
+                <a:alphaOff val="0"/>
+              </a:schemeClr>
+            </a:effectRef>
+            <a:fontRef idx="minor">
+              <a:schemeClr val="lt1"/>
+            </a:fontRef>
+          </p:style>
+          <p:txBody>
+            <a:bodyPr spcFirstLastPara="0" vert="horz" wrap="square" lIns="321850" tIns="362541" rIns="321850" bIns="362541" numCol="1" spcCol="1270" anchor="ctr" anchorCtr="0">
+              <a:noAutofit/>
+            </a:bodyPr>
+            <a:lstStyle/>
+            <a:p>
+              <a:pPr marL="0" lvl="0" indent="0" algn="ctr" defTabSz="577850">
+                <a:lnSpc>
+                  <a:spcPct val="90000"/>
+                </a:lnSpc>
+                <a:spcBef>
+                  <a:spcPct val="0"/>
+                </a:spcBef>
+                <a:spcAft>
+                  <a:spcPct val="35000"/>
+                </a:spcAft>
+                <a:buNone/>
+              </a:pPr>
+              <a:r>
+                <a:rPr lang="en-US" kern="1200" dirty="0">
+                  <a:highlight>
+                    <a:srgbClr val="000000"/>
+                  </a:highlight>
+                </a:rPr>
+                <a:t>Solid Business Model with High Revenue Generation</a:t>
+              </a:r>
+            </a:p>
+          </p:txBody>
+        </p:sp>
+        <p:sp>
+          <p:nvSpPr>
+            <p:cNvPr id="16" name="Freeform: Shape 15">
+              <a:extLst>
+                <a:ext uri="{FF2B5EF4-FFF2-40B4-BE49-F238E27FC236}">
+                  <a16:creationId xmlns:a16="http://schemas.microsoft.com/office/drawing/2014/main" id="{94B52758-9077-45EC-B5E8-08777C64EFF4}"/>
+                </a:ext>
+              </a:extLst>
+            </p:cNvPr>
+            <p:cNvSpPr/>
+            <p:nvPr/>
+          </p:nvSpPr>
+          <p:spPr>
+            <a:xfrm>
+              <a:off x="3111223" y="4612792"/>
+              <a:ext cx="2055736" cy="2008628"/>
+            </a:xfrm>
+            <a:custGeom>
+              <a:avLst/>
+              <a:gdLst>
+                <a:gd name="connsiteX0" fmla="*/ 0 w 2008628"/>
+                <a:gd name="connsiteY0" fmla="*/ 873753 h 1747506"/>
+                <a:gd name="connsiteX1" fmla="*/ 436877 w 2008628"/>
+                <a:gd name="connsiteY1" fmla="*/ 0 h 1747506"/>
+                <a:gd name="connsiteX2" fmla="*/ 1571752 w 2008628"/>
+                <a:gd name="connsiteY2" fmla="*/ 0 h 1747506"/>
+                <a:gd name="connsiteX3" fmla="*/ 2008628 w 2008628"/>
+                <a:gd name="connsiteY3" fmla="*/ 873753 h 1747506"/>
+                <a:gd name="connsiteX4" fmla="*/ 1571752 w 2008628"/>
+                <a:gd name="connsiteY4" fmla="*/ 1747506 h 1747506"/>
+                <a:gd name="connsiteX5" fmla="*/ 436877 w 2008628"/>
+                <a:gd name="connsiteY5" fmla="*/ 1747506 h 1747506"/>
+                <a:gd name="connsiteX6" fmla="*/ 0 w 2008628"/>
+                <a:gd name="connsiteY6" fmla="*/ 873753 h 1747506"/>
+              </a:gdLst>
+              <a:ahLst/>
+              <a:cxnLst>
+                <a:cxn ang="0">
+                  <a:pos x="connsiteX0" y="connsiteY0"/>
+                </a:cxn>
+                <a:cxn ang="0">
+                  <a:pos x="connsiteX1" y="connsiteY1"/>
+                </a:cxn>
+                <a:cxn ang="0">
+                  <a:pos x="connsiteX2" y="connsiteY2"/>
+                </a:cxn>
+                <a:cxn ang="0">
+                  <a:pos x="connsiteX3" y="connsiteY3"/>
+                </a:cxn>
+                <a:cxn ang="0">
+                  <a:pos x="connsiteX4" y="connsiteY4"/>
+                </a:cxn>
+                <a:cxn ang="0">
+                  <a:pos x="connsiteX5" y="connsiteY5"/>
+                </a:cxn>
+                <a:cxn ang="0">
+                  <a:pos x="connsiteX6" y="connsiteY6"/>
+                </a:cxn>
+              </a:cxnLst>
+              <a:rect l="l" t="t" r="r" b="b"/>
+              <a:pathLst>
+                <a:path w="2008628" h="1747506">
+                  <a:moveTo>
+                    <a:pt x="1004314" y="0"/>
+                  </a:moveTo>
+                  <a:lnTo>
+                    <a:pt x="2008627" y="380083"/>
+                  </a:lnTo>
+                  <a:lnTo>
+                    <a:pt x="2008627" y="1367424"/>
+                  </a:lnTo>
+                  <a:lnTo>
+                    <a:pt x="1004314" y="1747506"/>
+                  </a:lnTo>
+                  <a:lnTo>
+                    <a:pt x="1" y="1367424"/>
+                  </a:lnTo>
+                  <a:lnTo>
+                    <a:pt x="1" y="380083"/>
+                  </a:lnTo>
+                  <a:lnTo>
+                    <a:pt x="1004314" y="0"/>
+                  </a:lnTo>
+                  <a:close/>
+                </a:path>
+              </a:pathLst>
+            </a:custGeom>
+            <a:grpFill/>
+          </p:spPr>
+          <p:style>
+            <a:lnRef idx="2">
+              <a:schemeClr val="lt1">
+                <a:hueOff val="0"/>
+                <a:satOff val="0"/>
+                <a:lumOff val="0"/>
+                <a:alphaOff val="0"/>
+              </a:schemeClr>
+            </a:lnRef>
+            <a:fillRef idx="1">
+              <a:schemeClr val="accent1">
+                <a:hueOff val="0"/>
+                <a:satOff val="0"/>
+                <a:lumOff val="0"/>
+                <a:alphaOff val="0"/>
+              </a:schemeClr>
+            </a:fillRef>
+            <a:effectRef idx="0">
+              <a:schemeClr val="accent1">
+                <a:hueOff val="0"/>
+                <a:satOff val="0"/>
+                <a:lumOff val="0"/>
+                <a:alphaOff val="0"/>
+              </a:schemeClr>
+            </a:effectRef>
+            <a:fontRef idx="minor">
+              <a:schemeClr val="lt1"/>
+            </a:fontRef>
+          </p:style>
+          <p:txBody>
+            <a:bodyPr spcFirstLastPara="0" vert="horz" wrap="square" lIns="272320" tIns="313011" rIns="272320" bIns="313011" numCol="1" spcCol="1270" anchor="ctr" anchorCtr="0">
+              <a:noAutofit/>
+            </a:bodyPr>
+            <a:lstStyle/>
+            <a:p>
+              <a:pPr marL="0" lvl="0" indent="0" algn="ctr" defTabSz="666750">
+                <a:lnSpc>
+                  <a:spcPct val="90000"/>
+                </a:lnSpc>
+                <a:spcBef>
+                  <a:spcPct val="0"/>
+                </a:spcBef>
+                <a:spcAft>
+                  <a:spcPct val="35000"/>
+                </a:spcAft>
+                <a:buNone/>
+              </a:pPr>
+              <a:r>
+                <a:rPr lang="en-US" kern="1200" dirty="0">
+                  <a:highlight>
+                    <a:srgbClr val="000000"/>
+                  </a:highlight>
+                </a:rPr>
+                <a:t>High Future Valuation and ROI even with Later Stage Investments </a:t>
+              </a:r>
+            </a:p>
+          </p:txBody>
+        </p:sp>
+      </p:grpSp>
+    </p:spTree>
+    <p:extLst>
+      <p:ext uri="{BB962C8B-B14F-4D97-AF65-F5344CB8AC3E}">
+        <p14:creationId xmlns:p14="http://schemas.microsoft.com/office/powerpoint/2010/main" val="143266075"/>
+      </p:ext>
+    </p:extLst>
+  </p:cSld>
+  <p:clrMapOvr>
+    <a:masterClrMapping/>
+  </p:clrMapOvr>
+</p:sld>
+</file>
+
+<file path=ppt/slides/slide25.xml><?xml version="1.0" encoding="utf-8"?>
+<p:sld xmlns:a="http://schemas.openxmlformats.org/drawingml/2006/main" xmlns:r="http://schemas.openxmlformats.org/officeDocument/2006/relationships" xmlns:p="http://schemas.openxmlformats.org/presentationml/2006/main">
+  <p:cSld>
     <p:spTree>
       <p:nvGrpSpPr>
         <p:cNvPr id="1" name=""/>
@@ -27541,206 +28546,6 @@
     <p:extLst>
       <p:ext uri="{BB962C8B-B14F-4D97-AF65-F5344CB8AC3E}">
         <p14:creationId xmlns:p14="http://schemas.microsoft.com/office/powerpoint/2010/main" val="2415325027"/>
-      </p:ext>
-    </p:extLst>
-  </p:cSld>
-  <p:clrMapOvr>
-    <a:masterClrMapping/>
-  </p:clrMapOvr>
-</p:sld>
-</file>
-
-<file path=ppt/slides/slide25.xml><?xml version="1.0" encoding="utf-8"?>
-<p:sld xmlns:a="http://schemas.openxmlformats.org/drawingml/2006/main" xmlns:r="http://schemas.openxmlformats.org/officeDocument/2006/relationships" xmlns:p="http://schemas.openxmlformats.org/presentationml/2006/main">
-  <p:cSld>
-    <p:spTree>
-      <p:nvGrpSpPr>
-        <p:cNvPr id="1" name=""/>
-        <p:cNvGrpSpPr/>
-        <p:nvPr/>
-      </p:nvGrpSpPr>
-      <p:grpSpPr>
-        <a:xfrm>
-          <a:off x="0" y="0"/>
-          <a:ext cx="0" cy="0"/>
-          <a:chOff x="0" y="0"/>
-          <a:chExt cx="0" cy="0"/>
-        </a:xfrm>
-      </p:grpSpPr>
-      <p:sp>
-        <p:nvSpPr>
-          <p:cNvPr id="2" name="Title 1"/>
-          <p:cNvSpPr>
-            <a:spLocks noGrp="1"/>
-          </p:cNvSpPr>
-          <p:nvPr>
-            <p:ph type="title"/>
-          </p:nvPr>
-        </p:nvSpPr>
-        <p:spPr/>
-        <p:style>
-          <a:lnRef idx="1">
-            <a:schemeClr val="accent1"/>
-          </a:lnRef>
-          <a:fillRef idx="2">
-            <a:schemeClr val="accent1"/>
-          </a:fillRef>
-          <a:effectRef idx="1">
-            <a:schemeClr val="accent1"/>
-          </a:effectRef>
-          <a:fontRef idx="minor">
-            <a:schemeClr val="dk1"/>
-          </a:fontRef>
-        </p:style>
-        <p:txBody>
-          <a:bodyPr>
-            <a:normAutofit/>
-          </a:bodyPr>
-          <a:lstStyle/>
-          <a:p>
-            <a:pPr algn="l"/>
-            <a:r>
-              <a:rPr lang="en-US" sz="2800" dirty="0"/>
-              <a:t>Customer Acquisition plans of Jio Telecom</a:t>
-            </a:r>
-          </a:p>
-        </p:txBody>
-      </p:sp>
-      <p:sp>
-        <p:nvSpPr>
-          <p:cNvPr id="4" name="Rectangle 3"/>
-          <p:cNvSpPr/>
-          <p:nvPr/>
-        </p:nvSpPr>
-        <p:spPr>
-          <a:xfrm>
-            <a:off x="382137" y="1442661"/>
-            <a:ext cx="11341290" cy="3693319"/>
-          </a:xfrm>
-          <a:prstGeom prst="rect">
-            <a:avLst/>
-          </a:prstGeom>
-          <a:solidFill>
-            <a:schemeClr val="accent1">
-              <a:lumMod val="20000"/>
-              <a:lumOff val="80000"/>
-            </a:schemeClr>
-          </a:solidFill>
-        </p:spPr>
-        <p:txBody>
-          <a:bodyPr wrap="square">
-            <a:spAutoFit/>
-          </a:bodyPr>
-          <a:lstStyle/>
-          <a:p>
-            <a:r>
-              <a:rPr lang="en-US" b="1" dirty="0">
-                <a:solidFill>
-                  <a:srgbClr val="222222"/>
-                </a:solidFill>
-                <a:latin typeface="Roboto Slab" panose="020B0604020202020204" charset="0"/>
-                <a:ea typeface="Roboto Slab" panose="020B0604020202020204" charset="0"/>
-              </a:rPr>
-              <a:t>Target Audience of Jio Telecom:</a:t>
-            </a:r>
-          </a:p>
-          <a:p>
-            <a:r>
-              <a:rPr lang="en-US" dirty="0">
-                <a:latin typeface="Roboto Slab" panose="020B0604020202020204" charset="0"/>
-                <a:ea typeface="Roboto Slab" panose="020B0604020202020204" charset="0"/>
-                <a:cs typeface="Arial" pitchFamily="34" charset="0"/>
-              </a:rPr>
-              <a:t>Jio’s target of having 100 million subscribers in 100 days after its launch speaks volumes of their </a:t>
-            </a:r>
-          </a:p>
-          <a:p>
-            <a:r>
-              <a:rPr lang="en-US" dirty="0">
-                <a:latin typeface="Roboto Slab" panose="020B0604020202020204" charset="0"/>
-                <a:ea typeface="Roboto Slab" panose="020B0604020202020204" charset="0"/>
-                <a:cs typeface="Arial" pitchFamily="34" charset="0"/>
-              </a:rPr>
-              <a:t>marketing strategy. Currently, the company’s revenue is around 1.6 billion dollars approximately.</a:t>
-            </a:r>
-          </a:p>
-          <a:p>
-            <a:endParaRPr lang="en-US" dirty="0">
-              <a:latin typeface="Roboto Slab" panose="020B0604020202020204" charset="0"/>
-              <a:ea typeface="Roboto Slab" panose="020B0604020202020204" charset="0"/>
-              <a:cs typeface="Arial" pitchFamily="34" charset="0"/>
-            </a:endParaRPr>
-          </a:p>
-          <a:p>
-            <a:pPr marL="457200" indent="-457200">
-              <a:buFont typeface="+mj-lt"/>
-              <a:buAutoNum type="arabicPeriod"/>
-            </a:pPr>
-            <a:r>
-              <a:rPr lang="en-US" dirty="0">
-                <a:latin typeface="Roboto Slab" panose="020B0604020202020204" charset="0"/>
-                <a:ea typeface="Roboto Slab" panose="020B0604020202020204" charset="0"/>
-                <a:cs typeface="Arial" pitchFamily="34" charset="0"/>
-              </a:rPr>
-              <a:t>Jio paid interest in providing the best and cheapest Internet data services, so their target audience became the one’s having Smartphone, looking for high-speed internet connection. </a:t>
-            </a:r>
-          </a:p>
-          <a:p>
-            <a:pPr marL="457200" indent="-457200">
-              <a:buFont typeface="+mj-lt"/>
-              <a:buAutoNum type="arabicPeriod"/>
-            </a:pPr>
-            <a:endParaRPr lang="en-US" dirty="0">
-              <a:latin typeface="Roboto Slab" panose="020B0604020202020204" charset="0"/>
-              <a:ea typeface="Roboto Slab" panose="020B0604020202020204" charset="0"/>
-              <a:cs typeface="Arial" pitchFamily="34" charset="0"/>
-            </a:endParaRPr>
-          </a:p>
-          <a:p>
-            <a:pPr marL="457200" indent="-457200">
-              <a:buFont typeface="+mj-lt"/>
-              <a:buAutoNum type="arabicPeriod"/>
-            </a:pPr>
-            <a:r>
-              <a:rPr lang="en-US" dirty="0">
-                <a:latin typeface="Roboto Slab" panose="020B0604020202020204" charset="0"/>
-                <a:ea typeface="Roboto Slab" panose="020B0604020202020204" charset="0"/>
-                <a:cs typeface="Arial" pitchFamily="34" charset="0"/>
-              </a:rPr>
-              <a:t>Not only is Jio targeting people using smartphones but also the industries which require the use of digital technology. Bridging gap between customer merchants and the final consumer.</a:t>
-            </a:r>
-          </a:p>
-          <a:p>
-            <a:pPr marL="457200" indent="-457200">
-              <a:buFont typeface="+mj-lt"/>
-              <a:buAutoNum type="arabicPeriod"/>
-            </a:pPr>
-            <a:endParaRPr lang="en-US" dirty="0">
-              <a:latin typeface="Roboto Slab" panose="020B0604020202020204" charset="0"/>
-              <a:ea typeface="Roboto Slab" panose="020B0604020202020204" charset="0"/>
-              <a:cs typeface="Arial" pitchFamily="34" charset="0"/>
-            </a:endParaRPr>
-          </a:p>
-          <a:p>
-            <a:pPr marL="457200" indent="-457200">
-              <a:buFont typeface="+mj-lt"/>
-              <a:buAutoNum type="arabicPeriod"/>
-            </a:pPr>
-            <a:r>
-              <a:rPr lang="en-US" dirty="0">
-                <a:latin typeface="Roboto Slab" panose="020B0604020202020204" charset="0"/>
-                <a:ea typeface="Roboto Slab" panose="020B0604020202020204" charset="0"/>
-                <a:cs typeface="Arial" pitchFamily="34" charset="0"/>
-              </a:rPr>
-              <a:t>Jio’s plan is uniquely devised to capture any industry which requires the use of technology including AI,IOT and voice automation. Some specific industries include Education, Healthcare, Media and payment channels.</a:t>
-            </a:r>
-          </a:p>
-        </p:txBody>
-      </p:sp>
-    </p:spTree>
-    <p:extLst>
-      <p:ext uri="{BB962C8B-B14F-4D97-AF65-F5344CB8AC3E}">
-        <p14:creationId xmlns:p14="http://schemas.microsoft.com/office/powerpoint/2010/main" val="1923249020"/>
       </p:ext>
     </p:extLst>
   </p:cSld>
@@ -27808,14 +28613,14 @@
       </p:sp>
       <p:sp>
         <p:nvSpPr>
-          <p:cNvPr id="3" name="Rectangle 2"/>
+          <p:cNvPr id="4" name="Rectangle 3"/>
           <p:cNvSpPr/>
           <p:nvPr/>
         </p:nvSpPr>
         <p:spPr>
           <a:xfrm>
-            <a:off x="682387" y="1443841"/>
-            <a:ext cx="10440537" cy="3693319"/>
+            <a:off x="382137" y="1442661"/>
+            <a:ext cx="11341290" cy="3693319"/>
           </a:xfrm>
           <a:prstGeom prst="rect">
             <a:avLst/>
@@ -27834,9 +28639,42 @@
           <a:lstStyle/>
           <a:p>
             <a:r>
-              <a:rPr lang="en-US" b="1" dirty="0"/>
-              <a:t>Selling point:</a:t>
+              <a:rPr lang="en-US" b="1" dirty="0">
+                <a:solidFill>
+                  <a:srgbClr val="222222"/>
+                </a:solidFill>
+                <a:latin typeface="Roboto Slab" panose="020B0604020202020204" charset="0"/>
+                <a:ea typeface="Roboto Slab" panose="020B0604020202020204" charset="0"/>
+              </a:rPr>
+              <a:t>Target Audience of Jio Telecom:</a:t>
             </a:r>
+          </a:p>
+          <a:p>
+            <a:r>
+              <a:rPr lang="en-US" dirty="0">
+                <a:latin typeface="Roboto Slab" panose="020B0604020202020204" charset="0"/>
+                <a:ea typeface="Roboto Slab" panose="020B0604020202020204" charset="0"/>
+                <a:cs typeface="Arial" pitchFamily="34" charset="0"/>
+              </a:rPr>
+              <a:t>Jio’s target of having 100 million subscribers in 100 days after its launch speaks volumes of their </a:t>
+            </a:r>
+          </a:p>
+          <a:p>
+            <a:r>
+              <a:rPr lang="en-US" dirty="0">
+                <a:latin typeface="Roboto Slab" panose="020B0604020202020204" charset="0"/>
+                <a:ea typeface="Roboto Slab" panose="020B0604020202020204" charset="0"/>
+                <a:cs typeface="Arial" pitchFamily="34" charset="0"/>
+              </a:rPr>
+              <a:t>marketing strategy. Currently, the company’s revenue is around 1.6 billion dollars approximately.</a:t>
+            </a:r>
+          </a:p>
+          <a:p>
+            <a:endParaRPr lang="en-US" dirty="0">
+              <a:latin typeface="Roboto Slab" panose="020B0604020202020204" charset="0"/>
+              <a:ea typeface="Roboto Slab" panose="020B0604020202020204" charset="0"/>
+              <a:cs typeface="Arial" pitchFamily="34" charset="0"/>
+            </a:endParaRPr>
           </a:p>
           <a:p>
             <a:pPr marL="457200" indent="-457200">
@@ -27845,9 +28683,11 @@
             </a:pPr>
             <a:r>
               <a:rPr lang="en-US" dirty="0">
+                <a:latin typeface="Roboto Slab" panose="020B0604020202020204" charset="0"/>
+                <a:ea typeface="Roboto Slab" panose="020B0604020202020204" charset="0"/>
                 <a:cs typeface="Arial" pitchFamily="34" charset="0"/>
               </a:rPr>
-              <a:t>free services to it’s customers in the beginning, bundled with a variety of services which allowed for On-demand streaming of movies, TV and music.</a:t>
+              <a:t>Jio paid interest in providing the best and cheapest Internet data services, so their target audience became the one’s having Smartphone, looking for high-speed internet connection. </a:t>
             </a:r>
           </a:p>
           <a:p>
@@ -27856,6 +28696,8 @@
               <a:buAutoNum type="arabicPeriod"/>
             </a:pPr>
             <a:endParaRPr lang="en-US" dirty="0">
+              <a:latin typeface="Roboto Slab" panose="020B0604020202020204" charset="0"/>
+              <a:ea typeface="Roboto Slab" panose="020B0604020202020204" charset="0"/>
               <a:cs typeface="Arial" pitchFamily="34" charset="0"/>
             </a:endParaRPr>
           </a:p>
@@ -27866,9 +28708,11 @@
             </a:pPr>
             <a:r>
               <a:rPr lang="en-US" dirty="0">
+                <a:latin typeface="Roboto Slab" panose="020B0604020202020204" charset="0"/>
+                <a:ea typeface="Roboto Slab" panose="020B0604020202020204" charset="0"/>
                 <a:cs typeface="Arial" pitchFamily="34" charset="0"/>
               </a:rPr>
-              <a:t>Easy Activation –Easy processing with e-KYC, home delivery and quick activation.</a:t>
+              <a:t>Not only is Jio targeting people using smartphones but also the industries which require the use of digital technology. Bridging gap between customer merchants and the final consumer.</a:t>
             </a:r>
           </a:p>
           <a:p>
@@ -27877,6 +28721,8 @@
               <a:buAutoNum type="arabicPeriod"/>
             </a:pPr>
             <a:endParaRPr lang="en-US" dirty="0">
+              <a:latin typeface="Roboto Slab" panose="020B0604020202020204" charset="0"/>
+              <a:ea typeface="Roboto Slab" panose="020B0604020202020204" charset="0"/>
               <a:cs typeface="Arial" pitchFamily="34" charset="0"/>
             </a:endParaRPr>
           </a:p>
@@ -27887,51 +28733,11 @@
             </a:pPr>
             <a:r>
               <a:rPr lang="en-US" dirty="0">
+                <a:latin typeface="Roboto Slab" panose="020B0604020202020204" charset="0"/>
+                <a:ea typeface="Roboto Slab" panose="020B0604020202020204" charset="0"/>
                 <a:cs typeface="Arial" pitchFamily="34" charset="0"/>
               </a:rPr>
-              <a:t>Customer Retention – offered Prime Membership for extremely competitive price.</a:t>
-            </a:r>
-          </a:p>
-          <a:p>
-            <a:pPr marL="457200" indent="-457200">
-              <a:buFont typeface="+mj-lt"/>
-              <a:buAutoNum type="arabicPeriod"/>
-            </a:pPr>
-            <a:endParaRPr lang="en-US" dirty="0">
-              <a:cs typeface="Arial" pitchFamily="34" charset="0"/>
-            </a:endParaRPr>
-          </a:p>
-          <a:p>
-            <a:pPr marL="457200" indent="-457200">
-              <a:buFont typeface="+mj-lt"/>
-              <a:buAutoNum type="arabicPeriod"/>
-            </a:pPr>
-            <a:r>
-              <a:rPr lang="en-US" dirty="0">
-                <a:cs typeface="Arial" pitchFamily="34" charset="0"/>
-              </a:rPr>
-              <a:t>Referral Marketing – Jio did not invest big money in advertising. It relied on word of mouth and referral marketing.</a:t>
-            </a:r>
-          </a:p>
-          <a:p>
-            <a:pPr marL="457200" indent="-457200">
-              <a:buFont typeface="+mj-lt"/>
-              <a:buAutoNum type="arabicPeriod"/>
-            </a:pPr>
-            <a:endParaRPr lang="en-US" dirty="0">
-              <a:cs typeface="Arial" pitchFamily="34" charset="0"/>
-            </a:endParaRPr>
-          </a:p>
-          <a:p>
-            <a:pPr marL="457200" indent="-457200">
-              <a:buFont typeface="+mj-lt"/>
-              <a:buAutoNum type="arabicPeriod"/>
-            </a:pPr>
-            <a:r>
-              <a:rPr lang="en-US" dirty="0">
-                <a:cs typeface="Arial" pitchFamily="34" charset="0"/>
-              </a:rPr>
-              <a:t>Superior Technology –  Jio had VoLTE, with a capability of handling voice calls with the help of data and hence created an edge over competitors.</a:t>
+              <a:t>Jio’s plan is uniquely devised to capture any industry which requires the use of technology including AI,IOT and voice automation. Some specific industries include Education, Healthcare, Media and payment channels.</a:t>
             </a:r>
           </a:p>
         </p:txBody>
@@ -27939,7 +28745,7 @@
     </p:spTree>
     <p:extLst>
       <p:ext uri="{BB962C8B-B14F-4D97-AF65-F5344CB8AC3E}">
-        <p14:creationId xmlns:p14="http://schemas.microsoft.com/office/powerpoint/2010/main" val="2871624059"/>
+        <p14:creationId xmlns:p14="http://schemas.microsoft.com/office/powerpoint/2010/main" val="1923249020"/>
       </p:ext>
     </p:extLst>
   </p:cSld>
@@ -28013,6 +28819,205 @@
         </p:nvSpPr>
         <p:spPr>
           <a:xfrm>
+            <a:off x="682387" y="1443841"/>
+            <a:ext cx="10440537" cy="3693319"/>
+          </a:xfrm>
+          <a:prstGeom prst="rect">
+            <a:avLst/>
+          </a:prstGeom>
+          <a:solidFill>
+            <a:schemeClr val="accent1">
+              <a:lumMod val="20000"/>
+              <a:lumOff val="80000"/>
+            </a:schemeClr>
+          </a:solidFill>
+        </p:spPr>
+        <p:txBody>
+          <a:bodyPr wrap="square">
+            <a:spAutoFit/>
+          </a:bodyPr>
+          <a:lstStyle/>
+          <a:p>
+            <a:r>
+              <a:rPr lang="en-US" b="1" dirty="0"/>
+              <a:t>Selling point:</a:t>
+            </a:r>
+          </a:p>
+          <a:p>
+            <a:pPr marL="457200" indent="-457200">
+              <a:buFont typeface="+mj-lt"/>
+              <a:buAutoNum type="arabicPeriod"/>
+            </a:pPr>
+            <a:r>
+              <a:rPr lang="en-US" dirty="0">
+                <a:cs typeface="Arial" pitchFamily="34" charset="0"/>
+              </a:rPr>
+              <a:t>free services to it’s customers in the beginning, bundled with a variety of services which allowed for On-demand streaming of movies, TV and music.</a:t>
+            </a:r>
+          </a:p>
+          <a:p>
+            <a:pPr marL="457200" indent="-457200">
+              <a:buFont typeface="+mj-lt"/>
+              <a:buAutoNum type="arabicPeriod"/>
+            </a:pPr>
+            <a:endParaRPr lang="en-US" dirty="0">
+              <a:cs typeface="Arial" pitchFamily="34" charset="0"/>
+            </a:endParaRPr>
+          </a:p>
+          <a:p>
+            <a:pPr marL="457200" indent="-457200">
+              <a:buFont typeface="+mj-lt"/>
+              <a:buAutoNum type="arabicPeriod"/>
+            </a:pPr>
+            <a:r>
+              <a:rPr lang="en-US" dirty="0">
+                <a:cs typeface="Arial" pitchFamily="34" charset="0"/>
+              </a:rPr>
+              <a:t>Easy Activation –Easy processing with e-KYC, home delivery and quick activation.</a:t>
+            </a:r>
+          </a:p>
+          <a:p>
+            <a:pPr marL="457200" indent="-457200">
+              <a:buFont typeface="+mj-lt"/>
+              <a:buAutoNum type="arabicPeriod"/>
+            </a:pPr>
+            <a:endParaRPr lang="en-US" dirty="0">
+              <a:cs typeface="Arial" pitchFamily="34" charset="0"/>
+            </a:endParaRPr>
+          </a:p>
+          <a:p>
+            <a:pPr marL="457200" indent="-457200">
+              <a:buFont typeface="+mj-lt"/>
+              <a:buAutoNum type="arabicPeriod"/>
+            </a:pPr>
+            <a:r>
+              <a:rPr lang="en-US" dirty="0">
+                <a:cs typeface="Arial" pitchFamily="34" charset="0"/>
+              </a:rPr>
+              <a:t>Customer Retention – offered Prime Membership for extremely competitive price.</a:t>
+            </a:r>
+          </a:p>
+          <a:p>
+            <a:pPr marL="457200" indent="-457200">
+              <a:buFont typeface="+mj-lt"/>
+              <a:buAutoNum type="arabicPeriod"/>
+            </a:pPr>
+            <a:endParaRPr lang="en-US" dirty="0">
+              <a:cs typeface="Arial" pitchFamily="34" charset="0"/>
+            </a:endParaRPr>
+          </a:p>
+          <a:p>
+            <a:pPr marL="457200" indent="-457200">
+              <a:buFont typeface="+mj-lt"/>
+              <a:buAutoNum type="arabicPeriod"/>
+            </a:pPr>
+            <a:r>
+              <a:rPr lang="en-US" dirty="0">
+                <a:cs typeface="Arial" pitchFamily="34" charset="0"/>
+              </a:rPr>
+              <a:t>Referral Marketing – Jio did not invest big money in advertising. It relied on word of mouth and referral marketing.</a:t>
+            </a:r>
+          </a:p>
+          <a:p>
+            <a:pPr marL="457200" indent="-457200">
+              <a:buFont typeface="+mj-lt"/>
+              <a:buAutoNum type="arabicPeriod"/>
+            </a:pPr>
+            <a:endParaRPr lang="en-US" dirty="0">
+              <a:cs typeface="Arial" pitchFamily="34" charset="0"/>
+            </a:endParaRPr>
+          </a:p>
+          <a:p>
+            <a:pPr marL="457200" indent="-457200">
+              <a:buFont typeface="+mj-lt"/>
+              <a:buAutoNum type="arabicPeriod"/>
+            </a:pPr>
+            <a:r>
+              <a:rPr lang="en-US" dirty="0">
+                <a:cs typeface="Arial" pitchFamily="34" charset="0"/>
+              </a:rPr>
+              <a:t>Superior Technology –  Jio had VoLTE, with a capability of handling voice calls with the help of data and hence created an edge over competitors.</a:t>
+            </a:r>
+          </a:p>
+        </p:txBody>
+      </p:sp>
+    </p:spTree>
+    <p:extLst>
+      <p:ext uri="{BB962C8B-B14F-4D97-AF65-F5344CB8AC3E}">
+        <p14:creationId xmlns:p14="http://schemas.microsoft.com/office/powerpoint/2010/main" val="2871624059"/>
+      </p:ext>
+    </p:extLst>
+  </p:cSld>
+  <p:clrMapOvr>
+    <a:masterClrMapping/>
+  </p:clrMapOvr>
+</p:sld>
+</file>
+
+<file path=ppt/slides/slide28.xml><?xml version="1.0" encoding="utf-8"?>
+<p:sld xmlns:a="http://schemas.openxmlformats.org/drawingml/2006/main" xmlns:r="http://schemas.openxmlformats.org/officeDocument/2006/relationships" xmlns:p="http://schemas.openxmlformats.org/presentationml/2006/main">
+  <p:cSld>
+    <p:spTree>
+      <p:nvGrpSpPr>
+        <p:cNvPr id="1" name=""/>
+        <p:cNvGrpSpPr/>
+        <p:nvPr/>
+      </p:nvGrpSpPr>
+      <p:grpSpPr>
+        <a:xfrm>
+          <a:off x="0" y="0"/>
+          <a:ext cx="0" cy="0"/>
+          <a:chOff x="0" y="0"/>
+          <a:chExt cx="0" cy="0"/>
+        </a:xfrm>
+      </p:grpSpPr>
+      <p:sp>
+        <p:nvSpPr>
+          <p:cNvPr id="2" name="Title 1"/>
+          <p:cNvSpPr>
+            <a:spLocks noGrp="1"/>
+          </p:cNvSpPr>
+          <p:nvPr>
+            <p:ph type="title"/>
+          </p:nvPr>
+        </p:nvSpPr>
+        <p:spPr/>
+        <p:style>
+          <a:lnRef idx="1">
+            <a:schemeClr val="accent1"/>
+          </a:lnRef>
+          <a:fillRef idx="2">
+            <a:schemeClr val="accent1"/>
+          </a:fillRef>
+          <a:effectRef idx="1">
+            <a:schemeClr val="accent1"/>
+          </a:effectRef>
+          <a:fontRef idx="minor">
+            <a:schemeClr val="dk1"/>
+          </a:fontRef>
+        </p:style>
+        <p:txBody>
+          <a:bodyPr>
+            <a:normAutofit/>
+          </a:bodyPr>
+          <a:lstStyle/>
+          <a:p>
+            <a:pPr algn="l"/>
+            <a:r>
+              <a:rPr lang="en-US" sz="2800" dirty="0"/>
+              <a:t>Customer Acquisition plans of Jio Telecom</a:t>
+            </a:r>
+          </a:p>
+        </p:txBody>
+      </p:sp>
+      <p:sp>
+        <p:nvSpPr>
+          <p:cNvPr id="3" name="Rectangle 2"/>
+          <p:cNvSpPr/>
+          <p:nvPr/>
+        </p:nvSpPr>
+        <p:spPr>
+          <a:xfrm>
             <a:off x="423081" y="1443841"/>
             <a:ext cx="11505062" cy="3970318"/>
           </a:xfrm>
@@ -28204,7 +29209,7 @@
 </p:sld>
 </file>
 
-<file path=ppt/slides/slide28.xml><?xml version="1.0" encoding="utf-8"?>
+<file path=ppt/slides/slide29.xml><?xml version="1.0" encoding="utf-8"?>
 <p:sld xmlns:a="http://schemas.openxmlformats.org/drawingml/2006/main" xmlns:r="http://schemas.openxmlformats.org/officeDocument/2006/relationships" xmlns:p="http://schemas.openxmlformats.org/presentationml/2006/main">
   <p:cSld>
     <p:spTree>
@@ -28347,85 +29352,6 @@
   <p:clrMapOvr>
     <a:masterClrMapping/>
   </p:clrMapOvr>
-</p:sld>
-</file>
-
-<file path=ppt/slides/slide29.xml><?xml version="1.0" encoding="utf-8"?>
-<p:sld xmlns:a="http://schemas.openxmlformats.org/drawingml/2006/main" xmlns:r="http://schemas.openxmlformats.org/officeDocument/2006/relationships" xmlns:p="http://schemas.openxmlformats.org/presentationml/2006/main">
-  <p:cSld>
-    <p:spTree>
-      <p:nvGrpSpPr>
-        <p:cNvPr id="1" name=""/>
-        <p:cNvGrpSpPr/>
-        <p:nvPr/>
-      </p:nvGrpSpPr>
-      <p:grpSpPr>
-        <a:xfrm>
-          <a:off x="0" y="0"/>
-          <a:ext cx="0" cy="0"/>
-          <a:chOff x="0" y="0"/>
-          <a:chExt cx="0" cy="0"/>
-        </a:xfrm>
-      </p:grpSpPr>
-      <p:pic>
-        <p:nvPicPr>
-          <p:cNvPr id="4" name="Picture 3"/>
-          <p:cNvPicPr>
-            <a:picLocks noChangeAspect="1"/>
-          </p:cNvPicPr>
-          <p:nvPr/>
-        </p:nvPicPr>
-        <p:blipFill>
-          <a:blip r:embed="rId2">
-            <a:extLst>
-              <a:ext uri="{28A0092B-C50C-407E-A947-70E740481C1C}">
-                <a14:useLocalDpi xmlns:a14="http://schemas.microsoft.com/office/drawing/2010/main" val="0"/>
-              </a:ext>
-            </a:extLst>
-          </a:blip>
-          <a:stretch>
-            <a:fillRect/>
-          </a:stretch>
-        </p:blipFill>
-        <p:spPr>
-          <a:xfrm>
-            <a:off x="7446993" y="1776401"/>
-            <a:ext cx="3711482" cy="3633799"/>
-          </a:xfrm>
-          <a:prstGeom prst="rect">
-            <a:avLst/>
-          </a:prstGeom>
-          <a:effectLst>
-            <a:outerShdw blurRad="50800" dist="38100" dir="5400000" algn="t" rotWithShape="0">
-              <a:prstClr val="black">
-                <a:alpha val="40000"/>
-              </a:prstClr>
-            </a:outerShdw>
-          </a:effectLst>
-        </p:spPr>
-      </p:pic>
-    </p:spTree>
-    <p:extLst>
-      <p:ext uri="{BB962C8B-B14F-4D97-AF65-F5344CB8AC3E}">
-        <p14:creationId xmlns:p14="http://schemas.microsoft.com/office/powerpoint/2010/main" val="1514985940"/>
-      </p:ext>
-    </p:extLst>
-  </p:cSld>
-  <p:clrMapOvr>
-    <a:masterClrMapping/>
-  </p:clrMapOvr>
-  <mc:AlternateContent xmlns:mc="http://schemas.openxmlformats.org/markup-compatibility/2006" xmlns:p14="http://schemas.microsoft.com/office/powerpoint/2010/main">
-    <mc:Choice Requires="p14">
-      <p:transition spd="slow" p14:dur="1500">
-        <p:split orient="vert"/>
-      </p:transition>
-    </mc:Choice>
-    <mc:Fallback xmlns="">
-      <p:transition spd="slow">
-        <p:split orient="vert"/>
-      </p:transition>
-    </mc:Fallback>
-  </mc:AlternateContent>
 </p:sld>
 </file>
 
@@ -28774,6 +29700,85 @@
   <p:clrMapOvr>
     <a:masterClrMapping/>
   </p:clrMapOvr>
+</p:sld>
+</file>
+
+<file path=ppt/slides/slide30.xml><?xml version="1.0" encoding="utf-8"?>
+<p:sld xmlns:a="http://schemas.openxmlformats.org/drawingml/2006/main" xmlns:r="http://schemas.openxmlformats.org/officeDocument/2006/relationships" xmlns:p="http://schemas.openxmlformats.org/presentationml/2006/main">
+  <p:cSld>
+    <p:spTree>
+      <p:nvGrpSpPr>
+        <p:cNvPr id="1" name=""/>
+        <p:cNvGrpSpPr/>
+        <p:nvPr/>
+      </p:nvGrpSpPr>
+      <p:grpSpPr>
+        <a:xfrm>
+          <a:off x="0" y="0"/>
+          <a:ext cx="0" cy="0"/>
+          <a:chOff x="0" y="0"/>
+          <a:chExt cx="0" cy="0"/>
+        </a:xfrm>
+      </p:grpSpPr>
+      <p:pic>
+        <p:nvPicPr>
+          <p:cNvPr id="4" name="Picture 3"/>
+          <p:cNvPicPr>
+            <a:picLocks noChangeAspect="1"/>
+          </p:cNvPicPr>
+          <p:nvPr/>
+        </p:nvPicPr>
+        <p:blipFill>
+          <a:blip r:embed="rId2">
+            <a:extLst>
+              <a:ext uri="{28A0092B-C50C-407E-A947-70E740481C1C}">
+                <a14:useLocalDpi xmlns:a14="http://schemas.microsoft.com/office/drawing/2010/main" val="0"/>
+              </a:ext>
+            </a:extLst>
+          </a:blip>
+          <a:stretch>
+            <a:fillRect/>
+          </a:stretch>
+        </p:blipFill>
+        <p:spPr>
+          <a:xfrm>
+            <a:off x="7446993" y="1776401"/>
+            <a:ext cx="3711482" cy="3633799"/>
+          </a:xfrm>
+          <a:prstGeom prst="rect">
+            <a:avLst/>
+          </a:prstGeom>
+          <a:effectLst>
+            <a:outerShdw blurRad="50800" dist="38100" dir="5400000" algn="t" rotWithShape="0">
+              <a:prstClr val="black">
+                <a:alpha val="40000"/>
+              </a:prstClr>
+            </a:outerShdw>
+          </a:effectLst>
+        </p:spPr>
+      </p:pic>
+    </p:spTree>
+    <p:extLst>
+      <p:ext uri="{BB962C8B-B14F-4D97-AF65-F5344CB8AC3E}">
+        <p14:creationId xmlns:p14="http://schemas.microsoft.com/office/powerpoint/2010/main" val="1514985940"/>
+      </p:ext>
+    </p:extLst>
+  </p:cSld>
+  <p:clrMapOvr>
+    <a:masterClrMapping/>
+  </p:clrMapOvr>
+  <mc:AlternateContent xmlns:mc="http://schemas.openxmlformats.org/markup-compatibility/2006" xmlns:p14="http://schemas.microsoft.com/office/powerpoint/2010/main">
+    <mc:Choice Requires="p14">
+      <p:transition spd="slow" p14:dur="1500">
+        <p:split orient="vert"/>
+      </p:transition>
+    </mc:Choice>
+    <mc:Fallback xmlns="">
+      <p:transition spd="slow">
+        <p:split orient="vert"/>
+      </p:transition>
+    </mc:Fallback>
+  </mc:AlternateContent>
 </p:sld>
 </file>
 

--- a/SecondYearModule 02-Day 04/JIO_BUSINESS_PLAN.pptx
+++ b/SecondYearModule 02-Day 04/JIO_BUSINESS_PLAN.pptx
@@ -5,10 +5,10 @@
     <p:sldMasterId id="2147483648" r:id="rId1"/>
   </p:sldMasterIdLst>
   <p:notesMasterIdLst>
-    <p:notesMasterId r:id="rId32"/>
+    <p:notesMasterId r:id="rId33"/>
   </p:notesMasterIdLst>
   <p:handoutMasterIdLst>
-    <p:handoutMasterId r:id="rId33"/>
+    <p:handoutMasterId r:id="rId34"/>
   </p:handoutMasterIdLst>
   <p:sldIdLst>
     <p:sldId id="256" r:id="rId2"/>
@@ -40,22 +40,23 @@
     <p:sldId id="311" r:id="rId28"/>
     <p:sldId id="315" r:id="rId29"/>
     <p:sldId id="308" r:id="rId30"/>
-    <p:sldId id="277" r:id="rId31"/>
+    <p:sldId id="335" r:id="rId31"/>
+    <p:sldId id="277" r:id="rId32"/>
   </p:sldIdLst>
   <p:sldSz cx="12192000" cy="6858000"/>
   <p:notesSz cx="6858000" cy="9144000"/>
   <p:embeddedFontLst>
     <p:embeddedFont>
       <p:font typeface="Calibri" panose="020F0502020204030204" pitchFamily="34" charset="0"/>
-      <p:regular r:id="rId34"/>
-      <p:bold r:id="rId35"/>
-      <p:italic r:id="rId36"/>
-      <p:boldItalic r:id="rId37"/>
+      <p:regular r:id="rId35"/>
+      <p:bold r:id="rId36"/>
+      <p:italic r:id="rId37"/>
+      <p:boldItalic r:id="rId38"/>
     </p:embeddedFont>
     <p:embeddedFont>
       <p:font typeface="Roboto Slab" panose="020B0604020202020204" charset="0"/>
-      <p:regular r:id="rId38"/>
-      <p:bold r:id="rId39"/>
+      <p:regular r:id="rId39"/>
+      <p:bold r:id="rId40"/>
     </p:embeddedFont>
   </p:embeddedFontLst>
   <p:defaultTextStyle>
@@ -13451,7 +13452,7 @@
           <a:p>
             <a:fld id="{AB5A0919-861D-4B8C-BB1B-92D7E99C3265}" type="datetimeFigureOut">
               <a:rPr lang="en-IN" smtClean="0"/>
-              <a:t>23-09-2022</a:t>
+              <a:t>28-09-2022</a:t>
             </a:fld>
             <a:endParaRPr lang="en-IN"/>
           </a:p>
@@ -13629,7 +13630,7 @@
           <a:p>
             <a:fld id="{48A04D3E-AB25-4865-88B1-E5CEDFA4F726}" type="datetimeFigureOut">
               <a:rPr lang="en-IN" smtClean="0"/>
-              <a:t>23-09-2022</a:t>
+              <a:t>28-09-2022</a:t>
             </a:fld>
             <a:endParaRPr lang="en-IN"/>
           </a:p>
@@ -15666,6 +15667,122 @@
     <p:extLst>
       <p:ext uri="{BB962C8B-B14F-4D97-AF65-F5344CB8AC3E}">
         <p14:creationId xmlns:p14="http://schemas.microsoft.com/office/powerpoint/2010/main" val="114192777"/>
+      </p:ext>
+    </p:extLst>
+  </p:cSld>
+  <p:clrMapOvr>
+    <a:masterClrMapping/>
+  </p:clrMapOvr>
+</p:notes>
+</file>
+
+<file path=ppt/notesSlides/notesSlide21.xml><?xml version="1.0" encoding="utf-8"?>
+<p:notes xmlns:a="http://schemas.openxmlformats.org/drawingml/2006/main" xmlns:r="http://schemas.openxmlformats.org/officeDocument/2006/relationships" xmlns:p="http://schemas.openxmlformats.org/presentationml/2006/main">
+  <p:cSld>
+    <p:spTree>
+      <p:nvGrpSpPr>
+        <p:cNvPr id="1" name=""/>
+        <p:cNvGrpSpPr/>
+        <p:nvPr/>
+      </p:nvGrpSpPr>
+      <p:grpSpPr>
+        <a:xfrm>
+          <a:off x="0" y="0"/>
+          <a:ext cx="0" cy="0"/>
+          <a:chOff x="0" y="0"/>
+          <a:chExt cx="0" cy="0"/>
+        </a:xfrm>
+      </p:grpSpPr>
+      <p:sp>
+        <p:nvSpPr>
+          <p:cNvPr id="2" name="Slide Image Placeholder 1"/>
+          <p:cNvSpPr>
+            <a:spLocks noGrp="1" noRot="1" noChangeAspect="1"/>
+          </p:cNvSpPr>
+          <p:nvPr>
+            <p:ph type="sldImg"/>
+          </p:nvPr>
+        </p:nvSpPr>
+        <p:spPr/>
+      </p:sp>
+      <p:sp>
+        <p:nvSpPr>
+          <p:cNvPr id="3" name="Notes Placeholder 2"/>
+          <p:cNvSpPr>
+            <a:spLocks noGrp="1"/>
+          </p:cNvSpPr>
+          <p:nvPr>
+            <p:ph type="body" idx="1"/>
+          </p:nvPr>
+        </p:nvSpPr>
+        <p:spPr/>
+        <p:txBody>
+          <a:bodyPr/>
+          <a:lstStyle/>
+          <a:p>
+            <a:endParaRPr lang="en-US" dirty="0"/>
+          </a:p>
+        </p:txBody>
+      </p:sp>
+      <p:sp>
+        <p:nvSpPr>
+          <p:cNvPr id="4" name="Footer Placeholder 3"/>
+          <p:cNvSpPr>
+            <a:spLocks noGrp="1"/>
+          </p:cNvSpPr>
+          <p:nvPr>
+            <p:ph type="ftr" sz="quarter" idx="10"/>
+          </p:nvPr>
+        </p:nvSpPr>
+        <p:spPr/>
+        <p:txBody>
+          <a:bodyPr/>
+          <a:lstStyle/>
+          <a:p>
+            <a:endParaRPr lang="en-IN">
+              <a:solidFill>
+                <a:prstClr val="black"/>
+              </a:solidFill>
+            </a:endParaRPr>
+          </a:p>
+        </p:txBody>
+      </p:sp>
+      <p:sp>
+        <p:nvSpPr>
+          <p:cNvPr id="5" name="Slide Number Placeholder 4"/>
+          <p:cNvSpPr>
+            <a:spLocks noGrp="1"/>
+          </p:cNvSpPr>
+          <p:nvPr>
+            <p:ph type="sldNum" sz="quarter" idx="11"/>
+          </p:nvPr>
+        </p:nvSpPr>
+        <p:spPr/>
+        <p:txBody>
+          <a:bodyPr/>
+          <a:lstStyle/>
+          <a:p>
+            <a:fld id="{218B107A-A654-4768-8807-756F0176A7E3}" type="slidenum">
+              <a:rPr lang="en-IN" smtClean="0">
+                <a:solidFill>
+                  <a:prstClr val="black"/>
+                </a:solidFill>
+              </a:rPr>
+              <a:pPr/>
+              <a:t>30</a:t>
+            </a:fld>
+            <a:endParaRPr lang="en-IN">
+              <a:solidFill>
+                <a:prstClr val="black"/>
+              </a:solidFill>
+            </a:endParaRPr>
+          </a:p>
+        </p:txBody>
+      </p:sp>
+    </p:spTree>
+    <p:extLst>
+      <p:ext uri="{BB962C8B-B14F-4D97-AF65-F5344CB8AC3E}">
+        <p14:creationId xmlns:p14="http://schemas.microsoft.com/office/powerpoint/2010/main" val="2000913514"/>
       </p:ext>
     </p:extLst>
   </p:cSld>
@@ -29286,8 +29403,8 @@
         </p:blipFill>
         <p:spPr bwMode="auto">
           <a:xfrm>
-            <a:off x="2934268" y="1419367"/>
-            <a:ext cx="8734567" cy="4667533"/>
+            <a:off x="394763" y="1749972"/>
+            <a:ext cx="8087269" cy="4321633"/>
           </a:xfrm>
           <a:prstGeom prst="rect">
             <a:avLst/>
@@ -29312,7 +29429,7 @@
         </p:nvSpPr>
         <p:spPr>
           <a:xfrm>
-            <a:off x="345742" y="1419367"/>
+            <a:off x="9129095" y="2049415"/>
             <a:ext cx="2479345" cy="3139321"/>
           </a:xfrm>
           <a:prstGeom prst="rect">
@@ -29342,6 +29459,42 @@
           </a:p>
         </p:txBody>
       </p:sp>
+      <p:cxnSp>
+        <p:nvCxnSpPr>
+          <p:cNvPr id="5" name="Straight Connector 4">
+            <a:extLst>
+              <a:ext uri="{FF2B5EF4-FFF2-40B4-BE49-F238E27FC236}">
+                <a16:creationId xmlns:a16="http://schemas.microsoft.com/office/drawing/2014/main" id="{870E80D4-579D-4A9B-A02D-E51AE4CC712B}"/>
+              </a:ext>
+            </a:extLst>
+          </p:cNvPr>
+          <p:cNvCxnSpPr/>
+          <p:nvPr/>
+        </p:nvCxnSpPr>
+        <p:spPr>
+          <a:xfrm>
+            <a:off x="8749862" y="1245476"/>
+            <a:ext cx="0" cy="5060731"/>
+          </a:xfrm>
+          <a:prstGeom prst="line">
+            <a:avLst/>
+          </a:prstGeom>
+        </p:spPr>
+        <p:style>
+          <a:lnRef idx="1">
+            <a:schemeClr val="dk1"/>
+          </a:lnRef>
+          <a:fillRef idx="0">
+            <a:schemeClr val="dk1"/>
+          </a:fillRef>
+          <a:effectRef idx="0">
+            <a:schemeClr val="dk1"/>
+          </a:effectRef>
+          <a:fontRef idx="minor">
+            <a:schemeClr val="tx1"/>
+          </a:fontRef>
+        </p:style>
+      </p:cxnSp>
     </p:spTree>
     <p:extLst>
       <p:ext uri="{BB962C8B-B14F-4D97-AF65-F5344CB8AC3E}">
@@ -29704,6 +29857,179 @@
 </file>
 
 <file path=ppt/slides/slide30.xml><?xml version="1.0" encoding="utf-8"?>
+<p:sld xmlns:a="http://schemas.openxmlformats.org/drawingml/2006/main" xmlns:r="http://schemas.openxmlformats.org/officeDocument/2006/relationships" xmlns:p="http://schemas.openxmlformats.org/presentationml/2006/main">
+  <p:cSld>
+    <p:spTree>
+      <p:nvGrpSpPr>
+        <p:cNvPr id="1" name=""/>
+        <p:cNvGrpSpPr/>
+        <p:nvPr/>
+      </p:nvGrpSpPr>
+      <p:grpSpPr>
+        <a:xfrm>
+          <a:off x="0" y="0"/>
+          <a:ext cx="0" cy="0"/>
+          <a:chOff x="0" y="0"/>
+          <a:chExt cx="0" cy="0"/>
+        </a:xfrm>
+      </p:grpSpPr>
+      <p:sp>
+        <p:nvSpPr>
+          <p:cNvPr id="2" name="Title 1"/>
+          <p:cNvSpPr>
+            <a:spLocks noGrp="1"/>
+          </p:cNvSpPr>
+          <p:nvPr>
+            <p:ph type="title"/>
+          </p:nvPr>
+        </p:nvSpPr>
+        <p:spPr/>
+        <p:style>
+          <a:lnRef idx="1">
+            <a:schemeClr val="accent3"/>
+          </a:lnRef>
+          <a:fillRef idx="2">
+            <a:schemeClr val="accent3"/>
+          </a:fillRef>
+          <a:effectRef idx="1">
+            <a:schemeClr val="accent3"/>
+          </a:effectRef>
+          <a:fontRef idx="minor">
+            <a:schemeClr val="dk1"/>
+          </a:fontRef>
+        </p:style>
+        <p:txBody>
+          <a:bodyPr>
+            <a:normAutofit/>
+          </a:bodyPr>
+          <a:lstStyle/>
+          <a:p>
+            <a:pPr algn="l"/>
+            <a:r>
+              <a:rPr lang="en-US" sz="2800" dirty="0"/>
+              <a:t>Market Validation-Cybersecurity in Telecom</a:t>
+            </a:r>
+          </a:p>
+        </p:txBody>
+      </p:sp>
+      <p:sp>
+        <p:nvSpPr>
+          <p:cNvPr id="3" name="Rectangle 2"/>
+          <p:cNvSpPr/>
+          <p:nvPr/>
+        </p:nvSpPr>
+        <p:spPr>
+          <a:xfrm>
+            <a:off x="8415905" y="1277007"/>
+            <a:ext cx="3409585" cy="4801314"/>
+          </a:xfrm>
+          <a:prstGeom prst="rect">
+            <a:avLst/>
+          </a:prstGeom>
+          <a:solidFill>
+            <a:schemeClr val="accent1">
+              <a:lumMod val="20000"/>
+              <a:lumOff val="80000"/>
+            </a:schemeClr>
+          </a:solidFill>
+        </p:spPr>
+        <p:txBody>
+          <a:bodyPr wrap="square">
+            <a:spAutoFit/>
+          </a:bodyPr>
+          <a:lstStyle/>
+          <a:p>
+            <a:r>
+              <a:rPr lang="en-US" dirty="0">
+                <a:solidFill>
+                  <a:prstClr val="black"/>
+                </a:solidFill>
+              </a:rPr>
+              <a:t>The global mobile security market size is expected to grow from USD 3.0 billion in 2019 to USD 7.2 billion by 2024, at a Compound Annual Growth Rate (CAGR) of 19.4% during the forecast period. As a result, adoption of the mobile unified endpoint security products that include firewall tools, antivirus and malware protection solutions, organization size security solutions, and mobile device management solutions has increased among businesses.</a:t>
+            </a:r>
+          </a:p>
+        </p:txBody>
+      </p:sp>
+      <p:cxnSp>
+        <p:nvCxnSpPr>
+          <p:cNvPr id="5" name="Straight Connector 4">
+            <a:extLst>
+              <a:ext uri="{FF2B5EF4-FFF2-40B4-BE49-F238E27FC236}">
+                <a16:creationId xmlns:a16="http://schemas.microsoft.com/office/drawing/2014/main" id="{870E80D4-579D-4A9B-A02D-E51AE4CC712B}"/>
+              </a:ext>
+            </a:extLst>
+          </p:cNvPr>
+          <p:cNvCxnSpPr/>
+          <p:nvPr/>
+        </p:nvCxnSpPr>
+        <p:spPr>
+          <a:xfrm>
+            <a:off x="8245366" y="1277007"/>
+            <a:ext cx="0" cy="5060731"/>
+          </a:xfrm>
+          <a:prstGeom prst="line">
+            <a:avLst/>
+          </a:prstGeom>
+        </p:spPr>
+        <p:style>
+          <a:lnRef idx="1">
+            <a:schemeClr val="dk1"/>
+          </a:lnRef>
+          <a:fillRef idx="0">
+            <a:schemeClr val="dk1"/>
+          </a:fillRef>
+          <a:effectRef idx="0">
+            <a:schemeClr val="dk1"/>
+          </a:effectRef>
+          <a:fontRef idx="minor">
+            <a:schemeClr val="tx1"/>
+          </a:fontRef>
+        </p:style>
+      </p:cxnSp>
+      <p:pic>
+        <p:nvPicPr>
+          <p:cNvPr id="8" name="Picture 7">
+            <a:extLst>
+              <a:ext uri="{FF2B5EF4-FFF2-40B4-BE49-F238E27FC236}">
+                <a16:creationId xmlns:a16="http://schemas.microsoft.com/office/drawing/2014/main" id="{B7E95E49-4B40-46DB-BC23-C31C4B2624A0}"/>
+              </a:ext>
+            </a:extLst>
+          </p:cNvPr>
+          <p:cNvPicPr>
+            <a:picLocks noChangeAspect="1"/>
+          </p:cNvPicPr>
+          <p:nvPr/>
+        </p:nvPicPr>
+        <p:blipFill>
+          <a:blip r:embed="rId3"/>
+          <a:stretch>
+            <a:fillRect/>
+          </a:stretch>
+        </p:blipFill>
+        <p:spPr>
+          <a:xfrm>
+            <a:off x="520426" y="1734207"/>
+            <a:ext cx="7542943" cy="3846785"/>
+          </a:xfrm>
+          <a:prstGeom prst="rect">
+            <a:avLst/>
+          </a:prstGeom>
+        </p:spPr>
+      </p:pic>
+    </p:spTree>
+    <p:extLst>
+      <p:ext uri="{BB962C8B-B14F-4D97-AF65-F5344CB8AC3E}">
+        <p14:creationId xmlns:p14="http://schemas.microsoft.com/office/powerpoint/2010/main" val="153204967"/>
+      </p:ext>
+    </p:extLst>
+  </p:cSld>
+  <p:clrMapOvr>
+    <a:masterClrMapping/>
+  </p:clrMapOvr>
+</p:sld>
+</file>
+
+<file path=ppt/slides/slide31.xml><?xml version="1.0" encoding="utf-8"?>
 <p:sld xmlns:a="http://schemas.openxmlformats.org/drawingml/2006/main" xmlns:r="http://schemas.openxmlformats.org/officeDocument/2006/relationships" xmlns:p="http://schemas.openxmlformats.org/presentationml/2006/main">
   <p:cSld>
     <p:spTree>

--- a/SecondYearModule 02-Day 04/JIO_BUSINESS_PLAN.pptx
+++ b/SecondYearModule 02-Day 04/JIO_BUSINESS_PLAN.pptx
@@ -5,10 +5,10 @@
     <p:sldMasterId id="2147483648" r:id="rId1"/>
   </p:sldMasterIdLst>
   <p:notesMasterIdLst>
-    <p:notesMasterId r:id="rId33"/>
+    <p:notesMasterId r:id="rId38"/>
   </p:notesMasterIdLst>
   <p:handoutMasterIdLst>
-    <p:handoutMasterId r:id="rId34"/>
+    <p:handoutMasterId r:id="rId39"/>
   </p:handoutMasterIdLst>
   <p:sldIdLst>
     <p:sldId id="256" r:id="rId2"/>
@@ -24,39 +24,44 @@
     <p:sldId id="327" r:id="rId12"/>
     <p:sldId id="328" r:id="rId13"/>
     <p:sldId id="333" r:id="rId14"/>
-    <p:sldId id="325" r:id="rId15"/>
-    <p:sldId id="326" r:id="rId16"/>
-    <p:sldId id="319" r:id="rId17"/>
-    <p:sldId id="329" r:id="rId18"/>
-    <p:sldId id="330" r:id="rId19"/>
-    <p:sldId id="331" r:id="rId20"/>
-    <p:sldId id="332" r:id="rId21"/>
-    <p:sldId id="314" r:id="rId22"/>
-    <p:sldId id="304" r:id="rId23"/>
-    <p:sldId id="285" r:id="rId24"/>
-    <p:sldId id="334" r:id="rId25"/>
-    <p:sldId id="286" r:id="rId26"/>
-    <p:sldId id="316" r:id="rId27"/>
-    <p:sldId id="311" r:id="rId28"/>
-    <p:sldId id="315" r:id="rId29"/>
-    <p:sldId id="308" r:id="rId30"/>
-    <p:sldId id="335" r:id="rId31"/>
-    <p:sldId id="277" r:id="rId32"/>
+    <p:sldId id="336" r:id="rId15"/>
+    <p:sldId id="325" r:id="rId16"/>
+    <p:sldId id="326" r:id="rId17"/>
+    <p:sldId id="319" r:id="rId18"/>
+    <p:sldId id="329" r:id="rId19"/>
+    <p:sldId id="330" r:id="rId20"/>
+    <p:sldId id="331" r:id="rId21"/>
+    <p:sldId id="332" r:id="rId22"/>
+    <p:sldId id="314" r:id="rId23"/>
+    <p:sldId id="304" r:id="rId24"/>
+    <p:sldId id="340" r:id="rId25"/>
+    <p:sldId id="285" r:id="rId26"/>
+    <p:sldId id="334" r:id="rId27"/>
+    <p:sldId id="286" r:id="rId28"/>
+    <p:sldId id="337" r:id="rId29"/>
+    <p:sldId id="338" r:id="rId30"/>
+    <p:sldId id="339" r:id="rId31"/>
+    <p:sldId id="316" r:id="rId32"/>
+    <p:sldId id="311" r:id="rId33"/>
+    <p:sldId id="315" r:id="rId34"/>
+    <p:sldId id="308" r:id="rId35"/>
+    <p:sldId id="335" r:id="rId36"/>
+    <p:sldId id="277" r:id="rId37"/>
   </p:sldIdLst>
   <p:sldSz cx="12192000" cy="6858000"/>
   <p:notesSz cx="6858000" cy="9144000"/>
   <p:embeddedFontLst>
     <p:embeddedFont>
       <p:font typeface="Calibri" panose="020F0502020204030204" pitchFamily="34" charset="0"/>
-      <p:regular r:id="rId35"/>
-      <p:bold r:id="rId36"/>
-      <p:italic r:id="rId37"/>
-      <p:boldItalic r:id="rId38"/>
+      <p:regular r:id="rId40"/>
+      <p:bold r:id="rId41"/>
+      <p:italic r:id="rId42"/>
+      <p:boldItalic r:id="rId43"/>
     </p:embeddedFont>
     <p:embeddedFont>
       <p:font typeface="Roboto Slab" panose="020B0604020202020204" charset="0"/>
-      <p:regular r:id="rId39"/>
-      <p:bold r:id="rId40"/>
+      <p:regular r:id="rId44"/>
+      <p:bold r:id="rId45"/>
     </p:embeddedFont>
   </p:embeddedFontLst>
   <p:defaultTextStyle>
@@ -3162,6 +3167,753 @@
 </file>
 
 <file path=ppt/diagrams/colors5.xml><?xml version="1.0" encoding="utf-8"?>
+<dgm:colorsDef xmlns:dgm="http://schemas.openxmlformats.org/drawingml/2006/diagram" xmlns:a="http://schemas.openxmlformats.org/drawingml/2006/main" uniqueId="urn:microsoft.com/office/officeart/2005/8/colors/accent1_2">
+  <dgm:title val=""/>
+  <dgm:desc val=""/>
+  <dgm:catLst>
+    <dgm:cat type="accent1" pri="11200"/>
+  </dgm:catLst>
+  <dgm:styleLbl name="node0">
+    <dgm:fillClrLst meth="repeat">
+      <a:schemeClr val="accent1"/>
+    </dgm:fillClrLst>
+    <dgm:linClrLst meth="repeat">
+      <a:schemeClr val="lt1"/>
+    </dgm:linClrLst>
+    <dgm:effectClrLst/>
+    <dgm:txLinClrLst/>
+    <dgm:txFillClrLst/>
+    <dgm:txEffectClrLst/>
+  </dgm:styleLbl>
+  <dgm:styleLbl name="alignNode1">
+    <dgm:fillClrLst meth="repeat">
+      <a:schemeClr val="accent1"/>
+    </dgm:fillClrLst>
+    <dgm:linClrLst meth="repeat">
+      <a:schemeClr val="accent1"/>
+    </dgm:linClrLst>
+    <dgm:effectClrLst/>
+    <dgm:txLinClrLst/>
+    <dgm:txFillClrLst/>
+    <dgm:txEffectClrLst/>
+  </dgm:styleLbl>
+  <dgm:styleLbl name="node1">
+    <dgm:fillClrLst meth="repeat">
+      <a:schemeClr val="accent1"/>
+    </dgm:fillClrLst>
+    <dgm:linClrLst meth="repeat">
+      <a:schemeClr val="lt1"/>
+    </dgm:linClrLst>
+    <dgm:effectClrLst/>
+    <dgm:txLinClrLst/>
+    <dgm:txFillClrLst/>
+    <dgm:txEffectClrLst/>
+  </dgm:styleLbl>
+  <dgm:styleLbl name="lnNode1">
+    <dgm:fillClrLst meth="repeat">
+      <a:schemeClr val="accent1"/>
+    </dgm:fillClrLst>
+    <dgm:linClrLst meth="repeat">
+      <a:schemeClr val="lt1"/>
+    </dgm:linClrLst>
+    <dgm:effectClrLst/>
+    <dgm:txLinClrLst/>
+    <dgm:txFillClrLst/>
+    <dgm:txEffectClrLst/>
+  </dgm:styleLbl>
+  <dgm:styleLbl name="vennNode1">
+    <dgm:fillClrLst meth="repeat">
+      <a:schemeClr val="accent1">
+        <a:alpha val="50000"/>
+      </a:schemeClr>
+    </dgm:fillClrLst>
+    <dgm:linClrLst meth="repeat">
+      <a:schemeClr val="lt1"/>
+    </dgm:linClrLst>
+    <dgm:effectClrLst/>
+    <dgm:txLinClrLst/>
+    <dgm:txFillClrLst/>
+    <dgm:txEffectClrLst/>
+  </dgm:styleLbl>
+  <dgm:styleLbl name="node2">
+    <dgm:fillClrLst meth="repeat">
+      <a:schemeClr val="accent1"/>
+    </dgm:fillClrLst>
+    <dgm:linClrLst meth="repeat">
+      <a:schemeClr val="lt1"/>
+    </dgm:linClrLst>
+    <dgm:effectClrLst/>
+    <dgm:txLinClrLst/>
+    <dgm:txFillClrLst/>
+    <dgm:txEffectClrLst/>
+  </dgm:styleLbl>
+  <dgm:styleLbl name="node3">
+    <dgm:fillClrLst meth="repeat">
+      <a:schemeClr val="accent1"/>
+    </dgm:fillClrLst>
+    <dgm:linClrLst meth="repeat">
+      <a:schemeClr val="lt1"/>
+    </dgm:linClrLst>
+    <dgm:effectClrLst/>
+    <dgm:txLinClrLst/>
+    <dgm:txFillClrLst/>
+    <dgm:txEffectClrLst/>
+  </dgm:styleLbl>
+  <dgm:styleLbl name="node4">
+    <dgm:fillClrLst meth="repeat">
+      <a:schemeClr val="accent1"/>
+    </dgm:fillClrLst>
+    <dgm:linClrLst meth="repeat">
+      <a:schemeClr val="lt1"/>
+    </dgm:linClrLst>
+    <dgm:effectClrLst/>
+    <dgm:txLinClrLst/>
+    <dgm:txFillClrLst/>
+    <dgm:txEffectClrLst/>
+  </dgm:styleLbl>
+  <dgm:styleLbl name="fgImgPlace1">
+    <dgm:fillClrLst meth="repeat">
+      <a:schemeClr val="accent1">
+        <a:tint val="50000"/>
+      </a:schemeClr>
+    </dgm:fillClrLst>
+    <dgm:linClrLst meth="repeat">
+      <a:schemeClr val="lt1"/>
+    </dgm:linClrLst>
+    <dgm:effectClrLst/>
+    <dgm:txLinClrLst/>
+    <dgm:txFillClrLst meth="repeat">
+      <a:schemeClr val="lt1"/>
+    </dgm:txFillClrLst>
+    <dgm:txEffectClrLst/>
+  </dgm:styleLbl>
+  <dgm:styleLbl name="alignImgPlace1">
+    <dgm:fillClrLst meth="repeat">
+      <a:schemeClr val="accent1">
+        <a:tint val="50000"/>
+      </a:schemeClr>
+    </dgm:fillClrLst>
+    <dgm:linClrLst meth="repeat">
+      <a:schemeClr val="lt1"/>
+    </dgm:linClrLst>
+    <dgm:effectClrLst/>
+    <dgm:txLinClrLst/>
+    <dgm:txFillClrLst meth="repeat">
+      <a:schemeClr val="lt1"/>
+    </dgm:txFillClrLst>
+    <dgm:txEffectClrLst/>
+  </dgm:styleLbl>
+  <dgm:styleLbl name="bgImgPlace1">
+    <dgm:fillClrLst meth="repeat">
+      <a:schemeClr val="accent1">
+        <a:tint val="50000"/>
+      </a:schemeClr>
+    </dgm:fillClrLst>
+    <dgm:linClrLst meth="repeat">
+      <a:schemeClr val="lt1"/>
+    </dgm:linClrLst>
+    <dgm:effectClrLst/>
+    <dgm:txLinClrLst/>
+    <dgm:txFillClrLst meth="repeat">
+      <a:schemeClr val="lt1"/>
+    </dgm:txFillClrLst>
+    <dgm:txEffectClrLst/>
+  </dgm:styleLbl>
+  <dgm:styleLbl name="sibTrans2D1">
+    <dgm:fillClrLst meth="repeat">
+      <a:schemeClr val="accent1">
+        <a:tint val="60000"/>
+      </a:schemeClr>
+    </dgm:fillClrLst>
+    <dgm:linClrLst meth="repeat">
+      <a:schemeClr val="accent1">
+        <a:tint val="60000"/>
+      </a:schemeClr>
+    </dgm:linClrLst>
+    <dgm:effectClrLst/>
+    <dgm:txLinClrLst/>
+    <dgm:txFillClrLst/>
+    <dgm:txEffectClrLst/>
+  </dgm:styleLbl>
+  <dgm:styleLbl name="fgSibTrans2D1">
+    <dgm:fillClrLst meth="repeat">
+      <a:schemeClr val="accent1">
+        <a:tint val="60000"/>
+      </a:schemeClr>
+    </dgm:fillClrLst>
+    <dgm:linClrLst meth="repeat">
+      <a:schemeClr val="accent1">
+        <a:tint val="60000"/>
+      </a:schemeClr>
+    </dgm:linClrLst>
+    <dgm:effectClrLst/>
+    <dgm:txLinClrLst/>
+    <dgm:txFillClrLst/>
+    <dgm:txEffectClrLst/>
+  </dgm:styleLbl>
+  <dgm:styleLbl name="bgSibTrans2D1">
+    <dgm:fillClrLst meth="repeat">
+      <a:schemeClr val="accent1">
+        <a:tint val="60000"/>
+      </a:schemeClr>
+    </dgm:fillClrLst>
+    <dgm:linClrLst meth="repeat">
+      <a:schemeClr val="accent1">
+        <a:tint val="60000"/>
+      </a:schemeClr>
+    </dgm:linClrLst>
+    <dgm:effectClrLst/>
+    <dgm:txLinClrLst/>
+    <dgm:txFillClrLst/>
+    <dgm:txEffectClrLst/>
+  </dgm:styleLbl>
+  <dgm:styleLbl name="sibTrans1D1">
+    <dgm:fillClrLst meth="repeat">
+      <a:schemeClr val="accent1"/>
+    </dgm:fillClrLst>
+    <dgm:linClrLst meth="repeat">
+      <a:schemeClr val="accent1"/>
+    </dgm:linClrLst>
+    <dgm:effectClrLst/>
+    <dgm:txLinClrLst/>
+    <dgm:txFillClrLst meth="repeat">
+      <a:schemeClr val="tx1"/>
+    </dgm:txFillClrLst>
+    <dgm:txEffectClrLst/>
+  </dgm:styleLbl>
+  <dgm:styleLbl name="callout">
+    <dgm:fillClrLst meth="repeat">
+      <a:schemeClr val="accent1"/>
+    </dgm:fillClrLst>
+    <dgm:linClrLst meth="repeat">
+      <a:schemeClr val="accent1">
+        <a:tint val="50000"/>
+      </a:schemeClr>
+    </dgm:linClrLst>
+    <dgm:effectClrLst/>
+    <dgm:txLinClrLst/>
+    <dgm:txFillClrLst meth="repeat">
+      <a:schemeClr val="tx1"/>
+    </dgm:txFillClrLst>
+    <dgm:txEffectClrLst/>
+  </dgm:styleLbl>
+  <dgm:styleLbl name="asst0">
+    <dgm:fillClrLst meth="repeat">
+      <a:schemeClr val="accent1"/>
+    </dgm:fillClrLst>
+    <dgm:linClrLst meth="repeat">
+      <a:schemeClr val="lt1"/>
+    </dgm:linClrLst>
+    <dgm:effectClrLst/>
+    <dgm:txLinClrLst/>
+    <dgm:txFillClrLst/>
+    <dgm:txEffectClrLst/>
+  </dgm:styleLbl>
+  <dgm:styleLbl name="asst1">
+    <dgm:fillClrLst meth="repeat">
+      <a:schemeClr val="accent1"/>
+    </dgm:fillClrLst>
+    <dgm:linClrLst meth="repeat">
+      <a:schemeClr val="lt1"/>
+    </dgm:linClrLst>
+    <dgm:effectClrLst/>
+    <dgm:txLinClrLst/>
+    <dgm:txFillClrLst/>
+    <dgm:txEffectClrLst/>
+  </dgm:styleLbl>
+  <dgm:styleLbl name="asst2">
+    <dgm:fillClrLst meth="repeat">
+      <a:schemeClr val="accent1"/>
+    </dgm:fillClrLst>
+    <dgm:linClrLst meth="repeat">
+      <a:schemeClr val="lt1"/>
+    </dgm:linClrLst>
+    <dgm:effectClrLst/>
+    <dgm:txLinClrLst/>
+    <dgm:txFillClrLst/>
+    <dgm:txEffectClrLst/>
+  </dgm:styleLbl>
+  <dgm:styleLbl name="asst3">
+    <dgm:fillClrLst meth="repeat">
+      <a:schemeClr val="accent1"/>
+    </dgm:fillClrLst>
+    <dgm:linClrLst meth="repeat">
+      <a:schemeClr val="lt1"/>
+    </dgm:linClrLst>
+    <dgm:effectClrLst/>
+    <dgm:txLinClrLst/>
+    <dgm:txFillClrLst/>
+    <dgm:txEffectClrLst/>
+  </dgm:styleLbl>
+  <dgm:styleLbl name="asst4">
+    <dgm:fillClrLst meth="repeat">
+      <a:schemeClr val="accent1"/>
+    </dgm:fillClrLst>
+    <dgm:linClrLst meth="repeat">
+      <a:schemeClr val="lt1"/>
+    </dgm:linClrLst>
+    <dgm:effectClrLst/>
+    <dgm:txLinClrLst/>
+    <dgm:txFillClrLst/>
+    <dgm:txEffectClrLst/>
+  </dgm:styleLbl>
+  <dgm:styleLbl name="parChTrans2D1">
+    <dgm:fillClrLst meth="repeat">
+      <a:schemeClr val="accent1">
+        <a:tint val="60000"/>
+      </a:schemeClr>
+    </dgm:fillClrLst>
+    <dgm:linClrLst meth="repeat">
+      <a:schemeClr val="accent1">
+        <a:tint val="60000"/>
+      </a:schemeClr>
+    </dgm:linClrLst>
+    <dgm:effectClrLst/>
+    <dgm:txLinClrLst/>
+    <dgm:txFillClrLst meth="repeat">
+      <a:schemeClr val="lt1"/>
+    </dgm:txFillClrLst>
+    <dgm:txEffectClrLst/>
+  </dgm:styleLbl>
+  <dgm:styleLbl name="parChTrans2D2">
+    <dgm:fillClrLst meth="repeat">
+      <a:schemeClr val="accent1"/>
+    </dgm:fillClrLst>
+    <dgm:linClrLst meth="repeat">
+      <a:schemeClr val="accent1"/>
+    </dgm:linClrLst>
+    <dgm:effectClrLst/>
+    <dgm:txLinClrLst/>
+    <dgm:txFillClrLst meth="repeat">
+      <a:schemeClr val="lt1"/>
+    </dgm:txFillClrLst>
+    <dgm:txEffectClrLst/>
+  </dgm:styleLbl>
+  <dgm:styleLbl name="parChTrans2D3">
+    <dgm:fillClrLst meth="repeat">
+      <a:schemeClr val="accent1"/>
+    </dgm:fillClrLst>
+    <dgm:linClrLst meth="repeat">
+      <a:schemeClr val="accent1"/>
+    </dgm:linClrLst>
+    <dgm:effectClrLst/>
+    <dgm:txLinClrLst/>
+    <dgm:txFillClrLst meth="repeat">
+      <a:schemeClr val="lt1"/>
+    </dgm:txFillClrLst>
+    <dgm:txEffectClrLst/>
+  </dgm:styleLbl>
+  <dgm:styleLbl name="parChTrans2D4">
+    <dgm:fillClrLst meth="repeat">
+      <a:schemeClr val="accent1"/>
+    </dgm:fillClrLst>
+    <dgm:linClrLst meth="repeat">
+      <a:schemeClr val="accent1"/>
+    </dgm:linClrLst>
+    <dgm:effectClrLst/>
+    <dgm:txLinClrLst/>
+    <dgm:txFillClrLst meth="repeat">
+      <a:schemeClr val="lt1"/>
+    </dgm:txFillClrLst>
+    <dgm:txEffectClrLst/>
+  </dgm:styleLbl>
+  <dgm:styleLbl name="parChTrans1D1">
+    <dgm:fillClrLst meth="repeat">
+      <a:schemeClr val="accent1"/>
+    </dgm:fillClrLst>
+    <dgm:linClrLst meth="repeat">
+      <a:schemeClr val="accent1">
+        <a:shade val="60000"/>
+      </a:schemeClr>
+    </dgm:linClrLst>
+    <dgm:effectClrLst/>
+    <dgm:txLinClrLst/>
+    <dgm:txFillClrLst meth="repeat">
+      <a:schemeClr val="tx1"/>
+    </dgm:txFillClrLst>
+    <dgm:txEffectClrLst/>
+  </dgm:styleLbl>
+  <dgm:styleLbl name="parChTrans1D2">
+    <dgm:fillClrLst meth="repeat">
+      <a:schemeClr val="accent1"/>
+    </dgm:fillClrLst>
+    <dgm:linClrLst meth="repeat">
+      <a:schemeClr val="accent1">
+        <a:shade val="60000"/>
+      </a:schemeClr>
+    </dgm:linClrLst>
+    <dgm:effectClrLst/>
+    <dgm:txLinClrLst/>
+    <dgm:txFillClrLst meth="repeat">
+      <a:schemeClr val="tx1"/>
+    </dgm:txFillClrLst>
+    <dgm:txEffectClrLst/>
+  </dgm:styleLbl>
+  <dgm:styleLbl name="parChTrans1D3">
+    <dgm:fillClrLst meth="repeat">
+      <a:schemeClr val="accent1"/>
+    </dgm:fillClrLst>
+    <dgm:linClrLst meth="repeat">
+      <a:schemeClr val="accent1">
+        <a:shade val="80000"/>
+      </a:schemeClr>
+    </dgm:linClrLst>
+    <dgm:effectClrLst/>
+    <dgm:txLinClrLst/>
+    <dgm:txFillClrLst meth="repeat">
+      <a:schemeClr val="tx1"/>
+    </dgm:txFillClrLst>
+    <dgm:txEffectClrLst/>
+  </dgm:styleLbl>
+  <dgm:styleLbl name="parChTrans1D4">
+    <dgm:fillClrLst meth="repeat">
+      <a:schemeClr val="accent1"/>
+    </dgm:fillClrLst>
+    <dgm:linClrLst meth="repeat">
+      <a:schemeClr val="accent1">
+        <a:shade val="80000"/>
+      </a:schemeClr>
+    </dgm:linClrLst>
+    <dgm:effectClrLst/>
+    <dgm:txLinClrLst/>
+    <dgm:txFillClrLst meth="repeat">
+      <a:schemeClr val="tx1"/>
+    </dgm:txFillClrLst>
+    <dgm:txEffectClrLst/>
+  </dgm:styleLbl>
+  <dgm:styleLbl name="fgAcc1">
+    <dgm:fillClrLst meth="repeat">
+      <a:schemeClr val="lt1">
+        <a:alpha val="90000"/>
+      </a:schemeClr>
+    </dgm:fillClrLst>
+    <dgm:linClrLst meth="repeat">
+      <a:schemeClr val="accent1"/>
+    </dgm:linClrLst>
+    <dgm:effectClrLst/>
+    <dgm:txLinClrLst/>
+    <dgm:txFillClrLst meth="repeat">
+      <a:schemeClr val="dk1"/>
+    </dgm:txFillClrLst>
+    <dgm:txEffectClrLst/>
+  </dgm:styleLbl>
+  <dgm:styleLbl name="conFgAcc1">
+    <dgm:fillClrLst meth="repeat">
+      <a:schemeClr val="lt1">
+        <a:alpha val="90000"/>
+      </a:schemeClr>
+    </dgm:fillClrLst>
+    <dgm:linClrLst meth="repeat">
+      <a:schemeClr val="accent1"/>
+    </dgm:linClrLst>
+    <dgm:effectClrLst/>
+    <dgm:txLinClrLst/>
+    <dgm:txFillClrLst meth="repeat">
+      <a:schemeClr val="dk1"/>
+    </dgm:txFillClrLst>
+    <dgm:txEffectClrLst/>
+  </dgm:styleLbl>
+  <dgm:styleLbl name="alignAcc1">
+    <dgm:fillClrLst meth="repeat">
+      <a:schemeClr val="lt1">
+        <a:alpha val="90000"/>
+      </a:schemeClr>
+    </dgm:fillClrLst>
+    <dgm:linClrLst meth="repeat">
+      <a:schemeClr val="accent1"/>
+    </dgm:linClrLst>
+    <dgm:effectClrLst/>
+    <dgm:txLinClrLst/>
+    <dgm:txFillClrLst meth="repeat">
+      <a:schemeClr val="dk1"/>
+    </dgm:txFillClrLst>
+    <dgm:txEffectClrLst/>
+  </dgm:styleLbl>
+  <dgm:styleLbl name="trAlignAcc1">
+    <dgm:fillClrLst meth="repeat">
+      <a:schemeClr val="lt1">
+        <a:alpha val="40000"/>
+      </a:schemeClr>
+    </dgm:fillClrLst>
+    <dgm:linClrLst meth="repeat">
+      <a:schemeClr val="accent1"/>
+    </dgm:linClrLst>
+    <dgm:effectClrLst/>
+    <dgm:txLinClrLst/>
+    <dgm:txFillClrLst meth="repeat">
+      <a:schemeClr val="dk1"/>
+    </dgm:txFillClrLst>
+    <dgm:txEffectClrLst/>
+  </dgm:styleLbl>
+  <dgm:styleLbl name="bgAcc1">
+    <dgm:fillClrLst meth="repeat">
+      <a:schemeClr val="lt1">
+        <a:alpha val="90000"/>
+      </a:schemeClr>
+    </dgm:fillClrLst>
+    <dgm:linClrLst meth="repeat">
+      <a:schemeClr val="accent1"/>
+    </dgm:linClrLst>
+    <dgm:effectClrLst/>
+    <dgm:txLinClrLst/>
+    <dgm:txFillClrLst meth="repeat">
+      <a:schemeClr val="dk1"/>
+    </dgm:txFillClrLst>
+    <dgm:txEffectClrLst/>
+  </dgm:styleLbl>
+  <dgm:styleLbl name="solidFgAcc1">
+    <dgm:fillClrLst meth="repeat">
+      <a:schemeClr val="lt1"/>
+    </dgm:fillClrLst>
+    <dgm:linClrLst meth="repeat">
+      <a:schemeClr val="accent1"/>
+    </dgm:linClrLst>
+    <dgm:effectClrLst/>
+    <dgm:txLinClrLst/>
+    <dgm:txFillClrLst meth="repeat">
+      <a:schemeClr val="dk1"/>
+    </dgm:txFillClrLst>
+    <dgm:txEffectClrLst/>
+  </dgm:styleLbl>
+  <dgm:styleLbl name="solidAlignAcc1">
+    <dgm:fillClrLst meth="repeat">
+      <a:schemeClr val="lt1"/>
+    </dgm:fillClrLst>
+    <dgm:linClrLst meth="repeat">
+      <a:schemeClr val="accent1"/>
+    </dgm:linClrLst>
+    <dgm:effectClrLst/>
+    <dgm:txLinClrLst/>
+    <dgm:txFillClrLst meth="repeat">
+      <a:schemeClr val="dk1"/>
+    </dgm:txFillClrLst>
+    <dgm:txEffectClrLst/>
+  </dgm:styleLbl>
+  <dgm:styleLbl name="solidBgAcc1">
+    <dgm:fillClrLst meth="repeat">
+      <a:schemeClr val="lt1"/>
+    </dgm:fillClrLst>
+    <dgm:linClrLst meth="repeat">
+      <a:schemeClr val="accent1"/>
+    </dgm:linClrLst>
+    <dgm:effectClrLst/>
+    <dgm:txLinClrLst/>
+    <dgm:txFillClrLst meth="repeat">
+      <a:schemeClr val="dk1"/>
+    </dgm:txFillClrLst>
+    <dgm:txEffectClrLst/>
+  </dgm:styleLbl>
+  <dgm:styleLbl name="fgAccFollowNode1">
+    <dgm:fillClrLst meth="repeat">
+      <a:schemeClr val="accent1">
+        <a:alpha val="90000"/>
+        <a:tint val="40000"/>
+      </a:schemeClr>
+    </dgm:fillClrLst>
+    <dgm:linClrLst meth="repeat">
+      <a:schemeClr val="accent1">
+        <a:alpha val="90000"/>
+        <a:tint val="40000"/>
+      </a:schemeClr>
+    </dgm:linClrLst>
+    <dgm:effectClrLst/>
+    <dgm:txLinClrLst/>
+    <dgm:txFillClrLst meth="repeat">
+      <a:schemeClr val="dk1"/>
+    </dgm:txFillClrLst>
+    <dgm:txEffectClrLst/>
+  </dgm:styleLbl>
+  <dgm:styleLbl name="alignAccFollowNode1">
+    <dgm:fillClrLst meth="repeat">
+      <a:schemeClr val="accent1">
+        <a:alpha val="90000"/>
+        <a:tint val="40000"/>
+      </a:schemeClr>
+    </dgm:fillClrLst>
+    <dgm:linClrLst meth="repeat">
+      <a:schemeClr val="accent1">
+        <a:alpha val="90000"/>
+        <a:tint val="40000"/>
+      </a:schemeClr>
+    </dgm:linClrLst>
+    <dgm:effectClrLst/>
+    <dgm:txLinClrLst/>
+    <dgm:txFillClrLst meth="repeat">
+      <a:schemeClr val="dk1"/>
+    </dgm:txFillClrLst>
+    <dgm:txEffectClrLst/>
+  </dgm:styleLbl>
+  <dgm:styleLbl name="bgAccFollowNode1">
+    <dgm:fillClrLst meth="repeat">
+      <a:schemeClr val="accent1">
+        <a:alpha val="90000"/>
+        <a:tint val="40000"/>
+      </a:schemeClr>
+    </dgm:fillClrLst>
+    <dgm:linClrLst meth="repeat">
+      <a:schemeClr val="accent1">
+        <a:alpha val="90000"/>
+        <a:tint val="40000"/>
+      </a:schemeClr>
+    </dgm:linClrLst>
+    <dgm:effectClrLst/>
+    <dgm:txLinClrLst/>
+    <dgm:txFillClrLst meth="repeat">
+      <a:schemeClr val="dk1"/>
+    </dgm:txFillClrLst>
+    <dgm:txEffectClrLst/>
+  </dgm:styleLbl>
+  <dgm:styleLbl name="fgAcc0">
+    <dgm:fillClrLst meth="repeat">
+      <a:schemeClr val="lt1">
+        <a:alpha val="90000"/>
+      </a:schemeClr>
+    </dgm:fillClrLst>
+    <dgm:linClrLst meth="repeat">
+      <a:schemeClr val="accent1"/>
+    </dgm:linClrLst>
+    <dgm:effectClrLst/>
+    <dgm:txLinClrLst/>
+    <dgm:txFillClrLst meth="repeat">
+      <a:schemeClr val="dk1"/>
+    </dgm:txFillClrLst>
+    <dgm:txEffectClrLst/>
+  </dgm:styleLbl>
+  <dgm:styleLbl name="fgAcc2">
+    <dgm:fillClrLst meth="repeat">
+      <a:schemeClr val="lt1">
+        <a:alpha val="90000"/>
+      </a:schemeClr>
+    </dgm:fillClrLst>
+    <dgm:linClrLst meth="repeat">
+      <a:schemeClr val="accent1"/>
+    </dgm:linClrLst>
+    <dgm:effectClrLst/>
+    <dgm:txLinClrLst/>
+    <dgm:txFillClrLst meth="repeat">
+      <a:schemeClr val="dk1"/>
+    </dgm:txFillClrLst>
+    <dgm:txEffectClrLst/>
+  </dgm:styleLbl>
+  <dgm:styleLbl name="fgAcc3">
+    <dgm:fillClrLst meth="repeat">
+      <a:schemeClr val="lt1">
+        <a:alpha val="90000"/>
+      </a:schemeClr>
+    </dgm:fillClrLst>
+    <dgm:linClrLst meth="repeat">
+      <a:schemeClr val="accent1"/>
+    </dgm:linClrLst>
+    <dgm:effectClrLst/>
+    <dgm:txLinClrLst/>
+    <dgm:txFillClrLst meth="repeat">
+      <a:schemeClr val="dk1"/>
+    </dgm:txFillClrLst>
+    <dgm:txEffectClrLst/>
+  </dgm:styleLbl>
+  <dgm:styleLbl name="fgAcc4">
+    <dgm:fillClrLst meth="repeat">
+      <a:schemeClr val="lt1">
+        <a:alpha val="90000"/>
+      </a:schemeClr>
+    </dgm:fillClrLst>
+    <dgm:linClrLst meth="repeat">
+      <a:schemeClr val="accent1"/>
+    </dgm:linClrLst>
+    <dgm:effectClrLst/>
+    <dgm:txLinClrLst/>
+    <dgm:txFillClrLst meth="repeat">
+      <a:schemeClr val="dk1"/>
+    </dgm:txFillClrLst>
+    <dgm:txEffectClrLst/>
+  </dgm:styleLbl>
+  <dgm:styleLbl name="bgShp">
+    <dgm:fillClrLst meth="repeat">
+      <a:schemeClr val="accent1">
+        <a:tint val="40000"/>
+      </a:schemeClr>
+    </dgm:fillClrLst>
+    <dgm:linClrLst meth="repeat">
+      <a:schemeClr val="accent1"/>
+    </dgm:linClrLst>
+    <dgm:effectClrLst/>
+    <dgm:txLinClrLst/>
+    <dgm:txFillClrLst meth="repeat">
+      <a:schemeClr val="dk1"/>
+    </dgm:txFillClrLst>
+    <dgm:txEffectClrLst/>
+  </dgm:styleLbl>
+  <dgm:styleLbl name="dkBgShp">
+    <dgm:fillClrLst meth="repeat">
+      <a:schemeClr val="accent1">
+        <a:shade val="80000"/>
+      </a:schemeClr>
+    </dgm:fillClrLst>
+    <dgm:linClrLst meth="repeat">
+      <a:schemeClr val="accent1"/>
+    </dgm:linClrLst>
+    <dgm:effectClrLst/>
+    <dgm:txLinClrLst/>
+    <dgm:txFillClrLst meth="repeat">
+      <a:schemeClr val="lt1"/>
+    </dgm:txFillClrLst>
+    <dgm:txEffectClrLst/>
+  </dgm:styleLbl>
+  <dgm:styleLbl name="trBgShp">
+    <dgm:fillClrLst meth="repeat">
+      <a:schemeClr val="accent1">
+        <a:tint val="50000"/>
+        <a:alpha val="40000"/>
+      </a:schemeClr>
+    </dgm:fillClrLst>
+    <dgm:linClrLst meth="repeat">
+      <a:schemeClr val="accent1"/>
+    </dgm:linClrLst>
+    <dgm:effectClrLst/>
+    <dgm:txLinClrLst/>
+    <dgm:txFillClrLst meth="repeat">
+      <a:schemeClr val="lt1"/>
+    </dgm:txFillClrLst>
+    <dgm:txEffectClrLst/>
+  </dgm:styleLbl>
+  <dgm:styleLbl name="fgShp">
+    <dgm:fillClrLst meth="repeat">
+      <a:schemeClr val="accent1">
+        <a:tint val="60000"/>
+      </a:schemeClr>
+    </dgm:fillClrLst>
+    <dgm:linClrLst meth="repeat">
+      <a:schemeClr val="lt1"/>
+    </dgm:linClrLst>
+    <dgm:effectClrLst/>
+    <dgm:txLinClrLst/>
+    <dgm:txFillClrLst meth="repeat">
+      <a:schemeClr val="dk1"/>
+    </dgm:txFillClrLst>
+    <dgm:txEffectClrLst/>
+  </dgm:styleLbl>
+  <dgm:styleLbl name="revTx">
+    <dgm:fillClrLst meth="repeat">
+      <a:schemeClr val="lt1">
+        <a:alpha val="0"/>
+      </a:schemeClr>
+    </dgm:fillClrLst>
+    <dgm:linClrLst meth="repeat">
+      <a:schemeClr val="dk1">
+        <a:alpha val="0"/>
+      </a:schemeClr>
+    </dgm:linClrLst>
+    <dgm:effectClrLst/>
+    <dgm:txLinClrLst/>
+    <dgm:txFillClrLst meth="repeat">
+      <a:schemeClr val="tx1"/>
+    </dgm:txFillClrLst>
+    <dgm:txEffectClrLst/>
+  </dgm:styleLbl>
+</dgm:colorsDef>
+</file>
+
+<file path=ppt/diagrams/colors6.xml><?xml version="1.0" encoding="utf-8"?>
 <dgm:colorsDef xmlns:dgm="http://schemas.openxmlformats.org/drawingml/2006/diagram" xmlns:a="http://schemas.openxmlformats.org/drawingml/2006/main" uniqueId="urn:microsoft.com/office/officeart/2005/8/colors/accent1_2">
   <dgm:title val=""/>
   <dgm:desc val=""/>
@@ -4940,6 +5692,106 @@
             <a:t>Nokia launched its machine learning-based AVA platform to better manage capacity planning, and to predict service degradations on cell sites up to seven days in advance.</a:t>
           </a:r>
         </a:p>
+        <a:p>
+          <a:endParaRPr lang="en-US" sz="1900" dirty="0"/>
+        </a:p>
+      </dgm:t>
+    </dgm:pt>
+    <dgm:pt modelId="{2938A4C4-C9C9-4F13-9083-32D68FA6BFB4}" type="parTrans" cxnId="{9E98717B-EC41-4736-BD01-7BB2FA53E01F}">
+      <dgm:prSet/>
+      <dgm:spPr/>
+      <dgm:t>
+        <a:bodyPr/>
+        <a:lstStyle/>
+        <a:p>
+          <a:endParaRPr lang="en-US"/>
+        </a:p>
+      </dgm:t>
+    </dgm:pt>
+    <dgm:pt modelId="{00F8C9EA-280B-4F80-A510-8AF64D384554}" type="sibTrans" cxnId="{9E98717B-EC41-4736-BD01-7BB2FA53E01F}">
+      <dgm:prSet/>
+      <dgm:spPr/>
+      <dgm:t>
+        <a:bodyPr/>
+        <a:lstStyle/>
+        <a:p>
+          <a:endParaRPr lang="en-US"/>
+        </a:p>
+      </dgm:t>
+    </dgm:pt>
+    <dgm:pt modelId="{40DE114D-2385-4E36-A6A3-3196BABB0738}" type="pres">
+      <dgm:prSet presAssocID="{52D968C3-B225-456E-8473-EFCBDE13B567}" presName="vert0" presStyleCnt="0">
+        <dgm:presLayoutVars>
+          <dgm:dir/>
+          <dgm:animOne val="branch"/>
+          <dgm:animLvl val="lvl"/>
+        </dgm:presLayoutVars>
+      </dgm:prSet>
+      <dgm:spPr/>
+    </dgm:pt>
+    <dgm:pt modelId="{386F4857-ACA7-4B50-8BD9-F3BCAD36C47F}" type="pres">
+      <dgm:prSet presAssocID="{C0BCC290-03B7-460F-8AF2-2F48D6CFBA89}" presName="thickLine" presStyleLbl="alignNode1" presStyleIdx="0" presStyleCnt="1"/>
+      <dgm:spPr/>
+    </dgm:pt>
+    <dgm:pt modelId="{E0C15E49-0F92-4886-9F13-EA6D77C76CE8}" type="pres">
+      <dgm:prSet presAssocID="{C0BCC290-03B7-460F-8AF2-2F48D6CFBA89}" presName="horz1" presStyleCnt="0"/>
+      <dgm:spPr/>
+    </dgm:pt>
+    <dgm:pt modelId="{E69DE99D-5922-448A-98AA-3E1C94DCBBDA}" type="pres">
+      <dgm:prSet presAssocID="{C0BCC290-03B7-460F-8AF2-2F48D6CFBA89}" presName="tx1" presStyleLbl="revTx" presStyleIdx="0" presStyleCnt="1" custScaleY="100098"/>
+      <dgm:spPr/>
+    </dgm:pt>
+    <dgm:pt modelId="{5BE750E1-DE88-4586-A487-C7F13F9DFB0A}" type="pres">
+      <dgm:prSet presAssocID="{C0BCC290-03B7-460F-8AF2-2F48D6CFBA89}" presName="vert1" presStyleCnt="0"/>
+      <dgm:spPr/>
+    </dgm:pt>
+  </dgm:ptLst>
+  <dgm:cxnLst>
+    <dgm:cxn modelId="{090BF642-232E-4092-8CA3-682518BC4980}" type="presOf" srcId="{C0BCC290-03B7-460F-8AF2-2F48D6CFBA89}" destId="{E69DE99D-5922-448A-98AA-3E1C94DCBBDA}" srcOrd="0" destOrd="0" presId="urn:microsoft.com/office/officeart/2008/layout/LinedList"/>
+    <dgm:cxn modelId="{9E98717B-EC41-4736-BD01-7BB2FA53E01F}" srcId="{52D968C3-B225-456E-8473-EFCBDE13B567}" destId="{C0BCC290-03B7-460F-8AF2-2F48D6CFBA89}" srcOrd="0" destOrd="0" parTransId="{2938A4C4-C9C9-4F13-9083-32D68FA6BFB4}" sibTransId="{00F8C9EA-280B-4F80-A510-8AF64D384554}"/>
+    <dgm:cxn modelId="{5EF6A1C5-423D-4990-B1C3-493EB59F30DB}" type="presOf" srcId="{52D968C3-B225-456E-8473-EFCBDE13B567}" destId="{40DE114D-2385-4E36-A6A3-3196BABB0738}" srcOrd="0" destOrd="0" presId="urn:microsoft.com/office/officeart/2008/layout/LinedList"/>
+    <dgm:cxn modelId="{EB09F0DD-6BFE-4587-A96F-73FE513647BB}" type="presParOf" srcId="{40DE114D-2385-4E36-A6A3-3196BABB0738}" destId="{386F4857-ACA7-4B50-8BD9-F3BCAD36C47F}" srcOrd="0" destOrd="0" presId="urn:microsoft.com/office/officeart/2008/layout/LinedList"/>
+    <dgm:cxn modelId="{030B1EAE-CEA9-4B9C-ADCC-6A41B3988726}" type="presParOf" srcId="{40DE114D-2385-4E36-A6A3-3196BABB0738}" destId="{E0C15E49-0F92-4886-9F13-EA6D77C76CE8}" srcOrd="1" destOrd="0" presId="urn:microsoft.com/office/officeart/2008/layout/LinedList"/>
+    <dgm:cxn modelId="{B2CEA094-FDD6-4FD8-8196-604E45DC2947}" type="presParOf" srcId="{E0C15E49-0F92-4886-9F13-EA6D77C76CE8}" destId="{E69DE99D-5922-448A-98AA-3E1C94DCBBDA}" srcOrd="0" destOrd="0" presId="urn:microsoft.com/office/officeart/2008/layout/LinedList"/>
+    <dgm:cxn modelId="{82A95571-5B2E-4A73-B145-D85A47B8A2D8}" type="presParOf" srcId="{E0C15E49-0F92-4886-9F13-EA6D77C76CE8}" destId="{5BE750E1-DE88-4586-A487-C7F13F9DFB0A}" srcOrd="1" destOrd="0" presId="urn:microsoft.com/office/officeart/2008/layout/LinedList"/>
+  </dgm:cxnLst>
+  <dgm:bg/>
+  <dgm:whole/>
+  <dgm:extLst>
+    <a:ext uri="http://schemas.microsoft.com/office/drawing/2008/diagram">
+      <dsp:dataModelExt xmlns:dsp="http://schemas.microsoft.com/office/drawing/2008/diagram" relId="rId6" minVer="http://schemas.openxmlformats.org/drawingml/2006/diagram"/>
+    </a:ext>
+  </dgm:extLst>
+</dgm:dataModel>
+</file>
+
+<file path=ppt/diagrams/data6.xml><?xml version="1.0" encoding="utf-8"?>
+<dgm:dataModel xmlns:dgm="http://schemas.openxmlformats.org/drawingml/2006/diagram" xmlns:a="http://schemas.openxmlformats.org/drawingml/2006/main">
+  <dgm:ptLst>
+    <dgm:pt modelId="{52D968C3-B225-456E-8473-EFCBDE13B567}" type="doc">
+      <dgm:prSet loTypeId="urn:microsoft.com/office/officeart/2008/layout/LinedList" loCatId="list" qsTypeId="urn:microsoft.com/office/officeart/2005/8/quickstyle/simple1" qsCatId="simple" csTypeId="urn:microsoft.com/office/officeart/2005/8/colors/accent1_2" csCatId="accent1" phldr="1"/>
+      <dgm:spPr/>
+      <dgm:t>
+        <a:bodyPr/>
+        <a:lstStyle/>
+        <a:p>
+          <a:endParaRPr lang="en-US"/>
+        </a:p>
+      </dgm:t>
+    </dgm:pt>
+    <dgm:pt modelId="{C0BCC290-03B7-460F-8AF2-2F48D6CFBA89}">
+      <dgm:prSet custT="1"/>
+      <dgm:spPr>
+        <a:solidFill>
+          <a:schemeClr val="accent1">
+            <a:lumMod val="20000"/>
+            <a:lumOff val="80000"/>
+          </a:schemeClr>
+        </a:solidFill>
+      </dgm:spPr>
+      <dgm:t>
+        <a:bodyPr/>
+        <a:lstStyle/>
         <a:p>
           <a:endParaRPr lang="en-US" sz="1900" dirty="0"/>
         </a:p>
@@ -6761,6 +7613,130 @@
 </dsp:drawing>
 </file>
 
+<file path=ppt/diagrams/drawing6.xml><?xml version="1.0" encoding="utf-8"?>
+<dsp:drawing xmlns:dgm="http://schemas.openxmlformats.org/drawingml/2006/diagram" xmlns:dsp="http://schemas.microsoft.com/office/drawing/2008/diagram" xmlns:a="http://schemas.openxmlformats.org/drawingml/2006/main">
+  <dsp:spTree>
+    <dsp:nvGrpSpPr>
+      <dsp:cNvPr id="0" name=""/>
+      <dsp:cNvGrpSpPr/>
+    </dsp:nvGrpSpPr>
+    <dsp:grpSpPr/>
+    <dsp:sp modelId="{386F4857-ACA7-4B50-8BD9-F3BCAD36C47F}">
+      <dsp:nvSpPr>
+        <dsp:cNvPr id="0" name=""/>
+        <dsp:cNvSpPr/>
+      </dsp:nvSpPr>
+      <dsp:spPr>
+        <a:xfrm>
+          <a:off x="0" y="2464"/>
+          <a:ext cx="11244317" cy="0"/>
+        </a:xfrm>
+        <a:prstGeom prst="line">
+          <a:avLst/>
+        </a:prstGeom>
+        <a:solidFill>
+          <a:schemeClr val="accent1">
+            <a:hueOff val="0"/>
+            <a:satOff val="0"/>
+            <a:lumOff val="0"/>
+            <a:alphaOff val="0"/>
+          </a:schemeClr>
+        </a:solidFill>
+        <a:ln w="12700" cap="flat" cmpd="sng" algn="ctr">
+          <a:solidFill>
+            <a:schemeClr val="accent1">
+              <a:hueOff val="0"/>
+              <a:satOff val="0"/>
+              <a:lumOff val="0"/>
+              <a:alphaOff val="0"/>
+            </a:schemeClr>
+          </a:solidFill>
+          <a:prstDash val="solid"/>
+          <a:miter lim="800000"/>
+        </a:ln>
+        <a:effectLst/>
+      </dsp:spPr>
+      <dsp:style>
+        <a:lnRef idx="2">
+          <a:scrgbClr r="0" g="0" b="0"/>
+        </a:lnRef>
+        <a:fillRef idx="1">
+          <a:scrgbClr r="0" g="0" b="0"/>
+        </a:fillRef>
+        <a:effectRef idx="0">
+          <a:scrgbClr r="0" g="0" b="0"/>
+        </a:effectRef>
+        <a:fontRef idx="minor">
+          <a:schemeClr val="lt1"/>
+        </a:fontRef>
+      </dsp:style>
+    </dsp:sp>
+    <dsp:sp modelId="{E69DE99D-5922-448A-98AA-3E1C94DCBBDA}">
+      <dsp:nvSpPr>
+        <dsp:cNvPr id="0" name=""/>
+        <dsp:cNvSpPr/>
+      </dsp:nvSpPr>
+      <dsp:spPr>
+        <a:xfrm>
+          <a:off x="0" y="2464"/>
+          <a:ext cx="11233336" cy="5050546"/>
+        </a:xfrm>
+        <a:prstGeom prst="rect">
+          <a:avLst/>
+        </a:prstGeom>
+        <a:solidFill>
+          <a:schemeClr val="accent1">
+            <a:lumMod val="20000"/>
+            <a:lumOff val="80000"/>
+          </a:schemeClr>
+        </a:solidFill>
+        <a:ln>
+          <a:noFill/>
+        </a:ln>
+        <a:effectLst/>
+      </dsp:spPr>
+      <dsp:style>
+        <a:lnRef idx="0">
+          <a:scrgbClr r="0" g="0" b="0"/>
+        </a:lnRef>
+        <a:fillRef idx="0">
+          <a:scrgbClr r="0" g="0" b="0"/>
+        </a:fillRef>
+        <a:effectRef idx="0">
+          <a:scrgbClr r="0" g="0" b="0"/>
+        </a:effectRef>
+        <a:fontRef idx="minor"/>
+      </dsp:style>
+      <dsp:txBody>
+        <a:bodyPr spcFirstLastPara="0" vert="horz" wrap="square" lIns="72390" tIns="72390" rIns="72390" bIns="72390" numCol="1" spcCol="1270" anchor="t" anchorCtr="0">
+          <a:noAutofit/>
+        </a:bodyPr>
+        <a:lstStyle/>
+        <a:p>
+          <a:pPr marL="0" lvl="0" indent="0" algn="l" defTabSz="844550">
+            <a:lnSpc>
+              <a:spcPct val="90000"/>
+            </a:lnSpc>
+            <a:spcBef>
+              <a:spcPct val="0"/>
+            </a:spcBef>
+            <a:spcAft>
+              <a:spcPct val="35000"/>
+            </a:spcAft>
+            <a:buNone/>
+          </a:pPr>
+          <a:endParaRPr lang="en-US" sz="1900" kern="1200" dirty="0"/>
+        </a:p>
+      </dsp:txBody>
+      <dsp:txXfrm>
+        <a:off x="0" y="2464"/>
+        <a:ext cx="11233336" cy="5050546"/>
+      </dsp:txXfrm>
+    </dsp:sp>
+  </dsp:spTree>
+</dsp:drawing>
+</file>
+
 <file path=ppt/diagrams/layout1.xml><?xml version="1.0" encoding="utf-8"?>
 <dgm:layoutDef xmlns:dgm="http://schemas.openxmlformats.org/drawingml/2006/diagram" xmlns:a="http://schemas.openxmlformats.org/drawingml/2006/main" uniqueId="urn:microsoft.com/office/officeart/2005/8/layout/vList2">
   <dgm:title val=""/>
@@ -8188,6 +9164,472 @@
 </dgm:layoutDef>
 </file>
 
+<file path=ppt/diagrams/layout6.xml><?xml version="1.0" encoding="utf-8"?>
+<dgm:layoutDef xmlns:dgm="http://schemas.openxmlformats.org/drawingml/2006/diagram" xmlns:a="http://schemas.openxmlformats.org/drawingml/2006/main" uniqueId="urn:microsoft.com/office/officeart/2008/layout/LinedList">
+  <dgm:title val=""/>
+  <dgm:desc val=""/>
+  <dgm:catLst>
+    <dgm:cat type="hierarchy" pri="8000"/>
+    <dgm:cat type="list" pri="2500"/>
+  </dgm:catLst>
+  <dgm:sampData>
+    <dgm:dataModel>
+      <dgm:ptLst>
+        <dgm:pt modelId="0" type="doc"/>
+        <dgm:pt modelId="1">
+          <dgm:prSet phldr="1"/>
+        </dgm:pt>
+        <dgm:pt modelId="11">
+          <dgm:prSet phldr="1"/>
+        </dgm:pt>
+        <dgm:pt modelId="12">
+          <dgm:prSet phldr="1"/>
+        </dgm:pt>
+        <dgm:pt modelId="13">
+          <dgm:prSet phldr="1"/>
+        </dgm:pt>
+      </dgm:ptLst>
+      <dgm:cxnLst>
+        <dgm:cxn modelId="2" srcId="0" destId="1" srcOrd="0" destOrd="0"/>
+        <dgm:cxn modelId="3" srcId="1" destId="11" srcOrd="0" destOrd="0"/>
+        <dgm:cxn modelId="4" srcId="1" destId="12" srcOrd="1" destOrd="0"/>
+        <dgm:cxn modelId="5" srcId="1" destId="13" srcOrd="2" destOrd="0"/>
+      </dgm:cxnLst>
+      <dgm:bg/>
+      <dgm:whole/>
+    </dgm:dataModel>
+  </dgm:sampData>
+  <dgm:styleData>
+    <dgm:dataModel>
+      <dgm:ptLst>
+        <dgm:pt modelId="0" type="doc"/>
+        <dgm:pt modelId="1">
+          <dgm:prSet phldr="1"/>
+        </dgm:pt>
+        <dgm:pt modelId="11">
+          <dgm:prSet phldr="1"/>
+        </dgm:pt>
+        <dgm:pt modelId="12">
+          <dgm:prSet phldr="1"/>
+        </dgm:pt>
+      </dgm:ptLst>
+      <dgm:cxnLst>
+        <dgm:cxn modelId="2" srcId="0" destId="1" srcOrd="0" destOrd="0"/>
+        <dgm:cxn modelId="3" srcId="1" destId="11" srcOrd="0" destOrd="0"/>
+        <dgm:cxn modelId="4" srcId="1" destId="12" srcOrd="1" destOrd="0"/>
+      </dgm:cxnLst>
+      <dgm:bg/>
+      <dgm:whole/>
+    </dgm:dataModel>
+  </dgm:styleData>
+  <dgm:clrData>
+    <dgm:dataModel>
+      <dgm:ptLst>
+        <dgm:pt modelId="0" type="doc"/>
+        <dgm:pt modelId="1">
+          <dgm:prSet phldr="1"/>
+        </dgm:pt>
+        <dgm:pt modelId="11">
+          <dgm:prSet phldr="1"/>
+        </dgm:pt>
+        <dgm:pt modelId="12">
+          <dgm:prSet phldr="1"/>
+        </dgm:pt>
+      </dgm:ptLst>
+      <dgm:cxnLst>
+        <dgm:cxn modelId="2" srcId="0" destId="1" srcOrd="0" destOrd="0"/>
+        <dgm:cxn modelId="3" srcId="1" destId="11" srcOrd="0" destOrd="0"/>
+        <dgm:cxn modelId="4" srcId="1" destId="12" srcOrd="1" destOrd="0"/>
+      </dgm:cxnLst>
+      <dgm:bg/>
+      <dgm:whole/>
+    </dgm:dataModel>
+  </dgm:clrData>
+  <dgm:layoutNode name="vert0">
+    <dgm:varLst>
+      <dgm:dir/>
+      <dgm:animOne val="branch"/>
+      <dgm:animLvl val="lvl"/>
+    </dgm:varLst>
+    <dgm:choose name="Name0">
+      <dgm:if name="Name1" func="var" arg="dir" op="equ" val="norm">
+        <dgm:alg type="lin">
+          <dgm:param type="linDir" val="fromT"/>
+          <dgm:param type="nodeHorzAlign" val="l"/>
+        </dgm:alg>
+      </dgm:if>
+      <dgm:else name="Name2">
+        <dgm:alg type="lin">
+          <dgm:param type="linDir" val="fromT"/>
+          <dgm:param type="nodeHorzAlign" val="r"/>
+        </dgm:alg>
+      </dgm:else>
+    </dgm:choose>
+    <dgm:shape xmlns:r="http://schemas.openxmlformats.org/officeDocument/2006/relationships" r:blip="">
+      <dgm:adjLst/>
+    </dgm:shape>
+    <dgm:presOf/>
+    <dgm:constrLst>
+      <dgm:constr type="w" for="ch" forName="horz1" refType="w"/>
+      <dgm:constr type="h" for="ch" forName="horz1" refType="h"/>
+      <dgm:constr type="h" for="des" forName="vert1" refType="h"/>
+      <dgm:constr type="h" for="des" forName="tx1" refType="h"/>
+      <dgm:constr type="h" for="des" forName="horz2" refType="h"/>
+      <dgm:constr type="h" for="des" forName="vert2" refType="h"/>
+      <dgm:constr type="h" for="des" forName="horz3" refType="h"/>
+      <dgm:constr type="h" for="des" forName="vert3" refType="h"/>
+      <dgm:constr type="h" for="des" forName="horz4" refType="h"/>
+      <dgm:constr type="h" for="des" ptType="node" refType="h"/>
+      <dgm:constr type="primFontSz" for="des" forName="tx1" op="equ" val="65"/>
+      <dgm:constr type="primFontSz" for="des" forName="tx2" op="equ" val="65"/>
+      <dgm:constr type="primFontSz" for="des" forName="tx3" op="equ" val="65"/>
+      <dgm:constr type="primFontSz" for="des" forName="tx4" op="equ" val="65"/>
+      <dgm:constr type="w" for="des" forName="thickLine" refType="w"/>
+      <dgm:constr type="h" for="des" forName="thickLine"/>
+      <dgm:constr type="h" for="des" forName="thinLine1"/>
+      <dgm:constr type="h" for="des" forName="thinLine2b"/>
+      <dgm:constr type="h" for="des" forName="thinLine3"/>
+      <dgm:constr type="h" for="des" forName="vertSpace2a" refType="h" fact="0.05"/>
+      <dgm:constr type="h" for="des" forName="vertSpace2b" refType="h" refFor="des" refForName="vertSpace2a"/>
+    </dgm:constrLst>
+    <dgm:forEach name="Name3" axis="ch" ptType="node">
+      <dgm:layoutNode name="thickLine" styleLbl="alignNode1">
+        <dgm:alg type="sp"/>
+        <dgm:shape xmlns:r="http://schemas.openxmlformats.org/officeDocument/2006/relationships" type="line" r:blip="">
+          <dgm:adjLst/>
+        </dgm:shape>
+        <dgm:presOf/>
+      </dgm:layoutNode>
+      <dgm:layoutNode name="horz1">
+        <dgm:choose name="Name4">
+          <dgm:if name="Name5" func="var" arg="dir" op="equ" val="norm">
+            <dgm:alg type="lin">
+              <dgm:param type="linDir" val="fromL"/>
+              <dgm:param type="nodeVertAlign" val="t"/>
+            </dgm:alg>
+          </dgm:if>
+          <dgm:else name="Name6">
+            <dgm:alg type="lin">
+              <dgm:param type="linDir" val="fromR"/>
+              <dgm:param type="nodeVertAlign" val="t"/>
+            </dgm:alg>
+          </dgm:else>
+        </dgm:choose>
+        <dgm:shape xmlns:r="http://schemas.openxmlformats.org/officeDocument/2006/relationships" r:blip="">
+          <dgm:adjLst/>
+        </dgm:shape>
+        <dgm:presOf/>
+        <dgm:choose name="Name7">
+          <dgm:if name="Name8" axis="root des" func="maxDepth" op="equ" val="1">
+            <dgm:constrLst>
+              <dgm:constr type="w" for="ch" forName="tx1" refType="w"/>
+            </dgm:constrLst>
+          </dgm:if>
+          <dgm:if name="Name9" axis="root des" func="maxDepth" op="equ" val="2">
+            <dgm:constrLst>
+              <dgm:constr type="w" for="ch" forName="tx1" refType="w" fact="0.2"/>
+              <dgm:constr type="w" for="des" forName="tx2" refType="w" fact="0.785"/>
+              <dgm:constr type="w" for="des" forName="horzSpace2" refType="w" fact="0.015"/>
+              <dgm:constr type="w" for="des" forName="thinLine2b" refType="w" fact="0.8"/>
+            </dgm:constrLst>
+          </dgm:if>
+          <dgm:if name="Name10" axis="root des" func="maxDepth" op="equ" val="3">
+            <dgm:constrLst>
+              <dgm:constr type="w" for="ch" forName="tx1" refType="w" fact="0.2"/>
+              <dgm:constr type="w" for="des" forName="tx2" refType="w" fact="0.385"/>
+              <dgm:constr type="w" for="des" forName="tx3" refType="w" fact="0.385"/>
+              <dgm:constr type="w" for="des" forName="horzSpace2" refType="w" fact="0.015"/>
+              <dgm:constr type="w" for="des" forName="horzSpace3" refType="w" fact="0.015"/>
+              <dgm:constr type="w" for="des" forName="thinLine2b" refType="w" fact="0.8"/>
+              <dgm:constr type="w" for="des" forName="thinLine3" refType="w" fact="0.385"/>
+            </dgm:constrLst>
+          </dgm:if>
+          <dgm:if name="Name11" axis="root des" func="maxDepth" op="gte" val="4">
+            <dgm:constrLst>
+              <dgm:constr type="w" for="ch" forName="tx1" refType="w" fact="0.2"/>
+              <dgm:constr type="w" for="des" forName="tx2" refType="w" fact="0.2516"/>
+              <dgm:constr type="w" for="des" forName="tx3" refType="w" fact="0.2516"/>
+              <dgm:constr type="w" for="des" forName="tx4" refType="w" fact="0.2516"/>
+              <dgm:constr type="w" for="des" forName="horzSpace2" refType="w" fact="0.015"/>
+              <dgm:constr type="w" for="des" forName="horzSpace3" refType="w" fact="0.015"/>
+              <dgm:constr type="w" for="des" forName="horzSpace4" refType="w" fact="0.015"/>
+              <dgm:constr type="w" for="des" forName="thinLine2b" refType="w" fact="0.8"/>
+              <dgm:constr type="w" for="des" forName="thinLine3" refType="w" fact="0.5332"/>
+            </dgm:constrLst>
+          </dgm:if>
+          <dgm:else name="Name12"/>
+        </dgm:choose>
+        <dgm:layoutNode name="tx1" styleLbl="revTx">
+          <dgm:alg type="tx">
+            <dgm:param type="parTxLTRAlign" val="l"/>
+            <dgm:param type="parTxRTLAlign" val="r"/>
+            <dgm:param type="txAnchorVert" val="t"/>
+          </dgm:alg>
+          <dgm:shape xmlns:r="http://schemas.openxmlformats.org/officeDocument/2006/relationships" type="rect" r:blip="">
+            <dgm:adjLst/>
+          </dgm:shape>
+          <dgm:presOf axis="self"/>
+          <dgm:constrLst>
+            <dgm:constr type="tMarg" refType="primFontSz" fact="0.3"/>
+            <dgm:constr type="bMarg" refType="primFontSz" fact="0.3"/>
+            <dgm:constr type="lMarg" refType="primFontSz" fact="0.3"/>
+            <dgm:constr type="rMarg" refType="primFontSz" fact="0.3"/>
+          </dgm:constrLst>
+          <dgm:ruleLst>
+            <dgm:rule type="primFontSz" val="5" fact="NaN" max="NaN"/>
+          </dgm:ruleLst>
+        </dgm:layoutNode>
+        <dgm:layoutNode name="vert1">
+          <dgm:choose name="Name13">
+            <dgm:if name="Name14" func="var" arg="dir" op="equ" val="norm">
+              <dgm:alg type="lin">
+                <dgm:param type="linDir" val="fromT"/>
+                <dgm:param type="nodeHorzAlign" val="l"/>
+              </dgm:alg>
+            </dgm:if>
+            <dgm:else name="Name15">
+              <dgm:alg type="lin">
+                <dgm:param type="linDir" val="fromT"/>
+                <dgm:param type="nodeHorzAlign" val="r"/>
+              </dgm:alg>
+            </dgm:else>
+          </dgm:choose>
+          <dgm:shape xmlns:r="http://schemas.openxmlformats.org/officeDocument/2006/relationships" r:blip="">
+            <dgm:adjLst/>
+          </dgm:shape>
+          <dgm:presOf/>
+          <dgm:forEach name="Name16" axis="ch" ptType="node">
+            <dgm:choose name="Name17">
+              <dgm:if name="Name18" axis="self" ptType="node" func="pos" op="equ" val="1">
+                <dgm:layoutNode name="vertSpace2a">
+                  <dgm:alg type="sp"/>
+                  <dgm:shape xmlns:r="http://schemas.openxmlformats.org/officeDocument/2006/relationships" r:blip="">
+                    <dgm:adjLst/>
+                  </dgm:shape>
+                  <dgm:presOf/>
+                </dgm:layoutNode>
+              </dgm:if>
+              <dgm:else name="Name19"/>
+            </dgm:choose>
+            <dgm:layoutNode name="horz2">
+              <dgm:choose name="Name20">
+                <dgm:if name="Name21" func="var" arg="dir" op="equ" val="norm">
+                  <dgm:alg type="lin">
+                    <dgm:param type="linDir" val="fromL"/>
+                    <dgm:param type="nodeVertAlign" val="t"/>
+                  </dgm:alg>
+                </dgm:if>
+                <dgm:else name="Name22">
+                  <dgm:alg type="lin">
+                    <dgm:param type="linDir" val="fromR"/>
+                    <dgm:param type="nodeVertAlign" val="t"/>
+                  </dgm:alg>
+                </dgm:else>
+              </dgm:choose>
+              <dgm:shape xmlns:r="http://schemas.openxmlformats.org/officeDocument/2006/relationships" r:blip="">
+                <dgm:adjLst/>
+              </dgm:shape>
+              <dgm:presOf/>
+              <dgm:layoutNode name="horzSpace2">
+                <dgm:alg type="sp"/>
+                <dgm:shape xmlns:r="http://schemas.openxmlformats.org/officeDocument/2006/relationships" r:blip="">
+                  <dgm:adjLst/>
+                </dgm:shape>
+                <dgm:presOf/>
+              </dgm:layoutNode>
+              <dgm:layoutNode name="tx2" styleLbl="revTx">
+                <dgm:alg type="tx">
+                  <dgm:param type="parTxLTRAlign" val="l"/>
+                  <dgm:param type="parTxRTLAlign" val="r"/>
+                  <dgm:param type="txAnchorVert" val="t"/>
+                </dgm:alg>
+                <dgm:shape xmlns:r="http://schemas.openxmlformats.org/officeDocument/2006/relationships" type="rect" r:blip="">
+                  <dgm:adjLst/>
+                </dgm:shape>
+                <dgm:presOf axis="self"/>
+                <dgm:constrLst>
+                  <dgm:constr type="tMarg" refType="primFontSz" fact="0.3"/>
+                  <dgm:constr type="bMarg" refType="primFontSz" fact="0.3"/>
+                  <dgm:constr type="lMarg" refType="primFontSz" fact="0.3"/>
+                  <dgm:constr type="rMarg" refType="primFontSz" fact="0.3"/>
+                </dgm:constrLst>
+                <dgm:ruleLst>
+                  <dgm:rule type="primFontSz" val="5" fact="NaN" max="NaN"/>
+                </dgm:ruleLst>
+              </dgm:layoutNode>
+              <dgm:layoutNode name="vert2">
+                <dgm:choose name="Name23">
+                  <dgm:if name="Name24" func="var" arg="dir" op="equ" val="norm">
+                    <dgm:alg type="lin">
+                      <dgm:param type="linDir" val="fromT"/>
+                      <dgm:param type="nodeHorzAlign" val="l"/>
+                    </dgm:alg>
+                  </dgm:if>
+                  <dgm:else name="Name25">
+                    <dgm:alg type="lin">
+                      <dgm:param type="linDir" val="fromT"/>
+                      <dgm:param type="nodeHorzAlign" val="r"/>
+                    </dgm:alg>
+                  </dgm:else>
+                </dgm:choose>
+                <dgm:shape xmlns:r="http://schemas.openxmlformats.org/officeDocument/2006/relationships" r:blip="">
+                  <dgm:adjLst/>
+                </dgm:shape>
+                <dgm:presOf/>
+                <dgm:forEach name="Name26" axis="ch" ptType="node">
+                  <dgm:layoutNode name="horz3">
+                    <dgm:choose name="Name27">
+                      <dgm:if name="Name28" func="var" arg="dir" op="equ" val="norm">
+                        <dgm:alg type="lin">
+                          <dgm:param type="linDir" val="fromL"/>
+                          <dgm:param type="nodeVertAlign" val="t"/>
+                        </dgm:alg>
+                      </dgm:if>
+                      <dgm:else name="Name29">
+                        <dgm:alg type="lin">
+                          <dgm:param type="linDir" val="fromR"/>
+                          <dgm:param type="nodeVertAlign" val="t"/>
+                        </dgm:alg>
+                      </dgm:else>
+                    </dgm:choose>
+                    <dgm:shape xmlns:r="http://schemas.openxmlformats.org/officeDocument/2006/relationships" r:blip="">
+                      <dgm:adjLst/>
+                    </dgm:shape>
+                    <dgm:presOf/>
+                    <dgm:layoutNode name="horzSpace3">
+                      <dgm:alg type="sp"/>
+                      <dgm:shape xmlns:r="http://schemas.openxmlformats.org/officeDocument/2006/relationships" r:blip="">
+                        <dgm:adjLst/>
+                      </dgm:shape>
+                      <dgm:presOf/>
+                    </dgm:layoutNode>
+                    <dgm:layoutNode name="tx3" styleLbl="revTx">
+                      <dgm:alg type="tx">
+                        <dgm:param type="parTxLTRAlign" val="l"/>
+                        <dgm:param type="parTxRTLAlign" val="r"/>
+                        <dgm:param type="txAnchorVert" val="t"/>
+                      </dgm:alg>
+                      <dgm:shape xmlns:r="http://schemas.openxmlformats.org/officeDocument/2006/relationships" type="rect" r:blip="">
+                        <dgm:adjLst/>
+                      </dgm:shape>
+                      <dgm:presOf axis="self"/>
+                      <dgm:constrLst>
+                        <dgm:constr type="tMarg" refType="primFontSz" fact="0.3"/>
+                        <dgm:constr type="bMarg" refType="primFontSz" fact="0.3"/>
+                        <dgm:constr type="lMarg" refType="primFontSz" fact="0.3"/>
+                        <dgm:constr type="rMarg" refType="primFontSz" fact="0.3"/>
+                      </dgm:constrLst>
+                      <dgm:ruleLst>
+                        <dgm:rule type="primFontSz" val="5" fact="NaN" max="NaN"/>
+                      </dgm:ruleLst>
+                    </dgm:layoutNode>
+                    <dgm:layoutNode name="vert3">
+                      <dgm:choose name="Name30">
+                        <dgm:if name="Name31" func="var" arg="dir" op="equ" val="norm">
+                          <dgm:alg type="lin">
+                            <dgm:param type="linDir" val="fromT"/>
+                            <dgm:param type="nodeHorzAlign" val="l"/>
+                          </dgm:alg>
+                        </dgm:if>
+                        <dgm:else name="Name32">
+                          <dgm:alg type="lin">
+                            <dgm:param type="linDir" val="fromT"/>
+                            <dgm:param type="nodeHorzAlign" val="r"/>
+                          </dgm:alg>
+                        </dgm:else>
+                      </dgm:choose>
+                      <dgm:shape xmlns:r="http://schemas.openxmlformats.org/officeDocument/2006/relationships" r:blip="">
+                        <dgm:adjLst/>
+                      </dgm:shape>
+                      <dgm:presOf/>
+                      <dgm:forEach name="Name33" axis="ch" ptType="node">
+                        <dgm:layoutNode name="horz4">
+                          <dgm:choose name="Name34">
+                            <dgm:if name="Name35" func="var" arg="dir" op="equ" val="norm">
+                              <dgm:alg type="lin">
+                                <dgm:param type="linDir" val="fromL"/>
+                                <dgm:param type="nodeVertAlign" val="t"/>
+                              </dgm:alg>
+                            </dgm:if>
+                            <dgm:else name="Name36">
+                              <dgm:alg type="lin">
+                                <dgm:param type="linDir" val="fromR"/>
+                                <dgm:param type="nodeVertAlign" val="t"/>
+                              </dgm:alg>
+                            </dgm:else>
+                          </dgm:choose>
+                          <dgm:shape xmlns:r="http://schemas.openxmlformats.org/officeDocument/2006/relationships" r:blip="">
+                            <dgm:adjLst/>
+                          </dgm:shape>
+                          <dgm:presOf/>
+                          <dgm:layoutNode name="horzSpace4">
+                            <dgm:alg type="sp"/>
+                            <dgm:shape xmlns:r="http://schemas.openxmlformats.org/officeDocument/2006/relationships" r:blip="">
+                              <dgm:adjLst/>
+                            </dgm:shape>
+                            <dgm:presOf/>
+                          </dgm:layoutNode>
+                          <dgm:layoutNode name="tx4" styleLbl="revTx">
+                            <dgm:varLst>
+                              <dgm:bulletEnabled val="1"/>
+                            </dgm:varLst>
+                            <dgm:alg type="tx">
+                              <dgm:param type="parTxLTRAlign" val="l"/>
+                              <dgm:param type="parTxRTLAlign" val="r"/>
+                              <dgm:param type="txAnchorVert" val="t"/>
+                            </dgm:alg>
+                            <dgm:shape xmlns:r="http://schemas.openxmlformats.org/officeDocument/2006/relationships" type="rect" r:blip="">
+                              <dgm:adjLst/>
+                            </dgm:shape>
+                            <dgm:presOf axis="desOrSelf" ptType="node"/>
+                            <dgm:constrLst>
+                              <dgm:constr type="tMarg" refType="primFontSz" fact="0.3"/>
+                              <dgm:constr type="bMarg" refType="primFontSz" fact="0.3"/>
+                              <dgm:constr type="lMarg" refType="primFontSz" fact="0.3"/>
+                              <dgm:constr type="rMarg" refType="primFontSz" fact="0.3"/>
+                            </dgm:constrLst>
+                            <dgm:ruleLst>
+                              <dgm:rule type="primFontSz" val="5" fact="NaN" max="NaN"/>
+                            </dgm:ruleLst>
+                          </dgm:layoutNode>
+                        </dgm:layoutNode>
+                      </dgm:forEach>
+                    </dgm:layoutNode>
+                  </dgm:layoutNode>
+                  <dgm:forEach name="Name37" axis="followSib" ptType="sibTrans" cnt="1">
+                    <dgm:layoutNode name="thinLine3" styleLbl="callout">
+                      <dgm:alg type="sp"/>
+                      <dgm:shape xmlns:r="http://schemas.openxmlformats.org/officeDocument/2006/relationships" type="line" r:blip="">
+                        <dgm:adjLst/>
+                      </dgm:shape>
+                      <dgm:presOf/>
+                    </dgm:layoutNode>
+                  </dgm:forEach>
+                </dgm:forEach>
+              </dgm:layoutNode>
+            </dgm:layoutNode>
+            <dgm:layoutNode name="thinLine2b" styleLbl="callout">
+              <dgm:alg type="sp"/>
+              <dgm:shape xmlns:r="http://schemas.openxmlformats.org/officeDocument/2006/relationships" type="line" r:blip="">
+                <dgm:adjLst/>
+              </dgm:shape>
+              <dgm:presOf/>
+            </dgm:layoutNode>
+            <dgm:layoutNode name="vertSpace2b">
+              <dgm:alg type="sp"/>
+              <dgm:shape xmlns:r="http://schemas.openxmlformats.org/officeDocument/2006/relationships" r:blip="">
+                <dgm:adjLst/>
+              </dgm:shape>
+              <dgm:presOf/>
+            </dgm:layoutNode>
+          </dgm:forEach>
+        </dgm:layoutNode>
+      </dgm:layoutNode>
+    </dgm:forEach>
+  </dgm:layoutNode>
+</dgm:layoutDef>
+</file>
+
 <file path=ppt/diagrams/quickStyle1.xml><?xml version="1.0" encoding="utf-8"?>
 <dgm:styleDef xmlns:dgm="http://schemas.openxmlformats.org/drawingml/2006/diagram" xmlns:a="http://schemas.openxmlformats.org/drawingml/2006/main" uniqueId="urn:microsoft.com/office/officeart/2005/8/quickstyle/simple1">
   <dgm:title val=""/>
@@ -12325,6 +13767,1040 @@
 </file>
 
 <file path=ppt/diagrams/quickStyle5.xml><?xml version="1.0" encoding="utf-8"?>
+<dgm:styleDef xmlns:dgm="http://schemas.openxmlformats.org/drawingml/2006/diagram" xmlns:a="http://schemas.openxmlformats.org/drawingml/2006/main" uniqueId="urn:microsoft.com/office/officeart/2005/8/quickstyle/simple1">
+  <dgm:title val=""/>
+  <dgm:desc val=""/>
+  <dgm:catLst>
+    <dgm:cat type="simple" pri="10100"/>
+  </dgm:catLst>
+  <dgm:scene3d>
+    <a:camera prst="orthographicFront"/>
+    <a:lightRig rig="threePt" dir="t"/>
+  </dgm:scene3d>
+  <dgm:styleLbl name="node0">
+    <dgm:scene3d>
+      <a:camera prst="orthographicFront"/>
+      <a:lightRig rig="threePt" dir="t"/>
+    </dgm:scene3d>
+    <dgm:sp3d/>
+    <dgm:txPr/>
+    <dgm:style>
+      <a:lnRef idx="2">
+        <a:scrgbClr r="0" g="0" b="0"/>
+      </a:lnRef>
+      <a:fillRef idx="1">
+        <a:scrgbClr r="0" g="0" b="0"/>
+      </a:fillRef>
+      <a:effectRef idx="0">
+        <a:scrgbClr r="0" g="0" b="0"/>
+      </a:effectRef>
+      <a:fontRef idx="minor">
+        <a:schemeClr val="lt1"/>
+      </a:fontRef>
+    </dgm:style>
+  </dgm:styleLbl>
+  <dgm:styleLbl name="lnNode1">
+    <dgm:scene3d>
+      <a:camera prst="orthographicFront"/>
+      <a:lightRig rig="threePt" dir="t"/>
+    </dgm:scene3d>
+    <dgm:sp3d/>
+    <dgm:txPr/>
+    <dgm:style>
+      <a:lnRef idx="2">
+        <a:scrgbClr r="0" g="0" b="0"/>
+      </a:lnRef>
+      <a:fillRef idx="1">
+        <a:scrgbClr r="0" g="0" b="0"/>
+      </a:fillRef>
+      <a:effectRef idx="0">
+        <a:scrgbClr r="0" g="0" b="0"/>
+      </a:effectRef>
+      <a:fontRef idx="minor">
+        <a:schemeClr val="lt1"/>
+      </a:fontRef>
+    </dgm:style>
+  </dgm:styleLbl>
+  <dgm:styleLbl name="vennNode1">
+    <dgm:scene3d>
+      <a:camera prst="orthographicFront"/>
+      <a:lightRig rig="threePt" dir="t"/>
+    </dgm:scene3d>
+    <dgm:sp3d/>
+    <dgm:txPr/>
+    <dgm:style>
+      <a:lnRef idx="2">
+        <a:scrgbClr r="0" g="0" b="0"/>
+      </a:lnRef>
+      <a:fillRef idx="1">
+        <a:scrgbClr r="0" g="0" b="0"/>
+      </a:fillRef>
+      <a:effectRef idx="0">
+        <a:scrgbClr r="0" g="0" b="0"/>
+      </a:effectRef>
+      <a:fontRef idx="minor">
+        <a:schemeClr val="tx1"/>
+      </a:fontRef>
+    </dgm:style>
+  </dgm:styleLbl>
+  <dgm:styleLbl name="alignNode1">
+    <dgm:scene3d>
+      <a:camera prst="orthographicFront"/>
+      <a:lightRig rig="threePt" dir="t"/>
+    </dgm:scene3d>
+    <dgm:sp3d/>
+    <dgm:txPr/>
+    <dgm:style>
+      <a:lnRef idx="2">
+        <a:scrgbClr r="0" g="0" b="0"/>
+      </a:lnRef>
+      <a:fillRef idx="1">
+        <a:scrgbClr r="0" g="0" b="0"/>
+      </a:fillRef>
+      <a:effectRef idx="0">
+        <a:scrgbClr r="0" g="0" b="0"/>
+      </a:effectRef>
+      <a:fontRef idx="minor">
+        <a:schemeClr val="lt1"/>
+      </a:fontRef>
+    </dgm:style>
+  </dgm:styleLbl>
+  <dgm:styleLbl name="node1">
+    <dgm:scene3d>
+      <a:camera prst="orthographicFront"/>
+      <a:lightRig rig="threePt" dir="t"/>
+    </dgm:scene3d>
+    <dgm:sp3d/>
+    <dgm:txPr/>
+    <dgm:style>
+      <a:lnRef idx="2">
+        <a:scrgbClr r="0" g="0" b="0"/>
+      </a:lnRef>
+      <a:fillRef idx="1">
+        <a:scrgbClr r="0" g="0" b="0"/>
+      </a:fillRef>
+      <a:effectRef idx="0">
+        <a:scrgbClr r="0" g="0" b="0"/>
+      </a:effectRef>
+      <a:fontRef idx="minor">
+        <a:schemeClr val="lt1"/>
+      </a:fontRef>
+    </dgm:style>
+  </dgm:styleLbl>
+  <dgm:styleLbl name="node2">
+    <dgm:scene3d>
+      <a:camera prst="orthographicFront"/>
+      <a:lightRig rig="threePt" dir="t"/>
+    </dgm:scene3d>
+    <dgm:sp3d/>
+    <dgm:txPr/>
+    <dgm:style>
+      <a:lnRef idx="2">
+        <a:scrgbClr r="0" g="0" b="0"/>
+      </a:lnRef>
+      <a:fillRef idx="1">
+        <a:scrgbClr r="0" g="0" b="0"/>
+      </a:fillRef>
+      <a:effectRef idx="0">
+        <a:scrgbClr r="0" g="0" b="0"/>
+      </a:effectRef>
+      <a:fontRef idx="minor">
+        <a:schemeClr val="lt1"/>
+      </a:fontRef>
+    </dgm:style>
+  </dgm:styleLbl>
+  <dgm:styleLbl name="node3">
+    <dgm:scene3d>
+      <a:camera prst="orthographicFront"/>
+      <a:lightRig rig="threePt" dir="t"/>
+    </dgm:scene3d>
+    <dgm:sp3d/>
+    <dgm:txPr/>
+    <dgm:style>
+      <a:lnRef idx="2">
+        <a:scrgbClr r="0" g="0" b="0"/>
+      </a:lnRef>
+      <a:fillRef idx="1">
+        <a:scrgbClr r="0" g="0" b="0"/>
+      </a:fillRef>
+      <a:effectRef idx="0">
+        <a:scrgbClr r="0" g="0" b="0"/>
+      </a:effectRef>
+      <a:fontRef idx="minor">
+        <a:schemeClr val="lt1"/>
+      </a:fontRef>
+    </dgm:style>
+  </dgm:styleLbl>
+  <dgm:styleLbl name="node4">
+    <dgm:scene3d>
+      <a:camera prst="orthographicFront"/>
+      <a:lightRig rig="threePt" dir="t"/>
+    </dgm:scene3d>
+    <dgm:sp3d/>
+    <dgm:txPr/>
+    <dgm:style>
+      <a:lnRef idx="2">
+        <a:scrgbClr r="0" g="0" b="0"/>
+      </a:lnRef>
+      <a:fillRef idx="1">
+        <a:scrgbClr r="0" g="0" b="0"/>
+      </a:fillRef>
+      <a:effectRef idx="0">
+        <a:scrgbClr r="0" g="0" b="0"/>
+      </a:effectRef>
+      <a:fontRef idx="minor">
+        <a:schemeClr val="lt1"/>
+      </a:fontRef>
+    </dgm:style>
+  </dgm:styleLbl>
+  <dgm:styleLbl name="fgImgPlace1">
+    <dgm:scene3d>
+      <a:camera prst="orthographicFront"/>
+      <a:lightRig rig="threePt" dir="t"/>
+    </dgm:scene3d>
+    <dgm:sp3d/>
+    <dgm:txPr/>
+    <dgm:style>
+      <a:lnRef idx="2">
+        <a:scrgbClr r="0" g="0" b="0"/>
+      </a:lnRef>
+      <a:fillRef idx="1">
+        <a:scrgbClr r="0" g="0" b="0"/>
+      </a:fillRef>
+      <a:effectRef idx="0">
+        <a:scrgbClr r="0" g="0" b="0"/>
+      </a:effectRef>
+      <a:fontRef idx="minor"/>
+    </dgm:style>
+  </dgm:styleLbl>
+  <dgm:styleLbl name="alignImgPlace1">
+    <dgm:scene3d>
+      <a:camera prst="orthographicFront"/>
+      <a:lightRig rig="threePt" dir="t"/>
+    </dgm:scene3d>
+    <dgm:sp3d/>
+    <dgm:txPr/>
+    <dgm:style>
+      <a:lnRef idx="2">
+        <a:scrgbClr r="0" g="0" b="0"/>
+      </a:lnRef>
+      <a:fillRef idx="1">
+        <a:scrgbClr r="0" g="0" b="0"/>
+      </a:fillRef>
+      <a:effectRef idx="0">
+        <a:scrgbClr r="0" g="0" b="0"/>
+      </a:effectRef>
+      <a:fontRef idx="minor"/>
+    </dgm:style>
+  </dgm:styleLbl>
+  <dgm:styleLbl name="bgImgPlace1">
+    <dgm:scene3d>
+      <a:camera prst="orthographicFront"/>
+      <a:lightRig rig="threePt" dir="t"/>
+    </dgm:scene3d>
+    <dgm:sp3d/>
+    <dgm:txPr/>
+    <dgm:style>
+      <a:lnRef idx="2">
+        <a:scrgbClr r="0" g="0" b="0"/>
+      </a:lnRef>
+      <a:fillRef idx="1">
+        <a:scrgbClr r="0" g="0" b="0"/>
+      </a:fillRef>
+      <a:effectRef idx="0">
+        <a:scrgbClr r="0" g="0" b="0"/>
+      </a:effectRef>
+      <a:fontRef idx="minor"/>
+    </dgm:style>
+  </dgm:styleLbl>
+  <dgm:styleLbl name="sibTrans2D1">
+    <dgm:scene3d>
+      <a:camera prst="orthographicFront"/>
+      <a:lightRig rig="threePt" dir="t"/>
+    </dgm:scene3d>
+    <dgm:sp3d/>
+    <dgm:txPr/>
+    <dgm:style>
+      <a:lnRef idx="0">
+        <a:scrgbClr r="0" g="0" b="0"/>
+      </a:lnRef>
+      <a:fillRef idx="1">
+        <a:scrgbClr r="0" g="0" b="0"/>
+      </a:fillRef>
+      <a:effectRef idx="0">
+        <a:scrgbClr r="0" g="0" b="0"/>
+      </a:effectRef>
+      <a:fontRef idx="minor">
+        <a:schemeClr val="lt1"/>
+      </a:fontRef>
+    </dgm:style>
+  </dgm:styleLbl>
+  <dgm:styleLbl name="fgSibTrans2D1">
+    <dgm:scene3d>
+      <a:camera prst="orthographicFront"/>
+      <a:lightRig rig="threePt" dir="t"/>
+    </dgm:scene3d>
+    <dgm:sp3d/>
+    <dgm:txPr/>
+    <dgm:style>
+      <a:lnRef idx="0">
+        <a:scrgbClr r="0" g="0" b="0"/>
+      </a:lnRef>
+      <a:fillRef idx="1">
+        <a:scrgbClr r="0" g="0" b="0"/>
+      </a:fillRef>
+      <a:effectRef idx="0">
+        <a:scrgbClr r="0" g="0" b="0"/>
+      </a:effectRef>
+      <a:fontRef idx="minor">
+        <a:schemeClr val="lt1"/>
+      </a:fontRef>
+    </dgm:style>
+  </dgm:styleLbl>
+  <dgm:styleLbl name="bgSibTrans2D1">
+    <dgm:scene3d>
+      <a:camera prst="orthographicFront"/>
+      <a:lightRig rig="threePt" dir="t"/>
+    </dgm:scene3d>
+    <dgm:sp3d/>
+    <dgm:txPr/>
+    <dgm:style>
+      <a:lnRef idx="0">
+        <a:scrgbClr r="0" g="0" b="0"/>
+      </a:lnRef>
+      <a:fillRef idx="1">
+        <a:scrgbClr r="0" g="0" b="0"/>
+      </a:fillRef>
+      <a:effectRef idx="0">
+        <a:scrgbClr r="0" g="0" b="0"/>
+      </a:effectRef>
+      <a:fontRef idx="minor">
+        <a:schemeClr val="lt1"/>
+      </a:fontRef>
+    </dgm:style>
+  </dgm:styleLbl>
+  <dgm:styleLbl name="sibTrans1D1">
+    <dgm:scene3d>
+      <a:camera prst="orthographicFront"/>
+      <a:lightRig rig="threePt" dir="t"/>
+    </dgm:scene3d>
+    <dgm:sp3d/>
+    <dgm:txPr/>
+    <dgm:style>
+      <a:lnRef idx="1">
+        <a:scrgbClr r="0" g="0" b="0"/>
+      </a:lnRef>
+      <a:fillRef idx="0">
+        <a:scrgbClr r="0" g="0" b="0"/>
+      </a:fillRef>
+      <a:effectRef idx="0">
+        <a:scrgbClr r="0" g="0" b="0"/>
+      </a:effectRef>
+      <a:fontRef idx="minor"/>
+    </dgm:style>
+  </dgm:styleLbl>
+  <dgm:styleLbl name="callout">
+    <dgm:scene3d>
+      <a:camera prst="orthographicFront"/>
+      <a:lightRig rig="threePt" dir="t"/>
+    </dgm:scene3d>
+    <dgm:sp3d/>
+    <dgm:txPr/>
+    <dgm:style>
+      <a:lnRef idx="2">
+        <a:scrgbClr r="0" g="0" b="0"/>
+      </a:lnRef>
+      <a:fillRef idx="1">
+        <a:scrgbClr r="0" g="0" b="0"/>
+      </a:fillRef>
+      <a:effectRef idx="0">
+        <a:scrgbClr r="0" g="0" b="0"/>
+      </a:effectRef>
+      <a:fontRef idx="minor"/>
+    </dgm:style>
+  </dgm:styleLbl>
+  <dgm:styleLbl name="asst0">
+    <dgm:scene3d>
+      <a:camera prst="orthographicFront"/>
+      <a:lightRig rig="threePt" dir="t"/>
+    </dgm:scene3d>
+    <dgm:sp3d/>
+    <dgm:txPr/>
+    <dgm:style>
+      <a:lnRef idx="2">
+        <a:scrgbClr r="0" g="0" b="0"/>
+      </a:lnRef>
+      <a:fillRef idx="1">
+        <a:scrgbClr r="0" g="0" b="0"/>
+      </a:fillRef>
+      <a:effectRef idx="0">
+        <a:scrgbClr r="0" g="0" b="0"/>
+      </a:effectRef>
+      <a:fontRef idx="minor">
+        <a:schemeClr val="lt1"/>
+      </a:fontRef>
+    </dgm:style>
+  </dgm:styleLbl>
+  <dgm:styleLbl name="asst1">
+    <dgm:scene3d>
+      <a:camera prst="orthographicFront"/>
+      <a:lightRig rig="threePt" dir="t"/>
+    </dgm:scene3d>
+    <dgm:sp3d/>
+    <dgm:txPr/>
+    <dgm:style>
+      <a:lnRef idx="2">
+        <a:scrgbClr r="0" g="0" b="0"/>
+      </a:lnRef>
+      <a:fillRef idx="1">
+        <a:scrgbClr r="0" g="0" b="0"/>
+      </a:fillRef>
+      <a:effectRef idx="0">
+        <a:scrgbClr r="0" g="0" b="0"/>
+      </a:effectRef>
+      <a:fontRef idx="minor">
+        <a:schemeClr val="lt1"/>
+      </a:fontRef>
+    </dgm:style>
+  </dgm:styleLbl>
+  <dgm:styleLbl name="asst2">
+    <dgm:scene3d>
+      <a:camera prst="orthographicFront"/>
+      <a:lightRig rig="threePt" dir="t"/>
+    </dgm:scene3d>
+    <dgm:sp3d/>
+    <dgm:txPr/>
+    <dgm:style>
+      <a:lnRef idx="2">
+        <a:scrgbClr r="0" g="0" b="0"/>
+      </a:lnRef>
+      <a:fillRef idx="1">
+        <a:scrgbClr r="0" g="0" b="0"/>
+      </a:fillRef>
+      <a:effectRef idx="0">
+        <a:scrgbClr r="0" g="0" b="0"/>
+      </a:effectRef>
+      <a:fontRef idx="minor">
+        <a:schemeClr val="lt1"/>
+      </a:fontRef>
+    </dgm:style>
+  </dgm:styleLbl>
+  <dgm:styleLbl name="asst3">
+    <dgm:scene3d>
+      <a:camera prst="orthographicFront"/>
+      <a:lightRig rig="threePt" dir="t"/>
+    </dgm:scene3d>
+    <dgm:sp3d/>
+    <dgm:txPr/>
+    <dgm:style>
+      <a:lnRef idx="2">
+        <a:scrgbClr r="0" g="0" b="0"/>
+      </a:lnRef>
+      <a:fillRef idx="1">
+        <a:scrgbClr r="0" g="0" b="0"/>
+      </a:fillRef>
+      <a:effectRef idx="0">
+        <a:scrgbClr r="0" g="0" b="0"/>
+      </a:effectRef>
+      <a:fontRef idx="minor">
+        <a:schemeClr val="lt1"/>
+      </a:fontRef>
+    </dgm:style>
+  </dgm:styleLbl>
+  <dgm:styleLbl name="asst4">
+    <dgm:scene3d>
+      <a:camera prst="orthographicFront"/>
+      <a:lightRig rig="threePt" dir="t"/>
+    </dgm:scene3d>
+    <dgm:sp3d/>
+    <dgm:txPr/>
+    <dgm:style>
+      <a:lnRef idx="2">
+        <a:scrgbClr r="0" g="0" b="0"/>
+      </a:lnRef>
+      <a:fillRef idx="1">
+        <a:scrgbClr r="0" g="0" b="0"/>
+      </a:fillRef>
+      <a:effectRef idx="0">
+        <a:scrgbClr r="0" g="0" b="0"/>
+      </a:effectRef>
+      <a:fontRef idx="minor">
+        <a:schemeClr val="lt1"/>
+      </a:fontRef>
+    </dgm:style>
+  </dgm:styleLbl>
+  <dgm:styleLbl name="parChTrans2D1">
+    <dgm:scene3d>
+      <a:camera prst="orthographicFront"/>
+      <a:lightRig rig="threePt" dir="t"/>
+    </dgm:scene3d>
+    <dgm:sp3d/>
+    <dgm:txPr/>
+    <dgm:style>
+      <a:lnRef idx="2">
+        <a:scrgbClr r="0" g="0" b="0"/>
+      </a:lnRef>
+      <a:fillRef idx="1">
+        <a:scrgbClr r="0" g="0" b="0"/>
+      </a:fillRef>
+      <a:effectRef idx="0">
+        <a:scrgbClr r="0" g="0" b="0"/>
+      </a:effectRef>
+      <a:fontRef idx="minor">
+        <a:schemeClr val="lt1"/>
+      </a:fontRef>
+    </dgm:style>
+  </dgm:styleLbl>
+  <dgm:styleLbl name="parChTrans2D2">
+    <dgm:scene3d>
+      <a:camera prst="orthographicFront"/>
+      <a:lightRig rig="threePt" dir="t"/>
+    </dgm:scene3d>
+    <dgm:sp3d/>
+    <dgm:txPr/>
+    <dgm:style>
+      <a:lnRef idx="2">
+        <a:scrgbClr r="0" g="0" b="0"/>
+      </a:lnRef>
+      <a:fillRef idx="1">
+        <a:scrgbClr r="0" g="0" b="0"/>
+      </a:fillRef>
+      <a:effectRef idx="0">
+        <a:scrgbClr r="0" g="0" b="0"/>
+      </a:effectRef>
+      <a:fontRef idx="minor">
+        <a:schemeClr val="lt1"/>
+      </a:fontRef>
+    </dgm:style>
+  </dgm:styleLbl>
+  <dgm:styleLbl name="parChTrans2D3">
+    <dgm:scene3d>
+      <a:camera prst="orthographicFront"/>
+      <a:lightRig rig="threePt" dir="t"/>
+    </dgm:scene3d>
+    <dgm:sp3d/>
+    <dgm:txPr/>
+    <dgm:style>
+      <a:lnRef idx="2">
+        <a:scrgbClr r="0" g="0" b="0"/>
+      </a:lnRef>
+      <a:fillRef idx="1">
+        <a:scrgbClr r="0" g="0" b="0"/>
+      </a:fillRef>
+      <a:effectRef idx="0">
+        <a:scrgbClr r="0" g="0" b="0"/>
+      </a:effectRef>
+      <a:fontRef idx="minor">
+        <a:schemeClr val="lt1"/>
+      </a:fontRef>
+    </dgm:style>
+  </dgm:styleLbl>
+  <dgm:styleLbl name="parChTrans2D4">
+    <dgm:scene3d>
+      <a:camera prst="orthographicFront"/>
+      <a:lightRig rig="threePt" dir="t"/>
+    </dgm:scene3d>
+    <dgm:sp3d/>
+    <dgm:txPr/>
+    <dgm:style>
+      <a:lnRef idx="2">
+        <a:scrgbClr r="0" g="0" b="0"/>
+      </a:lnRef>
+      <a:fillRef idx="1">
+        <a:scrgbClr r="0" g="0" b="0"/>
+      </a:fillRef>
+      <a:effectRef idx="0">
+        <a:scrgbClr r="0" g="0" b="0"/>
+      </a:effectRef>
+      <a:fontRef idx="minor">
+        <a:schemeClr val="lt1"/>
+      </a:fontRef>
+    </dgm:style>
+  </dgm:styleLbl>
+  <dgm:styleLbl name="parChTrans1D1">
+    <dgm:scene3d>
+      <a:camera prst="orthographicFront"/>
+      <a:lightRig rig="threePt" dir="t"/>
+    </dgm:scene3d>
+    <dgm:sp3d/>
+    <dgm:txPr/>
+    <dgm:style>
+      <a:lnRef idx="2">
+        <a:scrgbClr r="0" g="0" b="0"/>
+      </a:lnRef>
+      <a:fillRef idx="0">
+        <a:scrgbClr r="0" g="0" b="0"/>
+      </a:fillRef>
+      <a:effectRef idx="0">
+        <a:scrgbClr r="0" g="0" b="0"/>
+      </a:effectRef>
+      <a:fontRef idx="minor"/>
+    </dgm:style>
+  </dgm:styleLbl>
+  <dgm:styleLbl name="parChTrans1D2">
+    <dgm:scene3d>
+      <a:camera prst="orthographicFront"/>
+      <a:lightRig rig="threePt" dir="t"/>
+    </dgm:scene3d>
+    <dgm:sp3d/>
+    <dgm:txPr/>
+    <dgm:style>
+      <a:lnRef idx="2">
+        <a:scrgbClr r="0" g="0" b="0"/>
+      </a:lnRef>
+      <a:fillRef idx="0">
+        <a:scrgbClr r="0" g="0" b="0"/>
+      </a:fillRef>
+      <a:effectRef idx="0">
+        <a:scrgbClr r="0" g="0" b="0"/>
+      </a:effectRef>
+      <a:fontRef idx="minor"/>
+    </dgm:style>
+  </dgm:styleLbl>
+  <dgm:styleLbl name="parChTrans1D3">
+    <dgm:scene3d>
+      <a:camera prst="orthographicFront"/>
+      <a:lightRig rig="threePt" dir="t"/>
+    </dgm:scene3d>
+    <dgm:sp3d/>
+    <dgm:txPr/>
+    <dgm:style>
+      <a:lnRef idx="2">
+        <a:scrgbClr r="0" g="0" b="0"/>
+      </a:lnRef>
+      <a:fillRef idx="0">
+        <a:scrgbClr r="0" g="0" b="0"/>
+      </a:fillRef>
+      <a:effectRef idx="0">
+        <a:scrgbClr r="0" g="0" b="0"/>
+      </a:effectRef>
+      <a:fontRef idx="minor"/>
+    </dgm:style>
+  </dgm:styleLbl>
+  <dgm:styleLbl name="parChTrans1D4">
+    <dgm:scene3d>
+      <a:camera prst="orthographicFront"/>
+      <a:lightRig rig="threePt" dir="t"/>
+    </dgm:scene3d>
+    <dgm:sp3d/>
+    <dgm:txPr/>
+    <dgm:style>
+      <a:lnRef idx="2">
+        <a:scrgbClr r="0" g="0" b="0"/>
+      </a:lnRef>
+      <a:fillRef idx="0">
+        <a:scrgbClr r="0" g="0" b="0"/>
+      </a:fillRef>
+      <a:effectRef idx="0">
+        <a:scrgbClr r="0" g="0" b="0"/>
+      </a:effectRef>
+      <a:fontRef idx="minor"/>
+    </dgm:style>
+  </dgm:styleLbl>
+  <dgm:styleLbl name="fgAcc1">
+    <dgm:scene3d>
+      <a:camera prst="orthographicFront"/>
+      <a:lightRig rig="threePt" dir="t"/>
+    </dgm:scene3d>
+    <dgm:sp3d/>
+    <dgm:txPr/>
+    <dgm:style>
+      <a:lnRef idx="2">
+        <a:scrgbClr r="0" g="0" b="0"/>
+      </a:lnRef>
+      <a:fillRef idx="1">
+        <a:scrgbClr r="0" g="0" b="0"/>
+      </a:fillRef>
+      <a:effectRef idx="0">
+        <a:scrgbClr r="0" g="0" b="0"/>
+      </a:effectRef>
+      <a:fontRef idx="minor"/>
+    </dgm:style>
+  </dgm:styleLbl>
+  <dgm:styleLbl name="conFgAcc1">
+    <dgm:scene3d>
+      <a:camera prst="orthographicFront"/>
+      <a:lightRig rig="threePt" dir="t"/>
+    </dgm:scene3d>
+    <dgm:sp3d/>
+    <dgm:txPr/>
+    <dgm:style>
+      <a:lnRef idx="2">
+        <a:scrgbClr r="0" g="0" b="0"/>
+      </a:lnRef>
+      <a:fillRef idx="1">
+        <a:scrgbClr r="0" g="0" b="0"/>
+      </a:fillRef>
+      <a:effectRef idx="0">
+        <a:scrgbClr r="0" g="0" b="0"/>
+      </a:effectRef>
+      <a:fontRef idx="minor"/>
+    </dgm:style>
+  </dgm:styleLbl>
+  <dgm:styleLbl name="alignAcc1">
+    <dgm:scene3d>
+      <a:camera prst="orthographicFront"/>
+      <a:lightRig rig="threePt" dir="t"/>
+    </dgm:scene3d>
+    <dgm:sp3d/>
+    <dgm:txPr/>
+    <dgm:style>
+      <a:lnRef idx="2">
+        <a:scrgbClr r="0" g="0" b="0"/>
+      </a:lnRef>
+      <a:fillRef idx="1">
+        <a:scrgbClr r="0" g="0" b="0"/>
+      </a:fillRef>
+      <a:effectRef idx="0">
+        <a:scrgbClr r="0" g="0" b="0"/>
+      </a:effectRef>
+      <a:fontRef idx="minor"/>
+    </dgm:style>
+  </dgm:styleLbl>
+  <dgm:styleLbl name="trAlignAcc1">
+    <dgm:scene3d>
+      <a:camera prst="orthographicFront"/>
+      <a:lightRig rig="threePt" dir="t"/>
+    </dgm:scene3d>
+    <dgm:sp3d/>
+    <dgm:txPr/>
+    <dgm:style>
+      <a:lnRef idx="1">
+        <a:scrgbClr r="0" g="0" b="0"/>
+      </a:lnRef>
+      <a:fillRef idx="1">
+        <a:scrgbClr r="0" g="0" b="0"/>
+      </a:fillRef>
+      <a:effectRef idx="0">
+        <a:scrgbClr r="0" g="0" b="0"/>
+      </a:effectRef>
+      <a:fontRef idx="minor"/>
+    </dgm:style>
+  </dgm:styleLbl>
+  <dgm:styleLbl name="bgAcc1">
+    <dgm:scene3d>
+      <a:camera prst="orthographicFront"/>
+      <a:lightRig rig="threePt" dir="t"/>
+    </dgm:scene3d>
+    <dgm:sp3d/>
+    <dgm:txPr/>
+    <dgm:style>
+      <a:lnRef idx="2">
+        <a:scrgbClr r="0" g="0" b="0"/>
+      </a:lnRef>
+      <a:fillRef idx="1">
+        <a:scrgbClr r="0" g="0" b="0"/>
+      </a:fillRef>
+      <a:effectRef idx="0">
+        <a:scrgbClr r="0" g="0" b="0"/>
+      </a:effectRef>
+      <a:fontRef idx="minor"/>
+    </dgm:style>
+  </dgm:styleLbl>
+  <dgm:styleLbl name="solidFgAcc1">
+    <dgm:scene3d>
+      <a:camera prst="orthographicFront"/>
+      <a:lightRig rig="threePt" dir="t"/>
+    </dgm:scene3d>
+    <dgm:sp3d/>
+    <dgm:txPr/>
+    <dgm:style>
+      <a:lnRef idx="2">
+        <a:scrgbClr r="0" g="0" b="0"/>
+      </a:lnRef>
+      <a:fillRef idx="1">
+        <a:scrgbClr r="0" g="0" b="0"/>
+      </a:fillRef>
+      <a:effectRef idx="0">
+        <a:scrgbClr r="0" g="0" b="0"/>
+      </a:effectRef>
+      <a:fontRef idx="minor"/>
+    </dgm:style>
+  </dgm:styleLbl>
+  <dgm:styleLbl name="solidAlignAcc1">
+    <dgm:scene3d>
+      <a:camera prst="orthographicFront"/>
+      <a:lightRig rig="threePt" dir="t"/>
+    </dgm:scene3d>
+    <dgm:sp3d/>
+    <dgm:txPr/>
+    <dgm:style>
+      <a:lnRef idx="2">
+        <a:scrgbClr r="0" g="0" b="0"/>
+      </a:lnRef>
+      <a:fillRef idx="1">
+        <a:scrgbClr r="0" g="0" b="0"/>
+      </a:fillRef>
+      <a:effectRef idx="0">
+        <a:scrgbClr r="0" g="0" b="0"/>
+      </a:effectRef>
+      <a:fontRef idx="minor"/>
+    </dgm:style>
+  </dgm:styleLbl>
+  <dgm:styleLbl name="solidBgAcc1">
+    <dgm:scene3d>
+      <a:camera prst="orthographicFront"/>
+      <a:lightRig rig="threePt" dir="t"/>
+    </dgm:scene3d>
+    <dgm:sp3d/>
+    <dgm:txPr/>
+    <dgm:style>
+      <a:lnRef idx="2">
+        <a:scrgbClr r="0" g="0" b="0"/>
+      </a:lnRef>
+      <a:fillRef idx="1">
+        <a:scrgbClr r="0" g="0" b="0"/>
+      </a:fillRef>
+      <a:effectRef idx="0">
+        <a:scrgbClr r="0" g="0" b="0"/>
+      </a:effectRef>
+      <a:fontRef idx="minor"/>
+    </dgm:style>
+  </dgm:styleLbl>
+  <dgm:styleLbl name="fgAccFollowNode1">
+    <dgm:scene3d>
+      <a:camera prst="orthographicFront"/>
+      <a:lightRig rig="threePt" dir="t"/>
+    </dgm:scene3d>
+    <dgm:sp3d/>
+    <dgm:txPr/>
+    <dgm:style>
+      <a:lnRef idx="2">
+        <a:scrgbClr r="0" g="0" b="0"/>
+      </a:lnRef>
+      <a:fillRef idx="1">
+        <a:scrgbClr r="0" g="0" b="0"/>
+      </a:fillRef>
+      <a:effectRef idx="0">
+        <a:scrgbClr r="0" g="0" b="0"/>
+      </a:effectRef>
+      <a:fontRef idx="minor"/>
+    </dgm:style>
+  </dgm:styleLbl>
+  <dgm:styleLbl name="alignAccFollowNode1">
+    <dgm:scene3d>
+      <a:camera prst="orthographicFront"/>
+      <a:lightRig rig="threePt" dir="t"/>
+    </dgm:scene3d>
+    <dgm:sp3d/>
+    <dgm:txPr/>
+    <dgm:style>
+      <a:lnRef idx="2">
+        <a:scrgbClr r="0" g="0" b="0"/>
+      </a:lnRef>
+      <a:fillRef idx="1">
+        <a:scrgbClr r="0" g="0" b="0"/>
+      </a:fillRef>
+      <a:effectRef idx="0">
+        <a:scrgbClr r="0" g="0" b="0"/>
+      </a:effectRef>
+      <a:fontRef idx="minor"/>
+    </dgm:style>
+  </dgm:styleLbl>
+  <dgm:styleLbl name="bgAccFollowNode1">
+    <dgm:scene3d>
+      <a:camera prst="orthographicFront"/>
+      <a:lightRig rig="threePt" dir="t"/>
+    </dgm:scene3d>
+    <dgm:sp3d/>
+    <dgm:txPr/>
+    <dgm:style>
+      <a:lnRef idx="2">
+        <a:scrgbClr r="0" g="0" b="0"/>
+      </a:lnRef>
+      <a:fillRef idx="1">
+        <a:scrgbClr r="0" g="0" b="0"/>
+      </a:fillRef>
+      <a:effectRef idx="0">
+        <a:scrgbClr r="0" g="0" b="0"/>
+      </a:effectRef>
+      <a:fontRef idx="minor"/>
+    </dgm:style>
+  </dgm:styleLbl>
+  <dgm:styleLbl name="fgAcc0">
+    <dgm:scene3d>
+      <a:camera prst="orthographicFront"/>
+      <a:lightRig rig="threePt" dir="t"/>
+    </dgm:scene3d>
+    <dgm:sp3d/>
+    <dgm:txPr/>
+    <dgm:style>
+      <a:lnRef idx="2">
+        <a:scrgbClr r="0" g="0" b="0"/>
+      </a:lnRef>
+      <a:fillRef idx="1">
+        <a:scrgbClr r="0" g="0" b="0"/>
+      </a:fillRef>
+      <a:effectRef idx="0">
+        <a:scrgbClr r="0" g="0" b="0"/>
+      </a:effectRef>
+      <a:fontRef idx="minor"/>
+    </dgm:style>
+  </dgm:styleLbl>
+  <dgm:styleLbl name="fgAcc2">
+    <dgm:scene3d>
+      <a:camera prst="orthographicFront"/>
+      <a:lightRig rig="threePt" dir="t"/>
+    </dgm:scene3d>
+    <dgm:sp3d/>
+    <dgm:txPr/>
+    <dgm:style>
+      <a:lnRef idx="2">
+        <a:scrgbClr r="0" g="0" b="0"/>
+      </a:lnRef>
+      <a:fillRef idx="1">
+        <a:scrgbClr r="0" g="0" b="0"/>
+      </a:fillRef>
+      <a:effectRef idx="0">
+        <a:scrgbClr r="0" g="0" b="0"/>
+      </a:effectRef>
+      <a:fontRef idx="minor"/>
+    </dgm:style>
+  </dgm:styleLbl>
+  <dgm:styleLbl name="fgAcc3">
+    <dgm:scene3d>
+      <a:camera prst="orthographicFront"/>
+      <a:lightRig rig="threePt" dir="t"/>
+    </dgm:scene3d>
+    <dgm:sp3d/>
+    <dgm:txPr/>
+    <dgm:style>
+      <a:lnRef idx="2">
+        <a:scrgbClr r="0" g="0" b="0"/>
+      </a:lnRef>
+      <a:fillRef idx="1">
+        <a:scrgbClr r="0" g="0" b="0"/>
+      </a:fillRef>
+      <a:effectRef idx="0">
+        <a:scrgbClr r="0" g="0" b="0"/>
+      </a:effectRef>
+      <a:fontRef idx="minor"/>
+    </dgm:style>
+  </dgm:styleLbl>
+  <dgm:styleLbl name="fgAcc4">
+    <dgm:scene3d>
+      <a:camera prst="orthographicFront"/>
+      <a:lightRig rig="threePt" dir="t"/>
+    </dgm:scene3d>
+    <dgm:sp3d/>
+    <dgm:txPr/>
+    <dgm:style>
+      <a:lnRef idx="2">
+        <a:scrgbClr r="0" g="0" b="0"/>
+      </a:lnRef>
+      <a:fillRef idx="1">
+        <a:scrgbClr r="0" g="0" b="0"/>
+      </a:fillRef>
+      <a:effectRef idx="0">
+        <a:scrgbClr r="0" g="0" b="0"/>
+      </a:effectRef>
+      <a:fontRef idx="minor"/>
+    </dgm:style>
+  </dgm:styleLbl>
+  <dgm:styleLbl name="bgShp">
+    <dgm:scene3d>
+      <a:camera prst="orthographicFront"/>
+      <a:lightRig rig="threePt" dir="t"/>
+    </dgm:scene3d>
+    <dgm:sp3d/>
+    <dgm:txPr/>
+    <dgm:style>
+      <a:lnRef idx="0">
+        <a:scrgbClr r="0" g="0" b="0"/>
+      </a:lnRef>
+      <a:fillRef idx="1">
+        <a:scrgbClr r="0" g="0" b="0"/>
+      </a:fillRef>
+      <a:effectRef idx="0">
+        <a:scrgbClr r="0" g="0" b="0"/>
+      </a:effectRef>
+      <a:fontRef idx="minor"/>
+    </dgm:style>
+  </dgm:styleLbl>
+  <dgm:styleLbl name="dkBgShp">
+    <dgm:scene3d>
+      <a:camera prst="orthographicFront"/>
+      <a:lightRig rig="threePt" dir="t"/>
+    </dgm:scene3d>
+    <dgm:sp3d/>
+    <dgm:txPr/>
+    <dgm:style>
+      <a:lnRef idx="0">
+        <a:scrgbClr r="0" g="0" b="0"/>
+      </a:lnRef>
+      <a:fillRef idx="1">
+        <a:scrgbClr r="0" g="0" b="0"/>
+      </a:fillRef>
+      <a:effectRef idx="0">
+        <a:scrgbClr r="0" g="0" b="0"/>
+      </a:effectRef>
+      <a:fontRef idx="minor"/>
+    </dgm:style>
+  </dgm:styleLbl>
+  <dgm:styleLbl name="trBgShp">
+    <dgm:scene3d>
+      <a:camera prst="orthographicFront"/>
+      <a:lightRig rig="threePt" dir="t"/>
+    </dgm:scene3d>
+    <dgm:sp3d/>
+    <dgm:txPr/>
+    <dgm:style>
+      <a:lnRef idx="0">
+        <a:scrgbClr r="0" g="0" b="0"/>
+      </a:lnRef>
+      <a:fillRef idx="1">
+        <a:scrgbClr r="0" g="0" b="0"/>
+      </a:fillRef>
+      <a:effectRef idx="0">
+        <a:scrgbClr r="0" g="0" b="0"/>
+      </a:effectRef>
+      <a:fontRef idx="minor"/>
+    </dgm:style>
+  </dgm:styleLbl>
+  <dgm:styleLbl name="fgShp">
+    <dgm:scene3d>
+      <a:camera prst="orthographicFront"/>
+      <a:lightRig rig="threePt" dir="t"/>
+    </dgm:scene3d>
+    <dgm:sp3d/>
+    <dgm:txPr/>
+    <dgm:style>
+      <a:lnRef idx="2">
+        <a:scrgbClr r="0" g="0" b="0"/>
+      </a:lnRef>
+      <a:fillRef idx="1">
+        <a:scrgbClr r="0" g="0" b="0"/>
+      </a:fillRef>
+      <a:effectRef idx="0">
+        <a:scrgbClr r="0" g="0" b="0"/>
+      </a:effectRef>
+      <a:fontRef idx="minor"/>
+    </dgm:style>
+  </dgm:styleLbl>
+  <dgm:styleLbl name="revTx">
+    <dgm:scene3d>
+      <a:camera prst="orthographicFront"/>
+      <a:lightRig rig="threePt" dir="t"/>
+    </dgm:scene3d>
+    <dgm:sp3d/>
+    <dgm:txPr/>
+    <dgm:style>
+      <a:lnRef idx="0">
+        <a:scrgbClr r="0" g="0" b="0"/>
+      </a:lnRef>
+      <a:fillRef idx="0">
+        <a:scrgbClr r="0" g="0" b="0"/>
+      </a:fillRef>
+      <a:effectRef idx="0">
+        <a:scrgbClr r="0" g="0" b="0"/>
+      </a:effectRef>
+      <a:fontRef idx="minor"/>
+    </dgm:style>
+  </dgm:styleLbl>
+</dgm:styleDef>
+</file>
+
+<file path=ppt/diagrams/quickStyle6.xml><?xml version="1.0" encoding="utf-8"?>
 <dgm:styleDef xmlns:dgm="http://schemas.openxmlformats.org/drawingml/2006/diagram" xmlns:a="http://schemas.openxmlformats.org/drawingml/2006/main" uniqueId="urn:microsoft.com/office/officeart/2005/8/quickstyle/simple1">
   <dgm:title val=""/>
   <dgm:desc val=""/>
@@ -13452,7 +15928,7 @@
           <a:p>
             <a:fld id="{AB5A0919-861D-4B8C-BB1B-92D7E99C3265}" type="datetimeFigureOut">
               <a:rPr lang="en-IN" smtClean="0"/>
-              <a:t>28-09-2022</a:t>
+              <a:t>30-09-2022</a:t>
             </a:fld>
             <a:endParaRPr lang="en-IN"/>
           </a:p>
@@ -13630,7 +16106,7 @@
           <a:p>
             <a:fld id="{48A04D3E-AB25-4865-88B1-E5CEDFA4F726}" type="datetimeFigureOut">
               <a:rPr lang="en-IN" smtClean="0"/>
-              <a:t>28-09-2022</a:t>
+              <a:t>30-09-2022</a:t>
             </a:fld>
             <a:endParaRPr lang="en-IN"/>
           </a:p>
@@ -14305,7 +16781,7 @@
           <a:p>
             <a:fld id="{218B107A-A654-4768-8807-756F0176A7E3}" type="slidenum">
               <a:rPr lang="en-IN" smtClean="0"/>
-              <a:t>14</a:t>
+              <a:t>15</a:t>
             </a:fld>
             <a:endParaRPr lang="en-IN"/>
           </a:p>
@@ -14485,7 +16961,7 @@
                 <a:tabLst/>
                 <a:defRPr/>
               </a:pPr>
-              <a:t>15</a:t>
+              <a:t>16</a:t>
             </a:fld>
             <a:endParaRPr kumimoji="0" lang="en-IN" sz="1200" b="0" i="0" u="none" strike="noStrike" kern="1200" cap="none" spc="0" normalizeH="0" baseline="0" noProof="0">
               <a:ln>
@@ -14610,7 +17086,7 @@
                 </a:solidFill>
               </a:rPr>
               <a:pPr/>
-              <a:t>16</a:t>
+              <a:t>17</a:t>
             </a:fld>
             <a:endParaRPr lang="en-IN">
               <a:solidFill>
@@ -14726,7 +17202,7 @@
                 </a:solidFill>
               </a:rPr>
               <a:pPr/>
-              <a:t>17</a:t>
+              <a:t>18</a:t>
             </a:fld>
             <a:endParaRPr lang="en-IN">
               <a:solidFill>
@@ -14750,199 +17226,6 @@
 </file>
 
 <file path=ppt/notesSlides/notesSlide16.xml><?xml version="1.0" encoding="utf-8"?>
-<p:notes xmlns:a="http://schemas.openxmlformats.org/drawingml/2006/main" xmlns:r="http://schemas.openxmlformats.org/officeDocument/2006/relationships" xmlns:p="http://schemas.openxmlformats.org/presentationml/2006/main">
-  <p:cSld>
-    <p:spTree>
-      <p:nvGrpSpPr>
-        <p:cNvPr id="1" name=""/>
-        <p:cNvGrpSpPr/>
-        <p:nvPr/>
-      </p:nvGrpSpPr>
-      <p:grpSpPr>
-        <a:xfrm>
-          <a:off x="0" y="0"/>
-          <a:ext cx="0" cy="0"/>
-          <a:chOff x="0" y="0"/>
-          <a:chExt cx="0" cy="0"/>
-        </a:xfrm>
-      </p:grpSpPr>
-      <p:sp>
-        <p:nvSpPr>
-          <p:cNvPr id="2" name="Slide Image Placeholder 1"/>
-          <p:cNvSpPr>
-            <a:spLocks noGrp="1" noRot="1" noChangeAspect="1"/>
-          </p:cNvSpPr>
-          <p:nvPr>
-            <p:ph type="sldImg"/>
-          </p:nvPr>
-        </p:nvSpPr>
-        <p:spPr/>
-      </p:sp>
-      <p:sp>
-        <p:nvSpPr>
-          <p:cNvPr id="3" name="Notes Placeholder 2"/>
-          <p:cNvSpPr>
-            <a:spLocks noGrp="1"/>
-          </p:cNvSpPr>
-          <p:nvPr>
-            <p:ph type="body" idx="1"/>
-          </p:nvPr>
-        </p:nvSpPr>
-        <p:spPr/>
-        <p:txBody>
-          <a:bodyPr/>
-          <a:lstStyle/>
-          <a:p>
-            <a:endParaRPr lang="en-US" dirty="0"/>
-          </a:p>
-        </p:txBody>
-      </p:sp>
-      <p:sp>
-        <p:nvSpPr>
-          <p:cNvPr id="4" name="Footer Placeholder 3"/>
-          <p:cNvSpPr>
-            <a:spLocks noGrp="1"/>
-          </p:cNvSpPr>
-          <p:nvPr>
-            <p:ph type="ftr" sz="quarter" idx="10"/>
-          </p:nvPr>
-        </p:nvSpPr>
-        <p:spPr/>
-        <p:txBody>
-          <a:bodyPr/>
-          <a:lstStyle/>
-          <a:p>
-            <a:pPr marL="0" marR="0" lvl="0" indent="0" algn="l" defTabSz="914400" rtl="0" eaLnBrk="1" fontAlgn="auto" latinLnBrk="0" hangingPunct="1">
-              <a:lnSpc>
-                <a:spcPct val="100000"/>
-              </a:lnSpc>
-              <a:spcBef>
-                <a:spcPts val="0"/>
-              </a:spcBef>
-              <a:spcAft>
-                <a:spcPts val="0"/>
-              </a:spcAft>
-              <a:buClrTx/>
-              <a:buSzTx/>
-              <a:buFontTx/>
-              <a:buNone/>
-              <a:tabLst/>
-              <a:defRPr/>
-            </a:pPr>
-            <a:endParaRPr kumimoji="0" lang="en-IN" sz="1200" b="0" i="0" u="none" strike="noStrike" kern="1200" cap="none" spc="0" normalizeH="0" baseline="0" noProof="0">
-              <a:ln>
-                <a:noFill/>
-              </a:ln>
-              <a:solidFill>
-                <a:prstClr val="black"/>
-              </a:solidFill>
-              <a:effectLst/>
-              <a:uLnTx/>
-              <a:uFillTx/>
-              <a:latin typeface="Calibri"/>
-              <a:ea typeface="+mn-ea"/>
-              <a:cs typeface="+mn-cs"/>
-            </a:endParaRPr>
-          </a:p>
-        </p:txBody>
-      </p:sp>
-      <p:sp>
-        <p:nvSpPr>
-          <p:cNvPr id="5" name="Slide Number Placeholder 4"/>
-          <p:cNvSpPr>
-            <a:spLocks noGrp="1"/>
-          </p:cNvSpPr>
-          <p:nvPr>
-            <p:ph type="sldNum" sz="quarter" idx="11"/>
-          </p:nvPr>
-        </p:nvSpPr>
-        <p:spPr/>
-        <p:txBody>
-          <a:bodyPr/>
-          <a:lstStyle/>
-          <a:p>
-            <a:pPr marL="0" marR="0" lvl="0" indent="0" algn="r" defTabSz="914400" rtl="0" eaLnBrk="1" fontAlgn="auto" latinLnBrk="0" hangingPunct="1">
-              <a:lnSpc>
-                <a:spcPct val="100000"/>
-              </a:lnSpc>
-              <a:spcBef>
-                <a:spcPts val="0"/>
-              </a:spcBef>
-              <a:spcAft>
-                <a:spcPts val="0"/>
-              </a:spcAft>
-              <a:buClrTx/>
-              <a:buSzTx/>
-              <a:buFontTx/>
-              <a:buNone/>
-              <a:tabLst/>
-              <a:defRPr/>
-            </a:pPr>
-            <a:fld id="{218B107A-A654-4768-8807-756F0176A7E3}" type="slidenum">
-              <a:rPr kumimoji="0" lang="en-IN" sz="1200" b="0" i="0" u="none" strike="noStrike" kern="1200" cap="none" spc="0" normalizeH="0" baseline="0" noProof="0" smtClean="0">
-                <a:ln>
-                  <a:noFill/>
-                </a:ln>
-                <a:solidFill>
-                  <a:prstClr val="black"/>
-                </a:solidFill>
-                <a:effectLst/>
-                <a:uLnTx/>
-                <a:uFillTx/>
-                <a:latin typeface="Calibri"/>
-                <a:ea typeface="+mn-ea"/>
-                <a:cs typeface="+mn-cs"/>
-              </a:rPr>
-              <a:pPr marL="0" marR="0" lvl="0" indent="0" algn="r" defTabSz="914400" rtl="0" eaLnBrk="1" fontAlgn="auto" latinLnBrk="0" hangingPunct="1">
-                <a:lnSpc>
-                  <a:spcPct val="100000"/>
-                </a:lnSpc>
-                <a:spcBef>
-                  <a:spcPts val="0"/>
-                </a:spcBef>
-                <a:spcAft>
-                  <a:spcPts val="0"/>
-                </a:spcAft>
-                <a:buClrTx/>
-                <a:buSzTx/>
-                <a:buFontTx/>
-                <a:buNone/>
-                <a:tabLst/>
-                <a:defRPr/>
-              </a:pPr>
-              <a:t>18</a:t>
-            </a:fld>
-            <a:endParaRPr kumimoji="0" lang="en-IN" sz="1200" b="0" i="0" u="none" strike="noStrike" kern="1200" cap="none" spc="0" normalizeH="0" baseline="0" noProof="0">
-              <a:ln>
-                <a:noFill/>
-              </a:ln>
-              <a:solidFill>
-                <a:prstClr val="black"/>
-              </a:solidFill>
-              <a:effectLst/>
-              <a:uLnTx/>
-              <a:uFillTx/>
-              <a:latin typeface="Calibri"/>
-              <a:ea typeface="+mn-ea"/>
-              <a:cs typeface="+mn-cs"/>
-            </a:endParaRPr>
-          </a:p>
-        </p:txBody>
-      </p:sp>
-    </p:spTree>
-    <p:extLst>
-      <p:ext uri="{BB962C8B-B14F-4D97-AF65-F5344CB8AC3E}">
-        <p14:creationId xmlns:p14="http://schemas.microsoft.com/office/powerpoint/2010/main" val="2189309850"/>
-      </p:ext>
-    </p:extLst>
-  </p:cSld>
-  <p:clrMapOvr>
-    <a:masterClrMapping/>
-  </p:clrMapOvr>
-</p:notes>
-</file>
-
-<file path=ppt/notesSlides/notesSlide17.xml><?xml version="1.0" encoding="utf-8"?>
 <p:notes xmlns:a="http://schemas.openxmlformats.org/drawingml/2006/main" xmlns:r="http://schemas.openxmlformats.org/officeDocument/2006/relationships" xmlns:p="http://schemas.openxmlformats.org/presentationml/2006/main">
   <p:cSld>
     <p:spTree>
@@ -15125,7 +17408,7 @@
     </p:spTree>
     <p:extLst>
       <p:ext uri="{BB962C8B-B14F-4D97-AF65-F5344CB8AC3E}">
-        <p14:creationId xmlns:p14="http://schemas.microsoft.com/office/powerpoint/2010/main" val="1291424283"/>
+        <p14:creationId xmlns:p14="http://schemas.microsoft.com/office/powerpoint/2010/main" val="2189309850"/>
       </p:ext>
     </p:extLst>
   </p:cSld>
@@ -15135,7 +17418,7 @@
 </p:notes>
 </file>
 
-<file path=ppt/notesSlides/notesSlide18.xml><?xml version="1.0" encoding="utf-8"?>
+<file path=ppt/notesSlides/notesSlide17.xml><?xml version="1.0" encoding="utf-8"?>
 <p:notes xmlns:a="http://schemas.openxmlformats.org/drawingml/2006/main" xmlns:r="http://schemas.openxmlformats.org/officeDocument/2006/relationships" xmlns:p="http://schemas.openxmlformats.org/presentationml/2006/main">
   <p:cSld>
     <p:spTree>
@@ -15318,6 +17601,199 @@
     </p:spTree>
     <p:extLst>
       <p:ext uri="{BB962C8B-B14F-4D97-AF65-F5344CB8AC3E}">
+        <p14:creationId xmlns:p14="http://schemas.microsoft.com/office/powerpoint/2010/main" val="1291424283"/>
+      </p:ext>
+    </p:extLst>
+  </p:cSld>
+  <p:clrMapOvr>
+    <a:masterClrMapping/>
+  </p:clrMapOvr>
+</p:notes>
+</file>
+
+<file path=ppt/notesSlides/notesSlide18.xml><?xml version="1.0" encoding="utf-8"?>
+<p:notes xmlns:a="http://schemas.openxmlformats.org/drawingml/2006/main" xmlns:r="http://schemas.openxmlformats.org/officeDocument/2006/relationships" xmlns:p="http://schemas.openxmlformats.org/presentationml/2006/main">
+  <p:cSld>
+    <p:spTree>
+      <p:nvGrpSpPr>
+        <p:cNvPr id="1" name=""/>
+        <p:cNvGrpSpPr/>
+        <p:nvPr/>
+      </p:nvGrpSpPr>
+      <p:grpSpPr>
+        <a:xfrm>
+          <a:off x="0" y="0"/>
+          <a:ext cx="0" cy="0"/>
+          <a:chOff x="0" y="0"/>
+          <a:chExt cx="0" cy="0"/>
+        </a:xfrm>
+      </p:grpSpPr>
+      <p:sp>
+        <p:nvSpPr>
+          <p:cNvPr id="2" name="Slide Image Placeholder 1"/>
+          <p:cNvSpPr>
+            <a:spLocks noGrp="1" noRot="1" noChangeAspect="1"/>
+          </p:cNvSpPr>
+          <p:nvPr>
+            <p:ph type="sldImg"/>
+          </p:nvPr>
+        </p:nvSpPr>
+        <p:spPr/>
+      </p:sp>
+      <p:sp>
+        <p:nvSpPr>
+          <p:cNvPr id="3" name="Notes Placeholder 2"/>
+          <p:cNvSpPr>
+            <a:spLocks noGrp="1"/>
+          </p:cNvSpPr>
+          <p:nvPr>
+            <p:ph type="body" idx="1"/>
+          </p:nvPr>
+        </p:nvSpPr>
+        <p:spPr/>
+        <p:txBody>
+          <a:bodyPr/>
+          <a:lstStyle/>
+          <a:p>
+            <a:endParaRPr lang="en-US" dirty="0"/>
+          </a:p>
+        </p:txBody>
+      </p:sp>
+      <p:sp>
+        <p:nvSpPr>
+          <p:cNvPr id="4" name="Footer Placeholder 3"/>
+          <p:cNvSpPr>
+            <a:spLocks noGrp="1"/>
+          </p:cNvSpPr>
+          <p:nvPr>
+            <p:ph type="ftr" sz="quarter" idx="10"/>
+          </p:nvPr>
+        </p:nvSpPr>
+        <p:spPr/>
+        <p:txBody>
+          <a:bodyPr/>
+          <a:lstStyle/>
+          <a:p>
+            <a:pPr marL="0" marR="0" lvl="0" indent="0" algn="l" defTabSz="914400" rtl="0" eaLnBrk="1" fontAlgn="auto" latinLnBrk="0" hangingPunct="1">
+              <a:lnSpc>
+                <a:spcPct val="100000"/>
+              </a:lnSpc>
+              <a:spcBef>
+                <a:spcPts val="0"/>
+              </a:spcBef>
+              <a:spcAft>
+                <a:spcPts val="0"/>
+              </a:spcAft>
+              <a:buClrTx/>
+              <a:buSzTx/>
+              <a:buFontTx/>
+              <a:buNone/>
+              <a:tabLst/>
+              <a:defRPr/>
+            </a:pPr>
+            <a:endParaRPr kumimoji="0" lang="en-IN" sz="1200" b="0" i="0" u="none" strike="noStrike" kern="1200" cap="none" spc="0" normalizeH="0" baseline="0" noProof="0">
+              <a:ln>
+                <a:noFill/>
+              </a:ln>
+              <a:solidFill>
+                <a:prstClr val="black"/>
+              </a:solidFill>
+              <a:effectLst/>
+              <a:uLnTx/>
+              <a:uFillTx/>
+              <a:latin typeface="Calibri"/>
+              <a:ea typeface="+mn-ea"/>
+              <a:cs typeface="+mn-cs"/>
+            </a:endParaRPr>
+          </a:p>
+        </p:txBody>
+      </p:sp>
+      <p:sp>
+        <p:nvSpPr>
+          <p:cNvPr id="5" name="Slide Number Placeholder 4"/>
+          <p:cNvSpPr>
+            <a:spLocks noGrp="1"/>
+          </p:cNvSpPr>
+          <p:nvPr>
+            <p:ph type="sldNum" sz="quarter" idx="11"/>
+          </p:nvPr>
+        </p:nvSpPr>
+        <p:spPr/>
+        <p:txBody>
+          <a:bodyPr/>
+          <a:lstStyle/>
+          <a:p>
+            <a:pPr marL="0" marR="0" lvl="0" indent="0" algn="r" defTabSz="914400" rtl="0" eaLnBrk="1" fontAlgn="auto" latinLnBrk="0" hangingPunct="1">
+              <a:lnSpc>
+                <a:spcPct val="100000"/>
+              </a:lnSpc>
+              <a:spcBef>
+                <a:spcPts val="0"/>
+              </a:spcBef>
+              <a:spcAft>
+                <a:spcPts val="0"/>
+              </a:spcAft>
+              <a:buClrTx/>
+              <a:buSzTx/>
+              <a:buFontTx/>
+              <a:buNone/>
+              <a:tabLst/>
+              <a:defRPr/>
+            </a:pPr>
+            <a:fld id="{218B107A-A654-4768-8807-756F0176A7E3}" type="slidenum">
+              <a:rPr kumimoji="0" lang="en-IN" sz="1200" b="0" i="0" u="none" strike="noStrike" kern="1200" cap="none" spc="0" normalizeH="0" baseline="0" noProof="0" smtClean="0">
+                <a:ln>
+                  <a:noFill/>
+                </a:ln>
+                <a:solidFill>
+                  <a:prstClr val="black"/>
+                </a:solidFill>
+                <a:effectLst/>
+                <a:uLnTx/>
+                <a:uFillTx/>
+                <a:latin typeface="Calibri"/>
+                <a:ea typeface="+mn-ea"/>
+                <a:cs typeface="+mn-cs"/>
+              </a:rPr>
+              <a:pPr marL="0" marR="0" lvl="0" indent="0" algn="r" defTabSz="914400" rtl="0" eaLnBrk="1" fontAlgn="auto" latinLnBrk="0" hangingPunct="1">
+                <a:lnSpc>
+                  <a:spcPct val="100000"/>
+                </a:lnSpc>
+                <a:spcBef>
+                  <a:spcPts val="0"/>
+                </a:spcBef>
+                <a:spcAft>
+                  <a:spcPts val="0"/>
+                </a:spcAft>
+                <a:buClrTx/>
+                <a:buSzTx/>
+                <a:buFontTx/>
+                <a:buNone/>
+                <a:tabLst/>
+                <a:defRPr/>
+              </a:pPr>
+              <a:t>21</a:t>
+            </a:fld>
+            <a:endParaRPr kumimoji="0" lang="en-IN" sz="1200" b="0" i="0" u="none" strike="noStrike" kern="1200" cap="none" spc="0" normalizeH="0" baseline="0" noProof="0">
+              <a:ln>
+                <a:noFill/>
+              </a:ln>
+              <a:solidFill>
+                <a:prstClr val="black"/>
+              </a:solidFill>
+              <a:effectLst/>
+              <a:uLnTx/>
+              <a:uFillTx/>
+              <a:latin typeface="Calibri"/>
+              <a:ea typeface="+mn-ea"/>
+              <a:cs typeface="+mn-cs"/>
+            </a:endParaRPr>
+          </a:p>
+        </p:txBody>
+      </p:sp>
+    </p:spTree>
+    <p:extLst>
+      <p:ext uri="{BB962C8B-B14F-4D97-AF65-F5344CB8AC3E}">
         <p14:creationId xmlns:p14="http://schemas.microsoft.com/office/powerpoint/2010/main" val="1507441020"/>
       </p:ext>
     </p:extLst>
@@ -15421,7 +17897,7 @@
                 </a:solidFill>
               </a:rPr>
               <a:pPr/>
-              <a:t>21</a:t>
+              <a:t>22</a:t>
             </a:fld>
             <a:endParaRPr lang="en-IN">
               <a:solidFill>
@@ -15615,7 +18091,7 @@
             <a:spLocks noGrp="1"/>
           </p:cNvSpPr>
           <p:nvPr>
-            <p:ph type="ftr" sz="quarter" idx="10"/>
+            <p:ph type="ftr" sz="quarter" idx="4"/>
           </p:nvPr>
         </p:nvSpPr>
         <p:spPr/>
@@ -15623,11 +18099,7 @@
           <a:bodyPr/>
           <a:lstStyle/>
           <a:p>
-            <a:endParaRPr lang="en-IN">
-              <a:solidFill>
-                <a:prstClr val="black"/>
-              </a:solidFill>
-            </a:endParaRPr>
+            <a:endParaRPr lang="en-IN"/>
           </a:p>
         </p:txBody>
       </p:sp>
@@ -15638,7 +18110,7 @@
             <a:spLocks noGrp="1"/>
           </p:cNvSpPr>
           <p:nvPr>
-            <p:ph type="sldNum" sz="quarter" idx="11"/>
+            <p:ph type="sldNum" sz="quarter" idx="5"/>
           </p:nvPr>
         </p:nvSpPr>
         <p:spPr/>
@@ -15647,26 +18119,17 @@
           <a:lstStyle/>
           <a:p>
             <a:fld id="{218B107A-A654-4768-8807-756F0176A7E3}" type="slidenum">
-              <a:rPr lang="en-IN" smtClean="0">
-                <a:solidFill>
-                  <a:prstClr val="black"/>
-                </a:solidFill>
-              </a:rPr>
-              <a:pPr/>
-              <a:t>29</a:t>
+              <a:rPr lang="en-IN" smtClean="0"/>
+              <a:t>28</a:t>
             </a:fld>
-            <a:endParaRPr lang="en-IN">
-              <a:solidFill>
-                <a:prstClr val="black"/>
-              </a:solidFill>
-            </a:endParaRPr>
+            <a:endParaRPr lang="en-IN"/>
           </a:p>
         </p:txBody>
       </p:sp>
     </p:spTree>
     <p:extLst>
       <p:ext uri="{BB962C8B-B14F-4D97-AF65-F5344CB8AC3E}">
-        <p14:creationId xmlns:p14="http://schemas.microsoft.com/office/powerpoint/2010/main" val="114192777"/>
+        <p14:creationId xmlns:p14="http://schemas.microsoft.com/office/powerpoint/2010/main" val="2656057753"/>
       </p:ext>
     </p:extLst>
   </p:cSld>
@@ -15731,6 +18194,212 @@
             <a:spLocks noGrp="1"/>
           </p:cNvSpPr>
           <p:nvPr>
+            <p:ph type="ftr" sz="quarter" idx="4"/>
+          </p:nvPr>
+        </p:nvSpPr>
+        <p:spPr/>
+        <p:txBody>
+          <a:bodyPr/>
+          <a:lstStyle/>
+          <a:p>
+            <a:endParaRPr lang="en-IN"/>
+          </a:p>
+        </p:txBody>
+      </p:sp>
+      <p:sp>
+        <p:nvSpPr>
+          <p:cNvPr id="5" name="Slide Number Placeholder 4"/>
+          <p:cNvSpPr>
+            <a:spLocks noGrp="1"/>
+          </p:cNvSpPr>
+          <p:nvPr>
+            <p:ph type="sldNum" sz="quarter" idx="5"/>
+          </p:nvPr>
+        </p:nvSpPr>
+        <p:spPr/>
+        <p:txBody>
+          <a:bodyPr/>
+          <a:lstStyle/>
+          <a:p>
+            <a:fld id="{218B107A-A654-4768-8807-756F0176A7E3}" type="slidenum">
+              <a:rPr lang="en-IN" smtClean="0"/>
+              <a:t>29</a:t>
+            </a:fld>
+            <a:endParaRPr lang="en-IN"/>
+          </a:p>
+        </p:txBody>
+      </p:sp>
+    </p:spTree>
+    <p:extLst>
+      <p:ext uri="{BB962C8B-B14F-4D97-AF65-F5344CB8AC3E}">
+        <p14:creationId xmlns:p14="http://schemas.microsoft.com/office/powerpoint/2010/main" val="199567884"/>
+      </p:ext>
+    </p:extLst>
+  </p:cSld>
+  <p:clrMapOvr>
+    <a:masterClrMapping/>
+  </p:clrMapOvr>
+</p:notes>
+</file>
+
+<file path=ppt/notesSlides/notesSlide22.xml><?xml version="1.0" encoding="utf-8"?>
+<p:notes xmlns:a="http://schemas.openxmlformats.org/drawingml/2006/main" xmlns:r="http://schemas.openxmlformats.org/officeDocument/2006/relationships" xmlns:p="http://schemas.openxmlformats.org/presentationml/2006/main">
+  <p:cSld>
+    <p:spTree>
+      <p:nvGrpSpPr>
+        <p:cNvPr id="1" name=""/>
+        <p:cNvGrpSpPr/>
+        <p:nvPr/>
+      </p:nvGrpSpPr>
+      <p:grpSpPr>
+        <a:xfrm>
+          <a:off x="0" y="0"/>
+          <a:ext cx="0" cy="0"/>
+          <a:chOff x="0" y="0"/>
+          <a:chExt cx="0" cy="0"/>
+        </a:xfrm>
+      </p:grpSpPr>
+      <p:sp>
+        <p:nvSpPr>
+          <p:cNvPr id="2" name="Slide Image Placeholder 1"/>
+          <p:cNvSpPr>
+            <a:spLocks noGrp="1" noRot="1" noChangeAspect="1"/>
+          </p:cNvSpPr>
+          <p:nvPr>
+            <p:ph type="sldImg"/>
+          </p:nvPr>
+        </p:nvSpPr>
+        <p:spPr/>
+      </p:sp>
+      <p:sp>
+        <p:nvSpPr>
+          <p:cNvPr id="3" name="Notes Placeholder 2"/>
+          <p:cNvSpPr>
+            <a:spLocks noGrp="1"/>
+          </p:cNvSpPr>
+          <p:nvPr>
+            <p:ph type="body" idx="1"/>
+          </p:nvPr>
+        </p:nvSpPr>
+        <p:spPr/>
+        <p:txBody>
+          <a:bodyPr/>
+          <a:lstStyle/>
+          <a:p>
+            <a:endParaRPr lang="en-US" dirty="0"/>
+          </a:p>
+        </p:txBody>
+      </p:sp>
+      <p:sp>
+        <p:nvSpPr>
+          <p:cNvPr id="4" name="Footer Placeholder 3"/>
+          <p:cNvSpPr>
+            <a:spLocks noGrp="1"/>
+          </p:cNvSpPr>
+          <p:nvPr>
+            <p:ph type="ftr" sz="quarter" idx="4"/>
+          </p:nvPr>
+        </p:nvSpPr>
+        <p:spPr/>
+        <p:txBody>
+          <a:bodyPr/>
+          <a:lstStyle/>
+          <a:p>
+            <a:endParaRPr lang="en-IN"/>
+          </a:p>
+        </p:txBody>
+      </p:sp>
+      <p:sp>
+        <p:nvSpPr>
+          <p:cNvPr id="5" name="Slide Number Placeholder 4"/>
+          <p:cNvSpPr>
+            <a:spLocks noGrp="1"/>
+          </p:cNvSpPr>
+          <p:nvPr>
+            <p:ph type="sldNum" sz="quarter" idx="5"/>
+          </p:nvPr>
+        </p:nvSpPr>
+        <p:spPr/>
+        <p:txBody>
+          <a:bodyPr/>
+          <a:lstStyle/>
+          <a:p>
+            <a:fld id="{218B107A-A654-4768-8807-756F0176A7E3}" type="slidenum">
+              <a:rPr lang="en-IN" smtClean="0"/>
+              <a:t>30</a:t>
+            </a:fld>
+            <a:endParaRPr lang="en-IN"/>
+          </a:p>
+        </p:txBody>
+      </p:sp>
+    </p:spTree>
+    <p:extLst>
+      <p:ext uri="{BB962C8B-B14F-4D97-AF65-F5344CB8AC3E}">
+        <p14:creationId xmlns:p14="http://schemas.microsoft.com/office/powerpoint/2010/main" val="2346468187"/>
+      </p:ext>
+    </p:extLst>
+  </p:cSld>
+  <p:clrMapOvr>
+    <a:masterClrMapping/>
+  </p:clrMapOvr>
+</p:notes>
+</file>
+
+<file path=ppt/notesSlides/notesSlide23.xml><?xml version="1.0" encoding="utf-8"?>
+<p:notes xmlns:a="http://schemas.openxmlformats.org/drawingml/2006/main" xmlns:r="http://schemas.openxmlformats.org/officeDocument/2006/relationships" xmlns:p="http://schemas.openxmlformats.org/presentationml/2006/main">
+  <p:cSld>
+    <p:spTree>
+      <p:nvGrpSpPr>
+        <p:cNvPr id="1" name=""/>
+        <p:cNvGrpSpPr/>
+        <p:nvPr/>
+      </p:nvGrpSpPr>
+      <p:grpSpPr>
+        <a:xfrm>
+          <a:off x="0" y="0"/>
+          <a:ext cx="0" cy="0"/>
+          <a:chOff x="0" y="0"/>
+          <a:chExt cx="0" cy="0"/>
+        </a:xfrm>
+      </p:grpSpPr>
+      <p:sp>
+        <p:nvSpPr>
+          <p:cNvPr id="2" name="Slide Image Placeholder 1"/>
+          <p:cNvSpPr>
+            <a:spLocks noGrp="1" noRot="1" noChangeAspect="1"/>
+          </p:cNvSpPr>
+          <p:nvPr>
+            <p:ph type="sldImg"/>
+          </p:nvPr>
+        </p:nvSpPr>
+        <p:spPr/>
+      </p:sp>
+      <p:sp>
+        <p:nvSpPr>
+          <p:cNvPr id="3" name="Notes Placeholder 2"/>
+          <p:cNvSpPr>
+            <a:spLocks noGrp="1"/>
+          </p:cNvSpPr>
+          <p:nvPr>
+            <p:ph type="body" idx="1"/>
+          </p:nvPr>
+        </p:nvSpPr>
+        <p:spPr/>
+        <p:txBody>
+          <a:bodyPr/>
+          <a:lstStyle/>
+          <a:p>
+            <a:endParaRPr lang="en-US" dirty="0"/>
+          </a:p>
+        </p:txBody>
+      </p:sp>
+      <p:sp>
+        <p:nvSpPr>
+          <p:cNvPr id="4" name="Footer Placeholder 3"/>
+          <p:cNvSpPr>
+            <a:spLocks noGrp="1"/>
+          </p:cNvSpPr>
+          <p:nvPr>
             <p:ph type="ftr" sz="quarter" idx="10"/>
           </p:nvPr>
         </p:nvSpPr>
@@ -15769,7 +18438,123 @@
                 </a:solidFill>
               </a:rPr>
               <a:pPr/>
-              <a:t>30</a:t>
+              <a:t>34</a:t>
+            </a:fld>
+            <a:endParaRPr lang="en-IN">
+              <a:solidFill>
+                <a:prstClr val="black"/>
+              </a:solidFill>
+            </a:endParaRPr>
+          </a:p>
+        </p:txBody>
+      </p:sp>
+    </p:spTree>
+    <p:extLst>
+      <p:ext uri="{BB962C8B-B14F-4D97-AF65-F5344CB8AC3E}">
+        <p14:creationId xmlns:p14="http://schemas.microsoft.com/office/powerpoint/2010/main" val="114192777"/>
+      </p:ext>
+    </p:extLst>
+  </p:cSld>
+  <p:clrMapOvr>
+    <a:masterClrMapping/>
+  </p:clrMapOvr>
+</p:notes>
+</file>
+
+<file path=ppt/notesSlides/notesSlide24.xml><?xml version="1.0" encoding="utf-8"?>
+<p:notes xmlns:a="http://schemas.openxmlformats.org/drawingml/2006/main" xmlns:r="http://schemas.openxmlformats.org/officeDocument/2006/relationships" xmlns:p="http://schemas.openxmlformats.org/presentationml/2006/main">
+  <p:cSld>
+    <p:spTree>
+      <p:nvGrpSpPr>
+        <p:cNvPr id="1" name=""/>
+        <p:cNvGrpSpPr/>
+        <p:nvPr/>
+      </p:nvGrpSpPr>
+      <p:grpSpPr>
+        <a:xfrm>
+          <a:off x="0" y="0"/>
+          <a:ext cx="0" cy="0"/>
+          <a:chOff x="0" y="0"/>
+          <a:chExt cx="0" cy="0"/>
+        </a:xfrm>
+      </p:grpSpPr>
+      <p:sp>
+        <p:nvSpPr>
+          <p:cNvPr id="2" name="Slide Image Placeholder 1"/>
+          <p:cNvSpPr>
+            <a:spLocks noGrp="1" noRot="1" noChangeAspect="1"/>
+          </p:cNvSpPr>
+          <p:nvPr>
+            <p:ph type="sldImg"/>
+          </p:nvPr>
+        </p:nvSpPr>
+        <p:spPr/>
+      </p:sp>
+      <p:sp>
+        <p:nvSpPr>
+          <p:cNvPr id="3" name="Notes Placeholder 2"/>
+          <p:cNvSpPr>
+            <a:spLocks noGrp="1"/>
+          </p:cNvSpPr>
+          <p:nvPr>
+            <p:ph type="body" idx="1"/>
+          </p:nvPr>
+        </p:nvSpPr>
+        <p:spPr/>
+        <p:txBody>
+          <a:bodyPr/>
+          <a:lstStyle/>
+          <a:p>
+            <a:endParaRPr lang="en-US" dirty="0"/>
+          </a:p>
+        </p:txBody>
+      </p:sp>
+      <p:sp>
+        <p:nvSpPr>
+          <p:cNvPr id="4" name="Footer Placeholder 3"/>
+          <p:cNvSpPr>
+            <a:spLocks noGrp="1"/>
+          </p:cNvSpPr>
+          <p:nvPr>
+            <p:ph type="ftr" sz="quarter" idx="10"/>
+          </p:nvPr>
+        </p:nvSpPr>
+        <p:spPr/>
+        <p:txBody>
+          <a:bodyPr/>
+          <a:lstStyle/>
+          <a:p>
+            <a:endParaRPr lang="en-IN">
+              <a:solidFill>
+                <a:prstClr val="black"/>
+              </a:solidFill>
+            </a:endParaRPr>
+          </a:p>
+        </p:txBody>
+      </p:sp>
+      <p:sp>
+        <p:nvSpPr>
+          <p:cNvPr id="5" name="Slide Number Placeholder 4"/>
+          <p:cNvSpPr>
+            <a:spLocks noGrp="1"/>
+          </p:cNvSpPr>
+          <p:nvPr>
+            <p:ph type="sldNum" sz="quarter" idx="11"/>
+          </p:nvPr>
+        </p:nvSpPr>
+        <p:spPr/>
+        <p:txBody>
+          <a:bodyPr/>
+          <a:lstStyle/>
+          <a:p>
+            <a:fld id="{218B107A-A654-4768-8807-756F0176A7E3}" type="slidenum">
+              <a:rPr lang="en-IN" smtClean="0">
+                <a:solidFill>
+                  <a:prstClr val="black"/>
+                </a:solidFill>
+              </a:rPr>
+              <a:pPr/>
+              <a:t>35</a:t>
             </a:fld>
             <a:endParaRPr lang="en-IN">
               <a:solidFill>
@@ -22874,6 +25659,486 @@
           </a:fontRef>
         </p:style>
         <p:txBody>
+          <a:bodyPr>
+            <a:normAutofit/>
+          </a:bodyPr>
+          <a:lstStyle/>
+          <a:p>
+            <a:pPr algn="l"/>
+            <a:r>
+              <a:rPr lang="en-US" sz="2800" dirty="0"/>
+              <a:t>Opportunity| Market changes | JIO Positioning</a:t>
+            </a:r>
+          </a:p>
+        </p:txBody>
+      </p:sp>
+      <p:sp>
+        <p:nvSpPr>
+          <p:cNvPr id="3" name="TextBox 2">
+            <a:extLst>
+              <a:ext uri="{FF2B5EF4-FFF2-40B4-BE49-F238E27FC236}">
+                <a16:creationId xmlns:a16="http://schemas.microsoft.com/office/drawing/2014/main" id="{8DFD2B5F-B060-4DCC-967B-586141147D19}"/>
+              </a:ext>
+            </a:extLst>
+          </p:cNvPr>
+          <p:cNvSpPr txBox="1"/>
+          <p:nvPr/>
+        </p:nvSpPr>
+        <p:spPr>
+          <a:xfrm>
+            <a:off x="339984" y="1466932"/>
+            <a:ext cx="3137338" cy="523220"/>
+          </a:xfrm>
+          <a:prstGeom prst="rect">
+            <a:avLst/>
+          </a:prstGeom>
+          <a:noFill/>
+        </p:spPr>
+        <p:txBody>
+          <a:bodyPr wrap="square" rtlCol="0">
+            <a:spAutoFit/>
+          </a:bodyPr>
+          <a:lstStyle/>
+          <a:p>
+            <a:r>
+              <a:rPr lang="en-US" sz="2800" b="1" dirty="0"/>
+              <a:t>Opportunity</a:t>
+            </a:r>
+          </a:p>
+        </p:txBody>
+      </p:sp>
+      <p:cxnSp>
+        <p:nvCxnSpPr>
+          <p:cNvPr id="6" name="Straight Connector 5">
+            <a:extLst>
+              <a:ext uri="{FF2B5EF4-FFF2-40B4-BE49-F238E27FC236}">
+                <a16:creationId xmlns:a16="http://schemas.microsoft.com/office/drawing/2014/main" id="{BA0CAD92-09B7-4A4D-A363-E66D5A6DDB4B}"/>
+              </a:ext>
+            </a:extLst>
+          </p:cNvPr>
+          <p:cNvCxnSpPr/>
+          <p:nvPr/>
+        </p:nvCxnSpPr>
+        <p:spPr>
+          <a:xfrm>
+            <a:off x="4398579" y="1324303"/>
+            <a:ext cx="0" cy="5029200"/>
+          </a:xfrm>
+          <a:prstGeom prst="line">
+            <a:avLst/>
+          </a:prstGeom>
+        </p:spPr>
+        <p:style>
+          <a:lnRef idx="1">
+            <a:schemeClr val="dk1"/>
+          </a:lnRef>
+          <a:fillRef idx="0">
+            <a:schemeClr val="dk1"/>
+          </a:fillRef>
+          <a:effectRef idx="0">
+            <a:schemeClr val="dk1"/>
+          </a:effectRef>
+          <a:fontRef idx="minor">
+            <a:schemeClr val="tx1"/>
+          </a:fontRef>
+        </p:style>
+      </p:cxnSp>
+      <p:sp>
+        <p:nvSpPr>
+          <p:cNvPr id="7" name="TextBox 6">
+            <a:extLst>
+              <a:ext uri="{FF2B5EF4-FFF2-40B4-BE49-F238E27FC236}">
+                <a16:creationId xmlns:a16="http://schemas.microsoft.com/office/drawing/2014/main" id="{BF67EB64-C929-452B-AD04-BEEF41B20391}"/>
+              </a:ext>
+            </a:extLst>
+          </p:cNvPr>
+          <p:cNvSpPr txBox="1"/>
+          <p:nvPr/>
+        </p:nvSpPr>
+        <p:spPr>
+          <a:xfrm>
+            <a:off x="4556234" y="1418897"/>
+            <a:ext cx="3358054" cy="523220"/>
+          </a:xfrm>
+          <a:prstGeom prst="rect">
+            <a:avLst/>
+          </a:prstGeom>
+          <a:noFill/>
+        </p:spPr>
+        <p:txBody>
+          <a:bodyPr wrap="square" rtlCol="0">
+            <a:spAutoFit/>
+          </a:bodyPr>
+          <a:lstStyle/>
+          <a:p>
+            <a:r>
+              <a:rPr lang="en-US" sz="2800" b="1" dirty="0"/>
+              <a:t>Market Changes</a:t>
+            </a:r>
+          </a:p>
+        </p:txBody>
+      </p:sp>
+      <p:cxnSp>
+        <p:nvCxnSpPr>
+          <p:cNvPr id="9" name="Straight Connector 8">
+            <a:extLst>
+              <a:ext uri="{FF2B5EF4-FFF2-40B4-BE49-F238E27FC236}">
+                <a16:creationId xmlns:a16="http://schemas.microsoft.com/office/drawing/2014/main" id="{BB481E32-71EE-46A1-8799-575E89F2B6EB}"/>
+              </a:ext>
+            </a:extLst>
+          </p:cNvPr>
+          <p:cNvCxnSpPr/>
+          <p:nvPr/>
+        </p:nvCxnSpPr>
+        <p:spPr>
+          <a:xfrm>
+            <a:off x="7914288" y="1434662"/>
+            <a:ext cx="0" cy="4918841"/>
+          </a:xfrm>
+          <a:prstGeom prst="line">
+            <a:avLst/>
+          </a:prstGeom>
+        </p:spPr>
+        <p:style>
+          <a:lnRef idx="1">
+            <a:schemeClr val="dk1"/>
+          </a:lnRef>
+          <a:fillRef idx="0">
+            <a:schemeClr val="dk1"/>
+          </a:fillRef>
+          <a:effectRef idx="0">
+            <a:schemeClr val="dk1"/>
+          </a:effectRef>
+          <a:fontRef idx="minor">
+            <a:schemeClr val="tx1"/>
+          </a:fontRef>
+        </p:style>
+      </p:cxnSp>
+      <p:sp>
+        <p:nvSpPr>
+          <p:cNvPr id="10" name="TextBox 9">
+            <a:extLst>
+              <a:ext uri="{FF2B5EF4-FFF2-40B4-BE49-F238E27FC236}">
+                <a16:creationId xmlns:a16="http://schemas.microsoft.com/office/drawing/2014/main" id="{963708B2-E0ED-470A-AA03-443E01ACE227}"/>
+              </a:ext>
+            </a:extLst>
+          </p:cNvPr>
+          <p:cNvSpPr txBox="1"/>
+          <p:nvPr/>
+        </p:nvSpPr>
+        <p:spPr>
+          <a:xfrm>
+            <a:off x="8071942" y="1493556"/>
+            <a:ext cx="3452648" cy="523220"/>
+          </a:xfrm>
+          <a:prstGeom prst="rect">
+            <a:avLst/>
+          </a:prstGeom>
+          <a:noFill/>
+        </p:spPr>
+        <p:txBody>
+          <a:bodyPr wrap="square" rtlCol="0">
+            <a:spAutoFit/>
+          </a:bodyPr>
+          <a:lstStyle/>
+          <a:p>
+            <a:r>
+              <a:rPr lang="en-US" sz="2800" b="1" dirty="0"/>
+              <a:t>JIO Positioning</a:t>
+            </a:r>
+          </a:p>
+        </p:txBody>
+      </p:sp>
+      <p:sp>
+        <p:nvSpPr>
+          <p:cNvPr id="12" name="TextBox 11">
+            <a:extLst>
+              <a:ext uri="{FF2B5EF4-FFF2-40B4-BE49-F238E27FC236}">
+                <a16:creationId xmlns:a16="http://schemas.microsoft.com/office/drawing/2014/main" id="{DB31EC70-4EE1-4D94-80DE-17899DD7131E}"/>
+              </a:ext>
+            </a:extLst>
+          </p:cNvPr>
+          <p:cNvSpPr txBox="1"/>
+          <p:nvPr/>
+        </p:nvSpPr>
+        <p:spPr>
+          <a:xfrm>
+            <a:off x="339984" y="2069737"/>
+            <a:ext cx="3648693" cy="3693319"/>
+          </a:xfrm>
+          <a:prstGeom prst="rect">
+            <a:avLst/>
+          </a:prstGeom>
+          <a:solidFill>
+            <a:schemeClr val="accent3">
+              <a:lumMod val="40000"/>
+              <a:lumOff val="60000"/>
+            </a:schemeClr>
+          </a:solidFill>
+        </p:spPr>
+        <p:txBody>
+          <a:bodyPr wrap="square">
+            <a:spAutoFit/>
+          </a:bodyPr>
+          <a:lstStyle/>
+          <a:p>
+            <a:pPr marL="342900" indent="-342900">
+              <a:buFont typeface="+mj-lt"/>
+              <a:buAutoNum type="arabicPeriod"/>
+            </a:pPr>
+            <a:r>
+              <a:rPr lang="en-US" dirty="0"/>
+              <a:t>Traditional Telecom services in AI and Cyber security are expensive and mostly negligible</a:t>
+            </a:r>
+          </a:p>
+          <a:p>
+            <a:pPr marL="342900" indent="-342900">
+              <a:buFont typeface="+mj-lt"/>
+              <a:buAutoNum type="arabicPeriod"/>
+            </a:pPr>
+            <a:endParaRPr lang="en-US" dirty="0"/>
+          </a:p>
+          <a:p>
+            <a:pPr marL="342900" indent="-342900">
+              <a:buFont typeface="+mj-lt"/>
+              <a:buAutoNum type="arabicPeriod"/>
+            </a:pPr>
+            <a:r>
+              <a:rPr lang="en-US" dirty="0"/>
+              <a:t>Difficult for small business owners to address their need for AI and Cyber security enabled mobile.</a:t>
+            </a:r>
+          </a:p>
+          <a:p>
+            <a:pPr marL="342900" indent="-342900">
+              <a:buFont typeface="+mj-lt"/>
+              <a:buAutoNum type="arabicPeriod"/>
+            </a:pPr>
+            <a:endParaRPr lang="en-US" dirty="0"/>
+          </a:p>
+          <a:p>
+            <a:pPr marL="342900" indent="-342900">
+              <a:buFont typeface="+mj-lt"/>
+              <a:buAutoNum type="arabicPeriod"/>
+            </a:pPr>
+            <a:r>
+              <a:rPr lang="en-US" dirty="0"/>
+              <a:t>Alternate arrangements to cater to AI and Cyber security need are expensive.</a:t>
+            </a:r>
+          </a:p>
+        </p:txBody>
+      </p:sp>
+      <p:sp>
+        <p:nvSpPr>
+          <p:cNvPr id="14" name="TextBox 13">
+            <a:extLst>
+              <a:ext uri="{FF2B5EF4-FFF2-40B4-BE49-F238E27FC236}">
+                <a16:creationId xmlns:a16="http://schemas.microsoft.com/office/drawing/2014/main" id="{671EF080-FCAE-45A6-8BBB-C7EE504C9A99}"/>
+              </a:ext>
+            </a:extLst>
+          </p:cNvPr>
+          <p:cNvSpPr txBox="1"/>
+          <p:nvPr/>
+        </p:nvSpPr>
+        <p:spPr>
+          <a:xfrm>
+            <a:off x="4700752" y="2069737"/>
+            <a:ext cx="2790496" cy="2308324"/>
+          </a:xfrm>
+          <a:prstGeom prst="rect">
+            <a:avLst/>
+          </a:prstGeom>
+          <a:solidFill>
+            <a:schemeClr val="accent3">
+              <a:lumMod val="40000"/>
+              <a:lumOff val="60000"/>
+            </a:schemeClr>
+          </a:solidFill>
+        </p:spPr>
+        <p:txBody>
+          <a:bodyPr wrap="square">
+            <a:spAutoFit/>
+          </a:bodyPr>
+          <a:lstStyle/>
+          <a:p>
+            <a:pPr marL="342900" indent="-342900">
+              <a:buFont typeface="+mj-lt"/>
+              <a:buAutoNum type="arabicPeriod"/>
+            </a:pPr>
+            <a:r>
+              <a:rPr lang="en-US" dirty="0"/>
+              <a:t>Rapid burgeoning interests in AI and cyber security enabled mobiles.</a:t>
+            </a:r>
+          </a:p>
+          <a:p>
+            <a:pPr marL="342900" indent="-342900">
+              <a:buFont typeface="+mj-lt"/>
+              <a:buAutoNum type="arabicPeriod"/>
+            </a:pPr>
+            <a:endParaRPr lang="en-US" dirty="0"/>
+          </a:p>
+          <a:p>
+            <a:pPr marL="342900" indent="-342900">
+              <a:buFont typeface="+mj-lt"/>
+              <a:buAutoNum type="arabicPeriod"/>
+            </a:pPr>
+            <a:r>
+              <a:rPr lang="en-US" dirty="0"/>
+              <a:t>Capturing a loyal userbase has huge revenue potential.</a:t>
+            </a:r>
+          </a:p>
+        </p:txBody>
+      </p:sp>
+      <p:sp>
+        <p:nvSpPr>
+          <p:cNvPr id="16" name="TextBox 15">
+            <a:extLst>
+              <a:ext uri="{FF2B5EF4-FFF2-40B4-BE49-F238E27FC236}">
+                <a16:creationId xmlns:a16="http://schemas.microsoft.com/office/drawing/2014/main" id="{5BE0881F-D1D2-42CE-9827-345316062D7C}"/>
+              </a:ext>
+            </a:extLst>
+          </p:cNvPr>
+          <p:cNvSpPr txBox="1"/>
+          <p:nvPr/>
+        </p:nvSpPr>
+        <p:spPr>
+          <a:xfrm>
+            <a:off x="8071941" y="2069737"/>
+            <a:ext cx="3696717" cy="2308324"/>
+          </a:xfrm>
+          <a:prstGeom prst="rect">
+            <a:avLst/>
+          </a:prstGeom>
+          <a:solidFill>
+            <a:schemeClr val="accent3">
+              <a:lumMod val="40000"/>
+              <a:lumOff val="60000"/>
+            </a:schemeClr>
+          </a:solidFill>
+        </p:spPr>
+        <p:txBody>
+          <a:bodyPr wrap="square">
+            <a:spAutoFit/>
+          </a:bodyPr>
+          <a:lstStyle/>
+          <a:p>
+            <a:pPr marL="342900" indent="-342900">
+              <a:buFont typeface="+mj-lt"/>
+              <a:buAutoNum type="arabicPeriod"/>
+            </a:pPr>
+            <a:r>
+              <a:rPr lang="en-US" dirty="0"/>
+              <a:t>First mover advantage.</a:t>
+            </a:r>
+          </a:p>
+          <a:p>
+            <a:pPr marL="342900" indent="-342900">
+              <a:buFont typeface="+mj-lt"/>
+              <a:buAutoNum type="arabicPeriod"/>
+            </a:pPr>
+            <a:endParaRPr lang="en-US" dirty="0"/>
+          </a:p>
+          <a:p>
+            <a:pPr marL="342900" indent="-342900">
+              <a:buFont typeface="+mj-lt"/>
+              <a:buAutoNum type="arabicPeriod"/>
+            </a:pPr>
+            <a:r>
+              <a:rPr lang="en-US" dirty="0"/>
+              <a:t>scalable across multiple platforms.</a:t>
+            </a:r>
+          </a:p>
+          <a:p>
+            <a:pPr marL="342900" indent="-342900">
+              <a:buFont typeface="+mj-lt"/>
+              <a:buAutoNum type="arabicPeriod"/>
+            </a:pPr>
+            <a:endParaRPr lang="en-US" dirty="0"/>
+          </a:p>
+          <a:p>
+            <a:pPr marL="342900" indent="-342900">
+              <a:buFont typeface="+mj-lt"/>
+              <a:buAutoNum type="arabicPeriod"/>
+            </a:pPr>
+            <a:r>
+              <a:rPr lang="en-US" dirty="0"/>
+              <a:t>provides Low cost services.</a:t>
+            </a:r>
+          </a:p>
+          <a:p>
+            <a:pPr marL="342900" indent="-342900">
+              <a:buFont typeface="+mj-lt"/>
+              <a:buAutoNum type="arabicPeriod"/>
+            </a:pPr>
+            <a:endParaRPr lang="en-US" dirty="0"/>
+          </a:p>
+          <a:p>
+            <a:pPr marL="342900" indent="-342900">
+              <a:buFont typeface="+mj-lt"/>
+              <a:buAutoNum type="arabicPeriod"/>
+            </a:pPr>
+            <a:r>
+              <a:rPr lang="en-US" dirty="0"/>
+              <a:t>Target customer needs.</a:t>
+            </a:r>
+          </a:p>
+        </p:txBody>
+      </p:sp>
+    </p:spTree>
+    <p:extLst>
+      <p:ext uri="{BB962C8B-B14F-4D97-AF65-F5344CB8AC3E}">
+        <p14:creationId xmlns:p14="http://schemas.microsoft.com/office/powerpoint/2010/main" val="3247515240"/>
+      </p:ext>
+    </p:extLst>
+  </p:cSld>
+  <p:clrMapOvr>
+    <a:masterClrMapping/>
+  </p:clrMapOvr>
+</p:sld>
+</file>
+
+<file path=ppt/slides/slide15.xml><?xml version="1.0" encoding="utf-8"?>
+<p:sld xmlns:a="http://schemas.openxmlformats.org/drawingml/2006/main" xmlns:r="http://schemas.openxmlformats.org/officeDocument/2006/relationships" xmlns:p="http://schemas.openxmlformats.org/presentationml/2006/main">
+  <p:cSld>
+    <p:spTree>
+      <p:nvGrpSpPr>
+        <p:cNvPr id="1" name=""/>
+        <p:cNvGrpSpPr/>
+        <p:nvPr/>
+      </p:nvGrpSpPr>
+      <p:grpSpPr>
+        <a:xfrm>
+          <a:off x="0" y="0"/>
+          <a:ext cx="0" cy="0"/>
+          <a:chOff x="0" y="0"/>
+          <a:chExt cx="0" cy="0"/>
+        </a:xfrm>
+      </p:grpSpPr>
+      <p:sp>
+        <p:nvSpPr>
+          <p:cNvPr id="2" name="Title 1"/>
+          <p:cNvSpPr>
+            <a:spLocks noGrp="1"/>
+          </p:cNvSpPr>
+          <p:nvPr>
+            <p:ph type="title"/>
+          </p:nvPr>
+        </p:nvSpPr>
+        <p:spPr/>
+        <p:style>
+          <a:lnRef idx="1">
+            <a:schemeClr val="accent1"/>
+          </a:lnRef>
+          <a:fillRef idx="2">
+            <a:schemeClr val="accent1"/>
+          </a:fillRef>
+          <a:effectRef idx="1">
+            <a:schemeClr val="accent1"/>
+          </a:effectRef>
+          <a:fontRef idx="minor">
+            <a:schemeClr val="dk1"/>
+          </a:fontRef>
+        </p:style>
+        <p:txBody>
           <a:bodyPr/>
           <a:lstStyle/>
           <a:p>
@@ -23042,7 +26307,7 @@
 </p:sld>
 </file>
 
-<file path=ppt/slides/slide15.xml><?xml version="1.0" encoding="utf-8"?>
+<file path=ppt/slides/slide16.xml><?xml version="1.0" encoding="utf-8"?>
 <p:sld xmlns:a="http://schemas.openxmlformats.org/drawingml/2006/main" xmlns:r="http://schemas.openxmlformats.org/officeDocument/2006/relationships" xmlns:p="http://schemas.openxmlformats.org/presentationml/2006/main">
   <p:cSld>
     <p:spTree>
@@ -23584,7 +26849,7 @@
 </p:sld>
 </file>
 
-<file path=ppt/slides/slide16.xml><?xml version="1.0" encoding="utf-8"?>
+<file path=ppt/slides/slide17.xml><?xml version="1.0" encoding="utf-8"?>
 <p:sld xmlns:a="http://schemas.openxmlformats.org/drawingml/2006/main" xmlns:r="http://schemas.openxmlformats.org/officeDocument/2006/relationships" xmlns:p="http://schemas.openxmlformats.org/presentationml/2006/main">
   <p:cSld>
     <p:spTree>
@@ -23716,7 +26981,7 @@
 </p:sld>
 </file>
 
-<file path=ppt/slides/slide17.xml><?xml version="1.0" encoding="utf-8"?>
+<file path=ppt/slides/slide18.xml><?xml version="1.0" encoding="utf-8"?>
 <p:sld xmlns:a="http://schemas.openxmlformats.org/drawingml/2006/main" xmlns:r="http://schemas.openxmlformats.org/officeDocument/2006/relationships" xmlns:p="http://schemas.openxmlformats.org/presentationml/2006/main">
   <p:cSld>
     <p:spTree>
@@ -25397,7 +28662,7 @@
 </p:sld>
 </file>
 
-<file path=ppt/slides/slide18.xml><?xml version="1.0" encoding="utf-8"?>
+<file path=ppt/slides/slide19.xml><?xml version="1.0" encoding="utf-8"?>
 <p:sld xmlns:a="http://schemas.openxmlformats.org/drawingml/2006/main" xmlns:r="http://schemas.openxmlformats.org/officeDocument/2006/relationships" xmlns:p="http://schemas.openxmlformats.org/presentationml/2006/main">
   <p:cSld>
     <p:spTree>
@@ -25770,483 +29035,6 @@
 </p:sld>
 </file>
 
-<file path=ppt/slides/slide19.xml><?xml version="1.0" encoding="utf-8"?>
-<p:sld xmlns:a="http://schemas.openxmlformats.org/drawingml/2006/main" xmlns:r="http://schemas.openxmlformats.org/officeDocument/2006/relationships" xmlns:p="http://schemas.openxmlformats.org/presentationml/2006/main">
-  <p:cSld>
-    <p:spTree>
-      <p:nvGrpSpPr>
-        <p:cNvPr id="1" name=""/>
-        <p:cNvGrpSpPr/>
-        <p:nvPr/>
-      </p:nvGrpSpPr>
-      <p:grpSpPr>
-        <a:xfrm>
-          <a:off x="0" y="0"/>
-          <a:ext cx="0" cy="0"/>
-          <a:chOff x="0" y="0"/>
-          <a:chExt cx="0" cy="0"/>
-        </a:xfrm>
-      </p:grpSpPr>
-      <p:sp>
-        <p:nvSpPr>
-          <p:cNvPr id="2" name="Title 1"/>
-          <p:cNvSpPr>
-            <a:spLocks noGrp="1"/>
-          </p:cNvSpPr>
-          <p:nvPr>
-            <p:ph type="title"/>
-          </p:nvPr>
-        </p:nvSpPr>
-        <p:spPr>
-          <a:xfrm>
-            <a:off x="3222894" y="461698"/>
-            <a:ext cx="8677954" cy="670055"/>
-          </a:xfrm>
-        </p:spPr>
-        <p:style>
-          <a:lnRef idx="1">
-            <a:schemeClr val="accent1"/>
-          </a:lnRef>
-          <a:fillRef idx="2">
-            <a:schemeClr val="accent1"/>
-          </a:fillRef>
-          <a:effectRef idx="1">
-            <a:schemeClr val="accent1"/>
-          </a:effectRef>
-          <a:fontRef idx="minor">
-            <a:schemeClr val="dk1"/>
-          </a:fontRef>
-        </p:style>
-        <p:txBody>
-          <a:bodyPr>
-            <a:normAutofit/>
-          </a:bodyPr>
-          <a:lstStyle/>
-          <a:p>
-            <a:pPr algn="l"/>
-            <a:r>
-              <a:rPr lang="en-US" sz="2800" dirty="0"/>
-              <a:t>Revenue Generation due to AI module in JIO:</a:t>
-            </a:r>
-          </a:p>
-        </p:txBody>
-      </p:sp>
-      <p:sp>
-        <p:nvSpPr>
-          <p:cNvPr id="5" name="TextBox 4">
-            <a:extLst>
-              <a:ext uri="{FF2B5EF4-FFF2-40B4-BE49-F238E27FC236}">
-                <a16:creationId xmlns:a16="http://schemas.microsoft.com/office/drawing/2014/main" id="{E29049D6-E62C-4B2A-BD78-D359C58D30FB}"/>
-              </a:ext>
-            </a:extLst>
-          </p:cNvPr>
-          <p:cNvSpPr txBox="1"/>
-          <p:nvPr/>
-        </p:nvSpPr>
-        <p:spPr>
-          <a:xfrm>
-            <a:off x="249444" y="1131753"/>
-            <a:ext cx="11693111" cy="5355312"/>
-          </a:xfrm>
-          <a:prstGeom prst="rect">
-            <a:avLst/>
-          </a:prstGeom>
-          <a:solidFill>
-            <a:schemeClr val="accent1">
-              <a:lumMod val="20000"/>
-              <a:lumOff val="80000"/>
-            </a:schemeClr>
-          </a:solidFill>
-        </p:spPr>
-        <p:txBody>
-          <a:bodyPr wrap="square">
-            <a:spAutoFit/>
-          </a:bodyPr>
-          <a:lstStyle/>
-          <a:p>
-            <a:pPr marL="342900" marR="0" lvl="0" indent="-342900" algn="l" defTabSz="914400" rtl="0" eaLnBrk="1" fontAlgn="auto" latinLnBrk="0" hangingPunct="1">
-              <a:lnSpc>
-                <a:spcPct val="100000"/>
-              </a:lnSpc>
-              <a:spcBef>
-                <a:spcPts val="0"/>
-              </a:spcBef>
-              <a:spcAft>
-                <a:spcPts val="0"/>
-              </a:spcAft>
-              <a:buClrTx/>
-              <a:buSzTx/>
-              <a:buFont typeface="+mj-lt"/>
-              <a:buAutoNum type="arabicPeriod"/>
-              <a:tabLst/>
-              <a:defRPr/>
-            </a:pPr>
-            <a:r>
-              <a:rPr kumimoji="0" lang="en-US" sz="1800" b="0" i="0" u="none" strike="noStrike" kern="1200" cap="none" spc="0" normalizeH="0" baseline="0" noProof="0" dirty="0">
-                <a:ln>
-                  <a:noFill/>
-                </a:ln>
-                <a:solidFill>
-                  <a:prstClr val="black"/>
-                </a:solidFill>
-                <a:effectLst/>
-                <a:uLnTx/>
-                <a:uFillTx/>
-                <a:latin typeface="Roboto Slab"/>
-                <a:ea typeface="+mn-ea"/>
-                <a:cs typeface="+mn-cs"/>
-              </a:rPr>
-              <a:t>Jio can charge subscription fee from the customers who uses services provided by their newly developed  AI and ML framework in Jio phones. </a:t>
-            </a:r>
-          </a:p>
-          <a:p>
-            <a:pPr marL="342900" marR="0" lvl="0" indent="-342900" algn="l" defTabSz="914400" rtl="0" eaLnBrk="1" fontAlgn="auto" latinLnBrk="0" hangingPunct="1">
-              <a:lnSpc>
-                <a:spcPct val="100000"/>
-              </a:lnSpc>
-              <a:spcBef>
-                <a:spcPts val="0"/>
-              </a:spcBef>
-              <a:spcAft>
-                <a:spcPts val="0"/>
-              </a:spcAft>
-              <a:buClrTx/>
-              <a:buSzTx/>
-              <a:buFont typeface="+mj-lt"/>
-              <a:buAutoNum type="arabicPeriod"/>
-              <a:tabLst/>
-              <a:defRPr/>
-            </a:pPr>
-            <a:endParaRPr kumimoji="0" lang="en-US" sz="1800" b="0" i="0" u="none" strike="noStrike" kern="1200" cap="none" spc="0" normalizeH="0" baseline="0" noProof="0" dirty="0">
-              <a:ln>
-                <a:noFill/>
-              </a:ln>
-              <a:solidFill>
-                <a:prstClr val="black"/>
-              </a:solidFill>
-              <a:effectLst/>
-              <a:uLnTx/>
-              <a:uFillTx/>
-              <a:latin typeface="Roboto Slab"/>
-              <a:ea typeface="+mn-ea"/>
-              <a:cs typeface="+mn-cs"/>
-            </a:endParaRPr>
-          </a:p>
-          <a:p>
-            <a:pPr marL="342900" marR="0" lvl="0" indent="-342900" algn="l" defTabSz="914400" rtl="0" eaLnBrk="1" fontAlgn="auto" latinLnBrk="0" hangingPunct="1">
-              <a:lnSpc>
-                <a:spcPct val="100000"/>
-              </a:lnSpc>
-              <a:spcBef>
-                <a:spcPts val="0"/>
-              </a:spcBef>
-              <a:spcAft>
-                <a:spcPts val="0"/>
-              </a:spcAft>
-              <a:buClrTx/>
-              <a:buSzTx/>
-              <a:buFont typeface="+mj-lt"/>
-              <a:buAutoNum type="arabicPeriod"/>
-              <a:tabLst/>
-              <a:defRPr/>
-            </a:pPr>
-            <a:r>
-              <a:rPr kumimoji="0" lang="en-US" sz="1800" b="0" i="0" u="none" strike="noStrike" kern="1200" cap="none" spc="0" normalizeH="0" baseline="0" noProof="0" dirty="0">
-                <a:ln>
-                  <a:noFill/>
-                </a:ln>
-                <a:solidFill>
-                  <a:prstClr val="black"/>
-                </a:solidFill>
-                <a:effectLst/>
-                <a:uLnTx/>
-                <a:uFillTx/>
-                <a:latin typeface="Roboto Slab"/>
-                <a:ea typeface="+mn-ea"/>
-                <a:cs typeface="+mn-cs"/>
-              </a:rPr>
-              <a:t>Jio can earn revenues from affiliate marketing. It can earn a commission fee every time someone follows an affiliate linked placed on their AI and ML apps in jio phones.</a:t>
-            </a:r>
-          </a:p>
-          <a:p>
-            <a:pPr marL="342900" marR="0" lvl="0" indent="-342900" algn="l" defTabSz="914400" rtl="0" eaLnBrk="1" fontAlgn="auto" latinLnBrk="0" hangingPunct="1">
-              <a:lnSpc>
-                <a:spcPct val="100000"/>
-              </a:lnSpc>
-              <a:spcBef>
-                <a:spcPts val="0"/>
-              </a:spcBef>
-              <a:spcAft>
-                <a:spcPts val="0"/>
-              </a:spcAft>
-              <a:buClrTx/>
-              <a:buSzTx/>
-              <a:buFont typeface="+mj-lt"/>
-              <a:buAutoNum type="arabicPeriod"/>
-              <a:tabLst/>
-              <a:defRPr/>
-            </a:pPr>
-            <a:endParaRPr kumimoji="0" lang="en-US" sz="1800" b="0" i="0" u="none" strike="noStrike" kern="1200" cap="none" spc="0" normalizeH="0" baseline="0" noProof="0" dirty="0">
-              <a:ln>
-                <a:noFill/>
-              </a:ln>
-              <a:solidFill>
-                <a:prstClr val="black"/>
-              </a:solidFill>
-              <a:effectLst/>
-              <a:uLnTx/>
-              <a:uFillTx/>
-              <a:latin typeface="Roboto Slab"/>
-              <a:ea typeface="+mn-ea"/>
-              <a:cs typeface="+mn-cs"/>
-            </a:endParaRPr>
-          </a:p>
-          <a:p>
-            <a:pPr marL="342900" marR="0" lvl="0" indent="-342900" algn="l" defTabSz="914400" rtl="0" eaLnBrk="1" fontAlgn="auto" latinLnBrk="0" hangingPunct="1">
-              <a:lnSpc>
-                <a:spcPct val="100000"/>
-              </a:lnSpc>
-              <a:spcBef>
-                <a:spcPts val="0"/>
-              </a:spcBef>
-              <a:spcAft>
-                <a:spcPts val="0"/>
-              </a:spcAft>
-              <a:buClrTx/>
-              <a:buSzTx/>
-              <a:buFont typeface="+mj-lt"/>
-              <a:buAutoNum type="arabicPeriod"/>
-              <a:tabLst/>
-              <a:defRPr/>
-            </a:pPr>
-            <a:r>
-              <a:rPr kumimoji="0" lang="en-US" sz="1800" b="0" i="0" u="none" strike="noStrike" kern="1200" cap="none" spc="0" normalizeH="0" baseline="0" noProof="0" dirty="0">
-                <a:ln>
-                  <a:noFill/>
-                </a:ln>
-                <a:solidFill>
-                  <a:prstClr val="black"/>
-                </a:solidFill>
-                <a:effectLst/>
-                <a:uLnTx/>
-                <a:uFillTx/>
-                <a:latin typeface="Roboto Slab"/>
-                <a:ea typeface="+mn-ea"/>
-                <a:cs typeface="+mn-cs"/>
-              </a:rPr>
-              <a:t>Third party vendors can subscribes to Jio's  AI and ML apps and these vendors may provide services to their own customers based on JIO's AI and ML apps. Jio may charge service fee from both vendors and customers of their vendors who uses JIO's AI and ML framework. </a:t>
-            </a:r>
-          </a:p>
-          <a:p>
-            <a:pPr marL="342900" marR="0" lvl="0" indent="-342900" algn="l" defTabSz="914400" rtl="0" eaLnBrk="1" fontAlgn="auto" latinLnBrk="0" hangingPunct="1">
-              <a:lnSpc>
-                <a:spcPct val="100000"/>
-              </a:lnSpc>
-              <a:spcBef>
-                <a:spcPts val="0"/>
-              </a:spcBef>
-              <a:spcAft>
-                <a:spcPts val="0"/>
-              </a:spcAft>
-              <a:buClrTx/>
-              <a:buSzTx/>
-              <a:buFont typeface="+mj-lt"/>
-              <a:buAutoNum type="arabicPeriod"/>
-              <a:tabLst/>
-              <a:defRPr/>
-            </a:pPr>
-            <a:endParaRPr kumimoji="0" lang="en-US" sz="1800" b="0" i="0" u="none" strike="noStrike" kern="1200" cap="none" spc="0" normalizeH="0" baseline="0" noProof="0" dirty="0">
-              <a:ln>
-                <a:noFill/>
-              </a:ln>
-              <a:solidFill>
-                <a:prstClr val="black"/>
-              </a:solidFill>
-              <a:effectLst/>
-              <a:uLnTx/>
-              <a:uFillTx/>
-              <a:latin typeface="Roboto Slab"/>
-              <a:ea typeface="+mn-ea"/>
-              <a:cs typeface="+mn-cs"/>
-            </a:endParaRPr>
-          </a:p>
-          <a:p>
-            <a:pPr marL="342900" indent="-342900">
-              <a:buFont typeface="+mj-lt"/>
-              <a:buAutoNum type="arabicPeriod"/>
-              <a:defRPr/>
-            </a:pPr>
-            <a:r>
-              <a:rPr kumimoji="0" lang="en-US" sz="1800" b="0" i="0" u="none" strike="noStrike" kern="1200" cap="none" spc="0" normalizeH="0" baseline="0" noProof="0" dirty="0">
-                <a:ln>
-                  <a:noFill/>
-                </a:ln>
-                <a:solidFill>
-                  <a:prstClr val="black"/>
-                </a:solidFill>
-                <a:effectLst/>
-                <a:uLnTx/>
-                <a:uFillTx/>
-                <a:latin typeface="Roboto Slab"/>
-                <a:ea typeface="+mn-ea"/>
-                <a:cs typeface="+mn-cs"/>
-              </a:rPr>
-              <a:t>JIO can use their own AI and ML framework to enhance Mobile commerce of their vendors and thereby increasing revenues for themself as well. JIO can do market based Analysis for their vendors using their own AI and ML framework and generate revenues from them.</a:t>
-            </a:r>
-          </a:p>
-          <a:p>
-            <a:pPr marL="342900" marR="0" lvl="0" indent="-342900" algn="l" defTabSz="914400" rtl="0" eaLnBrk="1" fontAlgn="auto" latinLnBrk="0" hangingPunct="1">
-              <a:lnSpc>
-                <a:spcPct val="100000"/>
-              </a:lnSpc>
-              <a:spcBef>
-                <a:spcPts val="0"/>
-              </a:spcBef>
-              <a:spcAft>
-                <a:spcPts val="0"/>
-              </a:spcAft>
-              <a:buClrTx/>
-              <a:buSzTx/>
-              <a:buFont typeface="+mj-lt"/>
-              <a:buAutoNum type="arabicPeriod"/>
-              <a:tabLst/>
-              <a:defRPr/>
-            </a:pPr>
-            <a:endParaRPr kumimoji="0" lang="en-US" sz="1800" b="0" i="0" u="none" strike="noStrike" kern="1200" cap="none" spc="0" normalizeH="0" baseline="0" noProof="0" dirty="0">
-              <a:ln>
-                <a:noFill/>
-              </a:ln>
-              <a:solidFill>
-                <a:prstClr val="black"/>
-              </a:solidFill>
-              <a:effectLst/>
-              <a:uLnTx/>
-              <a:uFillTx/>
-              <a:latin typeface="Roboto Slab"/>
-              <a:ea typeface="+mn-ea"/>
-              <a:cs typeface="+mn-cs"/>
-            </a:endParaRPr>
-          </a:p>
-          <a:p>
-            <a:pPr marL="342900" marR="0" lvl="0" indent="-342900" algn="l" defTabSz="914400" rtl="0" eaLnBrk="1" fontAlgn="auto" latinLnBrk="0" hangingPunct="1">
-              <a:lnSpc>
-                <a:spcPct val="100000"/>
-              </a:lnSpc>
-              <a:spcBef>
-                <a:spcPts val="0"/>
-              </a:spcBef>
-              <a:spcAft>
-                <a:spcPts val="0"/>
-              </a:spcAft>
-              <a:buClrTx/>
-              <a:buSzTx/>
-              <a:buFont typeface="+mj-lt"/>
-              <a:buAutoNum type="arabicPeriod"/>
-              <a:tabLst/>
-              <a:defRPr/>
-            </a:pPr>
-            <a:r>
-              <a:rPr kumimoji="0" lang="en-US" sz="1800" b="0" i="0" u="none" strike="noStrike" kern="1200" cap="none" spc="0" normalizeH="0" baseline="0" noProof="0" dirty="0">
-                <a:ln>
-                  <a:noFill/>
-                </a:ln>
-                <a:solidFill>
-                  <a:prstClr val="black"/>
-                </a:solidFill>
-                <a:effectLst/>
-                <a:uLnTx/>
-                <a:uFillTx/>
-                <a:latin typeface="Roboto Slab"/>
-                <a:ea typeface="+mn-ea"/>
-                <a:cs typeface="+mn-cs"/>
-              </a:rPr>
-              <a:t>JIO can provided services of AI AND ML based voice assistants to deliver value to their vendors and thereby increasing its own revenue collections.</a:t>
-            </a:r>
-          </a:p>
-          <a:p>
-            <a:pPr marL="342900" marR="0" lvl="0" indent="-342900" algn="l" defTabSz="914400" rtl="0" eaLnBrk="1" fontAlgn="auto" latinLnBrk="0" hangingPunct="1">
-              <a:lnSpc>
-                <a:spcPct val="100000"/>
-              </a:lnSpc>
-              <a:spcBef>
-                <a:spcPts val="0"/>
-              </a:spcBef>
-              <a:spcAft>
-                <a:spcPts val="0"/>
-              </a:spcAft>
-              <a:buClrTx/>
-              <a:buSzTx/>
-              <a:buFont typeface="+mj-lt"/>
-              <a:buAutoNum type="arabicPeriod"/>
-              <a:tabLst/>
-              <a:defRPr/>
-            </a:pPr>
-            <a:endParaRPr kumimoji="0" lang="en-US" sz="1800" b="0" i="0" u="none" strike="noStrike" kern="1200" cap="none" spc="0" normalizeH="0" baseline="0" noProof="0" dirty="0">
-              <a:ln>
-                <a:noFill/>
-              </a:ln>
-              <a:solidFill>
-                <a:prstClr val="black"/>
-              </a:solidFill>
-              <a:effectLst/>
-              <a:uLnTx/>
-              <a:uFillTx/>
-              <a:latin typeface="Roboto Slab"/>
-              <a:ea typeface="+mn-ea"/>
-              <a:cs typeface="+mn-cs"/>
-            </a:endParaRPr>
-          </a:p>
-          <a:p>
-            <a:pPr marL="342900" marR="0" lvl="0" indent="-342900" algn="l" defTabSz="914400" rtl="0" eaLnBrk="1" fontAlgn="auto" latinLnBrk="0" hangingPunct="1">
-              <a:lnSpc>
-                <a:spcPct val="100000"/>
-              </a:lnSpc>
-              <a:spcBef>
-                <a:spcPts val="0"/>
-              </a:spcBef>
-              <a:spcAft>
-                <a:spcPts val="0"/>
-              </a:spcAft>
-              <a:buClrTx/>
-              <a:buSzTx/>
-              <a:buFont typeface="+mj-lt"/>
-              <a:buAutoNum type="arabicPeriod"/>
-              <a:tabLst/>
-              <a:defRPr/>
-            </a:pPr>
-            <a:r>
-              <a:rPr kumimoji="0" lang="en-US" sz="1800" b="0" i="0" u="none" strike="noStrike" kern="1200" cap="none" spc="0" normalizeH="0" baseline="0" noProof="0" dirty="0">
-                <a:ln>
-                  <a:noFill/>
-                </a:ln>
-                <a:solidFill>
-                  <a:prstClr val="black"/>
-                </a:solidFill>
-                <a:effectLst/>
-                <a:uLnTx/>
-                <a:uFillTx/>
-                <a:latin typeface="Roboto Slab"/>
-                <a:ea typeface="+mn-ea"/>
-                <a:cs typeface="+mn-cs"/>
-              </a:rPr>
-              <a:t>JIO can utilize market based analysis to provide better enhanced analysis of their own core customers for their mobile thereby increasing revenues from their own core businesses as well.</a:t>
-            </a:r>
-          </a:p>
-        </p:txBody>
-      </p:sp>
-    </p:spTree>
-    <p:extLst>
-      <p:ext uri="{BB962C8B-B14F-4D97-AF65-F5344CB8AC3E}">
-        <p14:creationId xmlns:p14="http://schemas.microsoft.com/office/powerpoint/2010/main" val="2414933845"/>
-      </p:ext>
-    </p:extLst>
-  </p:cSld>
-  <p:clrMapOvr>
-    <a:masterClrMapping/>
-  </p:clrMapOvr>
-</p:sld>
-</file>
-
 <file path=ppt/slides/slide2.xml><?xml version="1.0" encoding="utf-8"?>
 <p:sld xmlns:a="http://schemas.openxmlformats.org/drawingml/2006/main" xmlns:r="http://schemas.openxmlformats.org/officeDocument/2006/relationships" xmlns:p="http://schemas.openxmlformats.org/presentationml/2006/main">
   <p:cSld>
@@ -26535,7 +29323,7 @@
             <a:pPr algn="l"/>
             <a:r>
               <a:rPr lang="en-US" sz="2800" dirty="0"/>
-              <a:t>Revenue Generation due to Cyber security in JIO:</a:t>
+              <a:t>Revenue Generation due to AI module in JIO:</a:t>
             </a:r>
           </a:p>
         </p:txBody>
@@ -26554,8 +29342,8 @@
         </p:nvSpPr>
         <p:spPr>
           <a:xfrm>
-            <a:off x="493634" y="1578950"/>
-            <a:ext cx="11564869" cy="4247317"/>
+            <a:off x="249444" y="1131753"/>
+            <a:ext cx="11693111" cy="5355312"/>
           </a:xfrm>
           <a:prstGeom prst="rect">
             <a:avLst/>
@@ -26605,7 +29393,7 @@
                 <a:ea typeface="+mn-ea"/>
                 <a:cs typeface="+mn-cs"/>
               </a:rPr>
-              <a:t>It builds trust and inspires customers confidence thereby increased revenues from their own businesses.</a:t>
+              <a:t>Jio can charge subscription fee from the customers who uses services provided by their newly developed  AI and ML framework in Jio phones. </a:t>
             </a:r>
           </a:p>
           <a:p>
@@ -26674,41 +29462,8 @@
                 <a:ea typeface="+mn-ea"/>
                 <a:cs typeface="+mn-cs"/>
               </a:rPr>
-              <a:t>It drives competitive advantage from other companies who are in telecom businesses.</a:t>
+              <a:t>Jio can earn revenues from affiliate marketing. It can earn a commission fee every time someone follows an affiliate linked placed on their AI and ML apps in jio phones.</a:t>
             </a:r>
-          </a:p>
-          <a:p>
-            <a:pPr marL="342900" marR="0" lvl="0" indent="-342900" algn="l" defTabSz="914400" rtl="0" eaLnBrk="1" fontAlgn="auto" latinLnBrk="0" hangingPunct="1">
-              <a:lnSpc>
-                <a:spcPct val="100000"/>
-              </a:lnSpc>
-              <a:spcBef>
-                <a:spcPts val="0"/>
-              </a:spcBef>
-              <a:spcAft>
-                <a:spcPts val="0"/>
-              </a:spcAft>
-              <a:buClrTx/>
-              <a:buSzTx/>
-              <a:buFont typeface="+mj-lt"/>
-              <a:buAutoNum type="arabicPeriod"/>
-              <a:tabLst/>
-              <a:defRPr/>
-            </a:pPr>
-            <a:endParaRPr kumimoji="0" lang="en-US" sz="1800" b="0" i="0" u="none" strike="noStrike" kern="1200" cap="none" spc="0" normalizeH="0" baseline="0" noProof="0" dirty="0">
-              <a:ln>
-                <a:noFill/>
-              </a:ln>
-              <a:solidFill>
-                <a:prstClr val="black"/>
-              </a:solidFill>
-              <a:effectLst/>
-              <a:uLnTx/>
-              <a:uFillTx/>
-              <a:latin typeface="Roboto Slab"/>
-              <a:ea typeface="+mn-ea"/>
-              <a:cs typeface="+mn-cs"/>
-            </a:endParaRPr>
           </a:p>
           <a:p>
             <a:pPr marL="342900" marR="0" lvl="0" indent="-342900" algn="l" defTabSz="914400" rtl="0" eaLnBrk="1" fontAlgn="auto" latinLnBrk="0" hangingPunct="1">
@@ -26776,7 +29531,7 @@
                 <a:ea typeface="+mn-ea"/>
                 <a:cs typeface="+mn-cs"/>
               </a:rPr>
-              <a:t>Added values due to cyber security enhancements also strengthens pricing options for JIO telecom.</a:t>
+              <a:t>Third party vendors can subscribes to Jio's  AI and ML apps and these vendors may provide services to their own customers based on JIO's AI and ML apps. Jio may charge service fee from both vendors and customers of their vendors who uses JIO's AI and ML framework. </a:t>
             </a:r>
           </a:p>
           <a:p>
@@ -26811,6 +29566,30 @@
               <a:ea typeface="+mn-ea"/>
               <a:cs typeface="+mn-cs"/>
             </a:endParaRPr>
+          </a:p>
+          <a:p>
+            <a:pPr marL="342900" indent="-342900">
+              <a:buFont typeface="+mj-lt"/>
+              <a:buAutoNum type="arabicPeriod"/>
+              <a:defRPr/>
+            </a:pPr>
+            <a:r>
+              <a:rPr kumimoji="0" lang="en-US" sz="1800" b="0" i="0" u="none" strike="noStrike" kern="1200" cap="none" spc="0" normalizeH="0" baseline="0" noProof="0" dirty="0">
+                <a:ln>
+                  <a:noFill/>
+                </a:ln>
+                <a:solidFill>
+                  <a:prstClr val="black"/>
+                </a:solidFill>
+                <a:effectLst/>
+                <a:uLnTx/>
+                <a:uFillTx/>
+                <a:latin typeface="Roboto Slab"/>
+                <a:ea typeface="+mn-ea"/>
+                <a:cs typeface="+mn-cs"/>
+              </a:rPr>
+              <a:t>JIO can use their own AI and ML framework to enhance Mobile commerce of their vendors and thereby increasing revenues for themself as well. JIO can do market based Analysis for their vendors using their own AI and ML framework and generate revenues from them.</a:t>
+            </a:r>
           </a:p>
           <a:p>
             <a:pPr marL="342900" marR="0" lvl="0" indent="-342900" algn="l" defTabSz="914400" rtl="0" eaLnBrk="1" fontAlgn="auto" latinLnBrk="0" hangingPunct="1">
@@ -26878,41 +29657,8 @@
                 <a:ea typeface="+mn-ea"/>
                 <a:cs typeface="+mn-cs"/>
               </a:rPr>
-              <a:t>Cyber security features add brand values and reputation of JIO mobiles leading to expanding of their avenues and their business partners.</a:t>
+              <a:t>JIO can provided services of AI AND ML based voice assistants to deliver value to their vendors and thereby increasing its own revenue collections.</a:t>
             </a:r>
-          </a:p>
-          <a:p>
-            <a:pPr marL="342900" marR="0" lvl="0" indent="-342900" algn="l" defTabSz="914400" rtl="0" eaLnBrk="1" fontAlgn="auto" latinLnBrk="0" hangingPunct="1">
-              <a:lnSpc>
-                <a:spcPct val="100000"/>
-              </a:lnSpc>
-              <a:spcBef>
-                <a:spcPts val="0"/>
-              </a:spcBef>
-              <a:spcAft>
-                <a:spcPts val="0"/>
-              </a:spcAft>
-              <a:buClrTx/>
-              <a:buSzTx/>
-              <a:buFont typeface="+mj-lt"/>
-              <a:buAutoNum type="arabicPeriod"/>
-              <a:tabLst/>
-              <a:defRPr/>
-            </a:pPr>
-            <a:endParaRPr kumimoji="0" lang="en-US" sz="1800" b="0" i="0" u="none" strike="noStrike" kern="1200" cap="none" spc="0" normalizeH="0" baseline="0" noProof="0" dirty="0">
-              <a:ln>
-                <a:noFill/>
-              </a:ln>
-              <a:solidFill>
-                <a:prstClr val="black"/>
-              </a:solidFill>
-              <a:effectLst/>
-              <a:uLnTx/>
-              <a:uFillTx/>
-              <a:latin typeface="Roboto Slab"/>
-              <a:ea typeface="+mn-ea"/>
-              <a:cs typeface="+mn-cs"/>
-            </a:endParaRPr>
           </a:p>
           <a:p>
             <a:pPr marL="342900" marR="0" lvl="0" indent="-342900" algn="l" defTabSz="914400" rtl="0" eaLnBrk="1" fontAlgn="auto" latinLnBrk="0" hangingPunct="1">
@@ -26980,7 +29726,7 @@
                 <a:ea typeface="+mn-ea"/>
                 <a:cs typeface="+mn-cs"/>
               </a:rPr>
-              <a:t>It can develop their own anti viruses, encryption based services and Biometric authentication capabilities and sell them to their own clients leading to increase in their annual revenues.</a:t>
+              <a:t>JIO can utilize market based analysis to provide better enhanced analysis of their own core customers for their mobile thereby increasing revenues from their own core businesses as well.</a:t>
             </a:r>
           </a:p>
         </p:txBody>
@@ -26988,7 +29734,7 @@
     </p:spTree>
     <p:extLst>
       <p:ext uri="{BB962C8B-B14F-4D97-AF65-F5344CB8AC3E}">
-        <p14:creationId xmlns:p14="http://schemas.microsoft.com/office/powerpoint/2010/main" val="2989532464"/>
+        <p14:creationId xmlns:p14="http://schemas.microsoft.com/office/powerpoint/2010/main" val="2414933845"/>
       </p:ext>
     </p:extLst>
   </p:cSld>
@@ -27053,8 +29799,8 @@
           <a:p>
             <a:pPr algn="l"/>
             <a:r>
-              <a:rPr lang="en-US" dirty="0"/>
-              <a:t>Existing Challenges for AI in Telecom:</a:t>
+              <a:rPr lang="en-US" sz="2800" dirty="0"/>
+              <a:t>Revenue Generation due to Cyber security in JIO:</a:t>
             </a:r>
           </a:p>
         </p:txBody>
@@ -27073,8 +29819,8 @@
         </p:nvSpPr>
         <p:spPr>
           <a:xfrm>
-            <a:off x="335979" y="1342468"/>
-            <a:ext cx="11564869" cy="5078313"/>
+            <a:off x="493634" y="1578950"/>
+            <a:ext cx="11564869" cy="4247317"/>
           </a:xfrm>
           <a:prstGeom prst="rect">
             <a:avLst/>
@@ -27092,77 +29838,422 @@
           </a:bodyPr>
           <a:lstStyle/>
           <a:p>
+            <a:pPr marL="342900" marR="0" lvl="0" indent="-342900" algn="l" defTabSz="914400" rtl="0" eaLnBrk="1" fontAlgn="auto" latinLnBrk="0" hangingPunct="1">
+              <a:lnSpc>
+                <a:spcPct val="100000"/>
+              </a:lnSpc>
+              <a:spcBef>
+                <a:spcPts val="0"/>
+              </a:spcBef>
+              <a:spcAft>
+                <a:spcPts val="0"/>
+              </a:spcAft>
+              <a:buClrTx/>
+              <a:buSzTx/>
+              <a:buFont typeface="+mj-lt"/>
+              <a:buAutoNum type="arabicPeriod"/>
+              <a:tabLst/>
+              <a:defRPr/>
+            </a:pPr>
             <a:r>
-              <a:rPr lang="en-US" b="1" dirty="0"/>
-              <a:t>Lack of Resources</a:t>
+              <a:rPr kumimoji="0" lang="en-US" sz="1800" b="0" i="0" u="none" strike="noStrike" kern="1200" cap="none" spc="0" normalizeH="0" baseline="0" noProof="0" dirty="0">
+                <a:ln>
+                  <a:noFill/>
+                </a:ln>
+                <a:solidFill>
+                  <a:prstClr val="black"/>
+                </a:solidFill>
+                <a:effectLst/>
+                <a:uLnTx/>
+                <a:uFillTx/>
+                <a:latin typeface="Roboto Slab"/>
+                <a:ea typeface="+mn-ea"/>
+                <a:cs typeface="+mn-cs"/>
+              </a:rPr>
+              <a:t>It builds trust and inspires customers confidence thereby increased revenues from their own businesses.</a:t>
             </a:r>
+          </a:p>
+          <a:p>
+            <a:pPr marL="342900" marR="0" lvl="0" indent="-342900" algn="l" defTabSz="914400" rtl="0" eaLnBrk="1" fontAlgn="auto" latinLnBrk="0" hangingPunct="1">
+              <a:lnSpc>
+                <a:spcPct val="100000"/>
+              </a:lnSpc>
+              <a:spcBef>
+                <a:spcPts val="0"/>
+              </a:spcBef>
+              <a:spcAft>
+                <a:spcPts val="0"/>
+              </a:spcAft>
+              <a:buClrTx/>
+              <a:buSzTx/>
+              <a:buFont typeface="+mj-lt"/>
+              <a:buAutoNum type="arabicPeriod"/>
+              <a:tabLst/>
+              <a:defRPr/>
+            </a:pPr>
+            <a:endParaRPr kumimoji="0" lang="en-US" sz="1800" b="0" i="0" u="none" strike="noStrike" kern="1200" cap="none" spc="0" normalizeH="0" baseline="0" noProof="0" dirty="0">
+              <a:ln>
+                <a:noFill/>
+              </a:ln>
+              <a:solidFill>
+                <a:prstClr val="black"/>
+              </a:solidFill>
+              <a:effectLst/>
+              <a:uLnTx/>
+              <a:uFillTx/>
+              <a:latin typeface="Roboto Slab"/>
+              <a:ea typeface="+mn-ea"/>
+              <a:cs typeface="+mn-cs"/>
+            </a:endParaRPr>
+          </a:p>
+          <a:p>
+            <a:pPr marL="342900" marR="0" lvl="0" indent="-342900" algn="l" defTabSz="914400" rtl="0" eaLnBrk="1" fontAlgn="auto" latinLnBrk="0" hangingPunct="1">
+              <a:lnSpc>
+                <a:spcPct val="100000"/>
+              </a:lnSpc>
+              <a:spcBef>
+                <a:spcPts val="0"/>
+              </a:spcBef>
+              <a:spcAft>
+                <a:spcPts val="0"/>
+              </a:spcAft>
+              <a:buClrTx/>
+              <a:buSzTx/>
+              <a:buFont typeface="+mj-lt"/>
+              <a:buAutoNum type="arabicPeriod"/>
+              <a:tabLst/>
+              <a:defRPr/>
+            </a:pPr>
             <a:r>
-              <a:rPr lang="en-US" dirty="0"/>
-              <a:t>: Network engineers in the telecom industry do not have the background to include the mathematical training and experience that is essential in ML and AI.</a:t>
+              <a:rPr kumimoji="0" lang="en-US" sz="1800" b="0" i="0" u="none" strike="noStrike" kern="1200" cap="none" spc="0" normalizeH="0" baseline="0" noProof="0" dirty="0">
+                <a:ln>
+                  <a:noFill/>
+                </a:ln>
+                <a:solidFill>
+                  <a:prstClr val="black"/>
+                </a:solidFill>
+                <a:effectLst/>
+                <a:uLnTx/>
+                <a:uFillTx/>
+                <a:latin typeface="Roboto Slab"/>
+                <a:ea typeface="+mn-ea"/>
+                <a:cs typeface="+mn-cs"/>
+              </a:rPr>
+              <a:t>It drives competitive advantage from other companies who are in telecom businesses.</a:t>
             </a:r>
           </a:p>
           <a:p>
-            <a:endParaRPr lang="en-US" dirty="0"/>
-          </a:p>
-          <a:p>
+            <a:pPr marL="342900" marR="0" lvl="0" indent="-342900" algn="l" defTabSz="914400" rtl="0" eaLnBrk="1" fontAlgn="auto" latinLnBrk="0" hangingPunct="1">
+              <a:lnSpc>
+                <a:spcPct val="100000"/>
+              </a:lnSpc>
+              <a:spcBef>
+                <a:spcPts val="0"/>
+              </a:spcBef>
+              <a:spcAft>
+                <a:spcPts val="0"/>
+              </a:spcAft>
+              <a:buClrTx/>
+              <a:buSzTx/>
+              <a:buFont typeface="+mj-lt"/>
+              <a:buAutoNum type="arabicPeriod"/>
+              <a:tabLst/>
+              <a:defRPr/>
+            </a:pPr>
+            <a:endParaRPr kumimoji="0" lang="en-US" sz="1800" b="0" i="0" u="none" strike="noStrike" kern="1200" cap="none" spc="0" normalizeH="0" baseline="0" noProof="0" dirty="0">
+              <a:ln>
+                <a:noFill/>
+              </a:ln>
+              <a:solidFill>
+                <a:prstClr val="black"/>
+              </a:solidFill>
+              <a:effectLst/>
+              <a:uLnTx/>
+              <a:uFillTx/>
+              <a:latin typeface="Roboto Slab"/>
+              <a:ea typeface="+mn-ea"/>
+              <a:cs typeface="+mn-cs"/>
+            </a:endParaRPr>
+          </a:p>
+          <a:p>
+            <a:pPr marL="342900" marR="0" lvl="0" indent="-342900" algn="l" defTabSz="914400" rtl="0" eaLnBrk="1" fontAlgn="auto" latinLnBrk="0" hangingPunct="1">
+              <a:lnSpc>
+                <a:spcPct val="100000"/>
+              </a:lnSpc>
+              <a:spcBef>
+                <a:spcPts val="0"/>
+              </a:spcBef>
+              <a:spcAft>
+                <a:spcPts val="0"/>
+              </a:spcAft>
+              <a:buClrTx/>
+              <a:buSzTx/>
+              <a:buFont typeface="+mj-lt"/>
+              <a:buAutoNum type="arabicPeriod"/>
+              <a:tabLst/>
+              <a:defRPr/>
+            </a:pPr>
+            <a:endParaRPr kumimoji="0" lang="en-US" sz="1800" b="0" i="0" u="none" strike="noStrike" kern="1200" cap="none" spc="0" normalizeH="0" baseline="0" noProof="0" dirty="0">
+              <a:ln>
+                <a:noFill/>
+              </a:ln>
+              <a:solidFill>
+                <a:prstClr val="black"/>
+              </a:solidFill>
+              <a:effectLst/>
+              <a:uLnTx/>
+              <a:uFillTx/>
+              <a:latin typeface="Roboto Slab"/>
+              <a:ea typeface="+mn-ea"/>
+              <a:cs typeface="+mn-cs"/>
+            </a:endParaRPr>
+          </a:p>
+          <a:p>
+            <a:pPr marL="342900" marR="0" lvl="0" indent="-342900" algn="l" defTabSz="914400" rtl="0" eaLnBrk="1" fontAlgn="auto" latinLnBrk="0" hangingPunct="1">
+              <a:lnSpc>
+                <a:spcPct val="100000"/>
+              </a:lnSpc>
+              <a:spcBef>
+                <a:spcPts val="0"/>
+              </a:spcBef>
+              <a:spcAft>
+                <a:spcPts val="0"/>
+              </a:spcAft>
+              <a:buClrTx/>
+              <a:buSzTx/>
+              <a:buFont typeface="+mj-lt"/>
+              <a:buAutoNum type="arabicPeriod"/>
+              <a:tabLst/>
+              <a:defRPr/>
+            </a:pPr>
             <a:r>
-              <a:rPr lang="en-US" b="1" dirty="0"/>
-              <a:t>Lack of Tools</a:t>
+              <a:rPr kumimoji="0" lang="en-US" sz="1800" b="0" i="0" u="none" strike="noStrike" kern="1200" cap="none" spc="0" normalizeH="0" baseline="0" noProof="0" dirty="0">
+                <a:ln>
+                  <a:noFill/>
+                </a:ln>
+                <a:solidFill>
+                  <a:prstClr val="black"/>
+                </a:solidFill>
+                <a:effectLst/>
+                <a:uLnTx/>
+                <a:uFillTx/>
+                <a:latin typeface="Roboto Slab"/>
+                <a:ea typeface="+mn-ea"/>
+                <a:cs typeface="+mn-cs"/>
+              </a:rPr>
+              <a:t>Added values due to cyber security enhancements also strengthens pricing options for JIO telecom.</a:t>
             </a:r>
+          </a:p>
+          <a:p>
+            <a:pPr marL="342900" marR="0" lvl="0" indent="-342900" algn="l" defTabSz="914400" rtl="0" eaLnBrk="1" fontAlgn="auto" latinLnBrk="0" hangingPunct="1">
+              <a:lnSpc>
+                <a:spcPct val="100000"/>
+              </a:lnSpc>
+              <a:spcBef>
+                <a:spcPts val="0"/>
+              </a:spcBef>
+              <a:spcAft>
+                <a:spcPts val="0"/>
+              </a:spcAft>
+              <a:buClrTx/>
+              <a:buSzTx/>
+              <a:buFont typeface="+mj-lt"/>
+              <a:buAutoNum type="arabicPeriod"/>
+              <a:tabLst/>
+              <a:defRPr/>
+            </a:pPr>
+            <a:endParaRPr kumimoji="0" lang="en-US" sz="1800" b="0" i="0" u="none" strike="noStrike" kern="1200" cap="none" spc="0" normalizeH="0" baseline="0" noProof="0" dirty="0">
+              <a:ln>
+                <a:noFill/>
+              </a:ln>
+              <a:solidFill>
+                <a:prstClr val="black"/>
+              </a:solidFill>
+              <a:effectLst/>
+              <a:uLnTx/>
+              <a:uFillTx/>
+              <a:latin typeface="Roboto Slab"/>
+              <a:ea typeface="+mn-ea"/>
+              <a:cs typeface="+mn-cs"/>
+            </a:endParaRPr>
+          </a:p>
+          <a:p>
+            <a:pPr marL="342900" marR="0" lvl="0" indent="-342900" algn="l" defTabSz="914400" rtl="0" eaLnBrk="1" fontAlgn="auto" latinLnBrk="0" hangingPunct="1">
+              <a:lnSpc>
+                <a:spcPct val="100000"/>
+              </a:lnSpc>
+              <a:spcBef>
+                <a:spcPts val="0"/>
+              </a:spcBef>
+              <a:spcAft>
+                <a:spcPts val="0"/>
+              </a:spcAft>
+              <a:buClrTx/>
+              <a:buSzTx/>
+              <a:buFont typeface="+mj-lt"/>
+              <a:buAutoNum type="arabicPeriod"/>
+              <a:tabLst/>
+              <a:defRPr/>
+            </a:pPr>
+            <a:endParaRPr kumimoji="0" lang="en-US" sz="1800" b="0" i="0" u="none" strike="noStrike" kern="1200" cap="none" spc="0" normalizeH="0" baseline="0" noProof="0" dirty="0">
+              <a:ln>
+                <a:noFill/>
+              </a:ln>
+              <a:solidFill>
+                <a:prstClr val="black"/>
+              </a:solidFill>
+              <a:effectLst/>
+              <a:uLnTx/>
+              <a:uFillTx/>
+              <a:latin typeface="Roboto Slab"/>
+              <a:ea typeface="+mn-ea"/>
+              <a:cs typeface="+mn-cs"/>
+            </a:endParaRPr>
+          </a:p>
+          <a:p>
+            <a:pPr marL="342900" marR="0" lvl="0" indent="-342900" algn="l" defTabSz="914400" rtl="0" eaLnBrk="1" fontAlgn="auto" latinLnBrk="0" hangingPunct="1">
+              <a:lnSpc>
+                <a:spcPct val="100000"/>
+              </a:lnSpc>
+              <a:spcBef>
+                <a:spcPts val="0"/>
+              </a:spcBef>
+              <a:spcAft>
+                <a:spcPts val="0"/>
+              </a:spcAft>
+              <a:buClrTx/>
+              <a:buSzTx/>
+              <a:buFont typeface="+mj-lt"/>
+              <a:buAutoNum type="arabicPeriod"/>
+              <a:tabLst/>
+              <a:defRPr/>
+            </a:pPr>
             <a:r>
-              <a:rPr lang="en-US" dirty="0"/>
-              <a:t>: One of the significant challenges in AI implementation is the lack of tools in the telecom sector. </a:t>
+              <a:rPr kumimoji="0" lang="en-US" sz="1800" b="0" i="0" u="none" strike="noStrike" kern="1200" cap="none" spc="0" normalizeH="0" baseline="0" noProof="0" dirty="0">
+                <a:ln>
+                  <a:noFill/>
+                </a:ln>
+                <a:solidFill>
+                  <a:prstClr val="black"/>
+                </a:solidFill>
+                <a:effectLst/>
+                <a:uLnTx/>
+                <a:uFillTx/>
+                <a:latin typeface="Roboto Slab"/>
+                <a:ea typeface="+mn-ea"/>
+                <a:cs typeface="+mn-cs"/>
+              </a:rPr>
+              <a:t>Cyber security features add brand values and reputation of JIO mobiles leading to expanding of their avenues and their business partners.</a:t>
             </a:r>
           </a:p>
           <a:p>
-            <a:endParaRPr lang="en-US" dirty="0"/>
-          </a:p>
-          <a:p>
+            <a:pPr marL="342900" marR="0" lvl="0" indent="-342900" algn="l" defTabSz="914400" rtl="0" eaLnBrk="1" fontAlgn="auto" latinLnBrk="0" hangingPunct="1">
+              <a:lnSpc>
+                <a:spcPct val="100000"/>
+              </a:lnSpc>
+              <a:spcBef>
+                <a:spcPts val="0"/>
+              </a:spcBef>
+              <a:spcAft>
+                <a:spcPts val="0"/>
+              </a:spcAft>
+              <a:buClrTx/>
+              <a:buSzTx/>
+              <a:buFont typeface="+mj-lt"/>
+              <a:buAutoNum type="arabicPeriod"/>
+              <a:tabLst/>
+              <a:defRPr/>
+            </a:pPr>
+            <a:endParaRPr kumimoji="0" lang="en-US" sz="1800" b="0" i="0" u="none" strike="noStrike" kern="1200" cap="none" spc="0" normalizeH="0" baseline="0" noProof="0" dirty="0">
+              <a:ln>
+                <a:noFill/>
+              </a:ln>
+              <a:solidFill>
+                <a:prstClr val="black"/>
+              </a:solidFill>
+              <a:effectLst/>
+              <a:uLnTx/>
+              <a:uFillTx/>
+              <a:latin typeface="Roboto Slab"/>
+              <a:ea typeface="+mn-ea"/>
+              <a:cs typeface="+mn-cs"/>
+            </a:endParaRPr>
+          </a:p>
+          <a:p>
+            <a:pPr marL="342900" marR="0" lvl="0" indent="-342900" algn="l" defTabSz="914400" rtl="0" eaLnBrk="1" fontAlgn="auto" latinLnBrk="0" hangingPunct="1">
+              <a:lnSpc>
+                <a:spcPct val="100000"/>
+              </a:lnSpc>
+              <a:spcBef>
+                <a:spcPts val="0"/>
+              </a:spcBef>
+              <a:spcAft>
+                <a:spcPts val="0"/>
+              </a:spcAft>
+              <a:buClrTx/>
+              <a:buSzTx/>
+              <a:buFont typeface="+mj-lt"/>
+              <a:buAutoNum type="arabicPeriod"/>
+              <a:tabLst/>
+              <a:defRPr/>
+            </a:pPr>
+            <a:endParaRPr kumimoji="0" lang="en-US" sz="1800" b="0" i="0" u="none" strike="noStrike" kern="1200" cap="none" spc="0" normalizeH="0" baseline="0" noProof="0" dirty="0">
+              <a:ln>
+                <a:noFill/>
+              </a:ln>
+              <a:solidFill>
+                <a:prstClr val="black"/>
+              </a:solidFill>
+              <a:effectLst/>
+              <a:uLnTx/>
+              <a:uFillTx/>
+              <a:latin typeface="Roboto Slab"/>
+              <a:ea typeface="+mn-ea"/>
+              <a:cs typeface="+mn-cs"/>
+            </a:endParaRPr>
+          </a:p>
+          <a:p>
+            <a:pPr marL="342900" marR="0" lvl="0" indent="-342900" algn="l" defTabSz="914400" rtl="0" eaLnBrk="1" fontAlgn="auto" latinLnBrk="0" hangingPunct="1">
+              <a:lnSpc>
+                <a:spcPct val="100000"/>
+              </a:lnSpc>
+              <a:spcBef>
+                <a:spcPts val="0"/>
+              </a:spcBef>
+              <a:spcAft>
+                <a:spcPts val="0"/>
+              </a:spcAft>
+              <a:buClrTx/>
+              <a:buSzTx/>
+              <a:buFont typeface="+mj-lt"/>
+              <a:buAutoNum type="arabicPeriod"/>
+              <a:tabLst/>
+              <a:defRPr/>
+            </a:pPr>
             <a:r>
-              <a:rPr lang="en-US" b="1" dirty="0"/>
-              <a:t>Network management </a:t>
+              <a:rPr kumimoji="0" lang="en-US" sz="1800" b="0" i="0" u="none" strike="noStrike" kern="1200" cap="none" spc="0" normalizeH="0" baseline="0" noProof="0" dirty="0">
+                <a:ln>
+                  <a:noFill/>
+                </a:ln>
+                <a:solidFill>
+                  <a:prstClr val="black"/>
+                </a:solidFill>
+                <a:effectLst/>
+                <a:uLnTx/>
+                <a:uFillTx/>
+                <a:latin typeface="Roboto Slab"/>
+                <a:ea typeface="+mn-ea"/>
+                <a:cs typeface="+mn-cs"/>
+              </a:rPr>
+              <a:t>It can develop their own anti viruses, encryption based services and Biometric authentication capabilities and sell them to their own clients leading to increase in their annual revenues.</a:t>
             </a:r>
-            <a:r>
-              <a:rPr lang="en-US" dirty="0"/>
-              <a:t>:Managing the complexity of AI enabled huge network is overwhelming for network technicians and require training and experience in dealing with it.</a:t>
-            </a:r>
-          </a:p>
-          <a:p>
-            <a:endParaRPr lang="en-US" dirty="0"/>
-          </a:p>
-          <a:p>
-            <a:r>
-              <a:rPr lang="en-US" dirty="0"/>
-              <a:t>The Telecom providers will still rely heavily on human expertise, especially in early stages.</a:t>
-            </a:r>
-          </a:p>
-          <a:p>
-            <a:r>
-              <a:rPr lang="en-US" dirty="0"/>
-              <a:t>The network operations team will use AI to identify potential root cause issues, but those team members won't have the AI close the loop and automate the fix. </a:t>
-            </a:r>
-          </a:p>
-          <a:p>
-            <a:endParaRPr lang="en-US" dirty="0"/>
-          </a:p>
-          <a:p>
-            <a:r>
-              <a:rPr lang="en-US" dirty="0"/>
-              <a:t>Only when the AI solution has developed a track record and the operations team has a high degree of confidence in its recommendations and ability to prescribe and act appropriately should an AI solution be used to fully automate processes. </a:t>
-            </a:r>
-          </a:p>
-          <a:p>
-            <a:endParaRPr lang="en-US" dirty="0"/>
-          </a:p>
-          <a:p>
-            <a:endParaRPr lang="en-US" dirty="0"/>
           </a:p>
         </p:txBody>
       </p:sp>
     </p:spTree>
     <p:extLst>
       <p:ext uri="{BB962C8B-B14F-4D97-AF65-F5344CB8AC3E}">
-        <p14:creationId xmlns:p14="http://schemas.microsoft.com/office/powerpoint/2010/main" val="3142917259"/>
+        <p14:creationId xmlns:p14="http://schemas.microsoft.com/office/powerpoint/2010/main" val="2989532464"/>
       </p:ext>
     </p:extLst>
   </p:cSld>
@@ -27199,16 +30290,21 @@
             <p:ph type="title"/>
           </p:nvPr>
         </p:nvSpPr>
-        <p:spPr/>
+        <p:spPr>
+          <a:xfrm>
+            <a:off x="3222894" y="461698"/>
+            <a:ext cx="8677954" cy="670055"/>
+          </a:xfrm>
+        </p:spPr>
         <p:style>
           <a:lnRef idx="1">
-            <a:schemeClr val="accent3"/>
+            <a:schemeClr val="accent1"/>
           </a:lnRef>
           <a:fillRef idx="2">
-            <a:schemeClr val="accent3"/>
+            <a:schemeClr val="accent1"/>
           </a:fillRef>
           <a:effectRef idx="1">
-            <a:schemeClr val="accent3"/>
+            <a:schemeClr val="accent1"/>
           </a:effectRef>
           <a:fontRef idx="minor">
             <a:schemeClr val="dk1"/>
@@ -27223,37 +30319,115 @@
             <a:pPr algn="l"/>
             <a:r>
               <a:rPr lang="en-US" dirty="0"/>
-              <a:t>Competition Analysis:</a:t>
+              <a:t>Existing Challenges for AI in Telecom:</a:t>
             </a:r>
           </a:p>
         </p:txBody>
       </p:sp>
-      <p:graphicFrame>
-        <p:nvGraphicFramePr>
-          <p:cNvPr id="3" name="Diagram 2"/>
-          <p:cNvGraphicFramePr/>
-          <p:nvPr>
-            <p:extLst>
-              <p:ext uri="{D42A27DB-BD31-4B8C-83A1-F6EECF244321}">
-                <p14:modId xmlns:p14="http://schemas.microsoft.com/office/powerpoint/2010/main" val="4167330471"/>
-              </p:ext>
-            </p:extLst>
-          </p:nvPr>
-        </p:nvGraphicFramePr>
-        <p:xfrm>
-          <a:off x="473841" y="1266497"/>
-          <a:ext cx="11244317" cy="5055476"/>
-        </p:xfrm>
-        <a:graphic>
-          <a:graphicData uri="http://schemas.openxmlformats.org/drawingml/2006/diagram">
-            <dgm:relIds xmlns:dgm="http://schemas.openxmlformats.org/drawingml/2006/diagram" xmlns:r="http://schemas.openxmlformats.org/officeDocument/2006/relationships" r:dm="rId2" r:lo="rId3" r:qs="rId4" r:cs="rId5"/>
-          </a:graphicData>
-        </a:graphic>
-      </p:graphicFrame>
+      <p:sp>
+        <p:nvSpPr>
+          <p:cNvPr id="5" name="TextBox 4">
+            <a:extLst>
+              <a:ext uri="{FF2B5EF4-FFF2-40B4-BE49-F238E27FC236}">
+                <a16:creationId xmlns:a16="http://schemas.microsoft.com/office/drawing/2014/main" id="{E29049D6-E62C-4B2A-BD78-D359C58D30FB}"/>
+              </a:ext>
+            </a:extLst>
+          </p:cNvPr>
+          <p:cNvSpPr txBox="1"/>
+          <p:nvPr/>
+        </p:nvSpPr>
+        <p:spPr>
+          <a:xfrm>
+            <a:off x="335979" y="1342468"/>
+            <a:ext cx="11564869" cy="5078313"/>
+          </a:xfrm>
+          <a:prstGeom prst="rect">
+            <a:avLst/>
+          </a:prstGeom>
+          <a:solidFill>
+            <a:schemeClr val="accent1">
+              <a:lumMod val="20000"/>
+              <a:lumOff val="80000"/>
+            </a:schemeClr>
+          </a:solidFill>
+        </p:spPr>
+        <p:txBody>
+          <a:bodyPr wrap="square">
+            <a:spAutoFit/>
+          </a:bodyPr>
+          <a:lstStyle/>
+          <a:p>
+            <a:r>
+              <a:rPr lang="en-US" b="1" dirty="0"/>
+              <a:t>Lack of Resources</a:t>
+            </a:r>
+            <a:r>
+              <a:rPr lang="en-US" dirty="0"/>
+              <a:t>: Network engineers in the telecom industry do not have the background to include the mathematical training and experience that is essential in ML and AI.</a:t>
+            </a:r>
+          </a:p>
+          <a:p>
+            <a:endParaRPr lang="en-US" dirty="0"/>
+          </a:p>
+          <a:p>
+            <a:r>
+              <a:rPr lang="en-US" b="1" dirty="0"/>
+              <a:t>Lack of Tools</a:t>
+            </a:r>
+            <a:r>
+              <a:rPr lang="en-US" dirty="0"/>
+              <a:t>: One of the significant challenges in AI implementation is the lack of tools in the telecom sector. </a:t>
+            </a:r>
+          </a:p>
+          <a:p>
+            <a:endParaRPr lang="en-US" dirty="0"/>
+          </a:p>
+          <a:p>
+            <a:r>
+              <a:rPr lang="en-US" b="1" dirty="0"/>
+              <a:t>Network management </a:t>
+            </a:r>
+            <a:r>
+              <a:rPr lang="en-US" dirty="0"/>
+              <a:t>:Managing the complexity of AI enabled huge network is overwhelming for network technicians and require training and experience in dealing with it.</a:t>
+            </a:r>
+          </a:p>
+          <a:p>
+            <a:endParaRPr lang="en-US" dirty="0"/>
+          </a:p>
+          <a:p>
+            <a:r>
+              <a:rPr lang="en-US" dirty="0"/>
+              <a:t>The Telecom providers will still rely heavily on human expertise, especially in early stages.</a:t>
+            </a:r>
+          </a:p>
+          <a:p>
+            <a:r>
+              <a:rPr lang="en-US" dirty="0"/>
+              <a:t>The network operations team will use AI to identify potential root cause issues, but those team members won't have the AI close the loop and automate the fix. </a:t>
+            </a:r>
+          </a:p>
+          <a:p>
+            <a:endParaRPr lang="en-US" dirty="0"/>
+          </a:p>
+          <a:p>
+            <a:r>
+              <a:rPr lang="en-US" dirty="0"/>
+              <a:t>Only when the AI solution has developed a track record and the operations team has a high degree of confidence in its recommendations and ability to prescribe and act appropriately should an AI solution be used to fully automate processes. </a:t>
+            </a:r>
+          </a:p>
+          <a:p>
+            <a:endParaRPr lang="en-US" dirty="0"/>
+          </a:p>
+          <a:p>
+            <a:endParaRPr lang="en-US" dirty="0"/>
+          </a:p>
+        </p:txBody>
+      </p:sp>
     </p:spTree>
     <p:extLst>
       <p:ext uri="{BB962C8B-B14F-4D97-AF65-F5344CB8AC3E}">
-        <p14:creationId xmlns:p14="http://schemas.microsoft.com/office/powerpoint/2010/main" val="1448724477"/>
+        <p14:creationId xmlns:p14="http://schemas.microsoft.com/office/powerpoint/2010/main" val="3142917259"/>
       </p:ext>
     </p:extLst>
   </p:cSld>
@@ -27307,6 +30481,624 @@
         </p:style>
         <p:txBody>
           <a:bodyPr>
+            <a:normAutofit/>
+          </a:bodyPr>
+          <a:lstStyle/>
+          <a:p>
+            <a:pPr algn="l"/>
+            <a:r>
+              <a:rPr lang="en-US" dirty="0"/>
+              <a:t>Competition Analysis:</a:t>
+            </a:r>
+          </a:p>
+        </p:txBody>
+      </p:sp>
+      <p:graphicFrame>
+        <p:nvGraphicFramePr>
+          <p:cNvPr id="3" name="Diagram 2"/>
+          <p:cNvGraphicFramePr/>
+          <p:nvPr>
+            <p:extLst>
+              <p:ext uri="{D42A27DB-BD31-4B8C-83A1-F6EECF244321}">
+                <p14:modId xmlns:p14="http://schemas.microsoft.com/office/powerpoint/2010/main" val="4167330471"/>
+              </p:ext>
+            </p:extLst>
+          </p:nvPr>
+        </p:nvGraphicFramePr>
+        <p:xfrm>
+          <a:off x="473841" y="1266497"/>
+          <a:ext cx="11244317" cy="5055476"/>
+        </p:xfrm>
+        <a:graphic>
+          <a:graphicData uri="http://schemas.openxmlformats.org/drawingml/2006/diagram">
+            <dgm:relIds xmlns:dgm="http://schemas.openxmlformats.org/drawingml/2006/diagram" xmlns:r="http://schemas.openxmlformats.org/officeDocument/2006/relationships" r:dm="rId2" r:lo="rId3" r:qs="rId4" r:cs="rId5"/>
+          </a:graphicData>
+        </a:graphic>
+      </p:graphicFrame>
+    </p:spTree>
+    <p:extLst>
+      <p:ext uri="{BB962C8B-B14F-4D97-AF65-F5344CB8AC3E}">
+        <p14:creationId xmlns:p14="http://schemas.microsoft.com/office/powerpoint/2010/main" val="1448724477"/>
+      </p:ext>
+    </p:extLst>
+  </p:cSld>
+  <p:clrMapOvr>
+    <a:masterClrMapping/>
+  </p:clrMapOvr>
+</p:sld>
+</file>
+
+<file path=ppt/slides/slide24.xml><?xml version="1.0" encoding="utf-8"?>
+<p:sld xmlns:a="http://schemas.openxmlformats.org/drawingml/2006/main" xmlns:r="http://schemas.openxmlformats.org/officeDocument/2006/relationships" xmlns:p="http://schemas.openxmlformats.org/presentationml/2006/main">
+  <p:cSld>
+    <p:spTree>
+      <p:nvGrpSpPr>
+        <p:cNvPr id="1" name=""/>
+        <p:cNvGrpSpPr/>
+        <p:nvPr/>
+      </p:nvGrpSpPr>
+      <p:grpSpPr>
+        <a:xfrm>
+          <a:off x="0" y="0"/>
+          <a:ext cx="0" cy="0"/>
+          <a:chOff x="0" y="0"/>
+          <a:chExt cx="0" cy="0"/>
+        </a:xfrm>
+      </p:grpSpPr>
+      <p:sp>
+        <p:nvSpPr>
+          <p:cNvPr id="2" name="Title 1"/>
+          <p:cNvSpPr>
+            <a:spLocks noGrp="1"/>
+          </p:cNvSpPr>
+          <p:nvPr>
+            <p:ph type="title"/>
+          </p:nvPr>
+        </p:nvSpPr>
+        <p:spPr/>
+        <p:style>
+          <a:lnRef idx="1">
+            <a:schemeClr val="accent3"/>
+          </a:lnRef>
+          <a:fillRef idx="2">
+            <a:schemeClr val="accent3"/>
+          </a:fillRef>
+          <a:effectRef idx="1">
+            <a:schemeClr val="accent3"/>
+          </a:effectRef>
+          <a:fontRef idx="minor">
+            <a:schemeClr val="dk1"/>
+          </a:fontRef>
+        </p:style>
+        <p:txBody>
+          <a:bodyPr>
+            <a:normAutofit/>
+          </a:bodyPr>
+          <a:lstStyle/>
+          <a:p>
+            <a:pPr algn="l"/>
+            <a:r>
+              <a:rPr lang="en-US" dirty="0"/>
+              <a:t>Competition Analysis:</a:t>
+            </a:r>
+          </a:p>
+        </p:txBody>
+      </p:sp>
+      <p:graphicFrame>
+        <p:nvGraphicFramePr>
+          <p:cNvPr id="3" name="Diagram 2"/>
+          <p:cNvGraphicFramePr/>
+          <p:nvPr>
+            <p:extLst>
+              <p:ext uri="{D42A27DB-BD31-4B8C-83A1-F6EECF244321}">
+                <p14:modId xmlns:p14="http://schemas.microsoft.com/office/powerpoint/2010/main" val="2477358423"/>
+              </p:ext>
+            </p:extLst>
+          </p:nvPr>
+        </p:nvGraphicFramePr>
+        <p:xfrm>
+          <a:off x="473841" y="1266497"/>
+          <a:ext cx="11244317" cy="5055476"/>
+        </p:xfrm>
+        <a:graphic>
+          <a:graphicData uri="http://schemas.openxmlformats.org/drawingml/2006/diagram">
+            <dgm:relIds xmlns:dgm="http://schemas.openxmlformats.org/drawingml/2006/diagram" xmlns:r="http://schemas.openxmlformats.org/officeDocument/2006/relationships" r:dm="rId2" r:lo="rId3" r:qs="rId4" r:cs="rId5"/>
+          </a:graphicData>
+        </a:graphic>
+      </p:graphicFrame>
+      <p:sp>
+        <p:nvSpPr>
+          <p:cNvPr id="4" name="TextBox 3">
+            <a:extLst>
+              <a:ext uri="{FF2B5EF4-FFF2-40B4-BE49-F238E27FC236}">
+                <a16:creationId xmlns:a16="http://schemas.microsoft.com/office/drawing/2014/main" id="{52646296-EBF0-4CCB-A0FD-AB95FD5CFBD0}"/>
+              </a:ext>
+            </a:extLst>
+          </p:cNvPr>
+          <p:cNvSpPr txBox="1"/>
+          <p:nvPr/>
+        </p:nvSpPr>
+        <p:spPr>
+          <a:xfrm>
+            <a:off x="930166" y="1702676"/>
+            <a:ext cx="3736427" cy="584775"/>
+          </a:xfrm>
+          <a:prstGeom prst="rect">
+            <a:avLst/>
+          </a:prstGeom>
+          <a:solidFill>
+            <a:schemeClr val="accent4">
+              <a:lumMod val="75000"/>
+            </a:schemeClr>
+          </a:solidFill>
+        </p:spPr>
+        <p:txBody>
+          <a:bodyPr wrap="square" rtlCol="0">
+            <a:spAutoFit/>
+          </a:bodyPr>
+          <a:lstStyle/>
+          <a:p>
+            <a:pPr algn="ctr"/>
+            <a:r>
+              <a:rPr lang="en-US" sz="3200" dirty="0"/>
+              <a:t>Concern</a:t>
+            </a:r>
+          </a:p>
+        </p:txBody>
+      </p:sp>
+      <p:cxnSp>
+        <p:nvCxnSpPr>
+          <p:cNvPr id="6" name="Straight Connector 5">
+            <a:extLst>
+              <a:ext uri="{FF2B5EF4-FFF2-40B4-BE49-F238E27FC236}">
+                <a16:creationId xmlns:a16="http://schemas.microsoft.com/office/drawing/2014/main" id="{42120B47-68C7-4974-9DB1-88E48EF84FDF}"/>
+              </a:ext>
+            </a:extLst>
+          </p:cNvPr>
+          <p:cNvCxnSpPr/>
+          <p:nvPr/>
+        </p:nvCxnSpPr>
+        <p:spPr>
+          <a:xfrm>
+            <a:off x="5896303" y="1266497"/>
+            <a:ext cx="0" cy="4913586"/>
+          </a:xfrm>
+          <a:prstGeom prst="line">
+            <a:avLst/>
+          </a:prstGeom>
+        </p:spPr>
+        <p:style>
+          <a:lnRef idx="1">
+            <a:schemeClr val="dk1"/>
+          </a:lnRef>
+          <a:fillRef idx="0">
+            <a:schemeClr val="dk1"/>
+          </a:fillRef>
+          <a:effectRef idx="0">
+            <a:schemeClr val="dk1"/>
+          </a:effectRef>
+          <a:fontRef idx="minor">
+            <a:schemeClr val="tx1"/>
+          </a:fontRef>
+        </p:style>
+      </p:cxnSp>
+      <p:sp>
+        <p:nvSpPr>
+          <p:cNvPr id="7" name="TextBox 6">
+            <a:extLst>
+              <a:ext uri="{FF2B5EF4-FFF2-40B4-BE49-F238E27FC236}">
+                <a16:creationId xmlns:a16="http://schemas.microsoft.com/office/drawing/2014/main" id="{36EFA01A-AFA0-46A0-91A1-BD5B751F6142}"/>
+              </a:ext>
+            </a:extLst>
+          </p:cNvPr>
+          <p:cNvSpPr txBox="1"/>
+          <p:nvPr/>
+        </p:nvSpPr>
+        <p:spPr>
+          <a:xfrm>
+            <a:off x="6490137" y="1610720"/>
+            <a:ext cx="4514193" cy="584775"/>
+          </a:xfrm>
+          <a:prstGeom prst="rect">
+            <a:avLst/>
+          </a:prstGeom>
+          <a:solidFill>
+            <a:schemeClr val="accent4">
+              <a:lumMod val="75000"/>
+            </a:schemeClr>
+          </a:solidFill>
+        </p:spPr>
+        <p:txBody>
+          <a:bodyPr wrap="square" rtlCol="0">
+            <a:spAutoFit/>
+          </a:bodyPr>
+          <a:lstStyle/>
+          <a:p>
+            <a:pPr algn="ctr"/>
+            <a:r>
+              <a:rPr lang="en-US" sz="3200" dirty="0"/>
+              <a:t>Response</a:t>
+            </a:r>
+          </a:p>
+        </p:txBody>
+      </p:sp>
+      <p:sp>
+        <p:nvSpPr>
+          <p:cNvPr id="8" name="TextBox 7">
+            <a:extLst>
+              <a:ext uri="{FF2B5EF4-FFF2-40B4-BE49-F238E27FC236}">
+                <a16:creationId xmlns:a16="http://schemas.microsoft.com/office/drawing/2014/main" id="{48DBC401-E6BE-498B-BDF0-73688EF7C157}"/>
+              </a:ext>
+            </a:extLst>
+          </p:cNvPr>
+          <p:cNvSpPr txBox="1"/>
+          <p:nvPr/>
+        </p:nvSpPr>
+        <p:spPr>
+          <a:xfrm>
+            <a:off x="677917" y="2427890"/>
+            <a:ext cx="4603528" cy="646331"/>
+          </a:xfrm>
+          <a:prstGeom prst="rect">
+            <a:avLst/>
+          </a:prstGeom>
+          <a:solidFill>
+            <a:schemeClr val="accent1">
+              <a:lumMod val="60000"/>
+              <a:lumOff val="40000"/>
+            </a:schemeClr>
+          </a:solidFill>
+        </p:spPr>
+        <p:txBody>
+          <a:bodyPr wrap="square" rtlCol="0">
+            <a:spAutoFit/>
+          </a:bodyPr>
+          <a:lstStyle/>
+          <a:p>
+            <a:r>
+              <a:rPr lang="en-US" dirty="0"/>
+              <a:t>Large companies will leverage ability to provide at lower prices.</a:t>
+            </a:r>
+          </a:p>
+        </p:txBody>
+      </p:sp>
+      <p:sp>
+        <p:nvSpPr>
+          <p:cNvPr id="9" name="TextBox 8">
+            <a:extLst>
+              <a:ext uri="{FF2B5EF4-FFF2-40B4-BE49-F238E27FC236}">
+                <a16:creationId xmlns:a16="http://schemas.microsoft.com/office/drawing/2014/main" id="{94F8B530-9FEB-4318-A45F-E1007BB07AE0}"/>
+              </a:ext>
+            </a:extLst>
+          </p:cNvPr>
+          <p:cNvSpPr txBox="1"/>
+          <p:nvPr/>
+        </p:nvSpPr>
+        <p:spPr>
+          <a:xfrm>
+            <a:off x="6096000" y="2427890"/>
+            <a:ext cx="5418083" cy="646331"/>
+          </a:xfrm>
+          <a:prstGeom prst="rect">
+            <a:avLst/>
+          </a:prstGeom>
+          <a:solidFill>
+            <a:schemeClr val="accent1">
+              <a:lumMod val="60000"/>
+              <a:lumOff val="40000"/>
+            </a:schemeClr>
+          </a:solidFill>
+        </p:spPr>
+        <p:txBody>
+          <a:bodyPr wrap="square" rtlCol="0">
+            <a:spAutoFit/>
+          </a:bodyPr>
+          <a:lstStyle/>
+          <a:p>
+            <a:r>
+              <a:rPr lang="en-US" dirty="0"/>
+              <a:t>Jio has a very loyal and unique target audience and has the first mover advantage.</a:t>
+            </a:r>
+          </a:p>
+        </p:txBody>
+      </p:sp>
+      <p:sp>
+        <p:nvSpPr>
+          <p:cNvPr id="10" name="TextBox 9">
+            <a:extLst>
+              <a:ext uri="{FF2B5EF4-FFF2-40B4-BE49-F238E27FC236}">
+                <a16:creationId xmlns:a16="http://schemas.microsoft.com/office/drawing/2014/main" id="{C80A0E3A-DB18-4550-9808-4EC15A5DE812}"/>
+              </a:ext>
+            </a:extLst>
+          </p:cNvPr>
+          <p:cNvSpPr txBox="1"/>
+          <p:nvPr/>
+        </p:nvSpPr>
+        <p:spPr>
+          <a:xfrm>
+            <a:off x="677916" y="3522767"/>
+            <a:ext cx="4603528" cy="646331"/>
+          </a:xfrm>
+          <a:prstGeom prst="rect">
+            <a:avLst/>
+          </a:prstGeom>
+          <a:solidFill>
+            <a:schemeClr val="accent1">
+              <a:lumMod val="60000"/>
+              <a:lumOff val="40000"/>
+            </a:schemeClr>
+          </a:solidFill>
+        </p:spPr>
+        <p:txBody>
+          <a:bodyPr wrap="square" rtlCol="0">
+            <a:spAutoFit/>
+          </a:bodyPr>
+          <a:lstStyle/>
+          <a:p>
+            <a:r>
+              <a:rPr lang="en-US" dirty="0"/>
+              <a:t>Consumer concerns over security on a newly introduced platform.</a:t>
+            </a:r>
+          </a:p>
+        </p:txBody>
+      </p:sp>
+      <p:sp>
+        <p:nvSpPr>
+          <p:cNvPr id="11" name="TextBox 10">
+            <a:extLst>
+              <a:ext uri="{FF2B5EF4-FFF2-40B4-BE49-F238E27FC236}">
+                <a16:creationId xmlns:a16="http://schemas.microsoft.com/office/drawing/2014/main" id="{D96BD09F-20A1-4E87-91CA-714FCEBB513A}"/>
+              </a:ext>
+            </a:extLst>
+          </p:cNvPr>
+          <p:cNvSpPr txBox="1"/>
+          <p:nvPr/>
+        </p:nvSpPr>
+        <p:spPr>
+          <a:xfrm>
+            <a:off x="6096000" y="3429000"/>
+            <a:ext cx="5065985" cy="923330"/>
+          </a:xfrm>
+          <a:prstGeom prst="rect">
+            <a:avLst/>
+          </a:prstGeom>
+          <a:solidFill>
+            <a:schemeClr val="accent1">
+              <a:lumMod val="60000"/>
+              <a:lumOff val="40000"/>
+            </a:schemeClr>
+          </a:solidFill>
+        </p:spPr>
+        <p:txBody>
+          <a:bodyPr wrap="square" rtlCol="0">
+            <a:spAutoFit/>
+          </a:bodyPr>
+          <a:lstStyle/>
+          <a:p>
+            <a:r>
+              <a:rPr lang="en-US" dirty="0"/>
+              <a:t>Third party vendors verifies service and secure server makes security claims unfounded.</a:t>
+            </a:r>
+          </a:p>
+        </p:txBody>
+      </p:sp>
+      <p:sp>
+        <p:nvSpPr>
+          <p:cNvPr id="12" name="TextBox 11">
+            <a:extLst>
+              <a:ext uri="{FF2B5EF4-FFF2-40B4-BE49-F238E27FC236}">
+                <a16:creationId xmlns:a16="http://schemas.microsoft.com/office/drawing/2014/main" id="{F7847517-3330-4D8B-8BDD-EF7BA19629B9}"/>
+              </a:ext>
+            </a:extLst>
+          </p:cNvPr>
+          <p:cNvSpPr txBox="1"/>
+          <p:nvPr/>
+        </p:nvSpPr>
+        <p:spPr>
+          <a:xfrm>
+            <a:off x="677916" y="4555406"/>
+            <a:ext cx="4603525" cy="369332"/>
+          </a:xfrm>
+          <a:prstGeom prst="rect">
+            <a:avLst/>
+          </a:prstGeom>
+          <a:solidFill>
+            <a:schemeClr val="accent1">
+              <a:lumMod val="60000"/>
+              <a:lumOff val="40000"/>
+            </a:schemeClr>
+          </a:solidFill>
+        </p:spPr>
+        <p:txBody>
+          <a:bodyPr wrap="square" rtlCol="0">
+            <a:spAutoFit/>
+          </a:bodyPr>
+          <a:lstStyle/>
+          <a:p>
+            <a:r>
+              <a:rPr lang="en-US" dirty="0"/>
+              <a:t>Jio will face execution risks.</a:t>
+            </a:r>
+          </a:p>
+        </p:txBody>
+      </p:sp>
+      <p:sp>
+        <p:nvSpPr>
+          <p:cNvPr id="13" name="TextBox 12">
+            <a:extLst>
+              <a:ext uri="{FF2B5EF4-FFF2-40B4-BE49-F238E27FC236}">
+                <a16:creationId xmlns:a16="http://schemas.microsoft.com/office/drawing/2014/main" id="{C8A36F75-0EF2-4CCE-B375-0F93A4977072}"/>
+              </a:ext>
+            </a:extLst>
+          </p:cNvPr>
+          <p:cNvSpPr txBox="1"/>
+          <p:nvPr/>
+        </p:nvSpPr>
+        <p:spPr>
+          <a:xfrm>
+            <a:off x="6096000" y="4430110"/>
+            <a:ext cx="4939862" cy="646331"/>
+          </a:xfrm>
+          <a:prstGeom prst="rect">
+            <a:avLst/>
+          </a:prstGeom>
+          <a:solidFill>
+            <a:schemeClr val="accent1">
+              <a:lumMod val="60000"/>
+              <a:lumOff val="40000"/>
+            </a:schemeClr>
+          </a:solidFill>
+        </p:spPr>
+        <p:txBody>
+          <a:bodyPr wrap="square" rtlCol="0">
+            <a:spAutoFit/>
+          </a:bodyPr>
+          <a:lstStyle/>
+          <a:p>
+            <a:r>
+              <a:rPr lang="en-US" dirty="0"/>
+              <a:t>JIO has successfully run and experienced management team.</a:t>
+            </a:r>
+          </a:p>
+        </p:txBody>
+      </p:sp>
+      <p:sp>
+        <p:nvSpPr>
+          <p:cNvPr id="14" name="TextBox 13">
+            <a:extLst>
+              <a:ext uri="{FF2B5EF4-FFF2-40B4-BE49-F238E27FC236}">
+                <a16:creationId xmlns:a16="http://schemas.microsoft.com/office/drawing/2014/main" id="{0272B5CB-6A46-4FAC-9C97-CB272878D5DA}"/>
+              </a:ext>
+            </a:extLst>
+          </p:cNvPr>
+          <p:cNvSpPr txBox="1"/>
+          <p:nvPr/>
+        </p:nvSpPr>
+        <p:spPr>
+          <a:xfrm>
+            <a:off x="677916" y="5373284"/>
+            <a:ext cx="4603521" cy="369332"/>
+          </a:xfrm>
+          <a:prstGeom prst="rect">
+            <a:avLst/>
+          </a:prstGeom>
+          <a:solidFill>
+            <a:schemeClr val="accent1">
+              <a:lumMod val="60000"/>
+              <a:lumOff val="40000"/>
+            </a:schemeClr>
+          </a:solidFill>
+        </p:spPr>
+        <p:txBody>
+          <a:bodyPr wrap="square" rtlCol="0">
+            <a:spAutoFit/>
+          </a:bodyPr>
+          <a:lstStyle/>
+          <a:p>
+            <a:r>
+              <a:rPr lang="en-US" dirty="0"/>
+              <a:t>No defining industry standard</a:t>
+            </a:r>
+          </a:p>
+        </p:txBody>
+      </p:sp>
+      <p:sp>
+        <p:nvSpPr>
+          <p:cNvPr id="15" name="TextBox 14">
+            <a:extLst>
+              <a:ext uri="{FF2B5EF4-FFF2-40B4-BE49-F238E27FC236}">
+                <a16:creationId xmlns:a16="http://schemas.microsoft.com/office/drawing/2014/main" id="{BF64D3B6-10AB-4D1F-B9C7-6494C01F6B62}"/>
+              </a:ext>
+            </a:extLst>
+          </p:cNvPr>
+          <p:cNvSpPr txBox="1"/>
+          <p:nvPr/>
+        </p:nvSpPr>
+        <p:spPr>
+          <a:xfrm>
+            <a:off x="6096000" y="5281448"/>
+            <a:ext cx="5302469" cy="646331"/>
+          </a:xfrm>
+          <a:prstGeom prst="rect">
+            <a:avLst/>
+          </a:prstGeom>
+          <a:solidFill>
+            <a:schemeClr val="accent1">
+              <a:lumMod val="60000"/>
+              <a:lumOff val="40000"/>
+            </a:schemeClr>
+          </a:solidFill>
+        </p:spPr>
+        <p:txBody>
+          <a:bodyPr wrap="square" rtlCol="0">
+            <a:spAutoFit/>
+          </a:bodyPr>
+          <a:lstStyle/>
+          <a:p>
+            <a:r>
+              <a:rPr lang="en-US" dirty="0"/>
+              <a:t>flexibility of the industry promotes innovation. A standard will soon be reached.</a:t>
+            </a:r>
+          </a:p>
+        </p:txBody>
+      </p:sp>
+    </p:spTree>
+    <p:extLst>
+      <p:ext uri="{BB962C8B-B14F-4D97-AF65-F5344CB8AC3E}">
+        <p14:creationId xmlns:p14="http://schemas.microsoft.com/office/powerpoint/2010/main" val="2372344105"/>
+      </p:ext>
+    </p:extLst>
+  </p:cSld>
+  <p:clrMapOvr>
+    <a:masterClrMapping/>
+  </p:clrMapOvr>
+</p:sld>
+</file>
+
+<file path=ppt/slides/slide25.xml><?xml version="1.0" encoding="utf-8"?>
+<p:sld xmlns:a="http://schemas.openxmlformats.org/drawingml/2006/main" xmlns:r="http://schemas.openxmlformats.org/officeDocument/2006/relationships" xmlns:p="http://schemas.openxmlformats.org/presentationml/2006/main">
+  <p:cSld>
+    <p:spTree>
+      <p:nvGrpSpPr>
+        <p:cNvPr id="1" name=""/>
+        <p:cNvGrpSpPr/>
+        <p:nvPr/>
+      </p:nvGrpSpPr>
+      <p:grpSpPr>
+        <a:xfrm>
+          <a:off x="0" y="0"/>
+          <a:ext cx="0" cy="0"/>
+          <a:chOff x="0" y="0"/>
+          <a:chExt cx="0" cy="0"/>
+        </a:xfrm>
+      </p:grpSpPr>
+      <p:sp>
+        <p:nvSpPr>
+          <p:cNvPr id="2" name="Title 1"/>
+          <p:cNvSpPr>
+            <a:spLocks noGrp="1"/>
+          </p:cNvSpPr>
+          <p:nvPr>
+            <p:ph type="title"/>
+          </p:nvPr>
+        </p:nvSpPr>
+        <p:spPr/>
+        <p:style>
+          <a:lnRef idx="1">
+            <a:schemeClr val="accent3"/>
+          </a:lnRef>
+          <a:fillRef idx="2">
+            <a:schemeClr val="accent3"/>
+          </a:fillRef>
+          <a:effectRef idx="1">
+            <a:schemeClr val="accent3"/>
+          </a:effectRef>
+          <a:fontRef idx="minor">
+            <a:schemeClr val="dk1"/>
+          </a:fontRef>
+        </p:style>
+        <p:txBody>
+          <a:bodyPr>
             <a:normAutofit fontScale="90000"/>
           </a:bodyPr>
           <a:lstStyle/>
@@ -27508,7 +31300,7 @@
 </p:sld>
 </file>
 
-<file path=ppt/slides/slide24.xml><?xml version="1.0" encoding="utf-8"?>
+<file path=ppt/slides/slide26.xml><?xml version="1.0" encoding="utf-8"?>
 <p:sld xmlns:a="http://schemas.openxmlformats.org/drawingml/2006/main" xmlns:r="http://schemas.openxmlformats.org/officeDocument/2006/relationships" xmlns:p="http://schemas.openxmlformats.org/presentationml/2006/main">
   <p:cSld>
     <p:bg>
@@ -28512,7 +32304,7 @@
 </p:sld>
 </file>
 
-<file path=ppt/slides/slide25.xml><?xml version="1.0" encoding="utf-8"?>
+<file path=ppt/slides/slide27.xml><?xml version="1.0" encoding="utf-8"?>
 <p:sld xmlns:a="http://schemas.openxmlformats.org/drawingml/2006/main" xmlns:r="http://schemas.openxmlformats.org/officeDocument/2006/relationships" xmlns:p="http://schemas.openxmlformats.org/presentationml/2006/main">
   <p:cSld>
     <p:spTree>
@@ -28672,405 +32464,6 @@
 </p:sld>
 </file>
 
-<file path=ppt/slides/slide26.xml><?xml version="1.0" encoding="utf-8"?>
-<p:sld xmlns:a="http://schemas.openxmlformats.org/drawingml/2006/main" xmlns:r="http://schemas.openxmlformats.org/officeDocument/2006/relationships" xmlns:p="http://schemas.openxmlformats.org/presentationml/2006/main">
-  <p:cSld>
-    <p:spTree>
-      <p:nvGrpSpPr>
-        <p:cNvPr id="1" name=""/>
-        <p:cNvGrpSpPr/>
-        <p:nvPr/>
-      </p:nvGrpSpPr>
-      <p:grpSpPr>
-        <a:xfrm>
-          <a:off x="0" y="0"/>
-          <a:ext cx="0" cy="0"/>
-          <a:chOff x="0" y="0"/>
-          <a:chExt cx="0" cy="0"/>
-        </a:xfrm>
-      </p:grpSpPr>
-      <p:sp>
-        <p:nvSpPr>
-          <p:cNvPr id="2" name="Title 1"/>
-          <p:cNvSpPr>
-            <a:spLocks noGrp="1"/>
-          </p:cNvSpPr>
-          <p:nvPr>
-            <p:ph type="title"/>
-          </p:nvPr>
-        </p:nvSpPr>
-        <p:spPr/>
-        <p:style>
-          <a:lnRef idx="1">
-            <a:schemeClr val="accent1"/>
-          </a:lnRef>
-          <a:fillRef idx="2">
-            <a:schemeClr val="accent1"/>
-          </a:fillRef>
-          <a:effectRef idx="1">
-            <a:schemeClr val="accent1"/>
-          </a:effectRef>
-          <a:fontRef idx="minor">
-            <a:schemeClr val="dk1"/>
-          </a:fontRef>
-        </p:style>
-        <p:txBody>
-          <a:bodyPr>
-            <a:normAutofit/>
-          </a:bodyPr>
-          <a:lstStyle/>
-          <a:p>
-            <a:pPr algn="l"/>
-            <a:r>
-              <a:rPr lang="en-US" sz="2800" dirty="0"/>
-              <a:t>Customer Acquisition plans of Jio Telecom</a:t>
-            </a:r>
-          </a:p>
-        </p:txBody>
-      </p:sp>
-      <p:sp>
-        <p:nvSpPr>
-          <p:cNvPr id="4" name="Rectangle 3"/>
-          <p:cNvSpPr/>
-          <p:nvPr/>
-        </p:nvSpPr>
-        <p:spPr>
-          <a:xfrm>
-            <a:off x="382137" y="1442661"/>
-            <a:ext cx="11341290" cy="3693319"/>
-          </a:xfrm>
-          <a:prstGeom prst="rect">
-            <a:avLst/>
-          </a:prstGeom>
-          <a:solidFill>
-            <a:schemeClr val="accent1">
-              <a:lumMod val="20000"/>
-              <a:lumOff val="80000"/>
-            </a:schemeClr>
-          </a:solidFill>
-        </p:spPr>
-        <p:txBody>
-          <a:bodyPr wrap="square">
-            <a:spAutoFit/>
-          </a:bodyPr>
-          <a:lstStyle/>
-          <a:p>
-            <a:r>
-              <a:rPr lang="en-US" b="1" dirty="0">
-                <a:solidFill>
-                  <a:srgbClr val="222222"/>
-                </a:solidFill>
-                <a:latin typeface="Roboto Slab" panose="020B0604020202020204" charset="0"/>
-                <a:ea typeface="Roboto Slab" panose="020B0604020202020204" charset="0"/>
-              </a:rPr>
-              <a:t>Target Audience of Jio Telecom:</a:t>
-            </a:r>
-          </a:p>
-          <a:p>
-            <a:r>
-              <a:rPr lang="en-US" dirty="0">
-                <a:latin typeface="Roboto Slab" panose="020B0604020202020204" charset="0"/>
-                <a:ea typeface="Roboto Slab" panose="020B0604020202020204" charset="0"/>
-                <a:cs typeface="Arial" pitchFamily="34" charset="0"/>
-              </a:rPr>
-              <a:t>Jio’s target of having 100 million subscribers in 100 days after its launch speaks volumes of their </a:t>
-            </a:r>
-          </a:p>
-          <a:p>
-            <a:r>
-              <a:rPr lang="en-US" dirty="0">
-                <a:latin typeface="Roboto Slab" panose="020B0604020202020204" charset="0"/>
-                <a:ea typeface="Roboto Slab" panose="020B0604020202020204" charset="0"/>
-                <a:cs typeface="Arial" pitchFamily="34" charset="0"/>
-              </a:rPr>
-              <a:t>marketing strategy. Currently, the company’s revenue is around 1.6 billion dollars approximately.</a:t>
-            </a:r>
-          </a:p>
-          <a:p>
-            <a:endParaRPr lang="en-US" dirty="0">
-              <a:latin typeface="Roboto Slab" panose="020B0604020202020204" charset="0"/>
-              <a:ea typeface="Roboto Slab" panose="020B0604020202020204" charset="0"/>
-              <a:cs typeface="Arial" pitchFamily="34" charset="0"/>
-            </a:endParaRPr>
-          </a:p>
-          <a:p>
-            <a:pPr marL="457200" indent="-457200">
-              <a:buFont typeface="+mj-lt"/>
-              <a:buAutoNum type="arabicPeriod"/>
-            </a:pPr>
-            <a:r>
-              <a:rPr lang="en-US" dirty="0">
-                <a:latin typeface="Roboto Slab" panose="020B0604020202020204" charset="0"/>
-                <a:ea typeface="Roboto Slab" panose="020B0604020202020204" charset="0"/>
-                <a:cs typeface="Arial" pitchFamily="34" charset="0"/>
-              </a:rPr>
-              <a:t>Jio paid interest in providing the best and cheapest Internet data services, so their target audience became the one’s having Smartphone, looking for high-speed internet connection. </a:t>
-            </a:r>
-          </a:p>
-          <a:p>
-            <a:pPr marL="457200" indent="-457200">
-              <a:buFont typeface="+mj-lt"/>
-              <a:buAutoNum type="arabicPeriod"/>
-            </a:pPr>
-            <a:endParaRPr lang="en-US" dirty="0">
-              <a:latin typeface="Roboto Slab" panose="020B0604020202020204" charset="0"/>
-              <a:ea typeface="Roboto Slab" panose="020B0604020202020204" charset="0"/>
-              <a:cs typeface="Arial" pitchFamily="34" charset="0"/>
-            </a:endParaRPr>
-          </a:p>
-          <a:p>
-            <a:pPr marL="457200" indent="-457200">
-              <a:buFont typeface="+mj-lt"/>
-              <a:buAutoNum type="arabicPeriod"/>
-            </a:pPr>
-            <a:r>
-              <a:rPr lang="en-US" dirty="0">
-                <a:latin typeface="Roboto Slab" panose="020B0604020202020204" charset="0"/>
-                <a:ea typeface="Roboto Slab" panose="020B0604020202020204" charset="0"/>
-                <a:cs typeface="Arial" pitchFamily="34" charset="0"/>
-              </a:rPr>
-              <a:t>Not only is Jio targeting people using smartphones but also the industries which require the use of digital technology. Bridging gap between customer merchants and the final consumer.</a:t>
-            </a:r>
-          </a:p>
-          <a:p>
-            <a:pPr marL="457200" indent="-457200">
-              <a:buFont typeface="+mj-lt"/>
-              <a:buAutoNum type="arabicPeriod"/>
-            </a:pPr>
-            <a:endParaRPr lang="en-US" dirty="0">
-              <a:latin typeface="Roboto Slab" panose="020B0604020202020204" charset="0"/>
-              <a:ea typeface="Roboto Slab" panose="020B0604020202020204" charset="0"/>
-              <a:cs typeface="Arial" pitchFamily="34" charset="0"/>
-            </a:endParaRPr>
-          </a:p>
-          <a:p>
-            <a:pPr marL="457200" indent="-457200">
-              <a:buFont typeface="+mj-lt"/>
-              <a:buAutoNum type="arabicPeriod"/>
-            </a:pPr>
-            <a:r>
-              <a:rPr lang="en-US" dirty="0">
-                <a:latin typeface="Roboto Slab" panose="020B0604020202020204" charset="0"/>
-                <a:ea typeface="Roboto Slab" panose="020B0604020202020204" charset="0"/>
-                <a:cs typeface="Arial" pitchFamily="34" charset="0"/>
-              </a:rPr>
-              <a:t>Jio’s plan is uniquely devised to capture any industry which requires the use of technology including AI,IOT and voice automation. Some specific industries include Education, Healthcare, Media and payment channels.</a:t>
-            </a:r>
-          </a:p>
-        </p:txBody>
-      </p:sp>
-    </p:spTree>
-    <p:extLst>
-      <p:ext uri="{BB962C8B-B14F-4D97-AF65-F5344CB8AC3E}">
-        <p14:creationId xmlns:p14="http://schemas.microsoft.com/office/powerpoint/2010/main" val="1923249020"/>
-      </p:ext>
-    </p:extLst>
-  </p:cSld>
-  <p:clrMapOvr>
-    <a:masterClrMapping/>
-  </p:clrMapOvr>
-</p:sld>
-</file>
-
-<file path=ppt/slides/slide27.xml><?xml version="1.0" encoding="utf-8"?>
-<p:sld xmlns:a="http://schemas.openxmlformats.org/drawingml/2006/main" xmlns:r="http://schemas.openxmlformats.org/officeDocument/2006/relationships" xmlns:p="http://schemas.openxmlformats.org/presentationml/2006/main">
-  <p:cSld>
-    <p:spTree>
-      <p:nvGrpSpPr>
-        <p:cNvPr id="1" name=""/>
-        <p:cNvGrpSpPr/>
-        <p:nvPr/>
-      </p:nvGrpSpPr>
-      <p:grpSpPr>
-        <a:xfrm>
-          <a:off x="0" y="0"/>
-          <a:ext cx="0" cy="0"/>
-          <a:chOff x="0" y="0"/>
-          <a:chExt cx="0" cy="0"/>
-        </a:xfrm>
-      </p:grpSpPr>
-      <p:sp>
-        <p:nvSpPr>
-          <p:cNvPr id="2" name="Title 1"/>
-          <p:cNvSpPr>
-            <a:spLocks noGrp="1"/>
-          </p:cNvSpPr>
-          <p:nvPr>
-            <p:ph type="title"/>
-          </p:nvPr>
-        </p:nvSpPr>
-        <p:spPr/>
-        <p:style>
-          <a:lnRef idx="1">
-            <a:schemeClr val="accent1"/>
-          </a:lnRef>
-          <a:fillRef idx="2">
-            <a:schemeClr val="accent1"/>
-          </a:fillRef>
-          <a:effectRef idx="1">
-            <a:schemeClr val="accent1"/>
-          </a:effectRef>
-          <a:fontRef idx="minor">
-            <a:schemeClr val="dk1"/>
-          </a:fontRef>
-        </p:style>
-        <p:txBody>
-          <a:bodyPr>
-            <a:normAutofit/>
-          </a:bodyPr>
-          <a:lstStyle/>
-          <a:p>
-            <a:pPr algn="l"/>
-            <a:r>
-              <a:rPr lang="en-US" sz="2800" dirty="0"/>
-              <a:t>Customer Acquisition plans of Jio Telecom</a:t>
-            </a:r>
-          </a:p>
-        </p:txBody>
-      </p:sp>
-      <p:sp>
-        <p:nvSpPr>
-          <p:cNvPr id="3" name="Rectangle 2"/>
-          <p:cNvSpPr/>
-          <p:nvPr/>
-        </p:nvSpPr>
-        <p:spPr>
-          <a:xfrm>
-            <a:off x="682387" y="1443841"/>
-            <a:ext cx="10440537" cy="3693319"/>
-          </a:xfrm>
-          <a:prstGeom prst="rect">
-            <a:avLst/>
-          </a:prstGeom>
-          <a:solidFill>
-            <a:schemeClr val="accent1">
-              <a:lumMod val="20000"/>
-              <a:lumOff val="80000"/>
-            </a:schemeClr>
-          </a:solidFill>
-        </p:spPr>
-        <p:txBody>
-          <a:bodyPr wrap="square">
-            <a:spAutoFit/>
-          </a:bodyPr>
-          <a:lstStyle/>
-          <a:p>
-            <a:r>
-              <a:rPr lang="en-US" b="1" dirty="0"/>
-              <a:t>Selling point:</a:t>
-            </a:r>
-          </a:p>
-          <a:p>
-            <a:pPr marL="457200" indent="-457200">
-              <a:buFont typeface="+mj-lt"/>
-              <a:buAutoNum type="arabicPeriod"/>
-            </a:pPr>
-            <a:r>
-              <a:rPr lang="en-US" dirty="0">
-                <a:cs typeface="Arial" pitchFamily="34" charset="0"/>
-              </a:rPr>
-              <a:t>free services to it’s customers in the beginning, bundled with a variety of services which allowed for On-demand streaming of movies, TV and music.</a:t>
-            </a:r>
-          </a:p>
-          <a:p>
-            <a:pPr marL="457200" indent="-457200">
-              <a:buFont typeface="+mj-lt"/>
-              <a:buAutoNum type="arabicPeriod"/>
-            </a:pPr>
-            <a:endParaRPr lang="en-US" dirty="0">
-              <a:cs typeface="Arial" pitchFamily="34" charset="0"/>
-            </a:endParaRPr>
-          </a:p>
-          <a:p>
-            <a:pPr marL="457200" indent="-457200">
-              <a:buFont typeface="+mj-lt"/>
-              <a:buAutoNum type="arabicPeriod"/>
-            </a:pPr>
-            <a:r>
-              <a:rPr lang="en-US" dirty="0">
-                <a:cs typeface="Arial" pitchFamily="34" charset="0"/>
-              </a:rPr>
-              <a:t>Easy Activation –Easy processing with e-KYC, home delivery and quick activation.</a:t>
-            </a:r>
-          </a:p>
-          <a:p>
-            <a:pPr marL="457200" indent="-457200">
-              <a:buFont typeface="+mj-lt"/>
-              <a:buAutoNum type="arabicPeriod"/>
-            </a:pPr>
-            <a:endParaRPr lang="en-US" dirty="0">
-              <a:cs typeface="Arial" pitchFamily="34" charset="0"/>
-            </a:endParaRPr>
-          </a:p>
-          <a:p>
-            <a:pPr marL="457200" indent="-457200">
-              <a:buFont typeface="+mj-lt"/>
-              <a:buAutoNum type="arabicPeriod"/>
-            </a:pPr>
-            <a:r>
-              <a:rPr lang="en-US" dirty="0">
-                <a:cs typeface="Arial" pitchFamily="34" charset="0"/>
-              </a:rPr>
-              <a:t>Customer Retention – offered Prime Membership for extremely competitive price.</a:t>
-            </a:r>
-          </a:p>
-          <a:p>
-            <a:pPr marL="457200" indent="-457200">
-              <a:buFont typeface="+mj-lt"/>
-              <a:buAutoNum type="arabicPeriod"/>
-            </a:pPr>
-            <a:endParaRPr lang="en-US" dirty="0">
-              <a:cs typeface="Arial" pitchFamily="34" charset="0"/>
-            </a:endParaRPr>
-          </a:p>
-          <a:p>
-            <a:pPr marL="457200" indent="-457200">
-              <a:buFont typeface="+mj-lt"/>
-              <a:buAutoNum type="arabicPeriod"/>
-            </a:pPr>
-            <a:r>
-              <a:rPr lang="en-US" dirty="0">
-                <a:cs typeface="Arial" pitchFamily="34" charset="0"/>
-              </a:rPr>
-              <a:t>Referral Marketing – Jio did not invest big money in advertising. It relied on word of mouth and referral marketing.</a:t>
-            </a:r>
-          </a:p>
-          <a:p>
-            <a:pPr marL="457200" indent="-457200">
-              <a:buFont typeface="+mj-lt"/>
-              <a:buAutoNum type="arabicPeriod"/>
-            </a:pPr>
-            <a:endParaRPr lang="en-US" dirty="0">
-              <a:cs typeface="Arial" pitchFamily="34" charset="0"/>
-            </a:endParaRPr>
-          </a:p>
-          <a:p>
-            <a:pPr marL="457200" indent="-457200">
-              <a:buFont typeface="+mj-lt"/>
-              <a:buAutoNum type="arabicPeriod"/>
-            </a:pPr>
-            <a:r>
-              <a:rPr lang="en-US" dirty="0">
-                <a:cs typeface="Arial" pitchFamily="34" charset="0"/>
-              </a:rPr>
-              <a:t>Superior Technology –  Jio had VoLTE, with a capability of handling voice calls with the help of data and hence created an edge over competitors.</a:t>
-            </a:r>
-          </a:p>
-        </p:txBody>
-      </p:sp>
-    </p:spTree>
-    <p:extLst>
-      <p:ext uri="{BB962C8B-B14F-4D97-AF65-F5344CB8AC3E}">
-        <p14:creationId xmlns:p14="http://schemas.microsoft.com/office/powerpoint/2010/main" val="2871624059"/>
-      </p:ext>
-    </p:extLst>
-  </p:cSld>
-  <p:clrMapOvr>
-    <a:masterClrMapping/>
-  </p:clrMapOvr>
-</p:sld>
-</file>
-
 <file path=ppt/slides/slide28.xml><?xml version="1.0" encoding="utf-8"?>
 <p:sld xmlns:a="http://schemas.openxmlformats.org/drawingml/2006/main" xmlns:r="http://schemas.openxmlformats.org/officeDocument/2006/relationships" xmlns:p="http://schemas.openxmlformats.org/presentationml/2006/main">
   <p:cSld>
@@ -29101,50 +32494,53 @@
         <p:spPr/>
         <p:style>
           <a:lnRef idx="1">
-            <a:schemeClr val="accent1"/>
+            <a:schemeClr val="accent3"/>
           </a:lnRef>
           <a:fillRef idx="2">
-            <a:schemeClr val="accent1"/>
+            <a:schemeClr val="accent3"/>
           </a:fillRef>
           <a:effectRef idx="1">
-            <a:schemeClr val="accent1"/>
+            <a:schemeClr val="accent3"/>
           </a:effectRef>
           <a:fontRef idx="minor">
             <a:schemeClr val="dk1"/>
           </a:fontRef>
         </p:style>
         <p:txBody>
-          <a:bodyPr>
-            <a:normAutofit/>
-          </a:bodyPr>
+          <a:bodyPr/>
           <a:lstStyle/>
           <a:p>
-            <a:pPr algn="l"/>
             <a:r>
-              <a:rPr lang="en-US" sz="2800" dirty="0"/>
-              <a:t>Customer Acquisition plans of Jio Telecom</a:t>
+              <a:rPr lang="en-US" dirty="0"/>
+              <a:t>Opportunities of Jio Telecom:</a:t>
             </a:r>
           </a:p>
         </p:txBody>
       </p:sp>
       <p:sp>
         <p:nvSpPr>
-          <p:cNvPr id="3" name="Rectangle 2"/>
-          <p:cNvSpPr/>
+          <p:cNvPr id="6" name="TextBox 5">
+            <a:extLst>
+              <a:ext uri="{FF2B5EF4-FFF2-40B4-BE49-F238E27FC236}">
+                <a16:creationId xmlns:a16="http://schemas.microsoft.com/office/drawing/2014/main" id="{1D364A2D-9859-456B-8F74-51BA20B3DEFF}"/>
+              </a:ext>
+            </a:extLst>
+          </p:cNvPr>
+          <p:cNvSpPr txBox="1"/>
           <p:nvPr/>
         </p:nvSpPr>
         <p:spPr>
           <a:xfrm>
-            <a:off x="423081" y="1443841"/>
-            <a:ext cx="11505062" cy="3970318"/>
+            <a:off x="299544" y="1544070"/>
+            <a:ext cx="11263433" cy="1631216"/>
           </a:xfrm>
           <a:prstGeom prst="rect">
             <a:avLst/>
           </a:prstGeom>
           <a:solidFill>
-            <a:schemeClr val="accent1">
-              <a:lumMod val="20000"/>
-              <a:lumOff val="80000"/>
+            <a:schemeClr val="accent3">
+              <a:lumMod val="40000"/>
+              <a:lumOff val="60000"/>
             </a:schemeClr>
           </a:solidFill>
         </p:spPr>
@@ -29154,169 +32550,507 @@
           </a:bodyPr>
           <a:lstStyle/>
           <a:p>
+            <a:pPr algn="ctr"/>
             <a:r>
-              <a:rPr lang="en-US" b="1" dirty="0">
-                <a:solidFill>
-                  <a:prstClr val="black"/>
-                </a:solidFill>
-              </a:rPr>
-              <a:t>Advertisement:</a:t>
+              <a:rPr lang="en-US" sz="2800" b="1" dirty="0"/>
+              <a:t>Target Customer</a:t>
             </a:r>
-          </a:p>
-          <a:p>
-            <a:pPr marL="457200" indent="-457200">
+            <a:endParaRPr lang="en-US" dirty="0"/>
+          </a:p>
+          <a:p>
+            <a:pPr marL="342900" indent="-342900">
               <a:buFont typeface="+mj-lt"/>
               <a:buAutoNum type="arabicPeriod"/>
             </a:pPr>
             <a:r>
-              <a:rPr lang="en-US" dirty="0">
-                <a:solidFill>
-                  <a:prstClr val="black"/>
-                </a:solidFill>
-                <a:latin typeface="Arial" pitchFamily="34" charset="0"/>
-                <a:cs typeface="Arial" pitchFamily="34" charset="0"/>
-              </a:rPr>
-              <a:t>Jio has been very aggressive with its promotional campaign, both online &amp; offline.</a:t>
+              <a:rPr lang="en-US" dirty="0"/>
+              <a:t>Small businesses, independent workers, individuals selling goods.</a:t>
             </a:r>
           </a:p>
           <a:p>
-            <a:pPr marL="457200" indent="-457200">
-              <a:buFont typeface="+mj-lt"/>
-              <a:buAutoNum type="arabicPeriod"/>
-            </a:pPr>
-            <a:endParaRPr lang="en-US" dirty="0">
-              <a:solidFill>
-                <a:prstClr val="black"/>
-              </a:solidFill>
-              <a:latin typeface="Arial" pitchFamily="34" charset="0"/>
-              <a:cs typeface="Arial" pitchFamily="34" charset="0"/>
-            </a:endParaRPr>
-          </a:p>
-          <a:p>
-            <a:pPr marL="457200" indent="-457200">
+            <a:pPr marL="342900" indent="-342900">
               <a:buFont typeface="+mj-lt"/>
               <a:buAutoNum type="arabicPeriod"/>
             </a:pPr>
             <a:r>
-              <a:rPr lang="en-US" dirty="0">
-                <a:solidFill>
-                  <a:prstClr val="black"/>
-                </a:solidFill>
-                <a:latin typeface="Arial" pitchFamily="34" charset="0"/>
-                <a:cs typeface="Arial" pitchFamily="34" charset="0"/>
-              </a:rPr>
-              <a:t>In December 2016, Jio collaborated with Pokemon Go. The popularity of Pokemon Go helped to promote Jio within the younger section of the society.</a:t>
+              <a:rPr lang="en-US" dirty="0"/>
+              <a:t>Market anyone who uses their JIO mobiles and are probable future prospects.</a:t>
             </a:r>
           </a:p>
           <a:p>
-            <a:pPr marL="457200" indent="-457200">
-              <a:buFont typeface="+mj-lt"/>
-              <a:buAutoNum type="arabicPeriod"/>
-            </a:pPr>
-            <a:endParaRPr lang="en-US" dirty="0">
-              <a:solidFill>
-                <a:prstClr val="black"/>
-              </a:solidFill>
-              <a:latin typeface="Arial" pitchFamily="34" charset="0"/>
-              <a:cs typeface="Arial" pitchFamily="34" charset="0"/>
-            </a:endParaRPr>
-          </a:p>
-          <a:p>
-            <a:pPr marL="457200" indent="-457200">
+            <a:pPr marL="342900" indent="-342900">
               <a:buFont typeface="+mj-lt"/>
               <a:buAutoNum type="arabicPeriod"/>
             </a:pPr>
             <a:r>
-              <a:rPr lang="en-US" dirty="0">
-                <a:solidFill>
-                  <a:prstClr val="black"/>
-                </a:solidFill>
-                <a:latin typeface="Arial" pitchFamily="34" charset="0"/>
-                <a:cs typeface="Arial" pitchFamily="34" charset="0"/>
-              </a:rPr>
-              <a:t>Jio was spread on all social media platforms like Instagram, Facebook, Twitter, and YouTube. </a:t>
+              <a:rPr lang="en-US" dirty="0"/>
+              <a:t>JIO's cost: gaining customer awareness, free dashboard enabled Apps in AI, software services providing Cyber security in jio mobiles</a:t>
             </a:r>
           </a:p>
-          <a:p>
-            <a:pPr marL="457200" indent="-457200">
+        </p:txBody>
+      </p:sp>
+      <p:sp>
+        <p:nvSpPr>
+          <p:cNvPr id="4" name="TextBox 3">
+            <a:extLst>
+              <a:ext uri="{FF2B5EF4-FFF2-40B4-BE49-F238E27FC236}">
+                <a16:creationId xmlns:a16="http://schemas.microsoft.com/office/drawing/2014/main" id="{79E339D6-A00C-45FA-A008-1F4596C6A31F}"/>
+              </a:ext>
+            </a:extLst>
+          </p:cNvPr>
+          <p:cNvSpPr txBox="1"/>
+          <p:nvPr/>
+        </p:nvSpPr>
+        <p:spPr>
+          <a:xfrm>
+            <a:off x="299544" y="3434046"/>
+            <a:ext cx="3342290" cy="523220"/>
+          </a:xfrm>
+          <a:prstGeom prst="rect">
+            <a:avLst/>
+          </a:prstGeom>
+          <a:solidFill>
+            <a:schemeClr val="tx2">
+              <a:lumMod val="40000"/>
+              <a:lumOff val="60000"/>
+            </a:schemeClr>
+          </a:solidFill>
+        </p:spPr>
+        <p:txBody>
+          <a:bodyPr wrap="square" rtlCol="0">
+            <a:spAutoFit/>
+          </a:bodyPr>
+          <a:lstStyle/>
+          <a:p>
+            <a:pPr algn="ctr"/>
+            <a:r>
+              <a:rPr lang="en-US" sz="2800" dirty="0"/>
+              <a:t>Selling Points</a:t>
+            </a:r>
+          </a:p>
+        </p:txBody>
+      </p:sp>
+      <p:cxnSp>
+        <p:nvCxnSpPr>
+          <p:cNvPr id="8" name="Straight Connector 7">
+            <a:extLst>
+              <a:ext uri="{FF2B5EF4-FFF2-40B4-BE49-F238E27FC236}">
+                <a16:creationId xmlns:a16="http://schemas.microsoft.com/office/drawing/2014/main" id="{95626AF9-E05A-4AAA-A35C-478B3A7CC5EB}"/>
+              </a:ext>
+            </a:extLst>
+          </p:cNvPr>
+          <p:cNvCxnSpPr>
+            <a:cxnSpLocks/>
+          </p:cNvCxnSpPr>
+          <p:nvPr/>
+        </p:nvCxnSpPr>
+        <p:spPr>
+          <a:xfrm>
+            <a:off x="4508938" y="3294993"/>
+            <a:ext cx="0" cy="2418345"/>
+          </a:xfrm>
+          <a:prstGeom prst="line">
+            <a:avLst/>
+          </a:prstGeom>
+        </p:spPr>
+        <p:style>
+          <a:lnRef idx="1">
+            <a:schemeClr val="dk1"/>
+          </a:lnRef>
+          <a:fillRef idx="0">
+            <a:schemeClr val="dk1"/>
+          </a:fillRef>
+          <a:effectRef idx="0">
+            <a:schemeClr val="dk1"/>
+          </a:effectRef>
+          <a:fontRef idx="minor">
+            <a:schemeClr val="tx1"/>
+          </a:fontRef>
+        </p:style>
+      </p:cxnSp>
+      <p:sp>
+        <p:nvSpPr>
+          <p:cNvPr id="9" name="TextBox 8">
+            <a:extLst>
+              <a:ext uri="{FF2B5EF4-FFF2-40B4-BE49-F238E27FC236}">
+                <a16:creationId xmlns:a16="http://schemas.microsoft.com/office/drawing/2014/main" id="{ADE040E8-40B0-4B05-B4FC-6F0E8136D29E}"/>
+              </a:ext>
+            </a:extLst>
+          </p:cNvPr>
+          <p:cNvSpPr txBox="1"/>
+          <p:nvPr/>
+        </p:nvSpPr>
+        <p:spPr>
+          <a:xfrm>
+            <a:off x="4556234" y="3429000"/>
+            <a:ext cx="3247695" cy="523220"/>
+          </a:xfrm>
+          <a:prstGeom prst="rect">
+            <a:avLst/>
+          </a:prstGeom>
+          <a:solidFill>
+            <a:schemeClr val="tx2">
+              <a:lumMod val="40000"/>
+              <a:lumOff val="60000"/>
+            </a:schemeClr>
+          </a:solidFill>
+        </p:spPr>
+        <p:txBody>
+          <a:bodyPr wrap="square" rtlCol="0">
+            <a:spAutoFit/>
+          </a:bodyPr>
+          <a:lstStyle/>
+          <a:p>
+            <a:pPr algn="ctr"/>
+            <a:r>
+              <a:rPr lang="en-US" sz="2800" dirty="0"/>
+              <a:t>Advertisements</a:t>
+            </a:r>
+          </a:p>
+        </p:txBody>
+      </p:sp>
+      <p:cxnSp>
+        <p:nvCxnSpPr>
+          <p:cNvPr id="11" name="Straight Connector 10">
+            <a:extLst>
+              <a:ext uri="{FF2B5EF4-FFF2-40B4-BE49-F238E27FC236}">
+                <a16:creationId xmlns:a16="http://schemas.microsoft.com/office/drawing/2014/main" id="{3F5E3D37-AE0B-4A7E-84C0-8272BAF370D9}"/>
+              </a:ext>
+            </a:extLst>
+          </p:cNvPr>
+          <p:cNvCxnSpPr>
+            <a:cxnSpLocks/>
+          </p:cNvCxnSpPr>
+          <p:nvPr/>
+        </p:nvCxnSpPr>
+        <p:spPr>
+          <a:xfrm>
+            <a:off x="7914288" y="3337517"/>
+            <a:ext cx="0" cy="2418345"/>
+          </a:xfrm>
+          <a:prstGeom prst="line">
+            <a:avLst/>
+          </a:prstGeom>
+        </p:spPr>
+        <p:style>
+          <a:lnRef idx="1">
+            <a:schemeClr val="dk1"/>
+          </a:lnRef>
+          <a:fillRef idx="0">
+            <a:schemeClr val="dk1"/>
+          </a:fillRef>
+          <a:effectRef idx="0">
+            <a:schemeClr val="dk1"/>
+          </a:effectRef>
+          <a:fontRef idx="minor">
+            <a:schemeClr val="tx1"/>
+          </a:fontRef>
+        </p:style>
+      </p:cxnSp>
+      <p:sp>
+        <p:nvSpPr>
+          <p:cNvPr id="12" name="TextBox 11">
+            <a:extLst>
+              <a:ext uri="{FF2B5EF4-FFF2-40B4-BE49-F238E27FC236}">
+                <a16:creationId xmlns:a16="http://schemas.microsoft.com/office/drawing/2014/main" id="{06C7F5C2-796F-4DC7-9151-EB3937172E84}"/>
+              </a:ext>
+            </a:extLst>
+          </p:cNvPr>
+          <p:cNvSpPr txBox="1"/>
+          <p:nvPr/>
+        </p:nvSpPr>
+        <p:spPr>
+          <a:xfrm>
+            <a:off x="8135007" y="3429000"/>
+            <a:ext cx="3342289" cy="523220"/>
+          </a:xfrm>
+          <a:prstGeom prst="rect">
+            <a:avLst/>
+          </a:prstGeom>
+          <a:solidFill>
+            <a:schemeClr val="tx2">
+              <a:lumMod val="40000"/>
+              <a:lumOff val="60000"/>
+            </a:schemeClr>
+          </a:solidFill>
+        </p:spPr>
+        <p:txBody>
+          <a:bodyPr wrap="square" rtlCol="0">
+            <a:spAutoFit/>
+          </a:bodyPr>
+          <a:lstStyle/>
+          <a:p>
+            <a:pPr algn="ctr"/>
+            <a:r>
+              <a:rPr lang="en-US" sz="2800" dirty="0"/>
+              <a:t>Retail</a:t>
+            </a:r>
+          </a:p>
+        </p:txBody>
+      </p:sp>
+      <p:sp>
+        <p:nvSpPr>
+          <p:cNvPr id="14" name="TextBox 13">
+            <a:extLst>
+              <a:ext uri="{FF2B5EF4-FFF2-40B4-BE49-F238E27FC236}">
+                <a16:creationId xmlns:a16="http://schemas.microsoft.com/office/drawing/2014/main" id="{97531B5E-6677-4E3F-A748-522B1784D6DB}"/>
+              </a:ext>
+            </a:extLst>
+          </p:cNvPr>
+          <p:cNvSpPr txBox="1"/>
+          <p:nvPr/>
+        </p:nvSpPr>
+        <p:spPr>
+          <a:xfrm>
+            <a:off x="339981" y="4236010"/>
+            <a:ext cx="3948237" cy="1477328"/>
+          </a:xfrm>
+          <a:prstGeom prst="rect">
+            <a:avLst/>
+          </a:prstGeom>
+          <a:solidFill>
+            <a:schemeClr val="accent3">
+              <a:lumMod val="40000"/>
+              <a:lumOff val="60000"/>
+            </a:schemeClr>
+          </a:solidFill>
+        </p:spPr>
+        <p:txBody>
+          <a:bodyPr wrap="square">
+            <a:spAutoFit/>
+          </a:bodyPr>
+          <a:lstStyle/>
+          <a:p>
+            <a:pPr marL="342900" indent="-342900">
               <a:buFont typeface="+mj-lt"/>
               <a:buAutoNum type="arabicPeriod"/>
             </a:pPr>
             <a:r>
-              <a:rPr lang="en-US" dirty="0">
-                <a:solidFill>
-                  <a:prstClr val="black"/>
-                </a:solidFill>
-                <a:latin typeface="Arial" pitchFamily="34" charset="0"/>
-                <a:cs typeface="Arial" pitchFamily="34" charset="0"/>
-              </a:rPr>
-              <a:t>They signed popular celebrities as their brand ambassador. </a:t>
+              <a:rPr lang="en-US" dirty="0"/>
+              <a:t>Easy convenient everyday usage.</a:t>
             </a:r>
           </a:p>
           <a:p>
-            <a:pPr marL="457200" indent="-457200">
-              <a:buFont typeface="+mj-lt"/>
-              <a:buAutoNum type="arabicPeriod"/>
-            </a:pPr>
-            <a:endParaRPr lang="en-US" dirty="0">
-              <a:solidFill>
-                <a:prstClr val="black"/>
-              </a:solidFill>
-              <a:latin typeface="Arial" pitchFamily="34" charset="0"/>
-              <a:cs typeface="Arial" pitchFamily="34" charset="0"/>
-            </a:endParaRPr>
-          </a:p>
-          <a:p>
-            <a:pPr marL="457200" indent="-457200">
+            <a:pPr marL="342900" indent="-342900">
               <a:buFont typeface="+mj-lt"/>
               <a:buAutoNum type="arabicPeriod"/>
             </a:pPr>
             <a:r>
-              <a:rPr lang="en-US" dirty="0">
-                <a:solidFill>
-                  <a:prstClr val="black"/>
-                </a:solidFill>
-                <a:latin typeface="Arial" pitchFamily="34" charset="0"/>
-                <a:cs typeface="Arial" pitchFamily="34" charset="0"/>
-              </a:rPr>
-              <a:t>They have launched ad campaigns on television, radio, newspapers, magazines, and billboards. They made sure to have a sort of omnipresence in people’s minds.</a:t>
+              <a:rPr lang="en-US" dirty="0"/>
+              <a:t>no surprise fees.</a:t>
             </a:r>
           </a:p>
           <a:p>
-            <a:pPr marL="457200" indent="-457200">
-              <a:buFont typeface="+mj-lt"/>
-              <a:buAutoNum type="arabicPeriod"/>
-            </a:pPr>
-            <a:endParaRPr lang="en-US" dirty="0">
-              <a:solidFill>
-                <a:prstClr val="black"/>
-              </a:solidFill>
-              <a:latin typeface="Arial" pitchFamily="34" charset="0"/>
-              <a:cs typeface="Arial" pitchFamily="34" charset="0"/>
-            </a:endParaRPr>
-          </a:p>
-          <a:p>
-            <a:pPr marL="457200" indent="-457200">
+            <a:pPr marL="342900" indent="-342900">
               <a:buFont typeface="+mj-lt"/>
               <a:buAutoNum type="arabicPeriod"/>
             </a:pPr>
             <a:r>
-              <a:rPr lang="en-US" dirty="0">
-                <a:solidFill>
-                  <a:prstClr val="black"/>
-                </a:solidFill>
-                <a:latin typeface="Arial" pitchFamily="34" charset="0"/>
-                <a:cs typeface="Arial" pitchFamily="34" charset="0"/>
-              </a:rPr>
-              <a:t>Another genius move by Jio was the free internet Wi-Fi services they offered at six cricket stadiums during free internet Wi-Fi services at six cricket stadiums.</a:t>
+              <a:rPr lang="en-US" dirty="0"/>
+              <a:t>Adaptable across multiple devices.</a:t>
             </a:r>
           </a:p>
         </p:txBody>
       </p:sp>
+      <p:sp>
+        <p:nvSpPr>
+          <p:cNvPr id="18" name="TextBox 17">
+            <a:extLst>
+              <a:ext uri="{FF2B5EF4-FFF2-40B4-BE49-F238E27FC236}">
+                <a16:creationId xmlns:a16="http://schemas.microsoft.com/office/drawing/2014/main" id="{00F6E158-22E5-4514-832C-B7C4FEC2141F}"/>
+              </a:ext>
+            </a:extLst>
+          </p:cNvPr>
+          <p:cNvSpPr txBox="1"/>
+          <p:nvPr/>
+        </p:nvSpPr>
+        <p:spPr>
+          <a:xfrm>
+            <a:off x="4604552" y="4086227"/>
+            <a:ext cx="3152082" cy="1477328"/>
+          </a:xfrm>
+          <a:prstGeom prst="rect">
+            <a:avLst/>
+          </a:prstGeom>
+          <a:solidFill>
+            <a:schemeClr val="accent3">
+              <a:lumMod val="40000"/>
+              <a:lumOff val="60000"/>
+            </a:schemeClr>
+          </a:solidFill>
+        </p:spPr>
+        <p:txBody>
+          <a:bodyPr wrap="square">
+            <a:spAutoFit/>
+          </a:bodyPr>
+          <a:lstStyle/>
+          <a:p>
+            <a:pPr marL="342900" indent="-342900">
+              <a:buFont typeface="+mj-lt"/>
+              <a:buAutoNum type="arabicPeriod"/>
+            </a:pPr>
+            <a:r>
+              <a:rPr lang="en-US" dirty="0"/>
+              <a:t>social media and internet advertising.</a:t>
+            </a:r>
+          </a:p>
+          <a:p>
+            <a:pPr marL="342900" indent="-342900">
+              <a:buFont typeface="+mj-lt"/>
+              <a:buAutoNum type="arabicPeriod"/>
+            </a:pPr>
+            <a:r>
+              <a:rPr lang="en-US" dirty="0"/>
+              <a:t>Traditional mediums with max exposure and minimum cost.</a:t>
+            </a:r>
+          </a:p>
+        </p:txBody>
+      </p:sp>
+      <p:sp>
+        <p:nvSpPr>
+          <p:cNvPr id="20" name="TextBox 19">
+            <a:extLst>
+              <a:ext uri="{FF2B5EF4-FFF2-40B4-BE49-F238E27FC236}">
+                <a16:creationId xmlns:a16="http://schemas.microsoft.com/office/drawing/2014/main" id="{38206779-10B0-4FE6-9A03-2D27B3D543CC}"/>
+              </a:ext>
+            </a:extLst>
+          </p:cNvPr>
+          <p:cNvSpPr txBox="1"/>
+          <p:nvPr/>
+        </p:nvSpPr>
+        <p:spPr>
+          <a:xfrm>
+            <a:off x="8071942" y="3939413"/>
+            <a:ext cx="3342289" cy="1754326"/>
+          </a:xfrm>
+          <a:prstGeom prst="rect">
+            <a:avLst/>
+          </a:prstGeom>
+          <a:solidFill>
+            <a:schemeClr val="accent3">
+              <a:lumMod val="40000"/>
+              <a:lumOff val="60000"/>
+            </a:schemeClr>
+          </a:solidFill>
+        </p:spPr>
+        <p:txBody>
+          <a:bodyPr wrap="square">
+            <a:spAutoFit/>
+          </a:bodyPr>
+          <a:lstStyle/>
+          <a:p>
+            <a:pPr marL="342900" indent="-342900">
+              <a:buFont typeface="+mj-lt"/>
+              <a:buAutoNum type="arabicPeriod"/>
+            </a:pPr>
+            <a:r>
+              <a:rPr lang="en-US" dirty="0"/>
+              <a:t>selling through online registration and showrooms.</a:t>
+            </a:r>
+          </a:p>
+          <a:p>
+            <a:pPr marL="342900" indent="-342900">
+              <a:buFont typeface="+mj-lt"/>
+              <a:buAutoNum type="arabicPeriod"/>
+            </a:pPr>
+            <a:endParaRPr lang="en-US" dirty="0"/>
+          </a:p>
+          <a:p>
+            <a:pPr marL="342900" indent="-342900">
+              <a:buFont typeface="+mj-lt"/>
+              <a:buAutoNum type="arabicPeriod"/>
+            </a:pPr>
+            <a:r>
+              <a:rPr lang="en-US" dirty="0"/>
+              <a:t>follows razor blade retail model.</a:t>
+            </a:r>
+          </a:p>
+        </p:txBody>
+      </p:sp>
+      <p:sp>
+        <p:nvSpPr>
+          <p:cNvPr id="23" name="TextBox 22">
+            <a:extLst>
+              <a:ext uri="{FF2B5EF4-FFF2-40B4-BE49-F238E27FC236}">
+                <a16:creationId xmlns:a16="http://schemas.microsoft.com/office/drawing/2014/main" id="{45AD6110-3130-4A7A-AAB6-A368AC38764B}"/>
+              </a:ext>
+            </a:extLst>
+          </p:cNvPr>
+          <p:cNvSpPr txBox="1"/>
+          <p:nvPr/>
+        </p:nvSpPr>
+        <p:spPr>
+          <a:xfrm>
+            <a:off x="339981" y="5805675"/>
+            <a:ext cx="11263435" cy="584775"/>
+          </a:xfrm>
+          <a:prstGeom prst="rect">
+            <a:avLst/>
+          </a:prstGeom>
+          <a:solidFill>
+            <a:schemeClr val="accent1">
+              <a:lumMod val="75000"/>
+            </a:schemeClr>
+          </a:solidFill>
+          <a:ln>
+            <a:solidFill>
+              <a:schemeClr val="accent1"/>
+            </a:solidFill>
+          </a:ln>
+        </p:spPr>
+        <p:txBody>
+          <a:bodyPr wrap="square">
+            <a:spAutoFit/>
+          </a:bodyPr>
+          <a:lstStyle/>
+          <a:p>
+            <a:r>
+              <a:rPr lang="en-US" sz="3200" b="1" dirty="0"/>
+              <a:t>Acquiring 150,000 +customers per quarter</a:t>
+            </a:r>
+          </a:p>
+        </p:txBody>
+      </p:sp>
+      <p:cxnSp>
+        <p:nvCxnSpPr>
+          <p:cNvPr id="25" name="Straight Connector 24">
+            <a:extLst>
+              <a:ext uri="{FF2B5EF4-FFF2-40B4-BE49-F238E27FC236}">
+                <a16:creationId xmlns:a16="http://schemas.microsoft.com/office/drawing/2014/main" id="{F35E77DB-091D-412B-9D06-D538BD44C21A}"/>
+              </a:ext>
+            </a:extLst>
+          </p:cNvPr>
+          <p:cNvCxnSpPr/>
+          <p:nvPr/>
+        </p:nvCxnSpPr>
+        <p:spPr>
+          <a:xfrm>
+            <a:off x="11603416" y="3389879"/>
+            <a:ext cx="0" cy="2303860"/>
+          </a:xfrm>
+          <a:prstGeom prst="line">
+            <a:avLst/>
+          </a:prstGeom>
+        </p:spPr>
+        <p:style>
+          <a:lnRef idx="1">
+            <a:schemeClr val="dk1"/>
+          </a:lnRef>
+          <a:fillRef idx="0">
+            <a:schemeClr val="dk1"/>
+          </a:fillRef>
+          <a:effectRef idx="0">
+            <a:schemeClr val="dk1"/>
+          </a:effectRef>
+          <a:fontRef idx="minor">
+            <a:schemeClr val="tx1"/>
+          </a:fontRef>
+        </p:style>
+      </p:cxnSp>
     </p:spTree>
     <p:extLst>
       <p:ext uri="{BB962C8B-B14F-4D97-AF65-F5344CB8AC3E}">
-        <p14:creationId xmlns:p14="http://schemas.microsoft.com/office/powerpoint/2010/main" val="550484180"/>
+        <p14:creationId xmlns:p14="http://schemas.microsoft.com/office/powerpoint/2010/main" val="3726012217"/>
       </p:ext>
     </p:extLst>
   </p:cSld>
@@ -29372,73 +33106,236 @@
           <a:bodyPr/>
           <a:lstStyle/>
           <a:p>
-            <a:pPr algn="l"/>
             <a:r>
               <a:rPr lang="en-US" dirty="0"/>
-              <a:t>Market Validation-AI in Telecom</a:t>
+              <a:t>Opportunities of Jio Telecom:</a:t>
             </a:r>
           </a:p>
         </p:txBody>
       </p:sp>
-      <p:pic>
-        <p:nvPicPr>
-          <p:cNvPr id="1026" name="Picture 2"/>
-          <p:cNvPicPr>
-            <a:picLocks noChangeAspect="1" noChangeArrowheads="1"/>
-          </p:cNvPicPr>
-          <p:nvPr/>
-        </p:nvPicPr>
-        <p:blipFill>
-          <a:blip r:embed="rId3">
+      <p:sp>
+        <p:nvSpPr>
+          <p:cNvPr id="4" name="TextBox 3">
             <a:extLst>
-              <a:ext uri="{28A0092B-C50C-407E-A947-70E740481C1C}">
-                <a14:useLocalDpi xmlns:a14="http://schemas.microsoft.com/office/drawing/2010/main" val="0"/>
+              <a:ext uri="{FF2B5EF4-FFF2-40B4-BE49-F238E27FC236}">
+                <a16:creationId xmlns:a16="http://schemas.microsoft.com/office/drawing/2014/main" id="{79E339D6-A00C-45FA-A008-1F4596C6A31F}"/>
               </a:ext>
             </a:extLst>
-          </a:blip>
-          <a:srcRect/>
-          <a:stretch>
-            <a:fillRect/>
-          </a:stretch>
-        </p:blipFill>
-        <p:spPr bwMode="auto">
+          </p:cNvPr>
+          <p:cNvSpPr txBox="1"/>
+          <p:nvPr/>
+        </p:nvSpPr>
+        <p:spPr>
           <a:xfrm>
-            <a:off x="394763" y="1749972"/>
-            <a:ext cx="8087269" cy="4321633"/>
+            <a:off x="588583" y="1334886"/>
+            <a:ext cx="3342290" cy="523220"/>
           </a:xfrm>
           <a:prstGeom prst="rect">
             <a:avLst/>
           </a:prstGeom>
           <a:solidFill>
-            <a:schemeClr val="accent1">
-              <a:lumMod val="20000"/>
-              <a:lumOff val="80000"/>
+            <a:schemeClr val="tx2">
+              <a:lumMod val="40000"/>
+              <a:lumOff val="60000"/>
             </a:schemeClr>
           </a:solidFill>
-          <a:ln>
-            <a:noFill/>
-          </a:ln>
-          <a:effectLst/>
         </p:spPr>
-      </p:pic>
+        <p:txBody>
+          <a:bodyPr wrap="square" rtlCol="0">
+            <a:spAutoFit/>
+          </a:bodyPr>
+          <a:lstStyle/>
+          <a:p>
+            <a:pPr algn="ctr"/>
+            <a:r>
+              <a:rPr lang="en-US" sz="2800" dirty="0"/>
+              <a:t>Competitors</a:t>
+            </a:r>
+          </a:p>
+        </p:txBody>
+      </p:sp>
+      <p:cxnSp>
+        <p:nvCxnSpPr>
+          <p:cNvPr id="8" name="Straight Connector 7">
+            <a:extLst>
+              <a:ext uri="{FF2B5EF4-FFF2-40B4-BE49-F238E27FC236}">
+                <a16:creationId xmlns:a16="http://schemas.microsoft.com/office/drawing/2014/main" id="{95626AF9-E05A-4AAA-A35C-478B3A7CC5EB}"/>
+              </a:ext>
+            </a:extLst>
+          </p:cNvPr>
+          <p:cNvCxnSpPr>
+            <a:cxnSpLocks/>
+          </p:cNvCxnSpPr>
+          <p:nvPr/>
+        </p:nvCxnSpPr>
+        <p:spPr>
+          <a:xfrm>
+            <a:off x="4508938" y="1229710"/>
+            <a:ext cx="0" cy="5108028"/>
+          </a:xfrm>
+          <a:prstGeom prst="line">
+            <a:avLst/>
+          </a:prstGeom>
+        </p:spPr>
+        <p:style>
+          <a:lnRef idx="1">
+            <a:schemeClr val="dk1"/>
+          </a:lnRef>
+          <a:fillRef idx="0">
+            <a:schemeClr val="dk1"/>
+          </a:fillRef>
+          <a:effectRef idx="0">
+            <a:schemeClr val="dk1"/>
+          </a:effectRef>
+          <a:fontRef idx="minor">
+            <a:schemeClr val="tx1"/>
+          </a:fontRef>
+        </p:style>
+      </p:cxnSp>
       <p:sp>
         <p:nvSpPr>
-          <p:cNvPr id="3" name="Rectangle 2"/>
-          <p:cNvSpPr/>
+          <p:cNvPr id="9" name="TextBox 8">
+            <a:extLst>
+              <a:ext uri="{FF2B5EF4-FFF2-40B4-BE49-F238E27FC236}">
+                <a16:creationId xmlns:a16="http://schemas.microsoft.com/office/drawing/2014/main" id="{ADE040E8-40B0-4B05-B4FC-6F0E8136D29E}"/>
+              </a:ext>
+            </a:extLst>
+          </p:cNvPr>
+          <p:cNvSpPr txBox="1"/>
           <p:nvPr/>
         </p:nvSpPr>
         <p:spPr>
           <a:xfrm>
-            <a:off x="9129095" y="2049415"/>
-            <a:ext cx="2479345" cy="3139321"/>
+            <a:off x="4587766" y="1291987"/>
+            <a:ext cx="3247695" cy="523220"/>
           </a:xfrm>
           <a:prstGeom prst="rect">
             <a:avLst/>
           </a:prstGeom>
           <a:solidFill>
-            <a:schemeClr val="accent1">
-              <a:lumMod val="20000"/>
-              <a:lumOff val="80000"/>
+            <a:schemeClr val="tx2">
+              <a:lumMod val="40000"/>
+              <a:lumOff val="60000"/>
+            </a:schemeClr>
+          </a:solidFill>
+        </p:spPr>
+        <p:txBody>
+          <a:bodyPr wrap="square" rtlCol="0">
+            <a:spAutoFit/>
+          </a:bodyPr>
+          <a:lstStyle/>
+          <a:p>
+            <a:pPr algn="ctr"/>
+            <a:r>
+              <a:rPr lang="en-US" sz="2800" dirty="0"/>
+              <a:t>Characteristics</a:t>
+            </a:r>
+          </a:p>
+        </p:txBody>
+      </p:sp>
+      <p:cxnSp>
+        <p:nvCxnSpPr>
+          <p:cNvPr id="11" name="Straight Connector 10">
+            <a:extLst>
+              <a:ext uri="{FF2B5EF4-FFF2-40B4-BE49-F238E27FC236}">
+                <a16:creationId xmlns:a16="http://schemas.microsoft.com/office/drawing/2014/main" id="{3F5E3D37-AE0B-4A7E-84C0-8272BAF370D9}"/>
+              </a:ext>
+            </a:extLst>
+          </p:cNvPr>
+          <p:cNvCxnSpPr>
+            <a:cxnSpLocks/>
+          </p:cNvCxnSpPr>
+          <p:nvPr/>
+        </p:nvCxnSpPr>
+        <p:spPr>
+          <a:xfrm>
+            <a:off x="7914288" y="1229710"/>
+            <a:ext cx="0" cy="5108028"/>
+          </a:xfrm>
+          <a:prstGeom prst="line">
+            <a:avLst/>
+          </a:prstGeom>
+        </p:spPr>
+        <p:style>
+          <a:lnRef idx="1">
+            <a:schemeClr val="dk1"/>
+          </a:lnRef>
+          <a:fillRef idx="0">
+            <a:schemeClr val="dk1"/>
+          </a:fillRef>
+          <a:effectRef idx="0">
+            <a:schemeClr val="dk1"/>
+          </a:effectRef>
+          <a:fontRef idx="minor">
+            <a:schemeClr val="tx1"/>
+          </a:fontRef>
+        </p:style>
+      </p:cxnSp>
+      <p:sp>
+        <p:nvSpPr>
+          <p:cNvPr id="12" name="TextBox 11">
+            <a:extLst>
+              <a:ext uri="{FF2B5EF4-FFF2-40B4-BE49-F238E27FC236}">
+                <a16:creationId xmlns:a16="http://schemas.microsoft.com/office/drawing/2014/main" id="{06C7F5C2-796F-4DC7-9151-EB3937172E84}"/>
+              </a:ext>
+            </a:extLst>
+          </p:cNvPr>
+          <p:cNvSpPr txBox="1"/>
+          <p:nvPr/>
+        </p:nvSpPr>
+        <p:spPr>
+          <a:xfrm>
+            <a:off x="8024646" y="1343962"/>
+            <a:ext cx="3342289" cy="523220"/>
+          </a:xfrm>
+          <a:prstGeom prst="rect">
+            <a:avLst/>
+          </a:prstGeom>
+          <a:solidFill>
+            <a:schemeClr val="tx2">
+              <a:lumMod val="40000"/>
+              <a:lumOff val="60000"/>
+            </a:schemeClr>
+          </a:solidFill>
+        </p:spPr>
+        <p:txBody>
+          <a:bodyPr wrap="square" rtlCol="0">
+            <a:spAutoFit/>
+          </a:bodyPr>
+          <a:lstStyle/>
+          <a:p>
+            <a:pPr algn="ctr"/>
+            <a:r>
+              <a:rPr lang="en-US" sz="2800" dirty="0"/>
+              <a:t>Jio advantage</a:t>
+            </a:r>
+          </a:p>
+        </p:txBody>
+      </p:sp>
+      <p:sp>
+        <p:nvSpPr>
+          <p:cNvPr id="14" name="TextBox 13">
+            <a:extLst>
+              <a:ext uri="{FF2B5EF4-FFF2-40B4-BE49-F238E27FC236}">
+                <a16:creationId xmlns:a16="http://schemas.microsoft.com/office/drawing/2014/main" id="{97531B5E-6677-4E3F-A748-522B1784D6DB}"/>
+              </a:ext>
+            </a:extLst>
+          </p:cNvPr>
+          <p:cNvSpPr txBox="1"/>
+          <p:nvPr/>
+        </p:nvSpPr>
+        <p:spPr>
+          <a:xfrm>
+            <a:off x="481874" y="2143125"/>
+            <a:ext cx="3948237" cy="2031325"/>
+          </a:xfrm>
+          <a:prstGeom prst="rect">
+            <a:avLst/>
+          </a:prstGeom>
+          <a:solidFill>
+            <a:schemeClr val="accent3">
+              <a:lumMod val="40000"/>
+              <a:lumOff val="60000"/>
             </a:schemeClr>
           </a:solidFill>
         </p:spPr>
@@ -29448,33 +33345,290 @@
           </a:bodyPr>
           <a:lstStyle/>
           <a:p>
+            <a:pPr marL="342900" indent="-342900">
+              <a:buFont typeface="+mj-lt"/>
+              <a:buAutoNum type="arabicPeriod"/>
+            </a:pPr>
             <a:r>
-              <a:rPr lang="en-US" dirty="0">
-                <a:solidFill>
-                  <a:prstClr val="black"/>
-                </a:solidFill>
-              </a:rPr>
-              <a:t>The global artificial intelligence in telecommunication market size was valued at USD 679.0 million in 2019 and is expected to grow at a compound annual growth rate (CAGR) of 38.4% from 2020 to 2027.</a:t>
+              <a:rPr lang="en-US" dirty="0"/>
+              <a:t>Direct Competitors:</a:t>
+            </a:r>
+          </a:p>
+          <a:p>
+            <a:endParaRPr lang="en-US" dirty="0"/>
+          </a:p>
+          <a:p>
+            <a:pPr algn="ctr"/>
+            <a:r>
+              <a:rPr lang="en-US" dirty="0"/>
+              <a:t>Vodafone, Bharti Airtel, Idea</a:t>
+            </a:r>
+          </a:p>
+          <a:p>
+            <a:pPr algn="ctr"/>
+            <a:endParaRPr lang="en-US" dirty="0"/>
+          </a:p>
+          <a:p>
+            <a:pPr marL="342900" indent="-342900">
+              <a:buFont typeface="+mj-lt"/>
+              <a:buAutoNum type="arabicPeriod" startAt="2"/>
+            </a:pPr>
+            <a:r>
+              <a:rPr lang="en-US" dirty="0"/>
+              <a:t>Emerging Market:</a:t>
+            </a:r>
+          </a:p>
+          <a:p>
+            <a:pPr marL="342900" indent="-342900">
+              <a:buFont typeface="+mj-lt"/>
+              <a:buAutoNum type="arabicPeriod" startAt="2"/>
+            </a:pPr>
+            <a:endParaRPr lang="en-US" dirty="0"/>
+          </a:p>
+          <a:p>
+            <a:pPr algn="ctr"/>
+            <a:r>
+              <a:rPr lang="en-US" dirty="0"/>
+              <a:t>AI and Cyber security</a:t>
+            </a:r>
+          </a:p>
+        </p:txBody>
+      </p:sp>
+      <p:sp>
+        <p:nvSpPr>
+          <p:cNvPr id="18" name="TextBox 17">
+            <a:extLst>
+              <a:ext uri="{FF2B5EF4-FFF2-40B4-BE49-F238E27FC236}">
+                <a16:creationId xmlns:a16="http://schemas.microsoft.com/office/drawing/2014/main" id="{00F6E158-22E5-4514-832C-B7C4FEC2141F}"/>
+              </a:ext>
+            </a:extLst>
+          </p:cNvPr>
+          <p:cNvSpPr txBox="1"/>
+          <p:nvPr/>
+        </p:nvSpPr>
+        <p:spPr>
+          <a:xfrm>
+            <a:off x="4651849" y="2010709"/>
+            <a:ext cx="3152082" cy="3139321"/>
+          </a:xfrm>
+          <a:prstGeom prst="rect">
+            <a:avLst/>
+          </a:prstGeom>
+          <a:solidFill>
+            <a:schemeClr val="accent3">
+              <a:lumMod val="40000"/>
+              <a:lumOff val="60000"/>
+            </a:schemeClr>
+          </a:solidFill>
+        </p:spPr>
+        <p:txBody>
+          <a:bodyPr wrap="square">
+            <a:spAutoFit/>
+          </a:bodyPr>
+          <a:lstStyle/>
+          <a:p>
+            <a:pPr marL="342900" indent="-342900">
+              <a:buFont typeface="+mj-lt"/>
+              <a:buAutoNum type="arabicPeriod"/>
+            </a:pPr>
+            <a:r>
+              <a:rPr lang="en-US" dirty="0"/>
+              <a:t>Similar technology options.</a:t>
+            </a:r>
+          </a:p>
+          <a:p>
+            <a:pPr marL="342900" indent="-342900">
+              <a:buFont typeface="+mj-lt"/>
+              <a:buAutoNum type="arabicPeriod"/>
+            </a:pPr>
+            <a:r>
+              <a:rPr lang="en-US" dirty="0"/>
+              <a:t>Higher fees and rates for certain options.</a:t>
+            </a:r>
+          </a:p>
+          <a:p>
+            <a:pPr marL="342900" indent="-342900">
+              <a:buFont typeface="+mj-lt"/>
+              <a:buAutoNum type="arabicPeriod"/>
+            </a:pPr>
+            <a:endParaRPr lang="en-US" dirty="0"/>
+          </a:p>
+          <a:p>
+            <a:pPr marL="342900" indent="-342900">
+              <a:buFont typeface="+mj-lt"/>
+              <a:buAutoNum type="arabicPeriod"/>
+            </a:pPr>
+            <a:r>
+              <a:rPr lang="en-US" dirty="0"/>
+              <a:t>Built in hardware and proprietary software's for phones.</a:t>
+            </a:r>
+          </a:p>
+          <a:p>
+            <a:pPr marL="342900" indent="-342900">
+              <a:buFont typeface="+mj-lt"/>
+              <a:buAutoNum type="arabicPeriod"/>
+            </a:pPr>
+            <a:endParaRPr lang="en-US" dirty="0"/>
+          </a:p>
+          <a:p>
+            <a:pPr marL="342900" indent="-342900">
+              <a:buFont typeface="+mj-lt"/>
+              <a:buAutoNum type="arabicPeriod"/>
+            </a:pPr>
+            <a:r>
+              <a:rPr lang="en-US" dirty="0"/>
+              <a:t>cross interaction with other mobile apps.</a:t>
+            </a:r>
+          </a:p>
+        </p:txBody>
+      </p:sp>
+      <p:sp>
+        <p:nvSpPr>
+          <p:cNvPr id="20" name="TextBox 19">
+            <a:extLst>
+              <a:ext uri="{FF2B5EF4-FFF2-40B4-BE49-F238E27FC236}">
+                <a16:creationId xmlns:a16="http://schemas.microsoft.com/office/drawing/2014/main" id="{38206779-10B0-4FE6-9A03-2D27B3D543CC}"/>
+              </a:ext>
+            </a:extLst>
+          </p:cNvPr>
+          <p:cNvSpPr txBox="1"/>
+          <p:nvPr/>
+        </p:nvSpPr>
+        <p:spPr>
+          <a:xfrm>
+            <a:off x="8087708" y="2056115"/>
+            <a:ext cx="3342289" cy="3693319"/>
+          </a:xfrm>
+          <a:prstGeom prst="rect">
+            <a:avLst/>
+          </a:prstGeom>
+          <a:solidFill>
+            <a:schemeClr val="accent3">
+              <a:lumMod val="40000"/>
+              <a:lumOff val="60000"/>
+            </a:schemeClr>
+          </a:solidFill>
+        </p:spPr>
+        <p:txBody>
+          <a:bodyPr wrap="square">
+            <a:spAutoFit/>
+          </a:bodyPr>
+          <a:lstStyle/>
+          <a:p>
+            <a:pPr marL="342900" indent="-342900">
+              <a:buFont typeface="+mj-lt"/>
+              <a:buAutoNum type="arabicPeriod"/>
+            </a:pPr>
+            <a:r>
+              <a:rPr lang="en-US" dirty="0"/>
+              <a:t>Established clientele as first mover.</a:t>
+            </a:r>
+          </a:p>
+          <a:p>
+            <a:pPr marL="342900" indent="-342900">
+              <a:buFont typeface="+mj-lt"/>
+              <a:buAutoNum type="arabicPeriod"/>
+            </a:pPr>
+            <a:endParaRPr lang="en-US" dirty="0"/>
+          </a:p>
+          <a:p>
+            <a:pPr marL="342900" indent="-342900">
+              <a:buFont typeface="+mj-lt"/>
+              <a:buAutoNum type="arabicPeriod"/>
+            </a:pPr>
+            <a:r>
+              <a:rPr lang="en-US" dirty="0"/>
+              <a:t>No credit check.</a:t>
+            </a:r>
+          </a:p>
+          <a:p>
+            <a:pPr marL="342900" indent="-342900">
+              <a:buFont typeface="+mj-lt"/>
+              <a:buAutoNum type="arabicPeriod"/>
+            </a:pPr>
+            <a:endParaRPr lang="en-US" dirty="0"/>
+          </a:p>
+          <a:p>
+            <a:pPr marL="342900" indent="-342900">
+              <a:buFont typeface="+mj-lt"/>
+              <a:buAutoNum type="arabicPeriod"/>
+            </a:pPr>
+            <a:r>
+              <a:rPr lang="en-US" dirty="0"/>
+              <a:t>No monthly fees.</a:t>
+            </a:r>
+          </a:p>
+          <a:p>
+            <a:pPr marL="342900" indent="-342900">
+              <a:buFont typeface="+mj-lt"/>
+              <a:buAutoNum type="arabicPeriod"/>
+            </a:pPr>
+            <a:endParaRPr lang="en-US" dirty="0"/>
+          </a:p>
+          <a:p>
+            <a:pPr marL="342900" indent="-342900">
+              <a:buFont typeface="+mj-lt"/>
+              <a:buAutoNum type="arabicPeriod"/>
+            </a:pPr>
+            <a:r>
+              <a:rPr lang="en-US" dirty="0"/>
+              <a:t>Device compatibility.</a:t>
+            </a:r>
+          </a:p>
+          <a:p>
+            <a:pPr marL="342900" indent="-342900">
+              <a:buFont typeface="+mj-lt"/>
+              <a:buAutoNum type="arabicPeriod"/>
+            </a:pPr>
+            <a:endParaRPr lang="en-US" dirty="0"/>
+          </a:p>
+          <a:p>
+            <a:pPr marL="342900" indent="-342900">
+              <a:buFont typeface="+mj-lt"/>
+              <a:buAutoNum type="arabicPeriod"/>
+            </a:pPr>
+            <a:r>
+              <a:rPr lang="en-US" dirty="0"/>
+              <a:t>compatible across differing hardware.</a:t>
+            </a:r>
+          </a:p>
+          <a:p>
+            <a:pPr marL="342900" indent="-342900">
+              <a:buFont typeface="+mj-lt"/>
+              <a:buAutoNum type="arabicPeriod"/>
+            </a:pPr>
+            <a:endParaRPr lang="en-US" dirty="0"/>
+          </a:p>
+          <a:p>
+            <a:pPr marL="342900" indent="-342900">
+              <a:buFont typeface="+mj-lt"/>
+              <a:buAutoNum type="arabicPeriod"/>
+            </a:pPr>
+            <a:r>
+              <a:rPr lang="en-US" dirty="0"/>
+              <a:t>unique market focus.</a:t>
             </a:r>
           </a:p>
         </p:txBody>
       </p:sp>
       <p:cxnSp>
         <p:nvCxnSpPr>
-          <p:cNvPr id="5" name="Straight Connector 4">
+          <p:cNvPr id="25" name="Straight Connector 24">
             <a:extLst>
               <a:ext uri="{FF2B5EF4-FFF2-40B4-BE49-F238E27FC236}">
-                <a16:creationId xmlns:a16="http://schemas.microsoft.com/office/drawing/2014/main" id="{870E80D4-579D-4A9B-A02D-E51AE4CC712B}"/>
+                <a16:creationId xmlns:a16="http://schemas.microsoft.com/office/drawing/2014/main" id="{F35E77DB-091D-412B-9D06-D538BD44C21A}"/>
               </a:ext>
             </a:extLst>
           </p:cNvPr>
-          <p:cNvCxnSpPr/>
+          <p:cNvCxnSpPr>
+            <a:cxnSpLocks/>
+          </p:cNvCxnSpPr>
           <p:nvPr/>
         </p:nvCxnSpPr>
         <p:spPr>
           <a:xfrm>
-            <a:off x="8749862" y="1245476"/>
-            <a:ext cx="0" cy="5060731"/>
+            <a:off x="11752897" y="1343962"/>
+            <a:ext cx="0" cy="4935274"/>
           </a:xfrm>
           <a:prstGeom prst="line">
             <a:avLst/>
@@ -29498,7 +33652,7 @@
     </p:spTree>
     <p:extLst>
       <p:ext uri="{BB962C8B-B14F-4D97-AF65-F5344CB8AC3E}">
-        <p14:creationId xmlns:p14="http://schemas.microsoft.com/office/powerpoint/2010/main" val="1381889898"/>
+        <p14:creationId xmlns:p14="http://schemas.microsoft.com/office/powerpoint/2010/main" val="3239793418"/>
       </p:ext>
     </p:extLst>
   </p:cSld>
@@ -29900,6 +34054,1231 @@
         </p:style>
         <p:txBody>
           <a:bodyPr>
+            <a:normAutofit fontScale="90000"/>
+          </a:bodyPr>
+          <a:lstStyle/>
+          <a:p>
+            <a:r>
+              <a:rPr lang="en-US" dirty="0"/>
+              <a:t>Cost and Growth analysis of Jio Telecom:</a:t>
+            </a:r>
+          </a:p>
+        </p:txBody>
+      </p:sp>
+      <p:sp>
+        <p:nvSpPr>
+          <p:cNvPr id="4" name="TextBox 3">
+            <a:extLst>
+              <a:ext uri="{FF2B5EF4-FFF2-40B4-BE49-F238E27FC236}">
+                <a16:creationId xmlns:a16="http://schemas.microsoft.com/office/drawing/2014/main" id="{79E339D6-A00C-45FA-A008-1F4596C6A31F}"/>
+              </a:ext>
+            </a:extLst>
+          </p:cNvPr>
+          <p:cNvSpPr txBox="1"/>
+          <p:nvPr/>
+        </p:nvSpPr>
+        <p:spPr>
+          <a:xfrm>
+            <a:off x="439102" y="1334886"/>
+            <a:ext cx="5138969" cy="954107"/>
+          </a:xfrm>
+          <a:prstGeom prst="rect">
+            <a:avLst/>
+          </a:prstGeom>
+          <a:solidFill>
+            <a:schemeClr val="tx2">
+              <a:lumMod val="40000"/>
+              <a:lumOff val="60000"/>
+            </a:schemeClr>
+          </a:solidFill>
+        </p:spPr>
+        <p:txBody>
+          <a:bodyPr wrap="square" rtlCol="0">
+            <a:spAutoFit/>
+          </a:bodyPr>
+          <a:lstStyle/>
+          <a:p>
+            <a:pPr algn="ctr"/>
+            <a:r>
+              <a:rPr lang="en-US" sz="2800" dirty="0"/>
+              <a:t>Need for additional Investments</a:t>
+            </a:r>
+          </a:p>
+        </p:txBody>
+      </p:sp>
+      <p:cxnSp>
+        <p:nvCxnSpPr>
+          <p:cNvPr id="8" name="Straight Connector 7">
+            <a:extLst>
+              <a:ext uri="{FF2B5EF4-FFF2-40B4-BE49-F238E27FC236}">
+                <a16:creationId xmlns:a16="http://schemas.microsoft.com/office/drawing/2014/main" id="{95626AF9-E05A-4AAA-A35C-478B3A7CC5EB}"/>
+              </a:ext>
+            </a:extLst>
+          </p:cNvPr>
+          <p:cNvCxnSpPr>
+            <a:cxnSpLocks/>
+          </p:cNvCxnSpPr>
+          <p:nvPr/>
+        </p:nvCxnSpPr>
+        <p:spPr>
+          <a:xfrm>
+            <a:off x="5738648" y="1243286"/>
+            <a:ext cx="0" cy="5108028"/>
+          </a:xfrm>
+          <a:prstGeom prst="line">
+            <a:avLst/>
+          </a:prstGeom>
+        </p:spPr>
+        <p:style>
+          <a:lnRef idx="1">
+            <a:schemeClr val="dk1"/>
+          </a:lnRef>
+          <a:fillRef idx="0">
+            <a:schemeClr val="dk1"/>
+          </a:fillRef>
+          <a:effectRef idx="0">
+            <a:schemeClr val="dk1"/>
+          </a:effectRef>
+          <a:fontRef idx="minor">
+            <a:schemeClr val="tx1"/>
+          </a:fontRef>
+        </p:style>
+      </p:cxnSp>
+      <p:sp>
+        <p:nvSpPr>
+          <p:cNvPr id="9" name="TextBox 8">
+            <a:extLst>
+              <a:ext uri="{FF2B5EF4-FFF2-40B4-BE49-F238E27FC236}">
+                <a16:creationId xmlns:a16="http://schemas.microsoft.com/office/drawing/2014/main" id="{ADE040E8-40B0-4B05-B4FC-6F0E8136D29E}"/>
+              </a:ext>
+            </a:extLst>
+          </p:cNvPr>
+          <p:cNvSpPr txBox="1"/>
+          <p:nvPr/>
+        </p:nvSpPr>
+        <p:spPr>
+          <a:xfrm>
+            <a:off x="5899225" y="1343962"/>
+            <a:ext cx="5569892" cy="954107"/>
+          </a:xfrm>
+          <a:prstGeom prst="rect">
+            <a:avLst/>
+          </a:prstGeom>
+          <a:solidFill>
+            <a:schemeClr val="tx2">
+              <a:lumMod val="40000"/>
+              <a:lumOff val="60000"/>
+            </a:schemeClr>
+          </a:solidFill>
+        </p:spPr>
+        <p:txBody>
+          <a:bodyPr wrap="square" rtlCol="0">
+            <a:spAutoFit/>
+          </a:bodyPr>
+          <a:lstStyle/>
+          <a:p>
+            <a:pPr algn="ctr"/>
+            <a:r>
+              <a:rPr lang="en-US" sz="2800" dirty="0"/>
+              <a:t>High potential </a:t>
+            </a:r>
+          </a:p>
+          <a:p>
+            <a:pPr algn="ctr"/>
+            <a:r>
+              <a:rPr lang="en-US" sz="2800" dirty="0"/>
+              <a:t>for growth</a:t>
+            </a:r>
+          </a:p>
+        </p:txBody>
+      </p:sp>
+      <p:sp>
+        <p:nvSpPr>
+          <p:cNvPr id="14" name="TextBox 13">
+            <a:extLst>
+              <a:ext uri="{FF2B5EF4-FFF2-40B4-BE49-F238E27FC236}">
+                <a16:creationId xmlns:a16="http://schemas.microsoft.com/office/drawing/2014/main" id="{97531B5E-6677-4E3F-A748-522B1784D6DB}"/>
+              </a:ext>
+            </a:extLst>
+          </p:cNvPr>
+          <p:cNvSpPr txBox="1"/>
+          <p:nvPr/>
+        </p:nvSpPr>
+        <p:spPr>
+          <a:xfrm>
+            <a:off x="320789" y="2629191"/>
+            <a:ext cx="5257280" cy="2031325"/>
+          </a:xfrm>
+          <a:prstGeom prst="rect">
+            <a:avLst/>
+          </a:prstGeom>
+          <a:solidFill>
+            <a:schemeClr val="accent3">
+              <a:lumMod val="40000"/>
+              <a:lumOff val="60000"/>
+            </a:schemeClr>
+          </a:solidFill>
+        </p:spPr>
+        <p:txBody>
+          <a:bodyPr wrap="square">
+            <a:spAutoFit/>
+          </a:bodyPr>
+          <a:lstStyle/>
+          <a:p>
+            <a:pPr marL="342900" indent="-342900">
+              <a:buFont typeface="+mj-lt"/>
+              <a:buAutoNum type="arabicPeriod"/>
+            </a:pPr>
+            <a:r>
+              <a:rPr lang="en-US" dirty="0"/>
+              <a:t>Additional resources needed to maintain first mover advantage.</a:t>
+            </a:r>
+          </a:p>
+          <a:p>
+            <a:pPr marL="342900" indent="-342900">
+              <a:buFont typeface="+mj-lt"/>
+              <a:buAutoNum type="arabicPeriod"/>
+            </a:pPr>
+            <a:endParaRPr lang="en-US" dirty="0"/>
+          </a:p>
+          <a:p>
+            <a:pPr marL="342900" indent="-342900">
+              <a:buFont typeface="+mj-lt"/>
+              <a:buAutoNum type="arabicPeriod"/>
+            </a:pPr>
+            <a:r>
+              <a:rPr lang="en-US" dirty="0"/>
+              <a:t>competitive pressures increasing.</a:t>
+            </a:r>
+          </a:p>
+          <a:p>
+            <a:pPr marL="342900" indent="-342900">
+              <a:buFont typeface="+mj-lt"/>
+              <a:buAutoNum type="arabicPeriod"/>
+            </a:pPr>
+            <a:endParaRPr lang="en-US" dirty="0"/>
+          </a:p>
+          <a:p>
+            <a:pPr marL="342900" indent="-342900">
+              <a:buFont typeface="+mj-lt"/>
+              <a:buAutoNum type="arabicPeriod"/>
+            </a:pPr>
+            <a:r>
+              <a:rPr lang="en-US" dirty="0"/>
+              <a:t>expected spend in advertising and customer acquisition.</a:t>
+            </a:r>
+          </a:p>
+        </p:txBody>
+      </p:sp>
+      <p:sp>
+        <p:nvSpPr>
+          <p:cNvPr id="18" name="TextBox 17">
+            <a:extLst>
+              <a:ext uri="{FF2B5EF4-FFF2-40B4-BE49-F238E27FC236}">
+                <a16:creationId xmlns:a16="http://schemas.microsoft.com/office/drawing/2014/main" id="{00F6E158-22E5-4514-832C-B7C4FEC2141F}"/>
+              </a:ext>
+            </a:extLst>
+          </p:cNvPr>
+          <p:cNvSpPr txBox="1"/>
+          <p:nvPr/>
+        </p:nvSpPr>
+        <p:spPr>
+          <a:xfrm>
+            <a:off x="5899225" y="2528607"/>
+            <a:ext cx="5569887" cy="2308324"/>
+          </a:xfrm>
+          <a:prstGeom prst="rect">
+            <a:avLst/>
+          </a:prstGeom>
+          <a:solidFill>
+            <a:schemeClr val="accent3">
+              <a:lumMod val="40000"/>
+              <a:lumOff val="60000"/>
+            </a:schemeClr>
+          </a:solidFill>
+        </p:spPr>
+        <p:txBody>
+          <a:bodyPr wrap="square">
+            <a:spAutoFit/>
+          </a:bodyPr>
+          <a:lstStyle/>
+          <a:p>
+            <a:pPr marL="342900" indent="-342900">
+              <a:buFont typeface="+mj-lt"/>
+              <a:buAutoNum type="arabicPeriod"/>
+            </a:pPr>
+            <a:r>
+              <a:rPr lang="en-US" dirty="0"/>
+              <a:t>potential for growth will allow new investors to see an outsized return.</a:t>
+            </a:r>
+          </a:p>
+          <a:p>
+            <a:pPr marL="342900" indent="-342900">
+              <a:buFont typeface="+mj-lt"/>
+              <a:buAutoNum type="arabicPeriod"/>
+            </a:pPr>
+            <a:endParaRPr lang="en-US" dirty="0"/>
+          </a:p>
+          <a:p>
+            <a:pPr marL="342900" indent="-342900">
+              <a:buFont typeface="+mj-lt"/>
+              <a:buAutoNum type="arabicPeriod"/>
+            </a:pPr>
+            <a:r>
+              <a:rPr lang="en-US" dirty="0"/>
+              <a:t>customer adoption will scale up exponentially.</a:t>
+            </a:r>
+          </a:p>
+          <a:p>
+            <a:pPr marL="342900" indent="-342900">
+              <a:buFont typeface="+mj-lt"/>
+              <a:buAutoNum type="arabicPeriod"/>
+            </a:pPr>
+            <a:endParaRPr lang="en-US" dirty="0"/>
+          </a:p>
+          <a:p>
+            <a:pPr marL="342900" indent="-342900">
+              <a:buFont typeface="+mj-lt"/>
+              <a:buAutoNum type="arabicPeriod"/>
+            </a:pPr>
+            <a:r>
+              <a:rPr lang="en-US" dirty="0"/>
+              <a:t>The key to success will be in locking in a loyal customer base early.</a:t>
+            </a:r>
+          </a:p>
+        </p:txBody>
+      </p:sp>
+      <p:cxnSp>
+        <p:nvCxnSpPr>
+          <p:cNvPr id="25" name="Straight Connector 24">
+            <a:extLst>
+              <a:ext uri="{FF2B5EF4-FFF2-40B4-BE49-F238E27FC236}">
+                <a16:creationId xmlns:a16="http://schemas.microsoft.com/office/drawing/2014/main" id="{F35E77DB-091D-412B-9D06-D538BD44C21A}"/>
+              </a:ext>
+            </a:extLst>
+          </p:cNvPr>
+          <p:cNvCxnSpPr>
+            <a:cxnSpLocks/>
+          </p:cNvCxnSpPr>
+          <p:nvPr/>
+        </p:nvCxnSpPr>
+        <p:spPr>
+          <a:xfrm>
+            <a:off x="11752897" y="1343962"/>
+            <a:ext cx="0" cy="4935274"/>
+          </a:xfrm>
+          <a:prstGeom prst="line">
+            <a:avLst/>
+          </a:prstGeom>
+        </p:spPr>
+        <p:style>
+          <a:lnRef idx="1">
+            <a:schemeClr val="dk1"/>
+          </a:lnRef>
+          <a:fillRef idx="0">
+            <a:schemeClr val="dk1"/>
+          </a:fillRef>
+          <a:effectRef idx="0">
+            <a:schemeClr val="dk1"/>
+          </a:effectRef>
+          <a:fontRef idx="minor">
+            <a:schemeClr val="tx1"/>
+          </a:fontRef>
+        </p:style>
+      </p:cxnSp>
+    </p:spTree>
+    <p:extLst>
+      <p:ext uri="{BB962C8B-B14F-4D97-AF65-F5344CB8AC3E}">
+        <p14:creationId xmlns:p14="http://schemas.microsoft.com/office/powerpoint/2010/main" val="905018575"/>
+      </p:ext>
+    </p:extLst>
+  </p:cSld>
+  <p:clrMapOvr>
+    <a:masterClrMapping/>
+  </p:clrMapOvr>
+</p:sld>
+</file>
+
+<file path=ppt/slides/slide31.xml><?xml version="1.0" encoding="utf-8"?>
+<p:sld xmlns:a="http://schemas.openxmlformats.org/drawingml/2006/main" xmlns:r="http://schemas.openxmlformats.org/officeDocument/2006/relationships" xmlns:p="http://schemas.openxmlformats.org/presentationml/2006/main">
+  <p:cSld>
+    <p:spTree>
+      <p:nvGrpSpPr>
+        <p:cNvPr id="1" name=""/>
+        <p:cNvGrpSpPr/>
+        <p:nvPr/>
+      </p:nvGrpSpPr>
+      <p:grpSpPr>
+        <a:xfrm>
+          <a:off x="0" y="0"/>
+          <a:ext cx="0" cy="0"/>
+          <a:chOff x="0" y="0"/>
+          <a:chExt cx="0" cy="0"/>
+        </a:xfrm>
+      </p:grpSpPr>
+      <p:sp>
+        <p:nvSpPr>
+          <p:cNvPr id="2" name="Title 1"/>
+          <p:cNvSpPr>
+            <a:spLocks noGrp="1"/>
+          </p:cNvSpPr>
+          <p:nvPr>
+            <p:ph type="title"/>
+          </p:nvPr>
+        </p:nvSpPr>
+        <p:spPr/>
+        <p:style>
+          <a:lnRef idx="1">
+            <a:schemeClr val="accent1"/>
+          </a:lnRef>
+          <a:fillRef idx="2">
+            <a:schemeClr val="accent1"/>
+          </a:fillRef>
+          <a:effectRef idx="1">
+            <a:schemeClr val="accent1"/>
+          </a:effectRef>
+          <a:fontRef idx="minor">
+            <a:schemeClr val="dk1"/>
+          </a:fontRef>
+        </p:style>
+        <p:txBody>
+          <a:bodyPr>
+            <a:normAutofit/>
+          </a:bodyPr>
+          <a:lstStyle/>
+          <a:p>
+            <a:pPr algn="l"/>
+            <a:r>
+              <a:rPr lang="en-US" sz="2800" dirty="0"/>
+              <a:t>Customer Acquisition plans of Jio Telecom</a:t>
+            </a:r>
+          </a:p>
+        </p:txBody>
+      </p:sp>
+      <p:sp>
+        <p:nvSpPr>
+          <p:cNvPr id="4" name="Rectangle 3"/>
+          <p:cNvSpPr/>
+          <p:nvPr/>
+        </p:nvSpPr>
+        <p:spPr>
+          <a:xfrm>
+            <a:off x="382137" y="1442661"/>
+            <a:ext cx="11341290" cy="3693319"/>
+          </a:xfrm>
+          <a:prstGeom prst="rect">
+            <a:avLst/>
+          </a:prstGeom>
+          <a:solidFill>
+            <a:schemeClr val="accent1">
+              <a:lumMod val="20000"/>
+              <a:lumOff val="80000"/>
+            </a:schemeClr>
+          </a:solidFill>
+        </p:spPr>
+        <p:txBody>
+          <a:bodyPr wrap="square">
+            <a:spAutoFit/>
+          </a:bodyPr>
+          <a:lstStyle/>
+          <a:p>
+            <a:r>
+              <a:rPr lang="en-US" b="1" dirty="0">
+                <a:solidFill>
+                  <a:srgbClr val="222222"/>
+                </a:solidFill>
+                <a:latin typeface="Roboto Slab" panose="020B0604020202020204" charset="0"/>
+                <a:ea typeface="Roboto Slab" panose="020B0604020202020204" charset="0"/>
+              </a:rPr>
+              <a:t>Target Audience of Jio Telecom:</a:t>
+            </a:r>
+          </a:p>
+          <a:p>
+            <a:r>
+              <a:rPr lang="en-US" dirty="0">
+                <a:latin typeface="Roboto Slab" panose="020B0604020202020204" charset="0"/>
+                <a:ea typeface="Roboto Slab" panose="020B0604020202020204" charset="0"/>
+                <a:cs typeface="Arial" pitchFamily="34" charset="0"/>
+              </a:rPr>
+              <a:t>Jio’s target of having 100 million subscribers in 100 days after its launch speaks volumes of their </a:t>
+            </a:r>
+          </a:p>
+          <a:p>
+            <a:r>
+              <a:rPr lang="en-US" dirty="0">
+                <a:latin typeface="Roboto Slab" panose="020B0604020202020204" charset="0"/>
+                <a:ea typeface="Roboto Slab" panose="020B0604020202020204" charset="0"/>
+                <a:cs typeface="Arial" pitchFamily="34" charset="0"/>
+              </a:rPr>
+              <a:t>marketing strategy. Currently, the company’s revenue is around 1.6 billion dollars approximately.</a:t>
+            </a:r>
+          </a:p>
+          <a:p>
+            <a:endParaRPr lang="en-US" dirty="0">
+              <a:latin typeface="Roboto Slab" panose="020B0604020202020204" charset="0"/>
+              <a:ea typeface="Roboto Slab" panose="020B0604020202020204" charset="0"/>
+              <a:cs typeface="Arial" pitchFamily="34" charset="0"/>
+            </a:endParaRPr>
+          </a:p>
+          <a:p>
+            <a:pPr marL="457200" indent="-457200">
+              <a:buFont typeface="+mj-lt"/>
+              <a:buAutoNum type="arabicPeriod"/>
+            </a:pPr>
+            <a:r>
+              <a:rPr lang="en-US" dirty="0">
+                <a:latin typeface="Roboto Slab" panose="020B0604020202020204" charset="0"/>
+                <a:ea typeface="Roboto Slab" panose="020B0604020202020204" charset="0"/>
+                <a:cs typeface="Arial" pitchFamily="34" charset="0"/>
+              </a:rPr>
+              <a:t>Jio paid interest in providing the best and cheapest Internet data services, so their target audience became the one’s having Smartphone, looking for high-speed internet connection. </a:t>
+            </a:r>
+          </a:p>
+          <a:p>
+            <a:pPr marL="457200" indent="-457200">
+              <a:buFont typeface="+mj-lt"/>
+              <a:buAutoNum type="arabicPeriod"/>
+            </a:pPr>
+            <a:endParaRPr lang="en-US" dirty="0">
+              <a:latin typeface="Roboto Slab" panose="020B0604020202020204" charset="0"/>
+              <a:ea typeface="Roboto Slab" panose="020B0604020202020204" charset="0"/>
+              <a:cs typeface="Arial" pitchFamily="34" charset="0"/>
+            </a:endParaRPr>
+          </a:p>
+          <a:p>
+            <a:pPr marL="457200" indent="-457200">
+              <a:buFont typeface="+mj-lt"/>
+              <a:buAutoNum type="arabicPeriod"/>
+            </a:pPr>
+            <a:r>
+              <a:rPr lang="en-US" dirty="0">
+                <a:latin typeface="Roboto Slab" panose="020B0604020202020204" charset="0"/>
+                <a:ea typeface="Roboto Slab" panose="020B0604020202020204" charset="0"/>
+                <a:cs typeface="Arial" pitchFamily="34" charset="0"/>
+              </a:rPr>
+              <a:t>Not only is Jio targeting people using smartphones but also the industries which require the use of digital technology. Bridging gap between customer merchants and the final consumer.</a:t>
+            </a:r>
+          </a:p>
+          <a:p>
+            <a:pPr marL="457200" indent="-457200">
+              <a:buFont typeface="+mj-lt"/>
+              <a:buAutoNum type="arabicPeriod"/>
+            </a:pPr>
+            <a:endParaRPr lang="en-US" dirty="0">
+              <a:latin typeface="Roboto Slab" panose="020B0604020202020204" charset="0"/>
+              <a:ea typeface="Roboto Slab" panose="020B0604020202020204" charset="0"/>
+              <a:cs typeface="Arial" pitchFamily="34" charset="0"/>
+            </a:endParaRPr>
+          </a:p>
+          <a:p>
+            <a:pPr marL="457200" indent="-457200">
+              <a:buFont typeface="+mj-lt"/>
+              <a:buAutoNum type="arabicPeriod"/>
+            </a:pPr>
+            <a:r>
+              <a:rPr lang="en-US" dirty="0">
+                <a:latin typeface="Roboto Slab" panose="020B0604020202020204" charset="0"/>
+                <a:ea typeface="Roboto Slab" panose="020B0604020202020204" charset="0"/>
+                <a:cs typeface="Arial" pitchFamily="34" charset="0"/>
+              </a:rPr>
+              <a:t>Jio’s plan is uniquely devised to capture any industry which requires the use of technology including AI,IOT and voice automation. Some specific industries include Education, Healthcare, Media and payment channels.</a:t>
+            </a:r>
+          </a:p>
+        </p:txBody>
+      </p:sp>
+    </p:spTree>
+    <p:extLst>
+      <p:ext uri="{BB962C8B-B14F-4D97-AF65-F5344CB8AC3E}">
+        <p14:creationId xmlns:p14="http://schemas.microsoft.com/office/powerpoint/2010/main" val="1923249020"/>
+      </p:ext>
+    </p:extLst>
+  </p:cSld>
+  <p:clrMapOvr>
+    <a:masterClrMapping/>
+  </p:clrMapOvr>
+</p:sld>
+</file>
+
+<file path=ppt/slides/slide32.xml><?xml version="1.0" encoding="utf-8"?>
+<p:sld xmlns:a="http://schemas.openxmlformats.org/drawingml/2006/main" xmlns:r="http://schemas.openxmlformats.org/officeDocument/2006/relationships" xmlns:p="http://schemas.openxmlformats.org/presentationml/2006/main">
+  <p:cSld>
+    <p:spTree>
+      <p:nvGrpSpPr>
+        <p:cNvPr id="1" name=""/>
+        <p:cNvGrpSpPr/>
+        <p:nvPr/>
+      </p:nvGrpSpPr>
+      <p:grpSpPr>
+        <a:xfrm>
+          <a:off x="0" y="0"/>
+          <a:ext cx="0" cy="0"/>
+          <a:chOff x="0" y="0"/>
+          <a:chExt cx="0" cy="0"/>
+        </a:xfrm>
+      </p:grpSpPr>
+      <p:sp>
+        <p:nvSpPr>
+          <p:cNvPr id="2" name="Title 1"/>
+          <p:cNvSpPr>
+            <a:spLocks noGrp="1"/>
+          </p:cNvSpPr>
+          <p:nvPr>
+            <p:ph type="title"/>
+          </p:nvPr>
+        </p:nvSpPr>
+        <p:spPr/>
+        <p:style>
+          <a:lnRef idx="1">
+            <a:schemeClr val="accent1"/>
+          </a:lnRef>
+          <a:fillRef idx="2">
+            <a:schemeClr val="accent1"/>
+          </a:fillRef>
+          <a:effectRef idx="1">
+            <a:schemeClr val="accent1"/>
+          </a:effectRef>
+          <a:fontRef idx="minor">
+            <a:schemeClr val="dk1"/>
+          </a:fontRef>
+        </p:style>
+        <p:txBody>
+          <a:bodyPr>
+            <a:normAutofit/>
+          </a:bodyPr>
+          <a:lstStyle/>
+          <a:p>
+            <a:pPr algn="l"/>
+            <a:r>
+              <a:rPr lang="en-US" sz="2800" dirty="0"/>
+              <a:t>Customer Acquisition plans of Jio Telecom</a:t>
+            </a:r>
+          </a:p>
+        </p:txBody>
+      </p:sp>
+      <p:sp>
+        <p:nvSpPr>
+          <p:cNvPr id="3" name="Rectangle 2"/>
+          <p:cNvSpPr/>
+          <p:nvPr/>
+        </p:nvSpPr>
+        <p:spPr>
+          <a:xfrm>
+            <a:off x="682387" y="1443841"/>
+            <a:ext cx="10440537" cy="3693319"/>
+          </a:xfrm>
+          <a:prstGeom prst="rect">
+            <a:avLst/>
+          </a:prstGeom>
+          <a:solidFill>
+            <a:schemeClr val="accent1">
+              <a:lumMod val="20000"/>
+              <a:lumOff val="80000"/>
+            </a:schemeClr>
+          </a:solidFill>
+        </p:spPr>
+        <p:txBody>
+          <a:bodyPr wrap="square">
+            <a:spAutoFit/>
+          </a:bodyPr>
+          <a:lstStyle/>
+          <a:p>
+            <a:r>
+              <a:rPr lang="en-US" b="1" dirty="0"/>
+              <a:t>Selling point:</a:t>
+            </a:r>
+          </a:p>
+          <a:p>
+            <a:pPr marL="457200" indent="-457200">
+              <a:buFont typeface="+mj-lt"/>
+              <a:buAutoNum type="arabicPeriod"/>
+            </a:pPr>
+            <a:r>
+              <a:rPr lang="en-US" dirty="0">
+                <a:cs typeface="Arial" pitchFamily="34" charset="0"/>
+              </a:rPr>
+              <a:t>free services to it’s customers in the beginning, bundled with a variety of services which allowed for On-demand streaming of movies, TV and music.</a:t>
+            </a:r>
+          </a:p>
+          <a:p>
+            <a:pPr marL="457200" indent="-457200">
+              <a:buFont typeface="+mj-lt"/>
+              <a:buAutoNum type="arabicPeriod"/>
+            </a:pPr>
+            <a:endParaRPr lang="en-US" dirty="0">
+              <a:cs typeface="Arial" pitchFamily="34" charset="0"/>
+            </a:endParaRPr>
+          </a:p>
+          <a:p>
+            <a:pPr marL="457200" indent="-457200">
+              <a:buFont typeface="+mj-lt"/>
+              <a:buAutoNum type="arabicPeriod"/>
+            </a:pPr>
+            <a:r>
+              <a:rPr lang="en-US" dirty="0">
+                <a:cs typeface="Arial" pitchFamily="34" charset="0"/>
+              </a:rPr>
+              <a:t>Easy Activation –Easy processing with e-KYC, home delivery and quick activation.</a:t>
+            </a:r>
+          </a:p>
+          <a:p>
+            <a:pPr marL="457200" indent="-457200">
+              <a:buFont typeface="+mj-lt"/>
+              <a:buAutoNum type="arabicPeriod"/>
+            </a:pPr>
+            <a:endParaRPr lang="en-US" dirty="0">
+              <a:cs typeface="Arial" pitchFamily="34" charset="0"/>
+            </a:endParaRPr>
+          </a:p>
+          <a:p>
+            <a:pPr marL="457200" indent="-457200">
+              <a:buFont typeface="+mj-lt"/>
+              <a:buAutoNum type="arabicPeriod"/>
+            </a:pPr>
+            <a:r>
+              <a:rPr lang="en-US" dirty="0">
+                <a:cs typeface="Arial" pitchFamily="34" charset="0"/>
+              </a:rPr>
+              <a:t>Customer Retention – offered Prime Membership for extremely competitive price.</a:t>
+            </a:r>
+          </a:p>
+          <a:p>
+            <a:pPr marL="457200" indent="-457200">
+              <a:buFont typeface="+mj-lt"/>
+              <a:buAutoNum type="arabicPeriod"/>
+            </a:pPr>
+            <a:endParaRPr lang="en-US" dirty="0">
+              <a:cs typeface="Arial" pitchFamily="34" charset="0"/>
+            </a:endParaRPr>
+          </a:p>
+          <a:p>
+            <a:pPr marL="457200" indent="-457200">
+              <a:buFont typeface="+mj-lt"/>
+              <a:buAutoNum type="arabicPeriod"/>
+            </a:pPr>
+            <a:r>
+              <a:rPr lang="en-US" dirty="0">
+                <a:cs typeface="Arial" pitchFamily="34" charset="0"/>
+              </a:rPr>
+              <a:t>Referral Marketing – Jio did not invest big money in advertising. It relied on word of mouth and referral marketing.</a:t>
+            </a:r>
+          </a:p>
+          <a:p>
+            <a:pPr marL="457200" indent="-457200">
+              <a:buFont typeface="+mj-lt"/>
+              <a:buAutoNum type="arabicPeriod"/>
+            </a:pPr>
+            <a:endParaRPr lang="en-US" dirty="0">
+              <a:cs typeface="Arial" pitchFamily="34" charset="0"/>
+            </a:endParaRPr>
+          </a:p>
+          <a:p>
+            <a:pPr marL="457200" indent="-457200">
+              <a:buFont typeface="+mj-lt"/>
+              <a:buAutoNum type="arabicPeriod"/>
+            </a:pPr>
+            <a:r>
+              <a:rPr lang="en-US" dirty="0">
+                <a:cs typeface="Arial" pitchFamily="34" charset="0"/>
+              </a:rPr>
+              <a:t>Superior Technology –  Jio had VoLTE, with a capability of handling voice calls with the help of data and hence created an edge over competitors.</a:t>
+            </a:r>
+          </a:p>
+        </p:txBody>
+      </p:sp>
+    </p:spTree>
+    <p:extLst>
+      <p:ext uri="{BB962C8B-B14F-4D97-AF65-F5344CB8AC3E}">
+        <p14:creationId xmlns:p14="http://schemas.microsoft.com/office/powerpoint/2010/main" val="2871624059"/>
+      </p:ext>
+    </p:extLst>
+  </p:cSld>
+  <p:clrMapOvr>
+    <a:masterClrMapping/>
+  </p:clrMapOvr>
+</p:sld>
+</file>
+
+<file path=ppt/slides/slide33.xml><?xml version="1.0" encoding="utf-8"?>
+<p:sld xmlns:a="http://schemas.openxmlformats.org/drawingml/2006/main" xmlns:r="http://schemas.openxmlformats.org/officeDocument/2006/relationships" xmlns:p="http://schemas.openxmlformats.org/presentationml/2006/main">
+  <p:cSld>
+    <p:spTree>
+      <p:nvGrpSpPr>
+        <p:cNvPr id="1" name=""/>
+        <p:cNvGrpSpPr/>
+        <p:nvPr/>
+      </p:nvGrpSpPr>
+      <p:grpSpPr>
+        <a:xfrm>
+          <a:off x="0" y="0"/>
+          <a:ext cx="0" cy="0"/>
+          <a:chOff x="0" y="0"/>
+          <a:chExt cx="0" cy="0"/>
+        </a:xfrm>
+      </p:grpSpPr>
+      <p:sp>
+        <p:nvSpPr>
+          <p:cNvPr id="2" name="Title 1"/>
+          <p:cNvSpPr>
+            <a:spLocks noGrp="1"/>
+          </p:cNvSpPr>
+          <p:nvPr>
+            <p:ph type="title"/>
+          </p:nvPr>
+        </p:nvSpPr>
+        <p:spPr/>
+        <p:style>
+          <a:lnRef idx="1">
+            <a:schemeClr val="accent1"/>
+          </a:lnRef>
+          <a:fillRef idx="2">
+            <a:schemeClr val="accent1"/>
+          </a:fillRef>
+          <a:effectRef idx="1">
+            <a:schemeClr val="accent1"/>
+          </a:effectRef>
+          <a:fontRef idx="minor">
+            <a:schemeClr val="dk1"/>
+          </a:fontRef>
+        </p:style>
+        <p:txBody>
+          <a:bodyPr>
+            <a:normAutofit/>
+          </a:bodyPr>
+          <a:lstStyle/>
+          <a:p>
+            <a:pPr algn="l"/>
+            <a:r>
+              <a:rPr lang="en-US" sz="2800" dirty="0"/>
+              <a:t>Customer Acquisition plans of Jio Telecom</a:t>
+            </a:r>
+          </a:p>
+        </p:txBody>
+      </p:sp>
+      <p:sp>
+        <p:nvSpPr>
+          <p:cNvPr id="3" name="Rectangle 2"/>
+          <p:cNvSpPr/>
+          <p:nvPr/>
+        </p:nvSpPr>
+        <p:spPr>
+          <a:xfrm>
+            <a:off x="423081" y="1443841"/>
+            <a:ext cx="11505062" cy="3970318"/>
+          </a:xfrm>
+          <a:prstGeom prst="rect">
+            <a:avLst/>
+          </a:prstGeom>
+          <a:solidFill>
+            <a:schemeClr val="accent1">
+              <a:lumMod val="20000"/>
+              <a:lumOff val="80000"/>
+            </a:schemeClr>
+          </a:solidFill>
+        </p:spPr>
+        <p:txBody>
+          <a:bodyPr wrap="square">
+            <a:spAutoFit/>
+          </a:bodyPr>
+          <a:lstStyle/>
+          <a:p>
+            <a:r>
+              <a:rPr lang="en-US" b="1" dirty="0">
+                <a:solidFill>
+                  <a:prstClr val="black"/>
+                </a:solidFill>
+              </a:rPr>
+              <a:t>Advertisement:</a:t>
+            </a:r>
+          </a:p>
+          <a:p>
+            <a:pPr marL="457200" indent="-457200">
+              <a:buFont typeface="+mj-lt"/>
+              <a:buAutoNum type="arabicPeriod"/>
+            </a:pPr>
+            <a:r>
+              <a:rPr lang="en-US" dirty="0">
+                <a:solidFill>
+                  <a:prstClr val="black"/>
+                </a:solidFill>
+                <a:latin typeface="Arial" pitchFamily="34" charset="0"/>
+                <a:cs typeface="Arial" pitchFamily="34" charset="0"/>
+              </a:rPr>
+              <a:t>Jio has been very aggressive with its promotional campaign, both online &amp; offline.</a:t>
+            </a:r>
+          </a:p>
+          <a:p>
+            <a:pPr marL="457200" indent="-457200">
+              <a:buFont typeface="+mj-lt"/>
+              <a:buAutoNum type="arabicPeriod"/>
+            </a:pPr>
+            <a:endParaRPr lang="en-US" dirty="0">
+              <a:solidFill>
+                <a:prstClr val="black"/>
+              </a:solidFill>
+              <a:latin typeface="Arial" pitchFamily="34" charset="0"/>
+              <a:cs typeface="Arial" pitchFamily="34" charset="0"/>
+            </a:endParaRPr>
+          </a:p>
+          <a:p>
+            <a:pPr marL="457200" indent="-457200">
+              <a:buFont typeface="+mj-lt"/>
+              <a:buAutoNum type="arabicPeriod"/>
+            </a:pPr>
+            <a:r>
+              <a:rPr lang="en-US" dirty="0">
+                <a:solidFill>
+                  <a:prstClr val="black"/>
+                </a:solidFill>
+                <a:latin typeface="Arial" pitchFamily="34" charset="0"/>
+                <a:cs typeface="Arial" pitchFamily="34" charset="0"/>
+              </a:rPr>
+              <a:t>In December 2016, Jio collaborated with Pokemon Go. The popularity of Pokemon Go helped to promote Jio within the younger section of the society.</a:t>
+            </a:r>
+          </a:p>
+          <a:p>
+            <a:pPr marL="457200" indent="-457200">
+              <a:buFont typeface="+mj-lt"/>
+              <a:buAutoNum type="arabicPeriod"/>
+            </a:pPr>
+            <a:endParaRPr lang="en-US" dirty="0">
+              <a:solidFill>
+                <a:prstClr val="black"/>
+              </a:solidFill>
+              <a:latin typeface="Arial" pitchFamily="34" charset="0"/>
+              <a:cs typeface="Arial" pitchFamily="34" charset="0"/>
+            </a:endParaRPr>
+          </a:p>
+          <a:p>
+            <a:pPr marL="457200" indent="-457200">
+              <a:buFont typeface="+mj-lt"/>
+              <a:buAutoNum type="arabicPeriod"/>
+            </a:pPr>
+            <a:r>
+              <a:rPr lang="en-US" dirty="0">
+                <a:solidFill>
+                  <a:prstClr val="black"/>
+                </a:solidFill>
+                <a:latin typeface="Arial" pitchFamily="34" charset="0"/>
+                <a:cs typeface="Arial" pitchFamily="34" charset="0"/>
+              </a:rPr>
+              <a:t>Jio was spread on all social media platforms like Instagram, Facebook, Twitter, and YouTube. </a:t>
+            </a:r>
+          </a:p>
+          <a:p>
+            <a:pPr marL="457200" indent="-457200">
+              <a:buFont typeface="+mj-lt"/>
+              <a:buAutoNum type="arabicPeriod"/>
+            </a:pPr>
+            <a:r>
+              <a:rPr lang="en-US" dirty="0">
+                <a:solidFill>
+                  <a:prstClr val="black"/>
+                </a:solidFill>
+                <a:latin typeface="Arial" pitchFamily="34" charset="0"/>
+                <a:cs typeface="Arial" pitchFamily="34" charset="0"/>
+              </a:rPr>
+              <a:t>They signed popular celebrities as their brand ambassador. </a:t>
+            </a:r>
+          </a:p>
+          <a:p>
+            <a:pPr marL="457200" indent="-457200">
+              <a:buFont typeface="+mj-lt"/>
+              <a:buAutoNum type="arabicPeriod"/>
+            </a:pPr>
+            <a:endParaRPr lang="en-US" dirty="0">
+              <a:solidFill>
+                <a:prstClr val="black"/>
+              </a:solidFill>
+              <a:latin typeface="Arial" pitchFamily="34" charset="0"/>
+              <a:cs typeface="Arial" pitchFamily="34" charset="0"/>
+            </a:endParaRPr>
+          </a:p>
+          <a:p>
+            <a:pPr marL="457200" indent="-457200">
+              <a:buFont typeface="+mj-lt"/>
+              <a:buAutoNum type="arabicPeriod"/>
+            </a:pPr>
+            <a:r>
+              <a:rPr lang="en-US" dirty="0">
+                <a:solidFill>
+                  <a:prstClr val="black"/>
+                </a:solidFill>
+                <a:latin typeface="Arial" pitchFamily="34" charset="0"/>
+                <a:cs typeface="Arial" pitchFamily="34" charset="0"/>
+              </a:rPr>
+              <a:t>They have launched ad campaigns on television, radio, newspapers, magazines, and billboards. They made sure to have a sort of omnipresence in people’s minds.</a:t>
+            </a:r>
+          </a:p>
+          <a:p>
+            <a:pPr marL="457200" indent="-457200">
+              <a:buFont typeface="+mj-lt"/>
+              <a:buAutoNum type="arabicPeriod"/>
+            </a:pPr>
+            <a:endParaRPr lang="en-US" dirty="0">
+              <a:solidFill>
+                <a:prstClr val="black"/>
+              </a:solidFill>
+              <a:latin typeface="Arial" pitchFamily="34" charset="0"/>
+              <a:cs typeface="Arial" pitchFamily="34" charset="0"/>
+            </a:endParaRPr>
+          </a:p>
+          <a:p>
+            <a:pPr marL="457200" indent="-457200">
+              <a:buFont typeface="+mj-lt"/>
+              <a:buAutoNum type="arabicPeriod"/>
+            </a:pPr>
+            <a:r>
+              <a:rPr lang="en-US" dirty="0">
+                <a:solidFill>
+                  <a:prstClr val="black"/>
+                </a:solidFill>
+                <a:latin typeface="Arial" pitchFamily="34" charset="0"/>
+                <a:cs typeface="Arial" pitchFamily="34" charset="0"/>
+              </a:rPr>
+              <a:t>Another genius move by Jio was the free internet Wi-Fi services they offered at six cricket stadiums during free internet Wi-Fi services at six cricket stadiums.</a:t>
+            </a:r>
+          </a:p>
+        </p:txBody>
+      </p:sp>
+    </p:spTree>
+    <p:extLst>
+      <p:ext uri="{BB962C8B-B14F-4D97-AF65-F5344CB8AC3E}">
+        <p14:creationId xmlns:p14="http://schemas.microsoft.com/office/powerpoint/2010/main" val="550484180"/>
+      </p:ext>
+    </p:extLst>
+  </p:cSld>
+  <p:clrMapOvr>
+    <a:masterClrMapping/>
+  </p:clrMapOvr>
+</p:sld>
+</file>
+
+<file path=ppt/slides/slide34.xml><?xml version="1.0" encoding="utf-8"?>
+<p:sld xmlns:a="http://schemas.openxmlformats.org/drawingml/2006/main" xmlns:r="http://schemas.openxmlformats.org/officeDocument/2006/relationships" xmlns:p="http://schemas.openxmlformats.org/presentationml/2006/main">
+  <p:cSld>
+    <p:spTree>
+      <p:nvGrpSpPr>
+        <p:cNvPr id="1" name=""/>
+        <p:cNvGrpSpPr/>
+        <p:nvPr/>
+      </p:nvGrpSpPr>
+      <p:grpSpPr>
+        <a:xfrm>
+          <a:off x="0" y="0"/>
+          <a:ext cx="0" cy="0"/>
+          <a:chOff x="0" y="0"/>
+          <a:chExt cx="0" cy="0"/>
+        </a:xfrm>
+      </p:grpSpPr>
+      <p:sp>
+        <p:nvSpPr>
+          <p:cNvPr id="2" name="Title 1"/>
+          <p:cNvSpPr>
+            <a:spLocks noGrp="1"/>
+          </p:cNvSpPr>
+          <p:nvPr>
+            <p:ph type="title"/>
+          </p:nvPr>
+        </p:nvSpPr>
+        <p:spPr/>
+        <p:style>
+          <a:lnRef idx="1">
+            <a:schemeClr val="accent3"/>
+          </a:lnRef>
+          <a:fillRef idx="2">
+            <a:schemeClr val="accent3"/>
+          </a:fillRef>
+          <a:effectRef idx="1">
+            <a:schemeClr val="accent3"/>
+          </a:effectRef>
+          <a:fontRef idx="minor">
+            <a:schemeClr val="dk1"/>
+          </a:fontRef>
+        </p:style>
+        <p:txBody>
+          <a:bodyPr/>
+          <a:lstStyle/>
+          <a:p>
+            <a:pPr algn="l"/>
+            <a:r>
+              <a:rPr lang="en-US" dirty="0"/>
+              <a:t>Market Validation-AI in Telecom</a:t>
+            </a:r>
+          </a:p>
+        </p:txBody>
+      </p:sp>
+      <p:pic>
+        <p:nvPicPr>
+          <p:cNvPr id="1026" name="Picture 2"/>
+          <p:cNvPicPr>
+            <a:picLocks noChangeAspect="1" noChangeArrowheads="1"/>
+          </p:cNvPicPr>
+          <p:nvPr/>
+        </p:nvPicPr>
+        <p:blipFill>
+          <a:blip r:embed="rId3">
+            <a:extLst>
+              <a:ext uri="{28A0092B-C50C-407E-A947-70E740481C1C}">
+                <a14:useLocalDpi xmlns:a14="http://schemas.microsoft.com/office/drawing/2010/main" val="0"/>
+              </a:ext>
+            </a:extLst>
+          </a:blip>
+          <a:srcRect/>
+          <a:stretch>
+            <a:fillRect/>
+          </a:stretch>
+        </p:blipFill>
+        <p:spPr bwMode="auto">
+          <a:xfrm>
+            <a:off x="394763" y="1749972"/>
+            <a:ext cx="8087269" cy="4321633"/>
+          </a:xfrm>
+          <a:prstGeom prst="rect">
+            <a:avLst/>
+          </a:prstGeom>
+          <a:solidFill>
+            <a:schemeClr val="accent1">
+              <a:lumMod val="20000"/>
+              <a:lumOff val="80000"/>
+            </a:schemeClr>
+          </a:solidFill>
+          <a:ln>
+            <a:noFill/>
+          </a:ln>
+          <a:effectLst/>
+        </p:spPr>
+      </p:pic>
+      <p:sp>
+        <p:nvSpPr>
+          <p:cNvPr id="3" name="Rectangle 2"/>
+          <p:cNvSpPr/>
+          <p:nvPr/>
+        </p:nvSpPr>
+        <p:spPr>
+          <a:xfrm>
+            <a:off x="9129095" y="2049415"/>
+            <a:ext cx="2479345" cy="3139321"/>
+          </a:xfrm>
+          <a:prstGeom prst="rect">
+            <a:avLst/>
+          </a:prstGeom>
+          <a:solidFill>
+            <a:schemeClr val="accent1">
+              <a:lumMod val="20000"/>
+              <a:lumOff val="80000"/>
+            </a:schemeClr>
+          </a:solidFill>
+        </p:spPr>
+        <p:txBody>
+          <a:bodyPr wrap="square">
+            <a:spAutoFit/>
+          </a:bodyPr>
+          <a:lstStyle/>
+          <a:p>
+            <a:r>
+              <a:rPr lang="en-US" dirty="0">
+                <a:solidFill>
+                  <a:prstClr val="black"/>
+                </a:solidFill>
+              </a:rPr>
+              <a:t>The global artificial intelligence in telecommunication market size was valued at USD 679.0 million in 2019 and is expected to grow at a compound annual growth rate (CAGR) of 38.4% from 2020 to 2027.</a:t>
+            </a:r>
+          </a:p>
+        </p:txBody>
+      </p:sp>
+      <p:cxnSp>
+        <p:nvCxnSpPr>
+          <p:cNvPr id="5" name="Straight Connector 4">
+            <a:extLst>
+              <a:ext uri="{FF2B5EF4-FFF2-40B4-BE49-F238E27FC236}">
+                <a16:creationId xmlns:a16="http://schemas.microsoft.com/office/drawing/2014/main" id="{870E80D4-579D-4A9B-A02D-E51AE4CC712B}"/>
+              </a:ext>
+            </a:extLst>
+          </p:cNvPr>
+          <p:cNvCxnSpPr/>
+          <p:nvPr/>
+        </p:nvCxnSpPr>
+        <p:spPr>
+          <a:xfrm>
+            <a:off x="8749862" y="1245476"/>
+            <a:ext cx="0" cy="5060731"/>
+          </a:xfrm>
+          <a:prstGeom prst="line">
+            <a:avLst/>
+          </a:prstGeom>
+        </p:spPr>
+        <p:style>
+          <a:lnRef idx="1">
+            <a:schemeClr val="dk1"/>
+          </a:lnRef>
+          <a:fillRef idx="0">
+            <a:schemeClr val="dk1"/>
+          </a:fillRef>
+          <a:effectRef idx="0">
+            <a:schemeClr val="dk1"/>
+          </a:effectRef>
+          <a:fontRef idx="minor">
+            <a:schemeClr val="tx1"/>
+          </a:fontRef>
+        </p:style>
+      </p:cxnSp>
+    </p:spTree>
+    <p:extLst>
+      <p:ext uri="{BB962C8B-B14F-4D97-AF65-F5344CB8AC3E}">
+        <p14:creationId xmlns:p14="http://schemas.microsoft.com/office/powerpoint/2010/main" val="1381889898"/>
+      </p:ext>
+    </p:extLst>
+  </p:cSld>
+  <p:clrMapOvr>
+    <a:masterClrMapping/>
+  </p:clrMapOvr>
+</p:sld>
+</file>
+
+<file path=ppt/slides/slide35.xml><?xml version="1.0" encoding="utf-8"?>
+<p:sld xmlns:a="http://schemas.openxmlformats.org/drawingml/2006/main" xmlns:r="http://schemas.openxmlformats.org/officeDocument/2006/relationships" xmlns:p="http://schemas.openxmlformats.org/presentationml/2006/main">
+  <p:cSld>
+    <p:spTree>
+      <p:nvGrpSpPr>
+        <p:cNvPr id="1" name=""/>
+        <p:cNvGrpSpPr/>
+        <p:nvPr/>
+      </p:nvGrpSpPr>
+      <p:grpSpPr>
+        <a:xfrm>
+          <a:off x="0" y="0"/>
+          <a:ext cx="0" cy="0"/>
+          <a:chOff x="0" y="0"/>
+          <a:chExt cx="0" cy="0"/>
+        </a:xfrm>
+      </p:grpSpPr>
+      <p:sp>
+        <p:nvSpPr>
+          <p:cNvPr id="2" name="Title 1"/>
+          <p:cNvSpPr>
+            <a:spLocks noGrp="1"/>
+          </p:cNvSpPr>
+          <p:nvPr>
+            <p:ph type="title"/>
+          </p:nvPr>
+        </p:nvSpPr>
+        <p:spPr/>
+        <p:style>
+          <a:lnRef idx="1">
+            <a:schemeClr val="accent3"/>
+          </a:lnRef>
+          <a:fillRef idx="2">
+            <a:schemeClr val="accent3"/>
+          </a:fillRef>
+          <a:effectRef idx="1">
+            <a:schemeClr val="accent3"/>
+          </a:effectRef>
+          <a:fontRef idx="minor">
+            <a:schemeClr val="dk1"/>
+          </a:fontRef>
+        </p:style>
+        <p:txBody>
+          <a:bodyPr>
             <a:normAutofit/>
           </a:bodyPr>
           <a:lstStyle/>
@@ -30029,7 +35408,7 @@
 </p:sld>
 </file>
 
-<file path=ppt/slides/slide31.xml><?xml version="1.0" encoding="utf-8"?>
+<file path=ppt/slides/slide36.xml><?xml version="1.0" encoding="utf-8"?>
 <p:sld xmlns:a="http://schemas.openxmlformats.org/drawingml/2006/main" xmlns:r="http://schemas.openxmlformats.org/officeDocument/2006/relationships" xmlns:p="http://schemas.openxmlformats.org/presentationml/2006/main">
   <p:cSld>
     <p:spTree>
@@ -31306,6 +36685,7 @@
           </a:bodyPr>
           <a:lstStyle/>
           <a:p>
+            <a:pPr algn="ctr"/>
             <a:r>
               <a:rPr lang="en-US" dirty="0">
                 <a:solidFill>
@@ -31339,6 +36719,7 @@
           </a:bodyPr>
           <a:lstStyle/>
           <a:p>
+            <a:pPr algn="ctr"/>
             <a:r>
               <a:rPr lang="en-US" dirty="0">
                 <a:solidFill>
@@ -31360,36 +36741,42 @@
           </a:p>
         </p:txBody>
       </p:sp>
-      <p:pic>
-        <p:nvPicPr>
-          <p:cNvPr id="19" name="Picture 18">
+      <p:sp>
+        <p:nvSpPr>
+          <p:cNvPr id="4" name="TextBox 3">
             <a:extLst>
               <a:ext uri="{FF2B5EF4-FFF2-40B4-BE49-F238E27FC236}">
-                <a16:creationId xmlns:a16="http://schemas.microsoft.com/office/drawing/2014/main" id="{A84FF2E4-0649-4A64-A3D2-5488864B2CF3}"/>
+                <a16:creationId xmlns:a16="http://schemas.microsoft.com/office/drawing/2014/main" id="{040D29F7-D63D-449A-9C40-FFAC498F217A}"/>
               </a:ext>
             </a:extLst>
           </p:cNvPr>
-          <p:cNvPicPr>
-            <a:picLocks noChangeAspect="1"/>
-          </p:cNvPicPr>
+          <p:cNvSpPr txBox="1"/>
           <p:nvPr/>
-        </p:nvPicPr>
-        <p:blipFill>
-          <a:blip r:embed="rId3"/>
-          <a:stretch>
-            <a:fillRect/>
-          </a:stretch>
-        </p:blipFill>
+        </p:nvSpPr>
         <p:spPr>
           <a:xfrm>
-            <a:off x="1990021" y="5134016"/>
-            <a:ext cx="2237426" cy="743776"/>
+            <a:off x="1844566" y="5249917"/>
+            <a:ext cx="2364827" cy="369332"/>
           </a:xfrm>
           <a:prstGeom prst="rect">
             <a:avLst/>
           </a:prstGeom>
+          <a:noFill/>
         </p:spPr>
-      </p:pic>
+        <p:txBody>
+          <a:bodyPr wrap="square" rtlCol="0">
+            <a:spAutoFit/>
+          </a:bodyPr>
+          <a:lstStyle/>
+          <a:p>
+            <a:pPr algn="ctr"/>
+            <a:r>
+              <a:rPr lang="en-US" dirty="0"/>
+              <a:t>JIO Security</a:t>
+            </a:r>
+          </a:p>
+        </p:txBody>
+      </p:sp>
     </p:spTree>
     <p:extLst>
       <p:ext uri="{BB962C8B-B14F-4D97-AF65-F5344CB8AC3E}">
